--- a/mlds/2015/09_Structured Introduction (v2).pptx
+++ b/mlds/2015/09_Structured Introduction (v2).pptx
@@ -4067,7 +4067,7 @@
         <a:lstStyle/>
         <a:p>
           <a:r>
-            <a:rPr lang="en-US" altLang="zh-TW" sz="2400" dirty="0" smtClean="0"/>
+            <a:rPr lang="en-US" altLang="zh-TW" sz="2400" dirty="0"/>
             <a:t>Step 1: Training</a:t>
           </a:r>
           <a:endParaRPr lang="zh-TW" altLang="en-US" sz="2400" dirty="0"/>
@@ -4119,7 +4119,7 @@
         <a:lstStyle/>
         <a:p>
           <a:r>
-            <a:rPr lang="en-US" altLang="zh-TW" sz="2400" dirty="0" smtClean="0"/>
+            <a:rPr lang="en-US" altLang="zh-TW" sz="2400" dirty="0"/>
             <a:t>Find a function F</a:t>
           </a:r>
           <a:endParaRPr lang="zh-TW" altLang="en-US" sz="2400" dirty="0"/>
@@ -4156,7 +4156,7 @@
         <a:lstStyle/>
         <a:p>
           <a:r>
-            <a:rPr lang="en-US" altLang="zh-TW" sz="2400" dirty="0" smtClean="0"/>
+            <a:rPr lang="en-US" altLang="zh-TW" sz="2400" dirty="0"/>
             <a:t>Step 2: Inference (Testing)</a:t>
           </a:r>
           <a:endParaRPr lang="zh-TW" altLang="en-US" sz="2400" dirty="0"/>
@@ -4208,7 +4208,7 @@
         <a:lstStyle/>
         <a:p>
           <a:r>
-            <a:rPr lang="en-US" altLang="zh-TW" sz="2400" dirty="0" smtClean="0"/>
+            <a:rPr lang="en-US" altLang="zh-TW" sz="2400" dirty="0"/>
             <a:t>Given an object x</a:t>
           </a:r>
           <a:endParaRPr lang="zh-TW" altLang="en-US" sz="2400" dirty="0"/>
@@ -4260,15 +4260,15 @@
         <a:lstStyle/>
         <a:p>
           <a:r>
-            <a:rPr lang="en-US" altLang="zh-TW" sz="2400" dirty="0" smtClean="0"/>
+            <a:rPr lang="en-US" altLang="zh-TW" sz="2400" dirty="0"/>
             <a:t>F(</a:t>
           </a:r>
           <a:r>
-            <a:rPr lang="en-US" altLang="zh-TW" sz="2400" dirty="0" err="1" smtClean="0"/>
+            <a:rPr lang="en-US" altLang="zh-TW" sz="2400" dirty="0" err="1"/>
             <a:t>x,y</a:t>
           </a:r>
           <a:r>
-            <a:rPr lang="en-US" altLang="zh-TW" sz="2400" dirty="0" smtClean="0"/>
+            <a:rPr lang="en-US" altLang="zh-TW" sz="2400" dirty="0"/>
             <a:t>): evaluate how compatible the objects x and y is</a:t>
           </a:r>
           <a:endParaRPr lang="zh-TW" altLang="en-US" sz="2400" dirty="0"/>
@@ -4402,13 +4402,6 @@
         </dgm:presLayoutVars>
       </dgm:prSet>
       <dgm:spPr/>
-      <dgm:t>
-        <a:bodyPr/>
-        <a:lstStyle/>
-        <a:p>
-          <a:endParaRPr lang="zh-TW" altLang="en-US"/>
-        </a:p>
-      </dgm:t>
     </dgm:pt>
     <dgm:pt modelId="{231AE18B-EBC9-4452-B8FE-7C10AF8C3D99}" type="pres">
       <dgm:prSet presAssocID="{9E9874CF-1983-4284-9902-3A937231DEB8}" presName="parentLin" presStyleCnt="0"/>
@@ -4417,13 +4410,6 @@
     <dgm:pt modelId="{50D3F575-46BD-4A51-9AB7-79A1B5CBDC90}" type="pres">
       <dgm:prSet presAssocID="{9E9874CF-1983-4284-9902-3A937231DEB8}" presName="parentLeftMargin" presStyleLbl="node1" presStyleIdx="0" presStyleCnt="2"/>
       <dgm:spPr/>
-      <dgm:t>
-        <a:bodyPr/>
-        <a:lstStyle/>
-        <a:p>
-          <a:endParaRPr lang="zh-TW" altLang="en-US"/>
-        </a:p>
-      </dgm:t>
     </dgm:pt>
     <dgm:pt modelId="{68CB2C07-6FB4-43B7-90A6-6102B894FE03}" type="pres">
       <dgm:prSet presAssocID="{9E9874CF-1983-4284-9902-3A937231DEB8}" presName="parentText" presStyleLbl="node1" presStyleIdx="0" presStyleCnt="2">
@@ -4433,13 +4419,6 @@
         </dgm:presLayoutVars>
       </dgm:prSet>
       <dgm:spPr/>
-      <dgm:t>
-        <a:bodyPr/>
-        <a:lstStyle/>
-        <a:p>
-          <a:endParaRPr lang="zh-TW" altLang="en-US"/>
-        </a:p>
-      </dgm:t>
     </dgm:pt>
     <dgm:pt modelId="{884D52F0-3294-44A2-9D5C-6F850FA628DE}" type="pres">
       <dgm:prSet presAssocID="{9E9874CF-1983-4284-9902-3A937231DEB8}" presName="negativeSpace" presStyleCnt="0"/>
@@ -4452,13 +4431,6 @@
         </dgm:presLayoutVars>
       </dgm:prSet>
       <dgm:spPr/>
-      <dgm:t>
-        <a:bodyPr/>
-        <a:lstStyle/>
-        <a:p>
-          <a:endParaRPr lang="zh-TW" altLang="en-US"/>
-        </a:p>
-      </dgm:t>
     </dgm:pt>
     <dgm:pt modelId="{C392A045-7BA1-47A5-AFB1-CEB7DADB0811}" type="pres">
       <dgm:prSet presAssocID="{E742F436-A1FB-4F2C-A4B7-46B9317C8D59}" presName="spaceBetweenRectangles" presStyleCnt="0"/>
@@ -4471,13 +4443,6 @@
     <dgm:pt modelId="{FDF0F71C-270F-4095-8BE8-C8F869D73701}" type="pres">
       <dgm:prSet presAssocID="{FFDB51D0-6B1D-43D3-8E73-ECD7471A4D01}" presName="parentLeftMargin" presStyleLbl="node1" presStyleIdx="0" presStyleCnt="2"/>
       <dgm:spPr/>
-      <dgm:t>
-        <a:bodyPr/>
-        <a:lstStyle/>
-        <a:p>
-          <a:endParaRPr lang="zh-TW" altLang="en-US"/>
-        </a:p>
-      </dgm:t>
     </dgm:pt>
     <dgm:pt modelId="{3B277155-0BDC-4129-93DC-7CA37B78CDAF}" type="pres">
       <dgm:prSet presAssocID="{FFDB51D0-6B1D-43D3-8E73-ECD7471A4D01}" presName="parentText" presStyleLbl="node1" presStyleIdx="1" presStyleCnt="2">
@@ -4487,13 +4452,6 @@
         </dgm:presLayoutVars>
       </dgm:prSet>
       <dgm:spPr/>
-      <dgm:t>
-        <a:bodyPr/>
-        <a:lstStyle/>
-        <a:p>
-          <a:endParaRPr lang="zh-TW" altLang="en-US"/>
-        </a:p>
-      </dgm:t>
     </dgm:pt>
     <dgm:pt modelId="{E9B5DEB4-8473-44D4-BA8F-FD3AA2EB169A}" type="pres">
       <dgm:prSet presAssocID="{FFDB51D0-6B1D-43D3-8E73-ECD7471A4D01}" presName="negativeSpace" presStyleCnt="0"/>
@@ -4506,33 +4464,26 @@
         </dgm:presLayoutVars>
       </dgm:prSet>
       <dgm:spPr/>
-      <dgm:t>
-        <a:bodyPr/>
-        <a:lstStyle/>
-        <a:p>
-          <a:endParaRPr lang="zh-TW" altLang="en-US"/>
-        </a:p>
-      </dgm:t>
     </dgm:pt>
   </dgm:ptLst>
   <dgm:cxnLst>
+    <dgm:cxn modelId="{C6AFDE04-F384-465C-A228-C26019E61101}" type="presOf" srcId="{9E9874CF-1983-4284-9902-3A937231DEB8}" destId="{68CB2C07-6FB4-43B7-90A6-6102B894FE03}" srcOrd="1" destOrd="0" presId="urn:microsoft.com/office/officeart/2005/8/layout/list1"/>
+    <dgm:cxn modelId="{9CB2EF0A-A7A1-48CA-8B8E-CF1C7838F941}" srcId="{9F12D42D-88AA-413A-8637-2DD3F3F70319}" destId="{FFDB51D0-6B1D-43D3-8E73-ECD7471A4D01}" srcOrd="1" destOrd="0" parTransId="{D2D20269-1C92-46C1-8798-B1DB137BE683}" sibTransId="{3A399D6A-2AE5-43FE-875C-59880A4F8AEE}"/>
     <dgm:cxn modelId="{2A02411C-2F62-499E-89A1-ADF728A1EE9C}" srcId="{FFDB51D0-6B1D-43D3-8E73-ECD7471A4D01}" destId="{5DBD6C8D-BECC-48E9-899C-53A4492E616B}" srcOrd="1" destOrd="0" parTransId="{7FBDD872-5C76-46C4-A4D3-275F20B17780}" sibTransId="{BCE5D146-B5AC-452E-A25C-C0DB6E7ED8E7}"/>
+    <dgm:cxn modelId="{4BA1F61F-9E97-4CED-B370-94B3375CBAB7}" type="presOf" srcId="{4035ACF0-760C-45C9-B54D-7153FB673A6A}" destId="{D19E3202-A4D6-4896-A660-41FC5C701937}" srcOrd="0" destOrd="0" presId="urn:microsoft.com/office/officeart/2005/8/layout/list1"/>
     <dgm:cxn modelId="{ED845626-BB77-4794-A6E0-016A8B2C869D}" type="presOf" srcId="{5DBD6C8D-BECC-48E9-899C-53A4492E616B}" destId="{D19E3202-A4D6-4896-A660-41FC5C701937}" srcOrd="0" destOrd="1" presId="urn:microsoft.com/office/officeart/2005/8/layout/list1"/>
+    <dgm:cxn modelId="{2301E92B-1438-40D5-8D81-A1C0F11D8C30}" type="presOf" srcId="{FFDB51D0-6B1D-43D3-8E73-ECD7471A4D01}" destId="{3B277155-0BDC-4129-93DC-7CA37B78CDAF}" srcOrd="1" destOrd="0" presId="urn:microsoft.com/office/officeart/2005/8/layout/list1"/>
+    <dgm:cxn modelId="{0453A036-41F9-4900-B3C5-AEA844FA5F9D}" type="presOf" srcId="{9E9874CF-1983-4284-9902-3A937231DEB8}" destId="{50D3F575-46BD-4A51-9AB7-79A1B5CBDC90}" srcOrd="0" destOrd="0" presId="urn:microsoft.com/office/officeart/2005/8/layout/list1"/>
+    <dgm:cxn modelId="{C936F741-3CBB-4CB1-AF80-B6F419D3FFF8}" srcId="{FFDB51D0-6B1D-43D3-8E73-ECD7471A4D01}" destId="{4035ACF0-760C-45C9-B54D-7153FB673A6A}" srcOrd="0" destOrd="0" parTransId="{3BEE3D63-97D4-4204-93B8-982E3D13C723}" sibTransId="{56F0E1E7-8935-4942-8520-B7DEA8381FC6}"/>
     <dgm:cxn modelId="{A1A8DD4B-32E6-409F-8C8A-62259E19FB34}" type="presOf" srcId="{92087D4F-269E-4932-9002-3AB0A3D6E103}" destId="{6733F149-A598-45D9-8D73-E9E4DA20EB7D}" srcOrd="0" destOrd="1" presId="urn:microsoft.com/office/officeart/2005/8/layout/list1"/>
     <dgm:cxn modelId="{35BB3962-B8FC-4CE7-981A-DACABDB1EED6}" type="presOf" srcId="{7FEAE1CC-6AD9-4DDE-A717-271EAD0BBA84}" destId="{6733F149-A598-45D9-8D73-E9E4DA20EB7D}" srcOrd="0" destOrd="2" presId="urn:microsoft.com/office/officeart/2005/8/layout/list1"/>
-    <dgm:cxn modelId="{C6AFDE04-F384-465C-A228-C26019E61101}" type="presOf" srcId="{9E9874CF-1983-4284-9902-3A937231DEB8}" destId="{68CB2C07-6FB4-43B7-90A6-6102B894FE03}" srcOrd="1" destOrd="0" presId="urn:microsoft.com/office/officeart/2005/8/layout/list1"/>
-    <dgm:cxn modelId="{4BA1F61F-9E97-4CED-B370-94B3375CBAB7}" type="presOf" srcId="{4035ACF0-760C-45C9-B54D-7153FB673A6A}" destId="{D19E3202-A4D6-4896-A660-41FC5C701937}" srcOrd="0" destOrd="0" presId="urn:microsoft.com/office/officeart/2005/8/layout/list1"/>
     <dgm:cxn modelId="{E7802863-6352-4005-AE63-FAA1195B1606}" srcId="{9E9874CF-1983-4284-9902-3A937231DEB8}" destId="{92087D4F-269E-4932-9002-3AB0A3D6E103}" srcOrd="1" destOrd="0" parTransId="{D3F08EC7-05CD-4150-8374-889E714AE78D}" sibTransId="{05F05C32-4850-465C-BE8E-EFDE1D3480C4}"/>
-    <dgm:cxn modelId="{179BB39B-2395-41A4-B244-7262B5EC9C18}" srcId="{9F12D42D-88AA-413A-8637-2DD3F3F70319}" destId="{9E9874CF-1983-4284-9902-3A937231DEB8}" srcOrd="0" destOrd="0" parTransId="{E2F89896-475B-4E2D-BBD2-CC82F8B08D57}" sibTransId="{E742F436-A1FB-4F2C-A4B7-46B9317C8D59}"/>
-    <dgm:cxn modelId="{5915A87B-9EBC-4B95-A036-8485A6CD2DE5}" type="presOf" srcId="{9F12D42D-88AA-413A-8637-2DD3F3F70319}" destId="{E0F120CA-8905-417C-A334-980514E77545}" srcOrd="0" destOrd="0" presId="urn:microsoft.com/office/officeart/2005/8/layout/list1"/>
-    <dgm:cxn modelId="{9CB2EF0A-A7A1-48CA-8B8E-CF1C7838F941}" srcId="{9F12D42D-88AA-413A-8637-2DD3F3F70319}" destId="{FFDB51D0-6B1D-43D3-8E73-ECD7471A4D01}" srcOrd="1" destOrd="0" parTransId="{D2D20269-1C92-46C1-8798-B1DB137BE683}" sibTransId="{3A399D6A-2AE5-43FE-875C-59880A4F8AEE}"/>
-    <dgm:cxn modelId="{C936F741-3CBB-4CB1-AF80-B6F419D3FFF8}" srcId="{FFDB51D0-6B1D-43D3-8E73-ECD7471A4D01}" destId="{4035ACF0-760C-45C9-B54D-7153FB673A6A}" srcOrd="0" destOrd="0" parTransId="{3BEE3D63-97D4-4204-93B8-982E3D13C723}" sibTransId="{56F0E1E7-8935-4942-8520-B7DEA8381FC6}"/>
-    <dgm:cxn modelId="{D1AD128E-4498-4D44-9D03-0D733E1780BB}" type="presOf" srcId="{FFDB51D0-6B1D-43D3-8E73-ECD7471A4D01}" destId="{FDF0F71C-270F-4095-8BE8-C8F869D73701}" srcOrd="0" destOrd="0" presId="urn:microsoft.com/office/officeart/2005/8/layout/list1"/>
-    <dgm:cxn modelId="{2301E92B-1438-40D5-8D81-A1C0F11D8C30}" type="presOf" srcId="{FFDB51D0-6B1D-43D3-8E73-ECD7471A4D01}" destId="{3B277155-0BDC-4129-93DC-7CA37B78CDAF}" srcOrd="1" destOrd="0" presId="urn:microsoft.com/office/officeart/2005/8/layout/list1"/>
-    <dgm:cxn modelId="{0453A036-41F9-4900-B3C5-AEA844FA5F9D}" type="presOf" srcId="{9E9874CF-1983-4284-9902-3A937231DEB8}" destId="{50D3F575-46BD-4A51-9AB7-79A1B5CBDC90}" srcOrd="0" destOrd="0" presId="urn:microsoft.com/office/officeart/2005/8/layout/list1"/>
-    <dgm:cxn modelId="{B21A8CD8-53D6-451C-A872-58F0319678C6}" srcId="{9E9874CF-1983-4284-9902-3A937231DEB8}" destId="{7FEAE1CC-6AD9-4DDE-A717-271EAD0BBA84}" srcOrd="2" destOrd="0" parTransId="{581F2093-6720-4E95-BFF7-1D5F71DD914E}" sibTransId="{7FF0B6C0-FA8D-41AB-A8A8-D086586DBF00}"/>
     <dgm:cxn modelId="{8AE4F370-3CD5-4DEA-8996-344E7469EB95}" type="presOf" srcId="{76DBAD82-5522-406D-90B7-E01561ACB68A}" destId="{6733F149-A598-45D9-8D73-E9E4DA20EB7D}" srcOrd="0" destOrd="0" presId="urn:microsoft.com/office/officeart/2005/8/layout/list1"/>
     <dgm:cxn modelId="{16835473-8DC4-4BB2-AA3C-6C91D0EACF76}" srcId="{9E9874CF-1983-4284-9902-3A937231DEB8}" destId="{76DBAD82-5522-406D-90B7-E01561ACB68A}" srcOrd="0" destOrd="0" parTransId="{46E8ACA0-0989-47FD-98D0-47A04621E426}" sibTransId="{0A4A8D4C-3459-42FF-882A-7A578832BF1E}"/>
+    <dgm:cxn modelId="{5915A87B-9EBC-4B95-A036-8485A6CD2DE5}" type="presOf" srcId="{9F12D42D-88AA-413A-8637-2DD3F3F70319}" destId="{E0F120CA-8905-417C-A334-980514E77545}" srcOrd="0" destOrd="0" presId="urn:microsoft.com/office/officeart/2005/8/layout/list1"/>
+    <dgm:cxn modelId="{D1AD128E-4498-4D44-9D03-0D733E1780BB}" type="presOf" srcId="{FFDB51D0-6B1D-43D3-8E73-ECD7471A4D01}" destId="{FDF0F71C-270F-4095-8BE8-C8F869D73701}" srcOrd="0" destOrd="0" presId="urn:microsoft.com/office/officeart/2005/8/layout/list1"/>
+    <dgm:cxn modelId="{179BB39B-2395-41A4-B244-7262B5EC9C18}" srcId="{9F12D42D-88AA-413A-8637-2DD3F3F70319}" destId="{9E9874CF-1983-4284-9902-3A937231DEB8}" srcOrd="0" destOrd="0" parTransId="{E2F89896-475B-4E2D-BBD2-CC82F8B08D57}" sibTransId="{E742F436-A1FB-4F2C-A4B7-46B9317C8D59}"/>
+    <dgm:cxn modelId="{B21A8CD8-53D6-451C-A872-58F0319678C6}" srcId="{9E9874CF-1983-4284-9902-3A937231DEB8}" destId="{7FEAE1CC-6AD9-4DDE-A717-271EAD0BBA84}" srcOrd="2" destOrd="0" parTransId="{581F2093-6720-4E95-BFF7-1D5F71DD914E}" sibTransId="{7FF0B6C0-FA8D-41AB-A8A8-D086586DBF00}"/>
     <dgm:cxn modelId="{56300E79-3FE5-47F8-A910-68CB12CD932A}" type="presParOf" srcId="{E0F120CA-8905-417C-A334-980514E77545}" destId="{231AE18B-EBC9-4452-B8FE-7C10AF8C3D99}" srcOrd="0" destOrd="0" presId="urn:microsoft.com/office/officeart/2005/8/layout/list1"/>
     <dgm:cxn modelId="{838445DD-6601-4915-80E3-F4069FBC3CF1}" type="presParOf" srcId="{231AE18B-EBC9-4452-B8FE-7C10AF8C3D99}" destId="{50D3F575-46BD-4A51-9AB7-79A1B5CBDC90}" srcOrd="0" destOrd="0" presId="urn:microsoft.com/office/officeart/2005/8/layout/list1"/>
     <dgm:cxn modelId="{D0DD64C8-114A-4AD8-B8FC-D772F4955D12}" type="presParOf" srcId="{231AE18B-EBC9-4452-B8FE-7C10AF8C3D99}" destId="{68CB2C07-6FB4-43B7-90A6-6102B894FE03}" srcOrd="1" destOrd="0" presId="urn:microsoft.com/office/officeart/2005/8/layout/list1"/>
@@ -4577,7 +4528,7 @@
         <a:lstStyle/>
         <a:p>
           <a:r>
-            <a:rPr lang="en-US" altLang="zh-TW" sz="2400" dirty="0" smtClean="0"/>
+            <a:rPr lang="en-US" altLang="zh-TW" sz="2400" dirty="0"/>
             <a:t>Step 1: Training</a:t>
           </a:r>
           <a:endParaRPr lang="zh-TW" altLang="en-US" sz="2400" dirty="0"/>
@@ -4629,15 +4580,15 @@
         <a:lstStyle/>
         <a:p>
           <a:r>
-            <a:rPr lang="en-US" altLang="zh-TW" sz="2400" dirty="0" smtClean="0"/>
+            <a:rPr lang="en-US" altLang="zh-TW" sz="2400" dirty="0"/>
             <a:t>Estimate the probability P(</a:t>
           </a:r>
           <a:r>
-            <a:rPr lang="en-US" altLang="zh-TW" sz="2400" dirty="0" err="1" smtClean="0"/>
+            <a:rPr lang="en-US" altLang="zh-TW" sz="2400" dirty="0" err="1"/>
             <a:t>x,y</a:t>
           </a:r>
           <a:r>
-            <a:rPr lang="en-US" altLang="zh-TW" sz="2400" dirty="0" smtClean="0"/>
+            <a:rPr lang="en-US" altLang="zh-TW" sz="2400" dirty="0"/>
             <a:t>)</a:t>
           </a:r>
           <a:endParaRPr lang="zh-TW" altLang="en-US" sz="2400" dirty="0"/>
@@ -4674,7 +4625,7 @@
         <a:lstStyle/>
         <a:p>
           <a:r>
-            <a:rPr lang="en-US" altLang="zh-TW" sz="2400" dirty="0" smtClean="0"/>
+            <a:rPr lang="en-US" altLang="zh-TW" sz="2400" dirty="0"/>
             <a:t>Step 2: Inference</a:t>
           </a:r>
           <a:endParaRPr lang="zh-TW" altLang="en-US" sz="2400" dirty="0"/>
@@ -4726,7 +4677,7 @@
         <a:lstStyle/>
         <a:p>
           <a:r>
-            <a:rPr lang="en-US" altLang="zh-TW" sz="2400" dirty="0" smtClean="0"/>
+            <a:rPr lang="en-US" altLang="zh-TW" sz="2400" dirty="0"/>
             <a:t>Given an object x</a:t>
           </a:r>
           <a:endParaRPr lang="zh-TW" altLang="en-US" sz="2400" dirty="0"/>
@@ -5100,13 +5051,6 @@
         </dgm:presLayoutVars>
       </dgm:prSet>
       <dgm:spPr/>
-      <dgm:t>
-        <a:bodyPr/>
-        <a:lstStyle/>
-        <a:p>
-          <a:endParaRPr lang="zh-TW" altLang="en-US"/>
-        </a:p>
-      </dgm:t>
     </dgm:pt>
     <dgm:pt modelId="{231AE18B-EBC9-4452-B8FE-7C10AF8C3D99}" type="pres">
       <dgm:prSet presAssocID="{9E9874CF-1983-4284-9902-3A937231DEB8}" presName="parentLin" presStyleCnt="0"/>
@@ -5115,13 +5059,6 @@
     <dgm:pt modelId="{50D3F575-46BD-4A51-9AB7-79A1B5CBDC90}" type="pres">
       <dgm:prSet presAssocID="{9E9874CF-1983-4284-9902-3A937231DEB8}" presName="parentLeftMargin" presStyleLbl="node1" presStyleIdx="0" presStyleCnt="2"/>
       <dgm:spPr/>
-      <dgm:t>
-        <a:bodyPr/>
-        <a:lstStyle/>
-        <a:p>
-          <a:endParaRPr lang="zh-TW" altLang="en-US"/>
-        </a:p>
-      </dgm:t>
     </dgm:pt>
     <dgm:pt modelId="{68CB2C07-6FB4-43B7-90A6-6102B894FE03}" type="pres">
       <dgm:prSet presAssocID="{9E9874CF-1983-4284-9902-3A937231DEB8}" presName="parentText" presStyleLbl="node1" presStyleIdx="0" presStyleCnt="2" custScaleY="48889">
@@ -5131,13 +5068,6 @@
         </dgm:presLayoutVars>
       </dgm:prSet>
       <dgm:spPr/>
-      <dgm:t>
-        <a:bodyPr/>
-        <a:lstStyle/>
-        <a:p>
-          <a:endParaRPr lang="zh-TW" altLang="en-US"/>
-        </a:p>
-      </dgm:t>
     </dgm:pt>
     <dgm:pt modelId="{884D52F0-3294-44A2-9D5C-6F850FA628DE}" type="pres">
       <dgm:prSet presAssocID="{9E9874CF-1983-4284-9902-3A937231DEB8}" presName="negativeSpace" presStyleCnt="0"/>
@@ -5150,13 +5080,6 @@
         </dgm:presLayoutVars>
       </dgm:prSet>
       <dgm:spPr/>
-      <dgm:t>
-        <a:bodyPr/>
-        <a:lstStyle/>
-        <a:p>
-          <a:endParaRPr lang="zh-TW" altLang="en-US"/>
-        </a:p>
-      </dgm:t>
     </dgm:pt>
     <dgm:pt modelId="{C392A045-7BA1-47A5-AFB1-CEB7DADB0811}" type="pres">
       <dgm:prSet presAssocID="{E742F436-A1FB-4F2C-A4B7-46B9317C8D59}" presName="spaceBetweenRectangles" presStyleCnt="0"/>
@@ -5169,13 +5092,6 @@
     <dgm:pt modelId="{FDF0F71C-270F-4095-8BE8-C8F869D73701}" type="pres">
       <dgm:prSet presAssocID="{FFDB51D0-6B1D-43D3-8E73-ECD7471A4D01}" presName="parentLeftMargin" presStyleLbl="node1" presStyleIdx="0" presStyleCnt="2"/>
       <dgm:spPr/>
-      <dgm:t>
-        <a:bodyPr/>
-        <a:lstStyle/>
-        <a:p>
-          <a:endParaRPr lang="zh-TW" altLang="en-US"/>
-        </a:p>
-      </dgm:t>
     </dgm:pt>
     <dgm:pt modelId="{3B277155-0BDC-4129-93DC-7CA37B78CDAF}" type="pres">
       <dgm:prSet presAssocID="{FFDB51D0-6B1D-43D3-8E73-ECD7471A4D01}" presName="parentText" presStyleLbl="node1" presStyleIdx="1" presStyleCnt="2" custScaleY="56582">
@@ -5185,13 +5101,6 @@
         </dgm:presLayoutVars>
       </dgm:prSet>
       <dgm:spPr/>
-      <dgm:t>
-        <a:bodyPr/>
-        <a:lstStyle/>
-        <a:p>
-          <a:endParaRPr lang="zh-TW" altLang="en-US"/>
-        </a:p>
-      </dgm:t>
     </dgm:pt>
     <dgm:pt modelId="{E9B5DEB4-8473-44D4-BA8F-FD3AA2EB169A}" type="pres">
       <dgm:prSet presAssocID="{FFDB51D0-6B1D-43D3-8E73-ECD7471A4D01}" presName="negativeSpace" presStyleCnt="0"/>
@@ -5204,41 +5113,34 @@
         </dgm:presLayoutVars>
       </dgm:prSet>
       <dgm:spPr/>
-      <dgm:t>
-        <a:bodyPr/>
-        <a:lstStyle/>
-        <a:p>
-          <a:endParaRPr lang="zh-TW" altLang="en-US"/>
-        </a:p>
-      </dgm:t>
     </dgm:pt>
   </dgm:ptLst>
   <dgm:cxnLst>
-    <dgm:cxn modelId="{9B4217F8-5367-4860-9FC7-EB147DA0F7B2}" type="presOf" srcId="{40AB946A-C638-4522-B602-A75E60BE419B}" destId="{D19E3202-A4D6-4896-A660-41FC5C701937}" srcOrd="0" destOrd="2" presId="urn:microsoft.com/office/officeart/2005/8/layout/list1"/>
-    <dgm:cxn modelId="{2A02411C-2F62-499E-89A1-ADF728A1EE9C}" srcId="{FFDB51D0-6B1D-43D3-8E73-ECD7471A4D01}" destId="{5DBD6C8D-BECC-48E9-899C-53A4492E616B}" srcOrd="6" destOrd="0" parTransId="{7FBDD872-5C76-46C4-A4D3-275F20B17780}" sibTransId="{BCE5D146-B5AC-452E-A25C-C0DB6E7ED8E7}"/>
-    <dgm:cxn modelId="{8A595E78-8AFC-48DB-B208-4F713AB85B7E}" srcId="{9E9874CF-1983-4284-9902-3A937231DEB8}" destId="{F7BFB533-B946-4AFA-AB78-1519761CD0D1}" srcOrd="1" destOrd="0" parTransId="{9D8A3A68-032C-4867-AF9C-7CA83B2EE1B6}" sibTransId="{CF92C13D-261A-4082-A5F6-C6754DAD6E15}"/>
-    <dgm:cxn modelId="{D1AB81AE-1DC0-4EBB-9218-4839505F9AEF}" srcId="{FFDB51D0-6B1D-43D3-8E73-ECD7471A4D01}" destId="{40AB946A-C638-4522-B602-A75E60BE419B}" srcOrd="2" destOrd="0" parTransId="{92DE80C3-706B-4C3A-9246-AE50048393F4}" sibTransId="{854A27DE-41C7-4907-AF14-7985E83909F5}"/>
-    <dgm:cxn modelId="{A8E60634-E1A4-45C5-8EBA-1023637F5675}" type="presOf" srcId="{5DBD6C8D-BECC-48E9-899C-53A4492E616B}" destId="{D19E3202-A4D6-4896-A660-41FC5C701937}" srcOrd="0" destOrd="6" presId="urn:microsoft.com/office/officeart/2005/8/layout/list1"/>
-    <dgm:cxn modelId="{AC5C1847-3DE2-4C8B-B59D-13C04592B073}" type="presOf" srcId="{F2FF51FB-2F36-4DB7-860B-47737E2A151E}" destId="{D19E3202-A4D6-4896-A660-41FC5C701937}" srcOrd="0" destOrd="5" presId="urn:microsoft.com/office/officeart/2005/8/layout/list1"/>
-    <dgm:cxn modelId="{71B93DF8-E515-4314-A15C-0C6C5C6CBE5A}" srcId="{FFDB51D0-6B1D-43D3-8E73-ECD7471A4D01}" destId="{6003DAA0-9C82-44B7-AB65-A049B4D23AAC}" srcOrd="3" destOrd="0" parTransId="{95B35FDB-A968-4454-9807-D296F254542C}" sibTransId="{2F3C4F88-362A-44A2-B60B-48C06205DC84}"/>
-    <dgm:cxn modelId="{890D6BE9-E51F-4B22-AB32-4B716929A32D}" type="presOf" srcId="{4035ACF0-760C-45C9-B54D-7153FB673A6A}" destId="{D19E3202-A4D6-4896-A660-41FC5C701937}" srcOrd="0" destOrd="0" presId="urn:microsoft.com/office/officeart/2005/8/layout/list1"/>
-    <dgm:cxn modelId="{DB26E68C-D0BC-45BB-9B72-20A2C0180CDA}" type="presOf" srcId="{76DBAD82-5522-406D-90B7-E01561ACB68A}" destId="{6733F149-A598-45D9-8D73-E9E4DA20EB7D}" srcOrd="0" destOrd="0" presId="urn:microsoft.com/office/officeart/2005/8/layout/list1"/>
-    <dgm:cxn modelId="{179BB39B-2395-41A4-B244-7262B5EC9C18}" srcId="{9F12D42D-88AA-413A-8637-2DD3F3F70319}" destId="{9E9874CF-1983-4284-9902-3A937231DEB8}" srcOrd="0" destOrd="0" parTransId="{E2F89896-475B-4E2D-BBD2-CC82F8B08D57}" sibTransId="{E742F436-A1FB-4F2C-A4B7-46B9317C8D59}"/>
-    <dgm:cxn modelId="{CE638EE0-AECF-470B-932C-CAD25967BDAF}" type="presOf" srcId="{FFDB51D0-6B1D-43D3-8E73-ECD7471A4D01}" destId="{3B277155-0BDC-4129-93DC-7CA37B78CDAF}" srcOrd="1" destOrd="0" presId="urn:microsoft.com/office/officeart/2005/8/layout/list1"/>
-    <dgm:cxn modelId="{746018BB-72F0-4FAF-B42E-E0BCBBA52A83}" srcId="{FFDB51D0-6B1D-43D3-8E73-ECD7471A4D01}" destId="{71E09C4F-BDE0-46AA-97FB-E714A98E72C7}" srcOrd="4" destOrd="0" parTransId="{90AEC932-062D-4E85-8646-4DA690B13E3B}" sibTransId="{5FE420CA-A493-4103-8EE8-D0D1A5E33C1B}"/>
     <dgm:cxn modelId="{B2D70803-BCEE-4887-8705-83B4ECFBAB9C}" type="presOf" srcId="{F7BFB533-B946-4AFA-AB78-1519761CD0D1}" destId="{6733F149-A598-45D9-8D73-E9E4DA20EB7D}" srcOrd="0" destOrd="1" presId="urn:microsoft.com/office/officeart/2005/8/layout/list1"/>
     <dgm:cxn modelId="{9CB2EF0A-A7A1-48CA-8B8E-CF1C7838F941}" srcId="{9F12D42D-88AA-413A-8637-2DD3F3F70319}" destId="{FFDB51D0-6B1D-43D3-8E73-ECD7471A4D01}" srcOrd="1" destOrd="0" parTransId="{D2D20269-1C92-46C1-8798-B1DB137BE683}" sibTransId="{3A399D6A-2AE5-43FE-875C-59880A4F8AEE}"/>
+    <dgm:cxn modelId="{6134CE18-E953-4D6E-ABD2-C41F90B77850}" type="presOf" srcId="{9E9874CF-1983-4284-9902-3A937231DEB8}" destId="{50D3F575-46BD-4A51-9AB7-79A1B5CBDC90}" srcOrd="0" destOrd="0" presId="urn:microsoft.com/office/officeart/2005/8/layout/list1"/>
+    <dgm:cxn modelId="{2A02411C-2F62-499E-89A1-ADF728A1EE9C}" srcId="{FFDB51D0-6B1D-43D3-8E73-ECD7471A4D01}" destId="{5DBD6C8D-BECC-48E9-899C-53A4492E616B}" srcOrd="6" destOrd="0" parTransId="{7FBDD872-5C76-46C4-A4D3-275F20B17780}" sibTransId="{BCE5D146-B5AC-452E-A25C-C0DB6E7ED8E7}"/>
+    <dgm:cxn modelId="{85383529-118A-40E9-AEFA-14F7B1B908B0}" srcId="{FFDB51D0-6B1D-43D3-8E73-ECD7471A4D01}" destId="{F2FF51FB-2F36-4DB7-860B-47737E2A151E}" srcOrd="5" destOrd="0" parTransId="{A6686763-A272-4F7F-BD83-F9CBA6477006}" sibTransId="{152FC8E8-BB21-44EF-8A7F-5550513AA1F6}"/>
+    <dgm:cxn modelId="{CC2F8A29-B300-4BA8-A583-CBDED2FA7B3B}" srcId="{FFDB51D0-6B1D-43D3-8E73-ECD7471A4D01}" destId="{C0654F53-D694-4BA8-9068-2EAC60EE191B}" srcOrd="1" destOrd="0" parTransId="{17BC6432-C868-481F-A3CB-15B9DE12BC45}" sibTransId="{88A5F33B-056B-4128-A845-5722A4B3547E}"/>
+    <dgm:cxn modelId="{A8E60634-E1A4-45C5-8EBA-1023637F5675}" type="presOf" srcId="{5DBD6C8D-BECC-48E9-899C-53A4492E616B}" destId="{D19E3202-A4D6-4896-A660-41FC5C701937}" srcOrd="0" destOrd="6" presId="urn:microsoft.com/office/officeart/2005/8/layout/list1"/>
     <dgm:cxn modelId="{C936F741-3CBB-4CB1-AF80-B6F419D3FFF8}" srcId="{FFDB51D0-6B1D-43D3-8E73-ECD7471A4D01}" destId="{4035ACF0-760C-45C9-B54D-7153FB673A6A}" srcOrd="0" destOrd="0" parTransId="{3BEE3D63-97D4-4204-93B8-982E3D13C723}" sibTransId="{56F0E1E7-8935-4942-8520-B7DEA8381FC6}"/>
-    <dgm:cxn modelId="{1968FD95-8454-4D69-B725-54A2C6BAC44B}" type="presOf" srcId="{71E09C4F-BDE0-46AA-97FB-E714A98E72C7}" destId="{D19E3202-A4D6-4896-A660-41FC5C701937}" srcOrd="0" destOrd="4" presId="urn:microsoft.com/office/officeart/2005/8/layout/list1"/>
+    <dgm:cxn modelId="{AC5C1847-3DE2-4C8B-B59D-13C04592B073}" type="presOf" srcId="{F2FF51FB-2F36-4DB7-860B-47737E2A151E}" destId="{D19E3202-A4D6-4896-A660-41FC5C701937}" srcOrd="0" destOrd="5" presId="urn:microsoft.com/office/officeart/2005/8/layout/list1"/>
     <dgm:cxn modelId="{2508C960-67AD-43C2-B489-CE25762CC579}" type="presOf" srcId="{9F12D42D-88AA-413A-8637-2DD3F3F70319}" destId="{E0F120CA-8905-417C-A334-980514E77545}" srcOrd="0" destOrd="0" presId="urn:microsoft.com/office/officeart/2005/8/layout/list1"/>
-    <dgm:cxn modelId="{6134CE18-E953-4D6E-ABD2-C41F90B77850}" type="presOf" srcId="{9E9874CF-1983-4284-9902-3A937231DEB8}" destId="{50D3F575-46BD-4A51-9AB7-79A1B5CBDC90}" srcOrd="0" destOrd="0" presId="urn:microsoft.com/office/officeart/2005/8/layout/list1"/>
-    <dgm:cxn modelId="{97D2ECBA-CAE5-4BB0-B723-9EB9BD535723}" type="presOf" srcId="{9E9874CF-1983-4284-9902-3A937231DEB8}" destId="{68CB2C07-6FB4-43B7-90A6-6102B894FE03}" srcOrd="1" destOrd="0" presId="urn:microsoft.com/office/officeart/2005/8/layout/list1"/>
+    <dgm:cxn modelId="{11E6BB67-8A54-4E64-9755-1393A0A5012E}" type="presOf" srcId="{6003DAA0-9C82-44B7-AB65-A049B4D23AAC}" destId="{D19E3202-A4D6-4896-A660-41FC5C701937}" srcOrd="0" destOrd="3" presId="urn:microsoft.com/office/officeart/2005/8/layout/list1"/>
     <dgm:cxn modelId="{16835473-8DC4-4BB2-AA3C-6C91D0EACF76}" srcId="{9E9874CF-1983-4284-9902-3A937231DEB8}" destId="{76DBAD82-5522-406D-90B7-E01561ACB68A}" srcOrd="0" destOrd="0" parTransId="{46E8ACA0-0989-47FD-98D0-47A04621E426}" sibTransId="{0A4A8D4C-3459-42FF-882A-7A578832BF1E}"/>
     <dgm:cxn modelId="{28EFCE74-3446-448C-ADF4-2BF94DDF0F6C}" type="presOf" srcId="{FFDB51D0-6B1D-43D3-8E73-ECD7471A4D01}" destId="{FDF0F71C-270F-4095-8BE8-C8F869D73701}" srcOrd="0" destOrd="0" presId="urn:microsoft.com/office/officeart/2005/8/layout/list1"/>
+    <dgm:cxn modelId="{8A595E78-8AFC-48DB-B208-4F713AB85B7E}" srcId="{9E9874CF-1983-4284-9902-3A937231DEB8}" destId="{F7BFB533-B946-4AFA-AB78-1519761CD0D1}" srcOrd="1" destOrd="0" parTransId="{9D8A3A68-032C-4867-AF9C-7CA83B2EE1B6}" sibTransId="{CF92C13D-261A-4082-A5F6-C6754DAD6E15}"/>
+    <dgm:cxn modelId="{DB26E68C-D0BC-45BB-9B72-20A2C0180CDA}" type="presOf" srcId="{76DBAD82-5522-406D-90B7-E01561ACB68A}" destId="{6733F149-A598-45D9-8D73-E9E4DA20EB7D}" srcOrd="0" destOrd="0" presId="urn:microsoft.com/office/officeart/2005/8/layout/list1"/>
+    <dgm:cxn modelId="{1968FD95-8454-4D69-B725-54A2C6BAC44B}" type="presOf" srcId="{71E09C4F-BDE0-46AA-97FB-E714A98E72C7}" destId="{D19E3202-A4D6-4896-A660-41FC5C701937}" srcOrd="0" destOrd="4" presId="urn:microsoft.com/office/officeart/2005/8/layout/list1"/>
+    <dgm:cxn modelId="{179BB39B-2395-41A4-B244-7262B5EC9C18}" srcId="{9F12D42D-88AA-413A-8637-2DD3F3F70319}" destId="{9E9874CF-1983-4284-9902-3A937231DEB8}" srcOrd="0" destOrd="0" parTransId="{E2F89896-475B-4E2D-BBD2-CC82F8B08D57}" sibTransId="{E742F436-A1FB-4F2C-A4B7-46B9317C8D59}"/>
+    <dgm:cxn modelId="{D1AB81AE-1DC0-4EBB-9218-4839505F9AEF}" srcId="{FFDB51D0-6B1D-43D3-8E73-ECD7471A4D01}" destId="{40AB946A-C638-4522-B602-A75E60BE419B}" srcOrd="2" destOrd="0" parTransId="{92DE80C3-706B-4C3A-9246-AE50048393F4}" sibTransId="{854A27DE-41C7-4907-AF14-7985E83909F5}"/>
+    <dgm:cxn modelId="{97D2ECBA-CAE5-4BB0-B723-9EB9BD535723}" type="presOf" srcId="{9E9874CF-1983-4284-9902-3A937231DEB8}" destId="{68CB2C07-6FB4-43B7-90A6-6102B894FE03}" srcOrd="1" destOrd="0" presId="urn:microsoft.com/office/officeart/2005/8/layout/list1"/>
+    <dgm:cxn modelId="{746018BB-72F0-4FAF-B42E-E0BCBBA52A83}" srcId="{FFDB51D0-6B1D-43D3-8E73-ECD7471A4D01}" destId="{71E09C4F-BDE0-46AA-97FB-E714A98E72C7}" srcOrd="4" destOrd="0" parTransId="{90AEC932-062D-4E85-8646-4DA690B13E3B}" sibTransId="{5FE420CA-A493-4103-8EE8-D0D1A5E33C1B}"/>
+    <dgm:cxn modelId="{CE638EE0-AECF-470B-932C-CAD25967BDAF}" type="presOf" srcId="{FFDB51D0-6B1D-43D3-8E73-ECD7471A4D01}" destId="{3B277155-0BDC-4129-93DC-7CA37B78CDAF}" srcOrd="1" destOrd="0" presId="urn:microsoft.com/office/officeart/2005/8/layout/list1"/>
+    <dgm:cxn modelId="{890D6BE9-E51F-4B22-AB32-4B716929A32D}" type="presOf" srcId="{4035ACF0-760C-45C9-B54D-7153FB673A6A}" destId="{D19E3202-A4D6-4896-A660-41FC5C701937}" srcOrd="0" destOrd="0" presId="urn:microsoft.com/office/officeart/2005/8/layout/list1"/>
+    <dgm:cxn modelId="{9B4217F8-5367-4860-9FC7-EB147DA0F7B2}" type="presOf" srcId="{40AB946A-C638-4522-B602-A75E60BE419B}" destId="{D19E3202-A4D6-4896-A660-41FC5C701937}" srcOrd="0" destOrd="2" presId="urn:microsoft.com/office/officeart/2005/8/layout/list1"/>
+    <dgm:cxn modelId="{71B93DF8-E515-4314-A15C-0C6C5C6CBE5A}" srcId="{FFDB51D0-6B1D-43D3-8E73-ECD7471A4D01}" destId="{6003DAA0-9C82-44B7-AB65-A049B4D23AAC}" srcOrd="3" destOrd="0" parTransId="{95B35FDB-A968-4454-9807-D296F254542C}" sibTransId="{2F3C4F88-362A-44A2-B60B-48C06205DC84}"/>
     <dgm:cxn modelId="{D882BDFA-6447-4DD8-9D92-D36688B56C2F}" type="presOf" srcId="{C0654F53-D694-4BA8-9068-2EAC60EE191B}" destId="{D19E3202-A4D6-4896-A660-41FC5C701937}" srcOrd="0" destOrd="1" presId="urn:microsoft.com/office/officeart/2005/8/layout/list1"/>
-    <dgm:cxn modelId="{11E6BB67-8A54-4E64-9755-1393A0A5012E}" type="presOf" srcId="{6003DAA0-9C82-44B7-AB65-A049B4D23AAC}" destId="{D19E3202-A4D6-4896-A660-41FC5C701937}" srcOrd="0" destOrd="3" presId="urn:microsoft.com/office/officeart/2005/8/layout/list1"/>
-    <dgm:cxn modelId="{CC2F8A29-B300-4BA8-A583-CBDED2FA7B3B}" srcId="{FFDB51D0-6B1D-43D3-8E73-ECD7471A4D01}" destId="{C0654F53-D694-4BA8-9068-2EAC60EE191B}" srcOrd="1" destOrd="0" parTransId="{17BC6432-C868-481F-A3CB-15B9DE12BC45}" sibTransId="{88A5F33B-056B-4128-A845-5722A4B3547E}"/>
-    <dgm:cxn modelId="{85383529-118A-40E9-AEFA-14F7B1B908B0}" srcId="{FFDB51D0-6B1D-43D3-8E73-ECD7471A4D01}" destId="{F2FF51FB-2F36-4DB7-860B-47737E2A151E}" srcOrd="5" destOrd="0" parTransId="{A6686763-A272-4F7F-BD83-F9CBA6477006}" sibTransId="{152FC8E8-BB21-44EF-8A7F-5550513AA1F6}"/>
     <dgm:cxn modelId="{CDEDE9D0-97C3-445E-B3CD-9550F1914F1E}" type="presParOf" srcId="{E0F120CA-8905-417C-A334-980514E77545}" destId="{231AE18B-EBC9-4452-B8FE-7C10AF8C3D99}" srcOrd="0" destOrd="0" presId="urn:microsoft.com/office/officeart/2005/8/layout/list1"/>
     <dgm:cxn modelId="{608B338A-DB07-4BAA-BA4C-B2F0A2BC028F}" type="presParOf" srcId="{231AE18B-EBC9-4452-B8FE-7C10AF8C3D99}" destId="{50D3F575-46BD-4A51-9AB7-79A1B5CBDC90}" srcOrd="0" destOrd="0" presId="urn:microsoft.com/office/officeart/2005/8/layout/list1"/>
     <dgm:cxn modelId="{0F18A98B-E366-4DA4-888B-22D558774F75}" type="presParOf" srcId="{231AE18B-EBC9-4452-B8FE-7C10AF8C3D99}" destId="{68CB2C07-6FB4-43B7-90A6-6102B894FE03}" srcOrd="1" destOrd="0" presId="urn:microsoft.com/office/officeart/2005/8/layout/list1"/>
@@ -5283,7 +5185,7 @@
         <a:lstStyle/>
         <a:p>
           <a:r>
-            <a:rPr lang="en-US" altLang="zh-TW" sz="2400" dirty="0" smtClean="0"/>
+            <a:rPr lang="en-US" altLang="zh-TW" sz="2400" dirty="0"/>
             <a:t>Step 1: Training</a:t>
           </a:r>
           <a:endParaRPr lang="zh-TW" altLang="en-US" sz="2400" dirty="0"/>
@@ -5335,7 +5237,7 @@
         <a:lstStyle/>
         <a:p>
           <a:r>
-            <a:rPr lang="en-US" altLang="zh-TW" sz="2400" dirty="0" smtClean="0"/>
+            <a:rPr lang="en-US" altLang="zh-TW" sz="2400" dirty="0"/>
             <a:t>Find a function F</a:t>
           </a:r>
           <a:endParaRPr lang="zh-TW" altLang="en-US" sz="2400" dirty="0"/>
@@ -5372,7 +5274,7 @@
         <a:lstStyle/>
         <a:p>
           <a:r>
-            <a:rPr lang="en-US" altLang="zh-TW" sz="2400" dirty="0" smtClean="0"/>
+            <a:rPr lang="en-US" altLang="zh-TW" sz="2400" dirty="0"/>
             <a:t>Step 2: Inference</a:t>
           </a:r>
           <a:endParaRPr lang="zh-TW" altLang="en-US" sz="2400" dirty="0"/>
@@ -5424,7 +5326,7 @@
         <a:lstStyle/>
         <a:p>
           <a:r>
-            <a:rPr lang="en-US" altLang="zh-TW" sz="2400" dirty="0" smtClean="0"/>
+            <a:rPr lang="en-US" altLang="zh-TW" sz="2400" dirty="0"/>
             <a:t>Given an object x</a:t>
           </a:r>
           <a:endParaRPr lang="zh-TW" altLang="en-US" sz="2400" dirty="0"/>
@@ -5476,15 +5378,15 @@
         <a:lstStyle/>
         <a:p>
           <a:r>
-            <a:rPr lang="en-US" altLang="zh-TW" sz="2400" dirty="0" smtClean="0"/>
+            <a:rPr lang="en-US" altLang="zh-TW" sz="2400" dirty="0"/>
             <a:t>F(</a:t>
           </a:r>
           <a:r>
-            <a:rPr lang="en-US" altLang="zh-TW" sz="2400" dirty="0" err="1" smtClean="0"/>
+            <a:rPr lang="en-US" altLang="zh-TW" sz="2400" dirty="0" err="1"/>
             <a:t>x,y</a:t>
           </a:r>
           <a:r>
-            <a:rPr lang="en-US" altLang="zh-TW" sz="2400" dirty="0" smtClean="0"/>
+            <a:rPr lang="en-US" altLang="zh-TW" sz="2400" dirty="0"/>
             <a:t>): evaluate how compatible the objects x and y is</a:t>
           </a:r>
           <a:endParaRPr lang="zh-TW" altLang="en-US" sz="2400" dirty="0"/>
@@ -5618,13 +5520,6 @@
         </dgm:presLayoutVars>
       </dgm:prSet>
       <dgm:spPr/>
-      <dgm:t>
-        <a:bodyPr/>
-        <a:lstStyle/>
-        <a:p>
-          <a:endParaRPr lang="zh-TW" altLang="en-US"/>
-        </a:p>
-      </dgm:t>
     </dgm:pt>
     <dgm:pt modelId="{231AE18B-EBC9-4452-B8FE-7C10AF8C3D99}" type="pres">
       <dgm:prSet presAssocID="{9E9874CF-1983-4284-9902-3A937231DEB8}" presName="parentLin" presStyleCnt="0"/>
@@ -5633,13 +5528,6 @@
     <dgm:pt modelId="{50D3F575-46BD-4A51-9AB7-79A1B5CBDC90}" type="pres">
       <dgm:prSet presAssocID="{9E9874CF-1983-4284-9902-3A937231DEB8}" presName="parentLeftMargin" presStyleLbl="node1" presStyleIdx="0" presStyleCnt="2"/>
       <dgm:spPr/>
-      <dgm:t>
-        <a:bodyPr/>
-        <a:lstStyle/>
-        <a:p>
-          <a:endParaRPr lang="zh-TW" altLang="en-US"/>
-        </a:p>
-      </dgm:t>
     </dgm:pt>
     <dgm:pt modelId="{68CB2C07-6FB4-43B7-90A6-6102B894FE03}" type="pres">
       <dgm:prSet presAssocID="{9E9874CF-1983-4284-9902-3A937231DEB8}" presName="parentText" presStyleLbl="node1" presStyleIdx="0" presStyleCnt="2">
@@ -5649,13 +5537,6 @@
         </dgm:presLayoutVars>
       </dgm:prSet>
       <dgm:spPr/>
-      <dgm:t>
-        <a:bodyPr/>
-        <a:lstStyle/>
-        <a:p>
-          <a:endParaRPr lang="zh-TW" altLang="en-US"/>
-        </a:p>
-      </dgm:t>
     </dgm:pt>
     <dgm:pt modelId="{884D52F0-3294-44A2-9D5C-6F850FA628DE}" type="pres">
       <dgm:prSet presAssocID="{9E9874CF-1983-4284-9902-3A937231DEB8}" presName="negativeSpace" presStyleCnt="0"/>
@@ -5668,13 +5549,6 @@
         </dgm:presLayoutVars>
       </dgm:prSet>
       <dgm:spPr/>
-      <dgm:t>
-        <a:bodyPr/>
-        <a:lstStyle/>
-        <a:p>
-          <a:endParaRPr lang="zh-TW" altLang="en-US"/>
-        </a:p>
-      </dgm:t>
     </dgm:pt>
     <dgm:pt modelId="{C392A045-7BA1-47A5-AFB1-CEB7DADB0811}" type="pres">
       <dgm:prSet presAssocID="{E742F436-A1FB-4F2C-A4B7-46B9317C8D59}" presName="spaceBetweenRectangles" presStyleCnt="0"/>
@@ -5687,13 +5561,6 @@
     <dgm:pt modelId="{FDF0F71C-270F-4095-8BE8-C8F869D73701}" type="pres">
       <dgm:prSet presAssocID="{FFDB51D0-6B1D-43D3-8E73-ECD7471A4D01}" presName="parentLeftMargin" presStyleLbl="node1" presStyleIdx="0" presStyleCnt="2"/>
       <dgm:spPr/>
-      <dgm:t>
-        <a:bodyPr/>
-        <a:lstStyle/>
-        <a:p>
-          <a:endParaRPr lang="zh-TW" altLang="en-US"/>
-        </a:p>
-      </dgm:t>
     </dgm:pt>
     <dgm:pt modelId="{3B277155-0BDC-4129-93DC-7CA37B78CDAF}" type="pres">
       <dgm:prSet presAssocID="{FFDB51D0-6B1D-43D3-8E73-ECD7471A4D01}" presName="parentText" presStyleLbl="node1" presStyleIdx="1" presStyleCnt="2">
@@ -5703,13 +5570,6 @@
         </dgm:presLayoutVars>
       </dgm:prSet>
       <dgm:spPr/>
-      <dgm:t>
-        <a:bodyPr/>
-        <a:lstStyle/>
-        <a:p>
-          <a:endParaRPr lang="zh-TW" altLang="en-US"/>
-        </a:p>
-      </dgm:t>
     </dgm:pt>
     <dgm:pt modelId="{E9B5DEB4-8473-44D4-BA8F-FD3AA2EB169A}" type="pres">
       <dgm:prSet presAssocID="{FFDB51D0-6B1D-43D3-8E73-ECD7471A4D01}" presName="negativeSpace" presStyleCnt="0"/>
@@ -5722,33 +5582,26 @@
         </dgm:presLayoutVars>
       </dgm:prSet>
       <dgm:spPr/>
-      <dgm:t>
-        <a:bodyPr/>
-        <a:lstStyle/>
-        <a:p>
-          <a:endParaRPr lang="zh-TW" altLang="en-US"/>
-        </a:p>
-      </dgm:t>
     </dgm:pt>
   </dgm:ptLst>
   <dgm:cxnLst>
+    <dgm:cxn modelId="{03ED3503-6FD9-4639-BDA2-AEF1F4F564FA}" type="presOf" srcId="{9E9874CF-1983-4284-9902-3A937231DEB8}" destId="{68CB2C07-6FB4-43B7-90A6-6102B894FE03}" srcOrd="1" destOrd="0" presId="urn:microsoft.com/office/officeart/2005/8/layout/list1"/>
+    <dgm:cxn modelId="{9CB2EF0A-A7A1-48CA-8B8E-CF1C7838F941}" srcId="{9F12D42D-88AA-413A-8637-2DD3F3F70319}" destId="{FFDB51D0-6B1D-43D3-8E73-ECD7471A4D01}" srcOrd="1" destOrd="0" parTransId="{D2D20269-1C92-46C1-8798-B1DB137BE683}" sibTransId="{3A399D6A-2AE5-43FE-875C-59880A4F8AEE}"/>
     <dgm:cxn modelId="{2A02411C-2F62-499E-89A1-ADF728A1EE9C}" srcId="{FFDB51D0-6B1D-43D3-8E73-ECD7471A4D01}" destId="{5DBD6C8D-BECC-48E9-899C-53A4492E616B}" srcOrd="1" destOrd="0" parTransId="{7FBDD872-5C76-46C4-A4D3-275F20B17780}" sibTransId="{BCE5D146-B5AC-452E-A25C-C0DB6E7ED8E7}"/>
-    <dgm:cxn modelId="{03ED3503-6FD9-4639-BDA2-AEF1F4F564FA}" type="presOf" srcId="{9E9874CF-1983-4284-9902-3A937231DEB8}" destId="{68CB2C07-6FB4-43B7-90A6-6102B894FE03}" srcOrd="1" destOrd="0" presId="urn:microsoft.com/office/officeart/2005/8/layout/list1"/>
-    <dgm:cxn modelId="{9D0AE04F-15AF-4DB5-9C21-E99FD4A5189D}" type="presOf" srcId="{FFDB51D0-6B1D-43D3-8E73-ECD7471A4D01}" destId="{3B277155-0BDC-4129-93DC-7CA37B78CDAF}" srcOrd="1" destOrd="0" presId="urn:microsoft.com/office/officeart/2005/8/layout/list1"/>
+    <dgm:cxn modelId="{C7434C27-DE4C-46DB-993C-5DE7CD79C05A}" type="presOf" srcId="{FFDB51D0-6B1D-43D3-8E73-ECD7471A4D01}" destId="{FDF0F71C-270F-4095-8BE8-C8F869D73701}" srcOrd="0" destOrd="0" presId="urn:microsoft.com/office/officeart/2005/8/layout/list1"/>
+    <dgm:cxn modelId="{A124342A-0D20-48AB-BE37-83F552978723}" type="presOf" srcId="{9E9874CF-1983-4284-9902-3A937231DEB8}" destId="{50D3F575-46BD-4A51-9AB7-79A1B5CBDC90}" srcOrd="0" destOrd="0" presId="urn:microsoft.com/office/officeart/2005/8/layout/list1"/>
     <dgm:cxn modelId="{FD31783B-B180-4A7D-B40E-677150B421B7}" type="presOf" srcId="{92087D4F-269E-4932-9002-3AB0A3D6E103}" destId="{6733F149-A598-45D9-8D73-E9E4DA20EB7D}" srcOrd="0" destOrd="1" presId="urn:microsoft.com/office/officeart/2005/8/layout/list1"/>
-    <dgm:cxn modelId="{E7802863-6352-4005-AE63-FAA1195B1606}" srcId="{9E9874CF-1983-4284-9902-3A937231DEB8}" destId="{92087D4F-269E-4932-9002-3AB0A3D6E103}" srcOrd="1" destOrd="0" parTransId="{D3F08EC7-05CD-4150-8374-889E714AE78D}" sibTransId="{05F05C32-4850-465C-BE8E-EFDE1D3480C4}"/>
-    <dgm:cxn modelId="{179BB39B-2395-41A4-B244-7262B5EC9C18}" srcId="{9F12D42D-88AA-413A-8637-2DD3F3F70319}" destId="{9E9874CF-1983-4284-9902-3A937231DEB8}" srcOrd="0" destOrd="0" parTransId="{E2F89896-475B-4E2D-BBD2-CC82F8B08D57}" sibTransId="{E742F436-A1FB-4F2C-A4B7-46B9317C8D59}"/>
-    <dgm:cxn modelId="{C7434C27-DE4C-46DB-993C-5DE7CD79C05A}" type="presOf" srcId="{FFDB51D0-6B1D-43D3-8E73-ECD7471A4D01}" destId="{FDF0F71C-270F-4095-8BE8-C8F869D73701}" srcOrd="0" destOrd="0" presId="urn:microsoft.com/office/officeart/2005/8/layout/list1"/>
-    <dgm:cxn modelId="{9CB2EF0A-A7A1-48CA-8B8E-CF1C7838F941}" srcId="{9F12D42D-88AA-413A-8637-2DD3F3F70319}" destId="{FFDB51D0-6B1D-43D3-8E73-ECD7471A4D01}" srcOrd="1" destOrd="0" parTransId="{D2D20269-1C92-46C1-8798-B1DB137BE683}" sibTransId="{3A399D6A-2AE5-43FE-875C-59880A4F8AEE}"/>
-    <dgm:cxn modelId="{F56038FE-531F-46BE-90EA-92C4B4D8E3A3}" type="presOf" srcId="{76DBAD82-5522-406D-90B7-E01561ACB68A}" destId="{6733F149-A598-45D9-8D73-E9E4DA20EB7D}" srcOrd="0" destOrd="0" presId="urn:microsoft.com/office/officeart/2005/8/layout/list1"/>
     <dgm:cxn modelId="{C936F741-3CBB-4CB1-AF80-B6F419D3FFF8}" srcId="{FFDB51D0-6B1D-43D3-8E73-ECD7471A4D01}" destId="{4035ACF0-760C-45C9-B54D-7153FB673A6A}" srcOrd="0" destOrd="0" parTransId="{3BEE3D63-97D4-4204-93B8-982E3D13C723}" sibTransId="{56F0E1E7-8935-4942-8520-B7DEA8381FC6}"/>
     <dgm:cxn modelId="{277E384E-56CE-427D-83A9-6F534FC1AC6C}" type="presOf" srcId="{5DBD6C8D-BECC-48E9-899C-53A4492E616B}" destId="{D19E3202-A4D6-4896-A660-41FC5C701937}" srcOrd="0" destOrd="1" presId="urn:microsoft.com/office/officeart/2005/8/layout/list1"/>
+    <dgm:cxn modelId="{9D0AE04F-15AF-4DB5-9C21-E99FD4A5189D}" type="presOf" srcId="{FFDB51D0-6B1D-43D3-8E73-ECD7471A4D01}" destId="{3B277155-0BDC-4129-93DC-7CA37B78CDAF}" srcOrd="1" destOrd="0" presId="urn:microsoft.com/office/officeart/2005/8/layout/list1"/>
+    <dgm:cxn modelId="{E7802863-6352-4005-AE63-FAA1195B1606}" srcId="{9E9874CF-1983-4284-9902-3A937231DEB8}" destId="{92087D4F-269E-4932-9002-3AB0A3D6E103}" srcOrd="1" destOrd="0" parTransId="{D3F08EC7-05CD-4150-8374-889E714AE78D}" sibTransId="{05F05C32-4850-465C-BE8E-EFDE1D3480C4}"/>
+    <dgm:cxn modelId="{16835473-8DC4-4BB2-AA3C-6C91D0EACF76}" srcId="{9E9874CF-1983-4284-9902-3A937231DEB8}" destId="{76DBAD82-5522-406D-90B7-E01561ACB68A}" srcOrd="0" destOrd="0" parTransId="{46E8ACA0-0989-47FD-98D0-47A04621E426}" sibTransId="{0A4A8D4C-3459-42FF-882A-7A578832BF1E}"/>
     <dgm:cxn modelId="{FF889E7C-D6AC-4F93-817E-2BFF62BF6809}" type="presOf" srcId="{9F12D42D-88AA-413A-8637-2DD3F3F70319}" destId="{E0F120CA-8905-417C-A334-980514E77545}" srcOrd="0" destOrd="0" presId="urn:microsoft.com/office/officeart/2005/8/layout/list1"/>
+    <dgm:cxn modelId="{179BB39B-2395-41A4-B244-7262B5EC9C18}" srcId="{9F12D42D-88AA-413A-8637-2DD3F3F70319}" destId="{9E9874CF-1983-4284-9902-3A937231DEB8}" srcOrd="0" destOrd="0" parTransId="{E2F89896-475B-4E2D-BBD2-CC82F8B08D57}" sibTransId="{E742F436-A1FB-4F2C-A4B7-46B9317C8D59}"/>
+    <dgm:cxn modelId="{2F29ABCF-73C4-42A5-85A3-2385A7C77368}" type="presOf" srcId="{4035ACF0-760C-45C9-B54D-7153FB673A6A}" destId="{D19E3202-A4D6-4896-A660-41FC5C701937}" srcOrd="0" destOrd="0" presId="urn:microsoft.com/office/officeart/2005/8/layout/list1"/>
     <dgm:cxn modelId="{527BB5D6-BB3C-4CC3-8884-A96B5979EBD3}" type="presOf" srcId="{7FEAE1CC-6AD9-4DDE-A717-271EAD0BBA84}" destId="{6733F149-A598-45D9-8D73-E9E4DA20EB7D}" srcOrd="0" destOrd="2" presId="urn:microsoft.com/office/officeart/2005/8/layout/list1"/>
     <dgm:cxn modelId="{B21A8CD8-53D6-451C-A872-58F0319678C6}" srcId="{9E9874CF-1983-4284-9902-3A937231DEB8}" destId="{7FEAE1CC-6AD9-4DDE-A717-271EAD0BBA84}" srcOrd="2" destOrd="0" parTransId="{581F2093-6720-4E95-BFF7-1D5F71DD914E}" sibTransId="{7FF0B6C0-FA8D-41AB-A8A8-D086586DBF00}"/>
-    <dgm:cxn modelId="{16835473-8DC4-4BB2-AA3C-6C91D0EACF76}" srcId="{9E9874CF-1983-4284-9902-3A937231DEB8}" destId="{76DBAD82-5522-406D-90B7-E01561ACB68A}" srcOrd="0" destOrd="0" parTransId="{46E8ACA0-0989-47FD-98D0-47A04621E426}" sibTransId="{0A4A8D4C-3459-42FF-882A-7A578832BF1E}"/>
-    <dgm:cxn modelId="{2F29ABCF-73C4-42A5-85A3-2385A7C77368}" type="presOf" srcId="{4035ACF0-760C-45C9-B54D-7153FB673A6A}" destId="{D19E3202-A4D6-4896-A660-41FC5C701937}" srcOrd="0" destOrd="0" presId="urn:microsoft.com/office/officeart/2005/8/layout/list1"/>
-    <dgm:cxn modelId="{A124342A-0D20-48AB-BE37-83F552978723}" type="presOf" srcId="{9E9874CF-1983-4284-9902-3A937231DEB8}" destId="{50D3F575-46BD-4A51-9AB7-79A1B5CBDC90}" srcOrd="0" destOrd="0" presId="urn:microsoft.com/office/officeart/2005/8/layout/list1"/>
+    <dgm:cxn modelId="{F56038FE-531F-46BE-90EA-92C4B4D8E3A3}" type="presOf" srcId="{76DBAD82-5522-406D-90B7-E01561ACB68A}" destId="{6733F149-A598-45D9-8D73-E9E4DA20EB7D}" srcOrd="0" destOrd="0" presId="urn:microsoft.com/office/officeart/2005/8/layout/list1"/>
     <dgm:cxn modelId="{5792E93D-C35E-47D7-A0C8-5351D7418CC9}" type="presParOf" srcId="{E0F120CA-8905-417C-A334-980514E77545}" destId="{231AE18B-EBC9-4452-B8FE-7C10AF8C3D99}" srcOrd="0" destOrd="0" presId="urn:microsoft.com/office/officeart/2005/8/layout/list1"/>
     <dgm:cxn modelId="{D953E1A8-17B7-4194-8BC9-EC2916FECD21}" type="presParOf" srcId="{231AE18B-EBC9-4452-B8FE-7C10AF8C3D99}" destId="{50D3F575-46BD-4A51-9AB7-79A1B5CBDC90}" srcOrd="0" destOrd="0" presId="urn:microsoft.com/office/officeart/2005/8/layout/list1"/>
     <dgm:cxn modelId="{C72A7085-1090-4DEF-9CF0-77C216A792D2}" type="presParOf" srcId="{231AE18B-EBC9-4452-B8FE-7C10AF8C3D99}" destId="{68CB2C07-6FB4-43B7-90A6-6102B894FE03}" srcOrd="1" destOrd="0" presId="urn:microsoft.com/office/officeart/2005/8/layout/list1"/>
@@ -5793,7 +5646,7 @@
         <a:lstStyle/>
         <a:p>
           <a:r>
-            <a:rPr lang="en-US" altLang="zh-TW" sz="2400" dirty="0" smtClean="0"/>
+            <a:rPr lang="en-US" altLang="zh-TW" sz="2400" dirty="0"/>
             <a:t>Step 1: Training</a:t>
           </a:r>
           <a:endParaRPr lang="zh-TW" altLang="en-US" sz="2400" dirty="0"/>
@@ -5845,15 +5698,15 @@
         <a:lstStyle/>
         <a:p>
           <a:r>
-            <a:rPr lang="en-US" altLang="zh-TW" sz="2400" dirty="0" smtClean="0"/>
+            <a:rPr lang="en-US" altLang="zh-TW" sz="2400" dirty="0"/>
             <a:t>Estimate the probability P(</a:t>
           </a:r>
           <a:r>
-            <a:rPr lang="en-US" altLang="zh-TW" sz="2400" dirty="0" err="1" smtClean="0"/>
+            <a:rPr lang="en-US" altLang="zh-TW" sz="2400" dirty="0" err="1"/>
             <a:t>x,y</a:t>
           </a:r>
           <a:r>
-            <a:rPr lang="en-US" altLang="zh-TW" sz="2400" dirty="0" smtClean="0"/>
+            <a:rPr lang="en-US" altLang="zh-TW" sz="2400" dirty="0"/>
             <a:t>)</a:t>
           </a:r>
           <a:endParaRPr lang="zh-TW" altLang="en-US" sz="2400" dirty="0"/>
@@ -5890,7 +5743,7 @@
         <a:lstStyle/>
         <a:p>
           <a:r>
-            <a:rPr lang="en-US" altLang="zh-TW" sz="2400" dirty="0" smtClean="0"/>
+            <a:rPr lang="en-US" altLang="zh-TW" sz="2400" dirty="0"/>
             <a:t>Step 2: Inference</a:t>
           </a:r>
           <a:endParaRPr lang="zh-TW" altLang="en-US" sz="2400" dirty="0"/>
@@ -5942,7 +5795,7 @@
         <a:lstStyle/>
         <a:p>
           <a:r>
-            <a:rPr lang="en-US" altLang="zh-TW" sz="2400" dirty="0" smtClean="0"/>
+            <a:rPr lang="en-US" altLang="zh-TW" sz="2400" dirty="0"/>
             <a:t>Given an object x</a:t>
           </a:r>
           <a:endParaRPr lang="zh-TW" altLang="en-US" sz="2400" dirty="0"/>
@@ -6316,13 +6169,6 @@
         </dgm:presLayoutVars>
       </dgm:prSet>
       <dgm:spPr/>
-      <dgm:t>
-        <a:bodyPr/>
-        <a:lstStyle/>
-        <a:p>
-          <a:endParaRPr lang="zh-TW" altLang="en-US"/>
-        </a:p>
-      </dgm:t>
     </dgm:pt>
     <dgm:pt modelId="{231AE18B-EBC9-4452-B8FE-7C10AF8C3D99}" type="pres">
       <dgm:prSet presAssocID="{9E9874CF-1983-4284-9902-3A937231DEB8}" presName="parentLin" presStyleCnt="0"/>
@@ -6331,13 +6177,6 @@
     <dgm:pt modelId="{50D3F575-46BD-4A51-9AB7-79A1B5CBDC90}" type="pres">
       <dgm:prSet presAssocID="{9E9874CF-1983-4284-9902-3A937231DEB8}" presName="parentLeftMargin" presStyleLbl="node1" presStyleIdx="0" presStyleCnt="2"/>
       <dgm:spPr/>
-      <dgm:t>
-        <a:bodyPr/>
-        <a:lstStyle/>
-        <a:p>
-          <a:endParaRPr lang="zh-TW" altLang="en-US"/>
-        </a:p>
-      </dgm:t>
     </dgm:pt>
     <dgm:pt modelId="{68CB2C07-6FB4-43B7-90A6-6102B894FE03}" type="pres">
       <dgm:prSet presAssocID="{9E9874CF-1983-4284-9902-3A937231DEB8}" presName="parentText" presStyleLbl="node1" presStyleIdx="0" presStyleCnt="2" custScaleY="48889">
@@ -6347,13 +6186,6 @@
         </dgm:presLayoutVars>
       </dgm:prSet>
       <dgm:spPr/>
-      <dgm:t>
-        <a:bodyPr/>
-        <a:lstStyle/>
-        <a:p>
-          <a:endParaRPr lang="zh-TW" altLang="en-US"/>
-        </a:p>
-      </dgm:t>
     </dgm:pt>
     <dgm:pt modelId="{884D52F0-3294-44A2-9D5C-6F850FA628DE}" type="pres">
       <dgm:prSet presAssocID="{9E9874CF-1983-4284-9902-3A937231DEB8}" presName="negativeSpace" presStyleCnt="0"/>
@@ -6366,13 +6198,6 @@
         </dgm:presLayoutVars>
       </dgm:prSet>
       <dgm:spPr/>
-      <dgm:t>
-        <a:bodyPr/>
-        <a:lstStyle/>
-        <a:p>
-          <a:endParaRPr lang="zh-TW" altLang="en-US"/>
-        </a:p>
-      </dgm:t>
     </dgm:pt>
     <dgm:pt modelId="{C392A045-7BA1-47A5-AFB1-CEB7DADB0811}" type="pres">
       <dgm:prSet presAssocID="{E742F436-A1FB-4F2C-A4B7-46B9317C8D59}" presName="spaceBetweenRectangles" presStyleCnt="0"/>
@@ -6385,13 +6210,6 @@
     <dgm:pt modelId="{FDF0F71C-270F-4095-8BE8-C8F869D73701}" type="pres">
       <dgm:prSet presAssocID="{FFDB51D0-6B1D-43D3-8E73-ECD7471A4D01}" presName="parentLeftMargin" presStyleLbl="node1" presStyleIdx="0" presStyleCnt="2"/>
       <dgm:spPr/>
-      <dgm:t>
-        <a:bodyPr/>
-        <a:lstStyle/>
-        <a:p>
-          <a:endParaRPr lang="zh-TW" altLang="en-US"/>
-        </a:p>
-      </dgm:t>
     </dgm:pt>
     <dgm:pt modelId="{3B277155-0BDC-4129-93DC-7CA37B78CDAF}" type="pres">
       <dgm:prSet presAssocID="{FFDB51D0-6B1D-43D3-8E73-ECD7471A4D01}" presName="parentText" presStyleLbl="node1" presStyleIdx="1" presStyleCnt="2" custScaleY="56582">
@@ -6401,13 +6219,6 @@
         </dgm:presLayoutVars>
       </dgm:prSet>
       <dgm:spPr/>
-      <dgm:t>
-        <a:bodyPr/>
-        <a:lstStyle/>
-        <a:p>
-          <a:endParaRPr lang="zh-TW" altLang="en-US"/>
-        </a:p>
-      </dgm:t>
     </dgm:pt>
     <dgm:pt modelId="{E9B5DEB4-8473-44D4-BA8F-FD3AA2EB169A}" type="pres">
       <dgm:prSet presAssocID="{FFDB51D0-6B1D-43D3-8E73-ECD7471A4D01}" presName="negativeSpace" presStyleCnt="0"/>
@@ -6420,41 +6231,34 @@
         </dgm:presLayoutVars>
       </dgm:prSet>
       <dgm:spPr/>
-      <dgm:t>
-        <a:bodyPr/>
-        <a:lstStyle/>
-        <a:p>
-          <a:endParaRPr lang="zh-TW" altLang="en-US"/>
-        </a:p>
-      </dgm:t>
     </dgm:pt>
   </dgm:ptLst>
   <dgm:cxnLst>
+    <dgm:cxn modelId="{CD687803-F893-4E84-95DA-A7D10A5B5400}" type="presOf" srcId="{40AB946A-C638-4522-B602-A75E60BE419B}" destId="{D19E3202-A4D6-4896-A660-41FC5C701937}" srcOrd="0" destOrd="2" presId="urn:microsoft.com/office/officeart/2005/8/layout/list1"/>
+    <dgm:cxn modelId="{E23BF903-7961-4DD6-A9DF-200CE0A90CB1}" type="presOf" srcId="{9E9874CF-1983-4284-9902-3A937231DEB8}" destId="{50D3F575-46BD-4A51-9AB7-79A1B5CBDC90}" srcOrd="0" destOrd="0" presId="urn:microsoft.com/office/officeart/2005/8/layout/list1"/>
+    <dgm:cxn modelId="{9CB2EF0A-A7A1-48CA-8B8E-CF1C7838F941}" srcId="{9F12D42D-88AA-413A-8637-2DD3F3F70319}" destId="{FFDB51D0-6B1D-43D3-8E73-ECD7471A4D01}" srcOrd="1" destOrd="0" parTransId="{D2D20269-1C92-46C1-8798-B1DB137BE683}" sibTransId="{3A399D6A-2AE5-43FE-875C-59880A4F8AEE}"/>
+    <dgm:cxn modelId="{562A6919-87FC-4514-AE74-5BCDC8CA0C49}" type="presOf" srcId="{4035ACF0-760C-45C9-B54D-7153FB673A6A}" destId="{D19E3202-A4D6-4896-A660-41FC5C701937}" srcOrd="0" destOrd="0" presId="urn:microsoft.com/office/officeart/2005/8/layout/list1"/>
+    <dgm:cxn modelId="{2A02411C-2F62-499E-89A1-ADF728A1EE9C}" srcId="{FFDB51D0-6B1D-43D3-8E73-ECD7471A4D01}" destId="{5DBD6C8D-BECC-48E9-899C-53A4492E616B}" srcOrd="6" destOrd="0" parTransId="{7FBDD872-5C76-46C4-A4D3-275F20B17780}" sibTransId="{BCE5D146-B5AC-452E-A25C-C0DB6E7ED8E7}"/>
+    <dgm:cxn modelId="{85383529-118A-40E9-AEFA-14F7B1B908B0}" srcId="{FFDB51D0-6B1D-43D3-8E73-ECD7471A4D01}" destId="{F2FF51FB-2F36-4DB7-860B-47737E2A151E}" srcOrd="5" destOrd="0" parTransId="{A6686763-A272-4F7F-BD83-F9CBA6477006}" sibTransId="{152FC8E8-BB21-44EF-8A7F-5550513AA1F6}"/>
+    <dgm:cxn modelId="{CC2F8A29-B300-4BA8-A583-CBDED2FA7B3B}" srcId="{FFDB51D0-6B1D-43D3-8E73-ECD7471A4D01}" destId="{C0654F53-D694-4BA8-9068-2EAC60EE191B}" srcOrd="1" destOrd="0" parTransId="{17BC6432-C868-481F-A3CB-15B9DE12BC45}" sibTransId="{88A5F33B-056B-4128-A845-5722A4B3547E}"/>
+    <dgm:cxn modelId="{B9B8D52E-2CF9-44B4-A664-CF789ABD141B}" type="presOf" srcId="{5DBD6C8D-BECC-48E9-899C-53A4492E616B}" destId="{D19E3202-A4D6-4896-A660-41FC5C701937}" srcOrd="0" destOrd="6" presId="urn:microsoft.com/office/officeart/2005/8/layout/list1"/>
+    <dgm:cxn modelId="{C936F741-3CBB-4CB1-AF80-B6F419D3FFF8}" srcId="{FFDB51D0-6B1D-43D3-8E73-ECD7471A4D01}" destId="{4035ACF0-760C-45C9-B54D-7153FB673A6A}" srcOrd="0" destOrd="0" parTransId="{3BEE3D63-97D4-4204-93B8-982E3D13C723}" sibTransId="{56F0E1E7-8935-4942-8520-B7DEA8381FC6}"/>
+    <dgm:cxn modelId="{16835473-8DC4-4BB2-AA3C-6C91D0EACF76}" srcId="{9E9874CF-1983-4284-9902-3A937231DEB8}" destId="{76DBAD82-5522-406D-90B7-E01561ACB68A}" srcOrd="0" destOrd="0" parTransId="{46E8ACA0-0989-47FD-98D0-47A04621E426}" sibTransId="{0A4A8D4C-3459-42FF-882A-7A578832BF1E}"/>
+    <dgm:cxn modelId="{8A595E78-8AFC-48DB-B208-4F713AB85B7E}" srcId="{9E9874CF-1983-4284-9902-3A937231DEB8}" destId="{F7BFB533-B946-4AFA-AB78-1519761CD0D1}" srcOrd="1" destOrd="0" parTransId="{9D8A3A68-032C-4867-AF9C-7CA83B2EE1B6}" sibTransId="{CF92C13D-261A-4082-A5F6-C6754DAD6E15}"/>
+    <dgm:cxn modelId="{CF2CB986-DBF3-43A7-BA6D-77BE23464E5D}" type="presOf" srcId="{9E9874CF-1983-4284-9902-3A937231DEB8}" destId="{68CB2C07-6FB4-43B7-90A6-6102B894FE03}" srcOrd="1" destOrd="0" presId="urn:microsoft.com/office/officeart/2005/8/layout/list1"/>
     <dgm:cxn modelId="{4EB3BE8B-BC14-4A1A-BCCD-44207350B968}" type="presOf" srcId="{6003DAA0-9C82-44B7-AB65-A049B4D23AAC}" destId="{D19E3202-A4D6-4896-A660-41FC5C701937}" srcOrd="0" destOrd="3" presId="urn:microsoft.com/office/officeart/2005/8/layout/list1"/>
+    <dgm:cxn modelId="{E632E98E-40F8-487E-8180-14FD636EDA8F}" type="presOf" srcId="{F2FF51FB-2F36-4DB7-860B-47737E2A151E}" destId="{D19E3202-A4D6-4896-A660-41FC5C701937}" srcOrd="0" destOrd="5" presId="urn:microsoft.com/office/officeart/2005/8/layout/list1"/>
     <dgm:cxn modelId="{179BB39B-2395-41A4-B244-7262B5EC9C18}" srcId="{9F12D42D-88AA-413A-8637-2DD3F3F70319}" destId="{9E9874CF-1983-4284-9902-3A937231DEB8}" srcOrd="0" destOrd="0" parTransId="{E2F89896-475B-4E2D-BBD2-CC82F8B08D57}" sibTransId="{E742F436-A1FB-4F2C-A4B7-46B9317C8D59}"/>
+    <dgm:cxn modelId="{2789B4A0-AE24-41F4-AE0E-0D7431BEA3C9}" type="presOf" srcId="{76DBAD82-5522-406D-90B7-E01561ACB68A}" destId="{6733F149-A598-45D9-8D73-E9E4DA20EB7D}" srcOrd="0" destOrd="0" presId="urn:microsoft.com/office/officeart/2005/8/layout/list1"/>
     <dgm:cxn modelId="{8A7580A9-6170-4671-ACA7-AE3C0AFA044C}" type="presOf" srcId="{C0654F53-D694-4BA8-9068-2EAC60EE191B}" destId="{D19E3202-A4D6-4896-A660-41FC5C701937}" srcOrd="0" destOrd="1" presId="urn:microsoft.com/office/officeart/2005/8/layout/list1"/>
-    <dgm:cxn modelId="{C936F741-3CBB-4CB1-AF80-B6F419D3FFF8}" srcId="{FFDB51D0-6B1D-43D3-8E73-ECD7471A4D01}" destId="{4035ACF0-760C-45C9-B54D-7153FB673A6A}" srcOrd="0" destOrd="0" parTransId="{3BEE3D63-97D4-4204-93B8-982E3D13C723}" sibTransId="{56F0E1E7-8935-4942-8520-B7DEA8381FC6}"/>
-    <dgm:cxn modelId="{CF2CB986-DBF3-43A7-BA6D-77BE23464E5D}" type="presOf" srcId="{9E9874CF-1983-4284-9902-3A937231DEB8}" destId="{68CB2C07-6FB4-43B7-90A6-6102B894FE03}" srcOrd="1" destOrd="0" presId="urn:microsoft.com/office/officeart/2005/8/layout/list1"/>
-    <dgm:cxn modelId="{8A595E78-8AFC-48DB-B208-4F713AB85B7E}" srcId="{9E9874CF-1983-4284-9902-3A937231DEB8}" destId="{F7BFB533-B946-4AFA-AB78-1519761CD0D1}" srcOrd="1" destOrd="0" parTransId="{9D8A3A68-032C-4867-AF9C-7CA83B2EE1B6}" sibTransId="{CF92C13D-261A-4082-A5F6-C6754DAD6E15}"/>
-    <dgm:cxn modelId="{CC2F8A29-B300-4BA8-A583-CBDED2FA7B3B}" srcId="{FFDB51D0-6B1D-43D3-8E73-ECD7471A4D01}" destId="{C0654F53-D694-4BA8-9068-2EAC60EE191B}" srcOrd="1" destOrd="0" parTransId="{17BC6432-C868-481F-A3CB-15B9DE12BC45}" sibTransId="{88A5F33B-056B-4128-A845-5722A4B3547E}"/>
+    <dgm:cxn modelId="{D1AB81AE-1DC0-4EBB-9218-4839505F9AEF}" srcId="{FFDB51D0-6B1D-43D3-8E73-ECD7471A4D01}" destId="{40AB946A-C638-4522-B602-A75E60BE419B}" srcOrd="2" destOrd="0" parTransId="{92DE80C3-706B-4C3A-9246-AE50048393F4}" sibTransId="{854A27DE-41C7-4907-AF14-7985E83909F5}"/>
+    <dgm:cxn modelId="{746018BB-72F0-4FAF-B42E-E0BCBBA52A83}" srcId="{FFDB51D0-6B1D-43D3-8E73-ECD7471A4D01}" destId="{71E09C4F-BDE0-46AA-97FB-E714A98E72C7}" srcOrd="4" destOrd="0" parTransId="{90AEC932-062D-4E85-8646-4DA690B13E3B}" sibTransId="{5FE420CA-A493-4103-8EE8-D0D1A5E33C1B}"/>
     <dgm:cxn modelId="{73FCD8BD-11F5-42CD-8444-55DB9E9C021C}" type="presOf" srcId="{F7BFB533-B946-4AFA-AB78-1519761CD0D1}" destId="{6733F149-A598-45D9-8D73-E9E4DA20EB7D}" srcOrd="0" destOrd="1" presId="urn:microsoft.com/office/officeart/2005/8/layout/list1"/>
-    <dgm:cxn modelId="{B9B8D52E-2CF9-44B4-A664-CF789ABD141B}" type="presOf" srcId="{5DBD6C8D-BECC-48E9-899C-53A4492E616B}" destId="{D19E3202-A4D6-4896-A660-41FC5C701937}" srcOrd="0" destOrd="6" presId="urn:microsoft.com/office/officeart/2005/8/layout/list1"/>
-    <dgm:cxn modelId="{E23BF903-7961-4DD6-A9DF-200CE0A90CB1}" type="presOf" srcId="{9E9874CF-1983-4284-9902-3A937231DEB8}" destId="{50D3F575-46BD-4A51-9AB7-79A1B5CBDC90}" srcOrd="0" destOrd="0" presId="urn:microsoft.com/office/officeart/2005/8/layout/list1"/>
-    <dgm:cxn modelId="{2789B4A0-AE24-41F4-AE0E-0D7431BEA3C9}" type="presOf" srcId="{76DBAD82-5522-406D-90B7-E01561ACB68A}" destId="{6733F149-A598-45D9-8D73-E9E4DA20EB7D}" srcOrd="0" destOrd="0" presId="urn:microsoft.com/office/officeart/2005/8/layout/list1"/>
-    <dgm:cxn modelId="{16835473-8DC4-4BB2-AA3C-6C91D0EACF76}" srcId="{9E9874CF-1983-4284-9902-3A937231DEB8}" destId="{76DBAD82-5522-406D-90B7-E01561ACB68A}" srcOrd="0" destOrd="0" parTransId="{46E8ACA0-0989-47FD-98D0-47A04621E426}" sibTransId="{0A4A8D4C-3459-42FF-882A-7A578832BF1E}"/>
+    <dgm:cxn modelId="{0F0CB9DB-2D6E-4715-AB45-836C75891E53}" type="presOf" srcId="{9F12D42D-88AA-413A-8637-2DD3F3F70319}" destId="{E0F120CA-8905-417C-A334-980514E77545}" srcOrd="0" destOrd="0" presId="urn:microsoft.com/office/officeart/2005/8/layout/list1"/>
+    <dgm:cxn modelId="{0B2188F5-9343-45DA-988A-F15B14CF033F}" type="presOf" srcId="{71E09C4F-BDE0-46AA-97FB-E714A98E72C7}" destId="{D19E3202-A4D6-4896-A660-41FC5C701937}" srcOrd="0" destOrd="4" presId="urn:microsoft.com/office/officeart/2005/8/layout/list1"/>
+    <dgm:cxn modelId="{71B93DF8-E515-4314-A15C-0C6C5C6CBE5A}" srcId="{FFDB51D0-6B1D-43D3-8E73-ECD7471A4D01}" destId="{6003DAA0-9C82-44B7-AB65-A049B4D23AAC}" srcOrd="3" destOrd="0" parTransId="{95B35FDB-A968-4454-9807-D296F254542C}" sibTransId="{2F3C4F88-362A-44A2-B60B-48C06205DC84}"/>
+    <dgm:cxn modelId="{F6546FFB-EAA6-46DC-97C4-6A90F4315ABA}" type="presOf" srcId="{FFDB51D0-6B1D-43D3-8E73-ECD7471A4D01}" destId="{3B277155-0BDC-4129-93DC-7CA37B78CDAF}" srcOrd="1" destOrd="0" presId="urn:microsoft.com/office/officeart/2005/8/layout/list1"/>
     <dgm:cxn modelId="{8168F6FD-42AD-47F3-9DC8-681399D1926F}" type="presOf" srcId="{FFDB51D0-6B1D-43D3-8E73-ECD7471A4D01}" destId="{FDF0F71C-270F-4095-8BE8-C8F869D73701}" srcOrd="0" destOrd="0" presId="urn:microsoft.com/office/officeart/2005/8/layout/list1"/>
-    <dgm:cxn modelId="{F6546FFB-EAA6-46DC-97C4-6A90F4315ABA}" type="presOf" srcId="{FFDB51D0-6B1D-43D3-8E73-ECD7471A4D01}" destId="{3B277155-0BDC-4129-93DC-7CA37B78CDAF}" srcOrd="1" destOrd="0" presId="urn:microsoft.com/office/officeart/2005/8/layout/list1"/>
-    <dgm:cxn modelId="{746018BB-72F0-4FAF-B42E-E0BCBBA52A83}" srcId="{FFDB51D0-6B1D-43D3-8E73-ECD7471A4D01}" destId="{71E09C4F-BDE0-46AA-97FB-E714A98E72C7}" srcOrd="4" destOrd="0" parTransId="{90AEC932-062D-4E85-8646-4DA690B13E3B}" sibTransId="{5FE420CA-A493-4103-8EE8-D0D1A5E33C1B}"/>
-    <dgm:cxn modelId="{0B2188F5-9343-45DA-988A-F15B14CF033F}" type="presOf" srcId="{71E09C4F-BDE0-46AA-97FB-E714A98E72C7}" destId="{D19E3202-A4D6-4896-A660-41FC5C701937}" srcOrd="0" destOrd="4" presId="urn:microsoft.com/office/officeart/2005/8/layout/list1"/>
-    <dgm:cxn modelId="{0F0CB9DB-2D6E-4715-AB45-836C75891E53}" type="presOf" srcId="{9F12D42D-88AA-413A-8637-2DD3F3F70319}" destId="{E0F120CA-8905-417C-A334-980514E77545}" srcOrd="0" destOrd="0" presId="urn:microsoft.com/office/officeart/2005/8/layout/list1"/>
-    <dgm:cxn modelId="{71B93DF8-E515-4314-A15C-0C6C5C6CBE5A}" srcId="{FFDB51D0-6B1D-43D3-8E73-ECD7471A4D01}" destId="{6003DAA0-9C82-44B7-AB65-A049B4D23AAC}" srcOrd="3" destOrd="0" parTransId="{95B35FDB-A968-4454-9807-D296F254542C}" sibTransId="{2F3C4F88-362A-44A2-B60B-48C06205DC84}"/>
-    <dgm:cxn modelId="{2A02411C-2F62-499E-89A1-ADF728A1EE9C}" srcId="{FFDB51D0-6B1D-43D3-8E73-ECD7471A4D01}" destId="{5DBD6C8D-BECC-48E9-899C-53A4492E616B}" srcOrd="6" destOrd="0" parTransId="{7FBDD872-5C76-46C4-A4D3-275F20B17780}" sibTransId="{BCE5D146-B5AC-452E-A25C-C0DB6E7ED8E7}"/>
-    <dgm:cxn modelId="{9CB2EF0A-A7A1-48CA-8B8E-CF1C7838F941}" srcId="{9F12D42D-88AA-413A-8637-2DD3F3F70319}" destId="{FFDB51D0-6B1D-43D3-8E73-ECD7471A4D01}" srcOrd="1" destOrd="0" parTransId="{D2D20269-1C92-46C1-8798-B1DB137BE683}" sibTransId="{3A399D6A-2AE5-43FE-875C-59880A4F8AEE}"/>
-    <dgm:cxn modelId="{CD687803-F893-4E84-95DA-A7D10A5B5400}" type="presOf" srcId="{40AB946A-C638-4522-B602-A75E60BE419B}" destId="{D19E3202-A4D6-4896-A660-41FC5C701937}" srcOrd="0" destOrd="2" presId="urn:microsoft.com/office/officeart/2005/8/layout/list1"/>
-    <dgm:cxn modelId="{562A6919-87FC-4514-AE74-5BCDC8CA0C49}" type="presOf" srcId="{4035ACF0-760C-45C9-B54D-7153FB673A6A}" destId="{D19E3202-A4D6-4896-A660-41FC5C701937}" srcOrd="0" destOrd="0" presId="urn:microsoft.com/office/officeart/2005/8/layout/list1"/>
-    <dgm:cxn modelId="{E632E98E-40F8-487E-8180-14FD636EDA8F}" type="presOf" srcId="{F2FF51FB-2F36-4DB7-860B-47737E2A151E}" destId="{D19E3202-A4D6-4896-A660-41FC5C701937}" srcOrd="0" destOrd="5" presId="urn:microsoft.com/office/officeart/2005/8/layout/list1"/>
-    <dgm:cxn modelId="{85383529-118A-40E9-AEFA-14F7B1B908B0}" srcId="{FFDB51D0-6B1D-43D3-8E73-ECD7471A4D01}" destId="{F2FF51FB-2F36-4DB7-860B-47737E2A151E}" srcOrd="5" destOrd="0" parTransId="{A6686763-A272-4F7F-BD83-F9CBA6477006}" sibTransId="{152FC8E8-BB21-44EF-8A7F-5550513AA1F6}"/>
-    <dgm:cxn modelId="{D1AB81AE-1DC0-4EBB-9218-4839505F9AEF}" srcId="{FFDB51D0-6B1D-43D3-8E73-ECD7471A4D01}" destId="{40AB946A-C638-4522-B602-A75E60BE419B}" srcOrd="2" destOrd="0" parTransId="{92DE80C3-706B-4C3A-9246-AE50048393F4}" sibTransId="{854A27DE-41C7-4907-AF14-7985E83909F5}"/>
     <dgm:cxn modelId="{D081286A-BB15-4BF8-9883-1D559C1374B8}" type="presParOf" srcId="{E0F120CA-8905-417C-A334-980514E77545}" destId="{231AE18B-EBC9-4452-B8FE-7C10AF8C3D99}" srcOrd="0" destOrd="0" presId="urn:microsoft.com/office/officeart/2005/8/layout/list1"/>
     <dgm:cxn modelId="{5A943417-AEE1-4520-8BC4-2E62BEFA4232}" type="presParOf" srcId="{231AE18B-EBC9-4452-B8FE-7C10AF8C3D99}" destId="{50D3F575-46BD-4A51-9AB7-79A1B5CBDC90}" srcOrd="0" destOrd="0" presId="urn:microsoft.com/office/officeart/2005/8/layout/list1"/>
     <dgm:cxn modelId="{CB998617-7C92-4365-906A-D85A504869FA}" type="presParOf" srcId="{231AE18B-EBC9-4452-B8FE-7C10AF8C3D99}" destId="{68CB2C07-6FB4-43B7-90A6-6102B894FE03}" srcOrd="1" destOrd="0" presId="urn:microsoft.com/office/officeart/2005/8/layout/list1"/>
@@ -6499,7 +6303,7 @@
         <a:lstStyle/>
         <a:p>
           <a:r>
-            <a:rPr lang="en-US" altLang="zh-TW" sz="2400" dirty="0" smtClean="0"/>
+            <a:rPr lang="en-US" altLang="zh-TW" sz="2400" dirty="0"/>
             <a:t>Problem 1: Evaluation</a:t>
           </a:r>
           <a:endParaRPr lang="zh-TW" altLang="en-US" sz="2400" dirty="0"/>
@@ -6536,7 +6340,7 @@
         <a:lstStyle/>
         <a:p>
           <a:r>
-            <a:rPr lang="en-US" altLang="zh-TW" sz="2400" dirty="0" smtClean="0"/>
+            <a:rPr lang="en-US" altLang="zh-TW" sz="2400" dirty="0"/>
             <a:t>Problem 2: Inference</a:t>
           </a:r>
           <a:endParaRPr lang="zh-TW" altLang="en-US" sz="2400" dirty="0"/>
@@ -6573,7 +6377,7 @@
         <a:lstStyle/>
         <a:p>
           <a:r>
-            <a:rPr lang="en-US" altLang="zh-TW" sz="2400" dirty="0" smtClean="0"/>
+            <a:rPr lang="en-US" altLang="zh-TW" sz="2400" dirty="0"/>
             <a:t>Problem 3: Training</a:t>
           </a:r>
           <a:endParaRPr lang="zh-TW" altLang="en-US" sz="2400" dirty="0"/>
@@ -6625,15 +6429,15 @@
         <a:lstStyle/>
         <a:p>
           <a:r>
-            <a:rPr lang="en-US" altLang="zh-TW" sz="2400" dirty="0" smtClean="0"/>
+            <a:rPr lang="en-US" altLang="zh-TW" sz="2400" dirty="0"/>
             <a:t>What does F(</a:t>
           </a:r>
           <a:r>
-            <a:rPr lang="en-US" altLang="zh-TW" sz="2400" dirty="0" err="1" smtClean="0"/>
+            <a:rPr lang="en-US" altLang="zh-TW" sz="2400" dirty="0" err="1"/>
             <a:t>x,y</a:t>
           </a:r>
           <a:r>
-            <a:rPr lang="en-US" altLang="zh-TW" sz="2400" dirty="0" smtClean="0"/>
+            <a:rPr lang="en-US" altLang="zh-TW" sz="2400" dirty="0"/>
             <a:t>) look like?</a:t>
           </a:r>
           <a:endParaRPr lang="zh-TW" altLang="en-US" sz="2400" dirty="0"/>
@@ -6685,15 +6489,15 @@
         <a:lstStyle/>
         <a:p>
           <a:r>
-            <a:rPr lang="en-US" altLang="zh-TW" sz="2400" dirty="0" smtClean="0"/>
+            <a:rPr lang="en-US" altLang="zh-TW" sz="2400" dirty="0"/>
             <a:t>Given training data, how to find F(</a:t>
           </a:r>
           <a:r>
-            <a:rPr lang="en-US" altLang="zh-TW" sz="2400" dirty="0" err="1" smtClean="0"/>
+            <a:rPr lang="en-US" altLang="zh-TW" sz="2400" dirty="0" err="1"/>
             <a:t>x,y</a:t>
           </a:r>
           <a:r>
-            <a:rPr lang="en-US" altLang="zh-TW" sz="2400" dirty="0" smtClean="0"/>
+            <a:rPr lang="en-US" altLang="zh-TW" sz="2400" dirty="0"/>
             <a:t>)</a:t>
           </a:r>
           <a:endParaRPr lang="zh-TW" altLang="en-US" sz="2400" dirty="0"/>
@@ -6841,15 +6645,15 @@
         <a:lstStyle/>
         <a:p>
           <a:r>
-            <a:rPr lang="en-US" altLang="zh-TW" sz="2400" dirty="0" smtClean="0"/>
+            <a:rPr lang="en-US" altLang="zh-TW" sz="2400" dirty="0"/>
             <a:t>How to solve the “</a:t>
           </a:r>
           <a:r>
-            <a:rPr lang="en-US" altLang="zh-TW" sz="2400" dirty="0" err="1" smtClean="0"/>
+            <a:rPr lang="en-US" altLang="zh-TW" sz="2400" dirty="0" err="1"/>
             <a:t>arg</a:t>
           </a:r>
           <a:r>
-            <a:rPr lang="en-US" altLang="zh-TW" sz="2400" dirty="0" smtClean="0"/>
+            <a:rPr lang="en-US" altLang="zh-TW" sz="2400" dirty="0"/>
             <a:t> max” problem</a:t>
           </a:r>
           <a:endParaRPr lang="zh-TW" altLang="en-US" sz="2400" dirty="0"/>
@@ -6887,13 +6691,6 @@
         </dgm:presLayoutVars>
       </dgm:prSet>
       <dgm:spPr/>
-      <dgm:t>
-        <a:bodyPr/>
-        <a:lstStyle/>
-        <a:p>
-          <a:endParaRPr lang="zh-TW" altLang="en-US"/>
-        </a:p>
-      </dgm:t>
     </dgm:pt>
     <dgm:pt modelId="{5D371B89-AC10-4DC4-BC80-E9858BDB835E}" type="pres">
       <dgm:prSet presAssocID="{8C8FC24A-98B3-42A9-B73B-E58568D91077}" presName="parentLin" presStyleCnt="0"/>
@@ -6902,13 +6699,6 @@
     <dgm:pt modelId="{D0606D4B-A512-472A-8D93-3EE9498764C6}" type="pres">
       <dgm:prSet presAssocID="{8C8FC24A-98B3-42A9-B73B-E58568D91077}" presName="parentLeftMargin" presStyleLbl="node1" presStyleIdx="0" presStyleCnt="3"/>
       <dgm:spPr/>
-      <dgm:t>
-        <a:bodyPr/>
-        <a:lstStyle/>
-        <a:p>
-          <a:endParaRPr lang="zh-TW" altLang="en-US"/>
-        </a:p>
-      </dgm:t>
     </dgm:pt>
     <dgm:pt modelId="{F2CC8F88-1DDE-4179-9925-87ECEBEEA36E}" type="pres">
       <dgm:prSet presAssocID="{8C8FC24A-98B3-42A9-B73B-E58568D91077}" presName="parentText" presStyleLbl="node1" presStyleIdx="0" presStyleCnt="3">
@@ -6918,13 +6708,6 @@
         </dgm:presLayoutVars>
       </dgm:prSet>
       <dgm:spPr/>
-      <dgm:t>
-        <a:bodyPr/>
-        <a:lstStyle/>
-        <a:p>
-          <a:endParaRPr lang="zh-TW" altLang="en-US"/>
-        </a:p>
-      </dgm:t>
     </dgm:pt>
     <dgm:pt modelId="{69686F88-AF86-4F31-B0CE-C3576E7DD362}" type="pres">
       <dgm:prSet presAssocID="{8C8FC24A-98B3-42A9-B73B-E58568D91077}" presName="negativeSpace" presStyleCnt="0"/>
@@ -6937,13 +6720,6 @@
         </dgm:presLayoutVars>
       </dgm:prSet>
       <dgm:spPr/>
-      <dgm:t>
-        <a:bodyPr/>
-        <a:lstStyle/>
-        <a:p>
-          <a:endParaRPr lang="zh-TW" altLang="en-US"/>
-        </a:p>
-      </dgm:t>
     </dgm:pt>
     <dgm:pt modelId="{CB705391-3761-490F-99AE-B6CC73F7F37A}" type="pres">
       <dgm:prSet presAssocID="{71EB5960-47DF-4050-B754-EF079C6E81B1}" presName="spaceBetweenRectangles" presStyleCnt="0"/>
@@ -6956,13 +6732,6 @@
     <dgm:pt modelId="{65374AD6-C596-4C7E-A6BC-8CAEAE6AC668}" type="pres">
       <dgm:prSet presAssocID="{E6126381-FEA6-42C2-B4DA-55A2225C4033}" presName="parentLeftMargin" presStyleLbl="node1" presStyleIdx="0" presStyleCnt="3"/>
       <dgm:spPr/>
-      <dgm:t>
-        <a:bodyPr/>
-        <a:lstStyle/>
-        <a:p>
-          <a:endParaRPr lang="zh-TW" altLang="en-US"/>
-        </a:p>
-      </dgm:t>
     </dgm:pt>
     <dgm:pt modelId="{426AFD05-EDD0-4DFF-84BB-7CFC7D97A722}" type="pres">
       <dgm:prSet presAssocID="{E6126381-FEA6-42C2-B4DA-55A2225C4033}" presName="parentText" presStyleLbl="node1" presStyleIdx="1" presStyleCnt="3">
@@ -6972,13 +6741,6 @@
         </dgm:presLayoutVars>
       </dgm:prSet>
       <dgm:spPr/>
-      <dgm:t>
-        <a:bodyPr/>
-        <a:lstStyle/>
-        <a:p>
-          <a:endParaRPr lang="zh-TW" altLang="en-US"/>
-        </a:p>
-      </dgm:t>
     </dgm:pt>
     <dgm:pt modelId="{EDEDF325-B978-4C00-8EEB-56F8364B5B22}" type="pres">
       <dgm:prSet presAssocID="{E6126381-FEA6-42C2-B4DA-55A2225C4033}" presName="negativeSpace" presStyleCnt="0"/>
@@ -6991,13 +6753,6 @@
         </dgm:presLayoutVars>
       </dgm:prSet>
       <dgm:spPr/>
-      <dgm:t>
-        <a:bodyPr/>
-        <a:lstStyle/>
-        <a:p>
-          <a:endParaRPr lang="zh-TW" altLang="en-US"/>
-        </a:p>
-      </dgm:t>
     </dgm:pt>
     <dgm:pt modelId="{C7424F1E-D72B-4D7C-99EA-11E2BD4A0D8D}" type="pres">
       <dgm:prSet presAssocID="{D604F41C-C7DE-4E9E-A5C0-8BD081DCD4DE}" presName="spaceBetweenRectangles" presStyleCnt="0"/>
@@ -7010,13 +6765,6 @@
     <dgm:pt modelId="{946BBAFD-B004-449D-AB22-3CD75A0402D3}" type="pres">
       <dgm:prSet presAssocID="{CBF58472-CB47-4CDC-B406-59ACCFEC7AC8}" presName="parentLeftMargin" presStyleLbl="node1" presStyleIdx="1" presStyleCnt="3"/>
       <dgm:spPr/>
-      <dgm:t>
-        <a:bodyPr/>
-        <a:lstStyle/>
-        <a:p>
-          <a:endParaRPr lang="zh-TW" altLang="en-US"/>
-        </a:p>
-      </dgm:t>
     </dgm:pt>
     <dgm:pt modelId="{6AE1192B-8224-4641-A190-32BF176B4BD3}" type="pres">
       <dgm:prSet presAssocID="{CBF58472-CB47-4CDC-B406-59ACCFEC7AC8}" presName="parentText" presStyleLbl="node1" presStyleIdx="2" presStyleCnt="3">
@@ -7026,13 +6774,6 @@
         </dgm:presLayoutVars>
       </dgm:prSet>
       <dgm:spPr/>
-      <dgm:t>
-        <a:bodyPr/>
-        <a:lstStyle/>
-        <a:p>
-          <a:endParaRPr lang="zh-TW" altLang="en-US"/>
-        </a:p>
-      </dgm:t>
     </dgm:pt>
     <dgm:pt modelId="{57354508-1501-4C42-AE72-E7E8FB381E2F}" type="pres">
       <dgm:prSet presAssocID="{CBF58472-CB47-4CDC-B406-59ACCFEC7AC8}" presName="negativeSpace" presStyleCnt="0"/>
@@ -7045,36 +6786,29 @@
         </dgm:presLayoutVars>
       </dgm:prSet>
       <dgm:spPr/>
-      <dgm:t>
-        <a:bodyPr/>
-        <a:lstStyle/>
-        <a:p>
-          <a:endParaRPr lang="zh-TW" altLang="en-US"/>
-        </a:p>
-      </dgm:t>
     </dgm:pt>
   </dgm:ptLst>
   <dgm:cxnLst>
-    <dgm:cxn modelId="{CAD26BD8-7BBB-4F94-AC4F-EA6B64A49F8E}" srcId="{5BA0FA28-2818-405F-8330-1628FE77523B}" destId="{CBF58472-CB47-4CDC-B406-59ACCFEC7AC8}" srcOrd="2" destOrd="0" parTransId="{63703F06-DF77-42BD-B522-645A1DF5232D}" sibTransId="{E99D2AFF-1F37-4E62-AD33-51ADCD5C026A}"/>
+    <dgm:cxn modelId="{8ECD4D15-4796-4698-8E53-7C9F57057D79}" srcId="{CBF58472-CB47-4CDC-B406-59ACCFEC7AC8}" destId="{0E92AF34-F9E6-4388-AF2A-CF3EF1584C18}" srcOrd="0" destOrd="0" parTransId="{FDC78129-C5C8-4EE7-B64F-87BC7BF61237}" sibTransId="{4133A273-C2CE-4E26-9935-F2E839078AF9}"/>
+    <dgm:cxn modelId="{D7286717-FC07-4740-A216-AF53CC2CEC0E}" type="presOf" srcId="{CBF58472-CB47-4CDC-B406-59ACCFEC7AC8}" destId="{6AE1192B-8224-4641-A190-32BF176B4BD3}" srcOrd="1" destOrd="0" presId="urn:microsoft.com/office/officeart/2005/8/layout/list1"/>
+    <dgm:cxn modelId="{02791018-875C-4D84-9507-0D49978CAE0E}" type="presOf" srcId="{5BA0FA28-2818-405F-8330-1628FE77523B}" destId="{4179D9DA-6134-4814-A5A8-69B41E8D2F8B}" srcOrd="0" destOrd="0" presId="urn:microsoft.com/office/officeart/2005/8/layout/list1"/>
+    <dgm:cxn modelId="{7AED2323-55B3-44BD-8767-44152D24ADF5}" type="presOf" srcId="{8C8FC24A-98B3-42A9-B73B-E58568D91077}" destId="{F2CC8F88-1DDE-4179-9925-87ECEBEEA36E}" srcOrd="1" destOrd="0" presId="urn:microsoft.com/office/officeart/2005/8/layout/list1"/>
+    <dgm:cxn modelId="{F4B90C2D-8B91-430C-AE06-0DFB9C93B10C}" srcId="{5BA0FA28-2818-405F-8330-1628FE77523B}" destId="{8C8FC24A-98B3-42A9-B73B-E58568D91077}" srcOrd="0" destOrd="0" parTransId="{3FBC2E5D-4844-44CE-BFC2-057E94FA1366}" sibTransId="{71EB5960-47DF-4050-B754-EF079C6E81B1}"/>
+    <dgm:cxn modelId="{DC913441-5317-4A06-A10E-9532014BADE0}" srcId="{5BA0FA28-2818-405F-8330-1628FE77523B}" destId="{E6126381-FEA6-42C2-B4DA-55A2225C4033}" srcOrd="1" destOrd="0" parTransId="{EAC3387D-C2E4-4959-AE1F-C7373D2F94B6}" sibTransId="{D604F41C-C7DE-4E9E-A5C0-8BD081DCD4DE}"/>
     <dgm:cxn modelId="{28283947-5D8B-455D-9FE8-B5B0F043DDB8}" srcId="{8C8FC24A-98B3-42A9-B73B-E58568D91077}" destId="{9491E6FD-75D8-4F8F-A2D8-676337F2C604}" srcOrd="0" destOrd="0" parTransId="{90D37C4E-EA99-4BE9-A1E9-FF508F4F6E6D}" sibTransId="{0B4C0B9E-7FF8-4A28-905F-EB4B194403F2}"/>
-    <dgm:cxn modelId="{F4B90C2D-8B91-430C-AE06-0DFB9C93B10C}" srcId="{5BA0FA28-2818-405F-8330-1628FE77523B}" destId="{8C8FC24A-98B3-42A9-B73B-E58568D91077}" srcOrd="0" destOrd="0" parTransId="{3FBC2E5D-4844-44CE-BFC2-057E94FA1366}" sibTransId="{71EB5960-47DF-4050-B754-EF079C6E81B1}"/>
-    <dgm:cxn modelId="{B5A525C1-7844-48CF-B60B-12306B8BDCC6}" type="presOf" srcId="{9491E6FD-75D8-4F8F-A2D8-676337F2C604}" destId="{E98E6051-CEA2-4B2D-9CC2-D9D66B04CCD9}" srcOrd="0" destOrd="0" presId="urn:microsoft.com/office/officeart/2005/8/layout/list1"/>
-    <dgm:cxn modelId="{D7286717-FC07-4740-A216-AF53CC2CEC0E}" type="presOf" srcId="{CBF58472-CB47-4CDC-B406-59ACCFEC7AC8}" destId="{6AE1192B-8224-4641-A190-32BF176B4BD3}" srcOrd="1" destOrd="0" presId="urn:microsoft.com/office/officeart/2005/8/layout/list1"/>
-    <dgm:cxn modelId="{472D8198-069D-416F-AACB-B71D0AC0743D}" type="presOf" srcId="{5276CFF9-C393-455C-AFD2-DE107E59EA25}" destId="{547E7A61-A93C-4FFB-BAEA-5A39CE04E726}" srcOrd="0" destOrd="1" presId="urn:microsoft.com/office/officeart/2005/8/layout/list1"/>
-    <dgm:cxn modelId="{BC793CD9-69BA-4A8D-8144-E77803AE501B}" type="presOf" srcId="{E6126381-FEA6-42C2-B4DA-55A2225C4033}" destId="{426AFD05-EDD0-4DFF-84BB-7CFC7D97A722}" srcOrd="1" destOrd="0" presId="urn:microsoft.com/office/officeart/2005/8/layout/list1"/>
-    <dgm:cxn modelId="{7AED2323-55B3-44BD-8767-44152D24ADF5}" type="presOf" srcId="{8C8FC24A-98B3-42A9-B73B-E58568D91077}" destId="{F2CC8F88-1DDE-4179-9925-87ECEBEEA36E}" srcOrd="1" destOrd="0" presId="urn:microsoft.com/office/officeart/2005/8/layout/list1"/>
-    <dgm:cxn modelId="{8ECD4D15-4796-4698-8E53-7C9F57057D79}" srcId="{CBF58472-CB47-4CDC-B406-59ACCFEC7AC8}" destId="{0E92AF34-F9E6-4388-AF2A-CF3EF1584C18}" srcOrd="0" destOrd="0" parTransId="{FDC78129-C5C8-4EE7-B64F-87BC7BF61237}" sibTransId="{4133A273-C2CE-4E26-9935-F2E839078AF9}"/>
-    <dgm:cxn modelId="{282420DE-ED86-419E-8E93-B271A28E1AD6}" type="presOf" srcId="{CBF58472-CB47-4CDC-B406-59ACCFEC7AC8}" destId="{946BBAFD-B004-449D-AB22-3CD75A0402D3}" srcOrd="0" destOrd="0" presId="urn:microsoft.com/office/officeart/2005/8/layout/list1"/>
     <dgm:cxn modelId="{D59AC17C-81A4-4D3E-83E3-A4F473D28BE5}" srcId="{E6126381-FEA6-42C2-B4DA-55A2225C4033}" destId="{5276CFF9-C393-455C-AFD2-DE107E59EA25}" srcOrd="1" destOrd="0" parTransId="{78F811F7-E1FF-4EE6-A783-EF5DDD42FC4B}" sibTransId="{49562671-8F50-4C62-91AB-019227E8FB63}"/>
-    <dgm:cxn modelId="{84BAD5A3-7D64-4267-A1BD-6A4D23209535}" type="presOf" srcId="{77FDADD8-0AA0-4C28-AF11-7D00EBB05AED}" destId="{547E7A61-A93C-4FFB-BAEA-5A39CE04E726}" srcOrd="0" destOrd="0" presId="urn:microsoft.com/office/officeart/2005/8/layout/list1"/>
-    <dgm:cxn modelId="{6B81DFD3-AAB9-4285-850D-57B9D4A42669}" type="presOf" srcId="{87DFDA80-A9C9-4491-9026-F8FA22BFFCA3}" destId="{547E7A61-A93C-4FFB-BAEA-5A39CE04E726}" srcOrd="0" destOrd="2" presId="urn:microsoft.com/office/officeart/2005/8/layout/list1"/>
-    <dgm:cxn modelId="{DC913441-5317-4A06-A10E-9532014BADE0}" srcId="{5BA0FA28-2818-405F-8330-1628FE77523B}" destId="{E6126381-FEA6-42C2-B4DA-55A2225C4033}" srcOrd="1" destOrd="0" parTransId="{EAC3387D-C2E4-4959-AE1F-C7373D2F94B6}" sibTransId="{D604F41C-C7DE-4E9E-A5C0-8BD081DCD4DE}"/>
-    <dgm:cxn modelId="{02791018-875C-4D84-9507-0D49978CAE0E}" type="presOf" srcId="{5BA0FA28-2818-405F-8330-1628FE77523B}" destId="{4179D9DA-6134-4814-A5A8-69B41E8D2F8B}" srcOrd="0" destOrd="0" presId="urn:microsoft.com/office/officeart/2005/8/layout/list1"/>
-    <dgm:cxn modelId="{93E4EBCF-79F9-466D-83AF-F3D134B65DC6}" srcId="{E6126381-FEA6-42C2-B4DA-55A2225C4033}" destId="{87DFDA80-A9C9-4491-9026-F8FA22BFFCA3}" srcOrd="2" destOrd="0" parTransId="{16B1F572-501A-49DF-925D-A700C783ABC0}" sibTransId="{0CAC8A24-460B-401F-B325-5C9524114DFE}"/>
-    <dgm:cxn modelId="{A505B0B5-2309-4F40-A2A4-F72BDC3020B8}" type="presOf" srcId="{0E92AF34-F9E6-4388-AF2A-CF3EF1584C18}" destId="{9F48C664-FFBC-4894-8A20-68F9CE8E9C2D}" srcOrd="0" destOrd="0" presId="urn:microsoft.com/office/officeart/2005/8/layout/list1"/>
-    <dgm:cxn modelId="{D9B635A0-02C1-4D81-8612-0584307A59F1}" type="presOf" srcId="{8C8FC24A-98B3-42A9-B73B-E58568D91077}" destId="{D0606D4B-A512-472A-8D93-3EE9498764C6}" srcOrd="0" destOrd="0" presId="urn:microsoft.com/office/officeart/2005/8/layout/list1"/>
     <dgm:cxn modelId="{86D71A81-D744-49A0-B9C5-654048A4B2E8}" srcId="{E6126381-FEA6-42C2-B4DA-55A2225C4033}" destId="{77FDADD8-0AA0-4C28-AF11-7D00EBB05AED}" srcOrd="0" destOrd="0" parTransId="{09517973-EC7A-449E-B00C-D4963875F322}" sibTransId="{A55B5796-F3B0-46DE-B2FF-0824023BD70B}"/>
     <dgm:cxn modelId="{D7299786-014D-494E-B10A-E4A3CA4EF4F2}" type="presOf" srcId="{E6126381-FEA6-42C2-B4DA-55A2225C4033}" destId="{65374AD6-C596-4C7E-A6BC-8CAEAE6AC668}" srcOrd="0" destOrd="0" presId="urn:microsoft.com/office/officeart/2005/8/layout/list1"/>
+    <dgm:cxn modelId="{472D8198-069D-416F-AACB-B71D0AC0743D}" type="presOf" srcId="{5276CFF9-C393-455C-AFD2-DE107E59EA25}" destId="{547E7A61-A93C-4FFB-BAEA-5A39CE04E726}" srcOrd="0" destOrd="1" presId="urn:microsoft.com/office/officeart/2005/8/layout/list1"/>
+    <dgm:cxn modelId="{D9B635A0-02C1-4D81-8612-0584307A59F1}" type="presOf" srcId="{8C8FC24A-98B3-42A9-B73B-E58568D91077}" destId="{D0606D4B-A512-472A-8D93-3EE9498764C6}" srcOrd="0" destOrd="0" presId="urn:microsoft.com/office/officeart/2005/8/layout/list1"/>
+    <dgm:cxn modelId="{84BAD5A3-7D64-4267-A1BD-6A4D23209535}" type="presOf" srcId="{77FDADD8-0AA0-4C28-AF11-7D00EBB05AED}" destId="{547E7A61-A93C-4FFB-BAEA-5A39CE04E726}" srcOrd="0" destOrd="0" presId="urn:microsoft.com/office/officeart/2005/8/layout/list1"/>
+    <dgm:cxn modelId="{A505B0B5-2309-4F40-A2A4-F72BDC3020B8}" type="presOf" srcId="{0E92AF34-F9E6-4388-AF2A-CF3EF1584C18}" destId="{9F48C664-FFBC-4894-8A20-68F9CE8E9C2D}" srcOrd="0" destOrd="0" presId="urn:microsoft.com/office/officeart/2005/8/layout/list1"/>
+    <dgm:cxn modelId="{B5A525C1-7844-48CF-B60B-12306B8BDCC6}" type="presOf" srcId="{9491E6FD-75D8-4F8F-A2D8-676337F2C604}" destId="{E98E6051-CEA2-4B2D-9CC2-D9D66B04CCD9}" srcOrd="0" destOrd="0" presId="urn:microsoft.com/office/officeart/2005/8/layout/list1"/>
+    <dgm:cxn modelId="{93E4EBCF-79F9-466D-83AF-F3D134B65DC6}" srcId="{E6126381-FEA6-42C2-B4DA-55A2225C4033}" destId="{87DFDA80-A9C9-4491-9026-F8FA22BFFCA3}" srcOrd="2" destOrd="0" parTransId="{16B1F572-501A-49DF-925D-A700C783ABC0}" sibTransId="{0CAC8A24-460B-401F-B325-5C9524114DFE}"/>
+    <dgm:cxn modelId="{6B81DFD3-AAB9-4285-850D-57B9D4A42669}" type="presOf" srcId="{87DFDA80-A9C9-4491-9026-F8FA22BFFCA3}" destId="{547E7A61-A93C-4FFB-BAEA-5A39CE04E726}" srcOrd="0" destOrd="2" presId="urn:microsoft.com/office/officeart/2005/8/layout/list1"/>
+    <dgm:cxn modelId="{CAD26BD8-7BBB-4F94-AC4F-EA6B64A49F8E}" srcId="{5BA0FA28-2818-405F-8330-1628FE77523B}" destId="{CBF58472-CB47-4CDC-B406-59ACCFEC7AC8}" srcOrd="2" destOrd="0" parTransId="{63703F06-DF77-42BD-B522-645A1DF5232D}" sibTransId="{E99D2AFF-1F37-4E62-AD33-51ADCD5C026A}"/>
+    <dgm:cxn modelId="{BC793CD9-69BA-4A8D-8144-E77803AE501B}" type="presOf" srcId="{E6126381-FEA6-42C2-B4DA-55A2225C4033}" destId="{426AFD05-EDD0-4DFF-84BB-7CFC7D97A722}" srcOrd="1" destOrd="0" presId="urn:microsoft.com/office/officeart/2005/8/layout/list1"/>
+    <dgm:cxn modelId="{282420DE-ED86-419E-8E93-B271A28E1AD6}" type="presOf" srcId="{CBF58472-CB47-4CDC-B406-59ACCFEC7AC8}" destId="{946BBAFD-B004-449D-AB22-3CD75A0402D3}" srcOrd="0" destOrd="0" presId="urn:microsoft.com/office/officeart/2005/8/layout/list1"/>
     <dgm:cxn modelId="{97D8F90B-9BAA-4093-BBCE-80A21D5432A7}" type="presParOf" srcId="{4179D9DA-6134-4814-A5A8-69B41E8D2F8B}" destId="{5D371B89-AC10-4DC4-BC80-E9858BDB835E}" srcOrd="0" destOrd="0" presId="urn:microsoft.com/office/officeart/2005/8/layout/list1"/>
     <dgm:cxn modelId="{2C2C9F89-BF9C-4156-8E5A-2C7FCD71FE25}" type="presParOf" srcId="{5D371B89-AC10-4DC4-BC80-E9858BDB835E}" destId="{D0606D4B-A512-472A-8D93-3EE9498764C6}" srcOrd="0" destOrd="0" presId="urn:microsoft.com/office/officeart/2005/8/layout/list1"/>
     <dgm:cxn modelId="{BD971788-D568-4275-AA2D-820F6D6A4FA4}" type="presParOf" srcId="{5D371B89-AC10-4DC4-BC80-E9858BDB835E}" destId="{F2CC8F88-1DDE-4179-9925-87ECEBEEA36E}" srcOrd="1" destOrd="0" presId="urn:microsoft.com/office/officeart/2005/8/layout/list1"/>
@@ -7194,10 +6928,10 @@
             <a:spcAft>
               <a:spcPct val="15000"/>
             </a:spcAft>
-            <a:buChar char="••"/>
+            <a:buChar char="•"/>
           </a:pPr>
           <a:r>
-            <a:rPr lang="en-US" altLang="zh-TW" sz="2400" kern="1200" dirty="0" smtClean="0"/>
+            <a:rPr lang="en-US" altLang="zh-TW" sz="2400" kern="1200" dirty="0"/>
             <a:t>Find a function F</a:t>
           </a:r>
           <a:endParaRPr lang="zh-TW" altLang="en-US" sz="2400" kern="1200" dirty="0"/>
@@ -7213,7 +6947,7 @@
             <a:spcAft>
               <a:spcPct val="15000"/>
             </a:spcAft>
-            <a:buChar char="••"/>
+            <a:buChar char="•"/>
           </a:pPr>
           <a:endParaRPr lang="zh-TW" altLang="en-US" sz="2400" kern="1200" dirty="0"/>
         </a:p>
@@ -7228,18 +6962,18 @@
             <a:spcAft>
               <a:spcPct val="15000"/>
             </a:spcAft>
-            <a:buChar char="••"/>
+            <a:buChar char="•"/>
           </a:pPr>
           <a:r>
-            <a:rPr lang="en-US" altLang="zh-TW" sz="2400" kern="1200" dirty="0" smtClean="0"/>
+            <a:rPr lang="en-US" altLang="zh-TW" sz="2400" kern="1200" dirty="0"/>
             <a:t>F(</a:t>
           </a:r>
           <a:r>
-            <a:rPr lang="en-US" altLang="zh-TW" sz="2400" kern="1200" dirty="0" err="1" smtClean="0"/>
+            <a:rPr lang="en-US" altLang="zh-TW" sz="2400" kern="1200" dirty="0" err="1"/>
             <a:t>x,y</a:t>
           </a:r>
           <a:r>
-            <a:rPr lang="en-US" altLang="zh-TW" sz="2400" kern="1200" dirty="0" smtClean="0"/>
+            <a:rPr lang="en-US" altLang="zh-TW" sz="2400" kern="1200" dirty="0"/>
             <a:t>): evaluate how compatible the objects x and y is</a:t>
           </a:r>
           <a:endParaRPr lang="zh-TW" altLang="en-US" sz="2400" kern="1200" dirty="0"/>
@@ -7334,7 +7068,7 @@
         </a:bodyPr>
         <a:lstStyle/>
         <a:p>
-          <a:pPr lvl="0" algn="l" defTabSz="1066800">
+          <a:pPr marL="0" lvl="0" indent="0" algn="l" defTabSz="1066800">
             <a:lnSpc>
               <a:spcPct val="90000"/>
             </a:lnSpc>
@@ -7344,9 +7078,10 @@
             <a:spcAft>
               <a:spcPct val="35000"/>
             </a:spcAft>
+            <a:buNone/>
           </a:pPr>
           <a:r>
-            <a:rPr lang="en-US" altLang="zh-TW" sz="2400" kern="1200" dirty="0" smtClean="0"/>
+            <a:rPr lang="en-US" altLang="zh-TW" sz="2400" kern="1200" dirty="0"/>
             <a:t>Step 1: Training</a:t>
           </a:r>
           <a:endParaRPr lang="zh-TW" altLang="en-US" sz="2400" kern="1200" dirty="0"/>
@@ -7440,10 +7175,10 @@
             <a:spcAft>
               <a:spcPct val="15000"/>
             </a:spcAft>
-            <a:buChar char="••"/>
+            <a:buChar char="•"/>
           </a:pPr>
           <a:r>
-            <a:rPr lang="en-US" altLang="zh-TW" sz="2400" kern="1200" dirty="0" smtClean="0"/>
+            <a:rPr lang="en-US" altLang="zh-TW" sz="2400" kern="1200" dirty="0"/>
             <a:t>Given an object x</a:t>
           </a:r>
           <a:endParaRPr lang="zh-TW" altLang="en-US" sz="2400" kern="1200" dirty="0"/>
@@ -7459,7 +7194,7 @@
             <a:spcAft>
               <a:spcPct val="15000"/>
             </a:spcAft>
-            <a:buChar char="••"/>
+            <a:buChar char="•"/>
           </a:pPr>
           <a:endParaRPr lang="zh-TW" altLang="en-US" sz="2400" kern="1200" dirty="0"/>
         </a:p>
@@ -7553,7 +7288,7 @@
         </a:bodyPr>
         <a:lstStyle/>
         <a:p>
-          <a:pPr lvl="0" algn="l" defTabSz="1066800">
+          <a:pPr marL="0" lvl="0" indent="0" algn="l" defTabSz="1066800">
             <a:lnSpc>
               <a:spcPct val="90000"/>
             </a:lnSpc>
@@ -7563,9 +7298,10 @@
             <a:spcAft>
               <a:spcPct val="35000"/>
             </a:spcAft>
+            <a:buNone/>
           </a:pPr>
           <a:r>
-            <a:rPr lang="en-US" altLang="zh-TW" sz="2400" kern="1200" dirty="0" smtClean="0"/>
+            <a:rPr lang="en-US" altLang="zh-TW" sz="2400" kern="1200" dirty="0"/>
             <a:t>Step 2: Inference (Testing)</a:t>
           </a:r>
           <a:endParaRPr lang="zh-TW" altLang="en-US" sz="2400" kern="1200" dirty="0"/>
@@ -7671,18 +7407,18 @@
             <a:spcAft>
               <a:spcPct val="15000"/>
             </a:spcAft>
-            <a:buChar char="••"/>
+            <a:buChar char="•"/>
           </a:pPr>
           <a:r>
-            <a:rPr lang="en-US" altLang="zh-TW" sz="2400" kern="1200" dirty="0" smtClean="0"/>
+            <a:rPr lang="en-US" altLang="zh-TW" sz="2400" kern="1200" dirty="0"/>
             <a:t>Estimate the probability P(</a:t>
           </a:r>
           <a:r>
-            <a:rPr lang="en-US" altLang="zh-TW" sz="2400" kern="1200" dirty="0" err="1" smtClean="0"/>
+            <a:rPr lang="en-US" altLang="zh-TW" sz="2400" kern="1200" dirty="0" err="1"/>
             <a:t>x,y</a:t>
           </a:r>
           <a:r>
-            <a:rPr lang="en-US" altLang="zh-TW" sz="2400" kern="1200" dirty="0" smtClean="0"/>
+            <a:rPr lang="en-US" altLang="zh-TW" sz="2400" kern="1200" dirty="0"/>
             <a:t>)</a:t>
           </a:r>
           <a:endParaRPr lang="zh-TW" altLang="en-US" sz="2400" kern="1200" dirty="0"/>
@@ -7698,7 +7434,7 @@
             <a:spcAft>
               <a:spcPct val="15000"/>
             </a:spcAft>
-            <a:buChar char="••"/>
+            <a:buChar char="•"/>
           </a:pPr>
           <a:endParaRPr lang="zh-TW" altLang="en-US" sz="2400" kern="1200" dirty="0"/>
         </a:p>
@@ -7792,7 +7528,7 @@
         </a:bodyPr>
         <a:lstStyle/>
         <a:p>
-          <a:pPr lvl="0" algn="l" defTabSz="1066800">
+          <a:pPr marL="0" lvl="0" indent="0" algn="l" defTabSz="1066800">
             <a:lnSpc>
               <a:spcPct val="90000"/>
             </a:lnSpc>
@@ -7802,9 +7538,10 @@
             <a:spcAft>
               <a:spcPct val="35000"/>
             </a:spcAft>
+            <a:buNone/>
           </a:pPr>
           <a:r>
-            <a:rPr lang="en-US" altLang="zh-TW" sz="2400" kern="1200" dirty="0" smtClean="0"/>
+            <a:rPr lang="en-US" altLang="zh-TW" sz="2400" kern="1200" dirty="0"/>
             <a:t>Step 1: Training</a:t>
           </a:r>
           <a:endParaRPr lang="zh-TW" altLang="en-US" sz="2400" kern="1200" dirty="0"/>
@@ -7898,10 +7635,10 @@
             <a:spcAft>
               <a:spcPct val="15000"/>
             </a:spcAft>
-            <a:buChar char="••"/>
+            <a:buChar char="•"/>
           </a:pPr>
           <a:r>
-            <a:rPr lang="en-US" altLang="zh-TW" sz="2400" kern="1200" dirty="0" smtClean="0"/>
+            <a:rPr lang="en-US" altLang="zh-TW" sz="2400" kern="1200" dirty="0"/>
             <a:t>Given an object x</a:t>
           </a:r>
           <a:endParaRPr lang="zh-TW" altLang="en-US" sz="2400" kern="1200" dirty="0"/>
@@ -7917,7 +7654,7 @@
             <a:spcAft>
               <a:spcPct val="15000"/>
             </a:spcAft>
-            <a:buChar char="••"/>
+            <a:buChar char="•"/>
           </a:pPr>
           <a:endParaRPr lang="zh-TW" altLang="en-US" sz="2400" kern="1200" dirty="0"/>
         </a:p>
@@ -7932,7 +7669,7 @@
             <a:spcAft>
               <a:spcPct val="15000"/>
             </a:spcAft>
-            <a:buChar char="••"/>
+            <a:buChar char="•"/>
           </a:pPr>
           <a:endParaRPr lang="zh-TW" altLang="en-US" sz="2400" kern="1200" dirty="0"/>
         </a:p>
@@ -7947,7 +7684,7 @@
             <a:spcAft>
               <a:spcPct val="15000"/>
             </a:spcAft>
-            <a:buChar char="••"/>
+            <a:buChar char="•"/>
           </a:pPr>
           <a:endParaRPr lang="zh-TW" altLang="en-US" sz="2400" kern="1200" dirty="0"/>
         </a:p>
@@ -7962,7 +7699,7 @@
             <a:spcAft>
               <a:spcPct val="15000"/>
             </a:spcAft>
-            <a:buChar char="••"/>
+            <a:buChar char="•"/>
           </a:pPr>
           <a:endParaRPr lang="zh-TW" altLang="en-US" sz="2400" kern="1200" dirty="0"/>
         </a:p>
@@ -7977,7 +7714,7 @@
             <a:spcAft>
               <a:spcPct val="15000"/>
             </a:spcAft>
-            <a:buChar char="••"/>
+            <a:buChar char="•"/>
           </a:pPr>
           <a:endParaRPr lang="zh-TW" altLang="en-US" sz="2400" kern="1200" dirty="0"/>
         </a:p>
@@ -7992,7 +7729,7 @@
             <a:spcAft>
               <a:spcPct val="15000"/>
             </a:spcAft>
-            <a:buChar char="••"/>
+            <a:buChar char="•"/>
           </a:pPr>
           <a:endParaRPr lang="zh-TW" altLang="en-US" sz="2400" kern="1200" dirty="0"/>
         </a:p>
@@ -8086,7 +7823,7 @@
         </a:bodyPr>
         <a:lstStyle/>
         <a:p>
-          <a:pPr lvl="0" algn="l" defTabSz="1066800">
+          <a:pPr marL="0" lvl="0" indent="0" algn="l" defTabSz="1066800">
             <a:lnSpc>
               <a:spcPct val="90000"/>
             </a:lnSpc>
@@ -8096,9 +7833,10 @@
             <a:spcAft>
               <a:spcPct val="35000"/>
             </a:spcAft>
+            <a:buNone/>
           </a:pPr>
           <a:r>
-            <a:rPr lang="en-US" altLang="zh-TW" sz="2400" kern="1200" dirty="0" smtClean="0"/>
+            <a:rPr lang="en-US" altLang="zh-TW" sz="2400" kern="1200" dirty="0"/>
             <a:t>Step 2: Inference</a:t>
           </a:r>
           <a:endParaRPr lang="zh-TW" altLang="en-US" sz="2400" kern="1200" dirty="0"/>
@@ -8204,10 +7942,10 @@
             <a:spcAft>
               <a:spcPct val="15000"/>
             </a:spcAft>
-            <a:buChar char="••"/>
+            <a:buChar char="•"/>
           </a:pPr>
           <a:r>
-            <a:rPr lang="en-US" altLang="zh-TW" sz="2400" kern="1200" dirty="0" smtClean="0"/>
+            <a:rPr lang="en-US" altLang="zh-TW" sz="2400" kern="1200" dirty="0"/>
             <a:t>Find a function F</a:t>
           </a:r>
           <a:endParaRPr lang="zh-TW" altLang="en-US" sz="2400" kern="1200" dirty="0"/>
@@ -8223,7 +7961,7 @@
             <a:spcAft>
               <a:spcPct val="15000"/>
             </a:spcAft>
-            <a:buChar char="••"/>
+            <a:buChar char="•"/>
           </a:pPr>
           <a:endParaRPr lang="zh-TW" altLang="en-US" sz="2400" kern="1200" dirty="0"/>
         </a:p>
@@ -8238,18 +7976,18 @@
             <a:spcAft>
               <a:spcPct val="15000"/>
             </a:spcAft>
-            <a:buChar char="••"/>
+            <a:buChar char="•"/>
           </a:pPr>
           <a:r>
-            <a:rPr lang="en-US" altLang="zh-TW" sz="2400" kern="1200" dirty="0" smtClean="0"/>
+            <a:rPr lang="en-US" altLang="zh-TW" sz="2400" kern="1200" dirty="0"/>
             <a:t>F(</a:t>
           </a:r>
           <a:r>
-            <a:rPr lang="en-US" altLang="zh-TW" sz="2400" kern="1200" dirty="0" err="1" smtClean="0"/>
+            <a:rPr lang="en-US" altLang="zh-TW" sz="2400" kern="1200" dirty="0" err="1"/>
             <a:t>x,y</a:t>
           </a:r>
           <a:r>
-            <a:rPr lang="en-US" altLang="zh-TW" sz="2400" kern="1200" dirty="0" smtClean="0"/>
+            <a:rPr lang="en-US" altLang="zh-TW" sz="2400" kern="1200" dirty="0"/>
             <a:t>): evaluate how compatible the objects x and y is</a:t>
           </a:r>
           <a:endParaRPr lang="zh-TW" altLang="en-US" sz="2400" kern="1200" dirty="0"/>
@@ -8344,7 +8082,7 @@
         </a:bodyPr>
         <a:lstStyle/>
         <a:p>
-          <a:pPr lvl="0" algn="l" defTabSz="1066800">
+          <a:pPr marL="0" lvl="0" indent="0" algn="l" defTabSz="1066800">
             <a:lnSpc>
               <a:spcPct val="90000"/>
             </a:lnSpc>
@@ -8354,9 +8092,10 @@
             <a:spcAft>
               <a:spcPct val="35000"/>
             </a:spcAft>
+            <a:buNone/>
           </a:pPr>
           <a:r>
-            <a:rPr lang="en-US" altLang="zh-TW" sz="2400" kern="1200" dirty="0" smtClean="0"/>
+            <a:rPr lang="en-US" altLang="zh-TW" sz="2400" kern="1200" dirty="0"/>
             <a:t>Step 1: Training</a:t>
           </a:r>
           <a:endParaRPr lang="zh-TW" altLang="en-US" sz="2400" kern="1200" dirty="0"/>
@@ -8450,10 +8189,10 @@
             <a:spcAft>
               <a:spcPct val="15000"/>
             </a:spcAft>
-            <a:buChar char="••"/>
+            <a:buChar char="•"/>
           </a:pPr>
           <a:r>
-            <a:rPr lang="en-US" altLang="zh-TW" sz="2400" kern="1200" dirty="0" smtClean="0"/>
+            <a:rPr lang="en-US" altLang="zh-TW" sz="2400" kern="1200" dirty="0"/>
             <a:t>Given an object x</a:t>
           </a:r>
           <a:endParaRPr lang="zh-TW" altLang="en-US" sz="2400" kern="1200" dirty="0"/>
@@ -8469,7 +8208,7 @@
             <a:spcAft>
               <a:spcPct val="15000"/>
             </a:spcAft>
-            <a:buChar char="••"/>
+            <a:buChar char="•"/>
           </a:pPr>
           <a:endParaRPr lang="zh-TW" altLang="en-US" sz="2400" kern="1200" dirty="0"/>
         </a:p>
@@ -8563,7 +8302,7 @@
         </a:bodyPr>
         <a:lstStyle/>
         <a:p>
-          <a:pPr lvl="0" algn="l" defTabSz="1066800">
+          <a:pPr marL="0" lvl="0" indent="0" algn="l" defTabSz="1066800">
             <a:lnSpc>
               <a:spcPct val="90000"/>
             </a:lnSpc>
@@ -8573,9 +8312,10 @@
             <a:spcAft>
               <a:spcPct val="35000"/>
             </a:spcAft>
+            <a:buNone/>
           </a:pPr>
           <a:r>
-            <a:rPr lang="en-US" altLang="zh-TW" sz="2400" kern="1200" dirty="0" smtClean="0"/>
+            <a:rPr lang="en-US" altLang="zh-TW" sz="2400" kern="1200" dirty="0"/>
             <a:t>Step 2: Inference</a:t>
           </a:r>
           <a:endParaRPr lang="zh-TW" altLang="en-US" sz="2400" kern="1200" dirty="0"/>
@@ -8681,18 +8421,18 @@
             <a:spcAft>
               <a:spcPct val="15000"/>
             </a:spcAft>
-            <a:buChar char="••"/>
+            <a:buChar char="•"/>
           </a:pPr>
           <a:r>
-            <a:rPr lang="en-US" altLang="zh-TW" sz="2400" kern="1200" dirty="0" smtClean="0"/>
+            <a:rPr lang="en-US" altLang="zh-TW" sz="2400" kern="1200" dirty="0"/>
             <a:t>Estimate the probability P(</a:t>
           </a:r>
           <a:r>
-            <a:rPr lang="en-US" altLang="zh-TW" sz="2400" kern="1200" dirty="0" err="1" smtClean="0"/>
+            <a:rPr lang="en-US" altLang="zh-TW" sz="2400" kern="1200" dirty="0" err="1"/>
             <a:t>x,y</a:t>
           </a:r>
           <a:r>
-            <a:rPr lang="en-US" altLang="zh-TW" sz="2400" kern="1200" dirty="0" smtClean="0"/>
+            <a:rPr lang="en-US" altLang="zh-TW" sz="2400" kern="1200" dirty="0"/>
             <a:t>)</a:t>
           </a:r>
           <a:endParaRPr lang="zh-TW" altLang="en-US" sz="2400" kern="1200" dirty="0"/>
@@ -8708,7 +8448,7 @@
             <a:spcAft>
               <a:spcPct val="15000"/>
             </a:spcAft>
-            <a:buChar char="••"/>
+            <a:buChar char="•"/>
           </a:pPr>
           <a:endParaRPr lang="zh-TW" altLang="en-US" sz="2400" kern="1200" dirty="0"/>
         </a:p>
@@ -8802,7 +8542,7 @@
         </a:bodyPr>
         <a:lstStyle/>
         <a:p>
-          <a:pPr lvl="0" algn="l" defTabSz="1066800">
+          <a:pPr marL="0" lvl="0" indent="0" algn="l" defTabSz="1066800">
             <a:lnSpc>
               <a:spcPct val="90000"/>
             </a:lnSpc>
@@ -8812,9 +8552,10 @@
             <a:spcAft>
               <a:spcPct val="35000"/>
             </a:spcAft>
+            <a:buNone/>
           </a:pPr>
           <a:r>
-            <a:rPr lang="en-US" altLang="zh-TW" sz="2400" kern="1200" dirty="0" smtClean="0"/>
+            <a:rPr lang="en-US" altLang="zh-TW" sz="2400" kern="1200" dirty="0"/>
             <a:t>Step 1: Training</a:t>
           </a:r>
           <a:endParaRPr lang="zh-TW" altLang="en-US" sz="2400" kern="1200" dirty="0"/>
@@ -8908,10 +8649,10 @@
             <a:spcAft>
               <a:spcPct val="15000"/>
             </a:spcAft>
-            <a:buChar char="••"/>
+            <a:buChar char="•"/>
           </a:pPr>
           <a:r>
-            <a:rPr lang="en-US" altLang="zh-TW" sz="2400" kern="1200" dirty="0" smtClean="0"/>
+            <a:rPr lang="en-US" altLang="zh-TW" sz="2400" kern="1200" dirty="0"/>
             <a:t>Given an object x</a:t>
           </a:r>
           <a:endParaRPr lang="zh-TW" altLang="en-US" sz="2400" kern="1200" dirty="0"/>
@@ -8927,7 +8668,7 @@
             <a:spcAft>
               <a:spcPct val="15000"/>
             </a:spcAft>
-            <a:buChar char="••"/>
+            <a:buChar char="•"/>
           </a:pPr>
           <a:endParaRPr lang="zh-TW" altLang="en-US" sz="2400" kern="1200" dirty="0"/>
         </a:p>
@@ -8942,7 +8683,7 @@
             <a:spcAft>
               <a:spcPct val="15000"/>
             </a:spcAft>
-            <a:buChar char="••"/>
+            <a:buChar char="•"/>
           </a:pPr>
           <a:endParaRPr lang="zh-TW" altLang="en-US" sz="2400" kern="1200" dirty="0"/>
         </a:p>
@@ -8957,7 +8698,7 @@
             <a:spcAft>
               <a:spcPct val="15000"/>
             </a:spcAft>
-            <a:buChar char="••"/>
+            <a:buChar char="•"/>
           </a:pPr>
           <a:endParaRPr lang="zh-TW" altLang="en-US" sz="2400" kern="1200" dirty="0"/>
         </a:p>
@@ -8972,7 +8713,7 @@
             <a:spcAft>
               <a:spcPct val="15000"/>
             </a:spcAft>
-            <a:buChar char="••"/>
+            <a:buChar char="•"/>
           </a:pPr>
           <a:endParaRPr lang="zh-TW" altLang="en-US" sz="2400" kern="1200" dirty="0"/>
         </a:p>
@@ -8987,7 +8728,7 @@
             <a:spcAft>
               <a:spcPct val="15000"/>
             </a:spcAft>
-            <a:buChar char="••"/>
+            <a:buChar char="•"/>
           </a:pPr>
           <a:endParaRPr lang="zh-TW" altLang="en-US" sz="2400" kern="1200" dirty="0"/>
         </a:p>
@@ -9002,7 +8743,7 @@
             <a:spcAft>
               <a:spcPct val="15000"/>
             </a:spcAft>
-            <a:buChar char="••"/>
+            <a:buChar char="•"/>
           </a:pPr>
           <a:endParaRPr lang="zh-TW" altLang="en-US" sz="2400" kern="1200" dirty="0"/>
         </a:p>
@@ -9096,7 +8837,7 @@
         </a:bodyPr>
         <a:lstStyle/>
         <a:p>
-          <a:pPr lvl="0" algn="l" defTabSz="1066800">
+          <a:pPr marL="0" lvl="0" indent="0" algn="l" defTabSz="1066800">
             <a:lnSpc>
               <a:spcPct val="90000"/>
             </a:lnSpc>
@@ -9106,9 +8847,10 @@
             <a:spcAft>
               <a:spcPct val="35000"/>
             </a:spcAft>
+            <a:buNone/>
           </a:pPr>
           <a:r>
-            <a:rPr lang="en-US" altLang="zh-TW" sz="2400" kern="1200" dirty="0" smtClean="0"/>
+            <a:rPr lang="en-US" altLang="zh-TW" sz="2400" kern="1200" dirty="0"/>
             <a:t>Step 2: Inference</a:t>
           </a:r>
           <a:endParaRPr lang="zh-TW" altLang="en-US" sz="2400" kern="1200" dirty="0"/>
@@ -9214,18 +8956,18 @@
             <a:spcAft>
               <a:spcPct val="15000"/>
             </a:spcAft>
-            <a:buChar char="••"/>
+            <a:buChar char="•"/>
           </a:pPr>
           <a:r>
-            <a:rPr lang="en-US" altLang="zh-TW" sz="2400" kern="1200" dirty="0" smtClean="0"/>
+            <a:rPr lang="en-US" altLang="zh-TW" sz="2400" kern="1200" dirty="0"/>
             <a:t>What does F(</a:t>
           </a:r>
           <a:r>
-            <a:rPr lang="en-US" altLang="zh-TW" sz="2400" kern="1200" dirty="0" err="1" smtClean="0"/>
+            <a:rPr lang="en-US" altLang="zh-TW" sz="2400" kern="1200" dirty="0" err="1"/>
             <a:t>x,y</a:t>
           </a:r>
           <a:r>
-            <a:rPr lang="en-US" altLang="zh-TW" sz="2400" kern="1200" dirty="0" smtClean="0"/>
+            <a:rPr lang="en-US" altLang="zh-TW" sz="2400" kern="1200" dirty="0"/>
             <a:t>) look like?</a:t>
           </a:r>
           <a:endParaRPr lang="zh-TW" altLang="en-US" sz="2400" kern="1200" dirty="0"/>
@@ -9320,7 +9062,7 @@
         </a:bodyPr>
         <a:lstStyle/>
         <a:p>
-          <a:pPr lvl="0" algn="l" defTabSz="1066800">
+          <a:pPr marL="0" lvl="0" indent="0" algn="l" defTabSz="1066800">
             <a:lnSpc>
               <a:spcPct val="90000"/>
             </a:lnSpc>
@@ -9330,9 +9072,10 @@
             <a:spcAft>
               <a:spcPct val="35000"/>
             </a:spcAft>
+            <a:buNone/>
           </a:pPr>
           <a:r>
-            <a:rPr lang="en-US" altLang="zh-TW" sz="2400" kern="1200" dirty="0" smtClean="0"/>
+            <a:rPr lang="en-US" altLang="zh-TW" sz="2400" kern="1200" dirty="0"/>
             <a:t>Problem 1: Evaluation</a:t>
           </a:r>
           <a:endParaRPr lang="zh-TW" altLang="en-US" sz="2400" kern="1200" dirty="0"/>
@@ -9426,18 +9169,18 @@
             <a:spcAft>
               <a:spcPct val="15000"/>
             </a:spcAft>
-            <a:buChar char="••"/>
+            <a:buChar char="•"/>
           </a:pPr>
           <a:r>
-            <a:rPr lang="en-US" altLang="zh-TW" sz="2400" kern="1200" dirty="0" smtClean="0"/>
+            <a:rPr lang="en-US" altLang="zh-TW" sz="2400" kern="1200" dirty="0"/>
             <a:t>How to solve the “</a:t>
           </a:r>
           <a:r>
-            <a:rPr lang="en-US" altLang="zh-TW" sz="2400" kern="1200" dirty="0" err="1" smtClean="0"/>
+            <a:rPr lang="en-US" altLang="zh-TW" sz="2400" kern="1200" dirty="0" err="1"/>
             <a:t>arg</a:t>
           </a:r>
           <a:r>
-            <a:rPr lang="en-US" altLang="zh-TW" sz="2400" kern="1200" dirty="0" smtClean="0"/>
+            <a:rPr lang="en-US" altLang="zh-TW" sz="2400" kern="1200" dirty="0"/>
             <a:t> max” problem</a:t>
           </a:r>
           <a:endParaRPr lang="zh-TW" altLang="en-US" sz="2400" kern="1200" dirty="0"/>
@@ -9453,7 +9196,7 @@
             <a:spcAft>
               <a:spcPct val="15000"/>
             </a:spcAft>
-            <a:buChar char="••"/>
+            <a:buChar char="•"/>
           </a:pPr>
           <a:endParaRPr lang="zh-TW" altLang="en-US" sz="2400" kern="1200" dirty="0"/>
         </a:p>
@@ -9468,7 +9211,7 @@
             <a:spcAft>
               <a:spcPct val="15000"/>
             </a:spcAft>
-            <a:buChar char="••"/>
+            <a:buChar char="•"/>
           </a:pPr>
           <a:endParaRPr lang="zh-TW" altLang="en-US" sz="2400" kern="1200" dirty="0"/>
         </a:p>
@@ -9562,7 +9305,7 @@
         </a:bodyPr>
         <a:lstStyle/>
         <a:p>
-          <a:pPr lvl="0" algn="l" defTabSz="1066800">
+          <a:pPr marL="0" lvl="0" indent="0" algn="l" defTabSz="1066800">
             <a:lnSpc>
               <a:spcPct val="90000"/>
             </a:lnSpc>
@@ -9572,9 +9315,10 @@
             <a:spcAft>
               <a:spcPct val="35000"/>
             </a:spcAft>
+            <a:buNone/>
           </a:pPr>
           <a:r>
-            <a:rPr lang="en-US" altLang="zh-TW" sz="2400" kern="1200" dirty="0" smtClean="0"/>
+            <a:rPr lang="en-US" altLang="zh-TW" sz="2400" kern="1200" dirty="0"/>
             <a:t>Problem 2: Inference</a:t>
           </a:r>
           <a:endParaRPr lang="zh-TW" altLang="en-US" sz="2400" kern="1200" dirty="0"/>
@@ -9668,18 +9412,18 @@
             <a:spcAft>
               <a:spcPct val="15000"/>
             </a:spcAft>
-            <a:buChar char="••"/>
+            <a:buChar char="•"/>
           </a:pPr>
           <a:r>
-            <a:rPr lang="en-US" altLang="zh-TW" sz="2400" kern="1200" dirty="0" smtClean="0"/>
+            <a:rPr lang="en-US" altLang="zh-TW" sz="2400" kern="1200" dirty="0"/>
             <a:t>Given training data, how to find F(</a:t>
           </a:r>
           <a:r>
-            <a:rPr lang="en-US" altLang="zh-TW" sz="2400" kern="1200" dirty="0" err="1" smtClean="0"/>
+            <a:rPr lang="en-US" altLang="zh-TW" sz="2400" kern="1200" dirty="0" err="1"/>
             <a:t>x,y</a:t>
           </a:r>
           <a:r>
-            <a:rPr lang="en-US" altLang="zh-TW" sz="2400" kern="1200" dirty="0" smtClean="0"/>
+            <a:rPr lang="en-US" altLang="zh-TW" sz="2400" kern="1200" dirty="0"/>
             <a:t>)</a:t>
           </a:r>
           <a:endParaRPr lang="zh-TW" altLang="en-US" sz="2400" kern="1200" dirty="0"/>
@@ -9774,7 +9518,7 @@
         </a:bodyPr>
         <a:lstStyle/>
         <a:p>
-          <a:pPr lvl="0" algn="l" defTabSz="1066800">
+          <a:pPr marL="0" lvl="0" indent="0" algn="l" defTabSz="1066800">
             <a:lnSpc>
               <a:spcPct val="90000"/>
             </a:lnSpc>
@@ -9784,9 +9528,10 @@
             <a:spcAft>
               <a:spcPct val="35000"/>
             </a:spcAft>
+            <a:buNone/>
           </a:pPr>
           <a:r>
-            <a:rPr lang="en-US" altLang="zh-TW" sz="2400" kern="1200" dirty="0" smtClean="0"/>
+            <a:rPr lang="en-US" altLang="zh-TW" sz="2400" kern="1200" dirty="0"/>
             <a:t>Problem 3: Training</a:t>
           </a:r>
           <a:endParaRPr lang="zh-TW" altLang="en-US" sz="2400" kern="1200" dirty="0"/>
@@ -16593,7 +16338,7 @@
           <a:p>
             <a:fld id="{2525B507-FB35-4DF2-BE40-EF9CE67817BF}" type="datetimeFigureOut">
               <a:rPr lang="zh-TW" altLang="en-US" smtClean="0"/>
-              <a:t>2015/10/28</a:t>
+              <a:t>2025/2/6</a:t>
             </a:fld>
             <a:endParaRPr lang="zh-TW" altLang="en-US"/>
           </a:p>
@@ -16657,38 +16402,37 @@
           <a:p>
             <a:pPr lvl="0"/>
             <a:r>
-              <a:rPr lang="zh-TW" altLang="en-US" smtClean="0"/>
+              <a:rPr lang="zh-TW" altLang="en-US"/>
               <a:t>按一下以編輯母片文字樣式</a:t>
             </a:r>
           </a:p>
           <a:p>
             <a:pPr lvl="1"/>
             <a:r>
-              <a:rPr lang="zh-TW" altLang="en-US" smtClean="0"/>
+              <a:rPr lang="zh-TW" altLang="en-US"/>
               <a:t>第二層</a:t>
             </a:r>
           </a:p>
           <a:p>
             <a:pPr lvl="2"/>
             <a:r>
-              <a:rPr lang="zh-TW" altLang="en-US" smtClean="0"/>
+              <a:rPr lang="zh-TW" altLang="en-US"/>
               <a:t>第三層</a:t>
             </a:r>
           </a:p>
           <a:p>
             <a:pPr lvl="3"/>
             <a:r>
-              <a:rPr lang="zh-TW" altLang="en-US" smtClean="0"/>
+              <a:rPr lang="zh-TW" altLang="en-US"/>
               <a:t>第四層</a:t>
             </a:r>
           </a:p>
           <a:p>
             <a:pPr lvl="4"/>
             <a:r>
-              <a:rPr lang="zh-TW" altLang="en-US" smtClean="0"/>
+              <a:rPr lang="zh-TW" altLang="en-US"/>
               <a:t>第五層</a:t>
             </a:r>
-            <a:endParaRPr lang="zh-TW" altLang="en-US"/>
           </a:p>
         </p:txBody>
       </p:sp>
@@ -16880,7 +16624,7 @@
       </p:grpSpPr>
       <p:sp>
         <p:nvSpPr>
-          <p:cNvPr id="2" name="投影片圖像版面配置區 1"/>
+          <p:cNvPr id="2" name="幻灯片图像占位符 1"/>
           <p:cNvSpPr>
             <a:spLocks noGrp="1" noRot="1" noChangeAspect="1"/>
           </p:cNvSpPr>
@@ -16892,7 +16636,7 @@
       </p:sp>
       <p:sp>
         <p:nvSpPr>
-          <p:cNvPr id="3" name="備忘稿版面配置區 2"/>
+          <p:cNvPr id="3" name="备注占位符 2"/>
           <p:cNvSpPr>
             <a:spLocks noGrp="1"/>
           </p:cNvSpPr>
@@ -16906,28 +16650,32 @@
           <a:lstStyle/>
           <a:p>
             <a:r>
-              <a:rPr lang="en-US" altLang="zh-TW" baseline="0" dirty="0" smtClean="0"/>
-              <a:t>Can DNN</a:t>
+              <a:rPr kumimoji="1" lang="en" altLang="zh-CN" dirty="0"/>
+              <a:t>Deep learning is method</a:t>
             </a:r>
+          </a:p>
+          <a:p>
+            <a:endParaRPr kumimoji="1" lang="en" altLang="zh-CN" dirty="0"/>
+          </a:p>
+          <a:p>
             <a:r>
-              <a:rPr lang="zh-TW" altLang="en-US" baseline="0" dirty="0" smtClean="0"/>
-              <a:t> </a:t>
+              <a:rPr kumimoji="1" lang="en" altLang="zh-CN" dirty="0"/>
+              <a:t>Structured learning is problem</a:t>
             </a:r>
-            <a:r>
-              <a:rPr lang="en-US" altLang="zh-TW" baseline="0" dirty="0" smtClean="0"/>
-              <a:t>do that?</a:t>
-            </a:r>
+          </a:p>
+          <a:p>
+            <a:endParaRPr kumimoji="1" lang="zh-CN" altLang="en-US" dirty="0"/>
           </a:p>
         </p:txBody>
       </p:sp>
       <p:sp>
         <p:nvSpPr>
-          <p:cNvPr id="4" name="投影片編號版面配置區 3"/>
+          <p:cNvPr id="4" name="灯片编号占位符 3"/>
           <p:cNvSpPr>
             <a:spLocks noGrp="1"/>
           </p:cNvSpPr>
           <p:nvPr>
-            <p:ph type="sldNum" sz="quarter" idx="10"/>
+            <p:ph type="sldNum" sz="quarter" idx="5"/>
           </p:nvPr>
         </p:nvSpPr>
         <p:spPr/>
@@ -16937,7 +16685,7 @@
           <a:p>
             <a:fld id="{BE6F74E8-D2D3-41D0-B360-93DC08162B57}" type="slidenum">
               <a:rPr lang="zh-TW" altLang="en-US" smtClean="0"/>
-              <a:t>2</a:t>
+              <a:t>1</a:t>
             </a:fld>
             <a:endParaRPr lang="zh-TW" altLang="en-US"/>
           </a:p>
@@ -16946,7 +16694,7 @@
     </p:spTree>
     <p:extLst>
       <p:ext uri="{BB962C8B-B14F-4D97-AF65-F5344CB8AC3E}">
-        <p14:creationId xmlns:p14="http://schemas.microsoft.com/office/powerpoint/2010/main" val="1591390636"/>
+        <p14:creationId xmlns:p14="http://schemas.microsoft.com/office/powerpoint/2010/main" val="3044757508"/>
       </p:ext>
     </p:extLst>
   </p:cSld>
@@ -16957,911 +16705,6 @@
 </file>
 
 <file path=ppt/notesSlides/notesSlide10.xml><?xml version="1.0" encoding="utf-8"?>
-<p:notes xmlns:a="http://schemas.openxmlformats.org/drawingml/2006/main" xmlns:r="http://schemas.openxmlformats.org/officeDocument/2006/relationships" xmlns:p="http://schemas.openxmlformats.org/presentationml/2006/main">
-  <p:cSld>
-    <p:spTree>
-      <p:nvGrpSpPr>
-        <p:cNvPr id="1" name=""/>
-        <p:cNvGrpSpPr/>
-        <p:nvPr/>
-      </p:nvGrpSpPr>
-      <p:grpSpPr>
-        <a:xfrm>
-          <a:off x="0" y="0"/>
-          <a:ext cx="0" cy="0"/>
-          <a:chOff x="0" y="0"/>
-          <a:chExt cx="0" cy="0"/>
-        </a:xfrm>
-      </p:grpSpPr>
-      <p:sp>
-        <p:nvSpPr>
-          <p:cNvPr id="2" name="投影片圖像版面配置區 1"/>
-          <p:cNvSpPr>
-            <a:spLocks noGrp="1" noRot="1" noChangeAspect="1"/>
-          </p:cNvSpPr>
-          <p:nvPr>
-            <p:ph type="sldImg"/>
-          </p:nvPr>
-        </p:nvSpPr>
-        <p:spPr/>
-      </p:sp>
-      <p:sp>
-        <p:nvSpPr>
-          <p:cNvPr id="3" name="備忘稿版面配置區 2"/>
-          <p:cNvSpPr>
-            <a:spLocks noGrp="1"/>
-          </p:cNvSpPr>
-          <p:nvPr>
-            <p:ph type="body" idx="1"/>
-          </p:nvPr>
-        </p:nvSpPr>
-        <p:spPr/>
-        <p:txBody>
-          <a:bodyPr/>
-          <a:lstStyle/>
-          <a:p>
-            <a:pPr marL="0" marR="0" indent="0" algn="l" defTabSz="914400" rtl="0" eaLnBrk="1" fontAlgn="auto" latinLnBrk="0" hangingPunct="1">
-              <a:lnSpc>
-                <a:spcPct val="100000"/>
-              </a:lnSpc>
-              <a:spcBef>
-                <a:spcPts val="0"/>
-              </a:spcBef>
-              <a:spcAft>
-                <a:spcPts val="0"/>
-              </a:spcAft>
-              <a:buClrTx/>
-              <a:buSzTx/>
-              <a:buFontTx/>
-              <a:buNone/>
-              <a:tabLst/>
-              <a:defRPr/>
-            </a:pPr>
-            <a:r>
-              <a:rPr lang="en-US" altLang="zh-TW" sz="1200" dirty="0" smtClean="0"/>
-              <a:t>Can you answer the three problems for DNN?</a:t>
-            </a:r>
-            <a:endParaRPr lang="zh-TW" altLang="en-US" sz="1200" dirty="0" smtClean="0"/>
-          </a:p>
-          <a:p>
-            <a:endParaRPr lang="zh-TW" altLang="en-US" dirty="0"/>
-          </a:p>
-        </p:txBody>
-      </p:sp>
-      <p:sp>
-        <p:nvSpPr>
-          <p:cNvPr id="4" name="投影片編號版面配置區 3"/>
-          <p:cNvSpPr>
-            <a:spLocks noGrp="1"/>
-          </p:cNvSpPr>
-          <p:nvPr>
-            <p:ph type="sldNum" sz="quarter" idx="10"/>
-          </p:nvPr>
-        </p:nvSpPr>
-        <p:spPr/>
-        <p:txBody>
-          <a:bodyPr/>
-          <a:lstStyle/>
-          <a:p>
-            <a:fld id="{BE6F74E8-D2D3-41D0-B360-93DC08162B57}" type="slidenum">
-              <a:rPr lang="zh-TW" altLang="en-US" smtClean="0"/>
-              <a:t>14</a:t>
-            </a:fld>
-            <a:endParaRPr lang="zh-TW" altLang="en-US"/>
-          </a:p>
-        </p:txBody>
-      </p:sp>
-    </p:spTree>
-    <p:extLst>
-      <p:ext uri="{BB962C8B-B14F-4D97-AF65-F5344CB8AC3E}">
-        <p14:creationId xmlns:p14="http://schemas.microsoft.com/office/powerpoint/2010/main" val="2027112109"/>
-      </p:ext>
-    </p:extLst>
-  </p:cSld>
-  <p:clrMapOvr>
-    <a:masterClrMapping/>
-  </p:clrMapOvr>
-</p:notes>
-</file>
-
-<file path=ppt/notesSlides/notesSlide11.xml><?xml version="1.0" encoding="utf-8"?>
-<p:notes xmlns:a="http://schemas.openxmlformats.org/drawingml/2006/main" xmlns:r="http://schemas.openxmlformats.org/officeDocument/2006/relationships" xmlns:p="http://schemas.openxmlformats.org/presentationml/2006/main">
-  <p:cSld>
-    <p:spTree>
-      <p:nvGrpSpPr>
-        <p:cNvPr id="1" name=""/>
-        <p:cNvGrpSpPr/>
-        <p:nvPr/>
-      </p:nvGrpSpPr>
-      <p:grpSpPr>
-        <a:xfrm>
-          <a:off x="0" y="0"/>
-          <a:ext cx="0" cy="0"/>
-          <a:chOff x="0" y="0"/>
-          <a:chExt cx="0" cy="0"/>
-        </a:xfrm>
-      </p:grpSpPr>
-      <p:sp>
-        <p:nvSpPr>
-          <p:cNvPr id="2" name="投影片圖像版面配置區 1"/>
-          <p:cNvSpPr>
-            <a:spLocks noGrp="1" noRot="1" noChangeAspect="1"/>
-          </p:cNvSpPr>
-          <p:nvPr>
-            <p:ph type="sldImg"/>
-          </p:nvPr>
-        </p:nvSpPr>
-        <p:spPr/>
-      </p:sp>
-      <p:sp>
-        <p:nvSpPr>
-          <p:cNvPr id="3" name="備忘稿版面配置區 2"/>
-          <p:cNvSpPr>
-            <a:spLocks noGrp="1"/>
-          </p:cNvSpPr>
-          <p:nvPr>
-            <p:ph type="body" idx="1"/>
-          </p:nvPr>
-        </p:nvSpPr>
-        <p:spPr/>
-        <p:txBody>
-          <a:bodyPr/>
-          <a:lstStyle/>
-          <a:p>
-            <a:endParaRPr lang="zh-TW" altLang="en-US" dirty="0"/>
-          </a:p>
-        </p:txBody>
-      </p:sp>
-      <p:sp>
-        <p:nvSpPr>
-          <p:cNvPr id="4" name="投影片編號版面配置區 3"/>
-          <p:cNvSpPr>
-            <a:spLocks noGrp="1"/>
-          </p:cNvSpPr>
-          <p:nvPr>
-            <p:ph type="sldNum" sz="quarter" idx="10"/>
-          </p:nvPr>
-        </p:nvSpPr>
-        <p:spPr/>
-        <p:txBody>
-          <a:bodyPr/>
-          <a:lstStyle/>
-          <a:p>
-            <a:fld id="{BE6F74E8-D2D3-41D0-B360-93DC08162B57}" type="slidenum">
-              <a:rPr lang="zh-TW" altLang="en-US" smtClean="0"/>
-              <a:t>18</a:t>
-            </a:fld>
-            <a:endParaRPr lang="zh-TW" altLang="en-US"/>
-          </a:p>
-        </p:txBody>
-      </p:sp>
-    </p:spTree>
-    <p:extLst>
-      <p:ext uri="{BB962C8B-B14F-4D97-AF65-F5344CB8AC3E}">
-        <p14:creationId xmlns:p14="http://schemas.microsoft.com/office/powerpoint/2010/main" val="3895027652"/>
-      </p:ext>
-    </p:extLst>
-  </p:cSld>
-  <p:clrMapOvr>
-    <a:masterClrMapping/>
-  </p:clrMapOvr>
-</p:notes>
-</file>
-
-<file path=ppt/notesSlides/notesSlide12.xml><?xml version="1.0" encoding="utf-8"?>
-<p:notes xmlns:a="http://schemas.openxmlformats.org/drawingml/2006/main" xmlns:r="http://schemas.openxmlformats.org/officeDocument/2006/relationships" xmlns:p="http://schemas.openxmlformats.org/presentationml/2006/main">
-  <p:cSld>
-    <p:spTree>
-      <p:nvGrpSpPr>
-        <p:cNvPr id="1" name=""/>
-        <p:cNvGrpSpPr/>
-        <p:nvPr/>
-      </p:nvGrpSpPr>
-      <p:grpSpPr>
-        <a:xfrm>
-          <a:off x="0" y="0"/>
-          <a:ext cx="0" cy="0"/>
-          <a:chOff x="0" y="0"/>
-          <a:chExt cx="0" cy="0"/>
-        </a:xfrm>
-      </p:grpSpPr>
-      <p:sp>
-        <p:nvSpPr>
-          <p:cNvPr id="2" name="投影片圖像版面配置區 1"/>
-          <p:cNvSpPr>
-            <a:spLocks noGrp="1" noRot="1" noChangeAspect="1"/>
-          </p:cNvSpPr>
-          <p:nvPr>
-            <p:ph type="sldImg"/>
-          </p:nvPr>
-        </p:nvSpPr>
-        <p:spPr/>
-      </p:sp>
-      <p:sp>
-        <p:nvSpPr>
-          <p:cNvPr id="3" name="備忘稿版面配置區 2"/>
-          <p:cNvSpPr>
-            <a:spLocks noGrp="1"/>
-          </p:cNvSpPr>
-          <p:nvPr>
-            <p:ph type="body" idx="1"/>
-          </p:nvPr>
-        </p:nvSpPr>
-        <p:spPr/>
-        <p:txBody>
-          <a:bodyPr/>
-          <a:lstStyle/>
-          <a:p>
-            <a:pPr marL="0" marR="0" indent="0" algn="l" defTabSz="914400" rtl="0" eaLnBrk="1" fontAlgn="auto" latinLnBrk="0" hangingPunct="1">
-              <a:lnSpc>
-                <a:spcPct val="100000"/>
-              </a:lnSpc>
-              <a:spcBef>
-                <a:spcPts val="0"/>
-              </a:spcBef>
-              <a:spcAft>
-                <a:spcPts val="0"/>
-              </a:spcAft>
-              <a:buClrTx/>
-              <a:buSzTx/>
-              <a:buFontTx/>
-              <a:buNone/>
-              <a:tabLst/>
-              <a:defRPr/>
-            </a:pPr>
-            <a:r>
-              <a:rPr lang="en-US" altLang="zh-TW" dirty="0" smtClean="0"/>
-              <a:t>Have you</a:t>
-            </a:r>
-            <a:r>
-              <a:rPr lang="en-US" altLang="zh-TW" baseline="0" dirty="0" smtClean="0"/>
-              <a:t> ever heard this three questions before</a:t>
-            </a:r>
-          </a:p>
-          <a:p>
-            <a:endParaRPr lang="en-US" altLang="zh-TW" dirty="0" smtClean="0"/>
-          </a:p>
-          <a:p>
-            <a:r>
-              <a:rPr lang="en-US" altLang="zh-TW" dirty="0" smtClean="0"/>
-              <a:t>No general task dependent</a:t>
-            </a:r>
-          </a:p>
-          <a:p>
-            <a:endParaRPr lang="en-US" altLang="zh-TW" dirty="0" smtClean="0"/>
-          </a:p>
-          <a:p>
-            <a:pPr marL="0" marR="0" indent="0" algn="l" defTabSz="914400" rtl="0" eaLnBrk="1" fontAlgn="auto" latinLnBrk="0" hangingPunct="1">
-              <a:lnSpc>
-                <a:spcPct val="100000"/>
-              </a:lnSpc>
-              <a:spcBef>
-                <a:spcPts val="0"/>
-              </a:spcBef>
-              <a:spcAft>
-                <a:spcPts val="0"/>
-              </a:spcAft>
-              <a:buClrTx/>
-              <a:buSzTx/>
-              <a:buFontTx/>
-              <a:buNone/>
-              <a:tabLst/>
-              <a:defRPr/>
-            </a:pPr>
-            <a:r>
-              <a:rPr lang="en-US" altLang="zh-TW" sz="1200" dirty="0" smtClean="0">
-                <a:solidFill>
-                  <a:srgbClr val="141823"/>
-                </a:solidFill>
-                <a:latin typeface="Helvetica" panose="020B0604020202020204" pitchFamily="34" charset="0"/>
-              </a:rPr>
-              <a:t>Ring a bell!!!!!!!!!!</a:t>
-            </a:r>
-            <a:endParaRPr lang="zh-TW" altLang="en-US" sz="1200" dirty="0" smtClean="0"/>
-          </a:p>
-          <a:p>
-            <a:endParaRPr lang="zh-TW" altLang="en-US" dirty="0"/>
-          </a:p>
-        </p:txBody>
-      </p:sp>
-      <p:sp>
-        <p:nvSpPr>
-          <p:cNvPr id="4" name="投影片編號版面配置區 3"/>
-          <p:cNvSpPr>
-            <a:spLocks noGrp="1"/>
-          </p:cNvSpPr>
-          <p:nvPr>
-            <p:ph type="sldNum" sz="quarter" idx="10"/>
-          </p:nvPr>
-        </p:nvSpPr>
-        <p:spPr/>
-        <p:txBody>
-          <a:bodyPr/>
-          <a:lstStyle/>
-          <a:p>
-            <a:fld id="{BE6F74E8-D2D3-41D0-B360-93DC08162B57}" type="slidenum">
-              <a:rPr lang="zh-TW" altLang="en-US" smtClean="0"/>
-              <a:t>19</a:t>
-            </a:fld>
-            <a:endParaRPr lang="zh-TW" altLang="en-US"/>
-          </a:p>
-        </p:txBody>
-      </p:sp>
-    </p:spTree>
-    <p:extLst>
-      <p:ext uri="{BB962C8B-B14F-4D97-AF65-F5344CB8AC3E}">
-        <p14:creationId xmlns:p14="http://schemas.microsoft.com/office/powerpoint/2010/main" val="2210439069"/>
-      </p:ext>
-    </p:extLst>
-  </p:cSld>
-  <p:clrMapOvr>
-    <a:masterClrMapping/>
-  </p:clrMapOvr>
-</p:notes>
-</file>
-
-<file path=ppt/notesSlides/notesSlide2.xml><?xml version="1.0" encoding="utf-8"?>
-<p:notes xmlns:a="http://schemas.openxmlformats.org/drawingml/2006/main" xmlns:r="http://schemas.openxmlformats.org/officeDocument/2006/relationships" xmlns:p="http://schemas.openxmlformats.org/presentationml/2006/main">
-  <p:cSld>
-    <p:spTree>
-      <p:nvGrpSpPr>
-        <p:cNvPr id="1" name=""/>
-        <p:cNvGrpSpPr/>
-        <p:nvPr/>
-      </p:nvGrpSpPr>
-      <p:grpSpPr>
-        <a:xfrm>
-          <a:off x="0" y="0"/>
-          <a:ext cx="0" cy="0"/>
-          <a:chOff x="0" y="0"/>
-          <a:chExt cx="0" cy="0"/>
-        </a:xfrm>
-      </p:grpSpPr>
-      <p:sp>
-        <p:nvSpPr>
-          <p:cNvPr id="2" name="投影片圖像版面配置區 1"/>
-          <p:cNvSpPr>
-            <a:spLocks noGrp="1" noRot="1" noChangeAspect="1"/>
-          </p:cNvSpPr>
-          <p:nvPr>
-            <p:ph type="sldImg"/>
-          </p:nvPr>
-        </p:nvSpPr>
-        <p:spPr/>
-      </p:sp>
-      <p:sp>
-        <p:nvSpPr>
-          <p:cNvPr id="3" name="備忘稿版面配置區 2"/>
-          <p:cNvSpPr>
-            <a:spLocks noGrp="1"/>
-          </p:cNvSpPr>
-          <p:nvPr>
-            <p:ph type="body" idx="1"/>
-          </p:nvPr>
-        </p:nvSpPr>
-        <p:spPr/>
-        <p:txBody>
-          <a:bodyPr/>
-          <a:lstStyle/>
-          <a:p>
-            <a:pPr marL="0" marR="0" indent="0" algn="l" defTabSz="914400" rtl="0" eaLnBrk="1" fontAlgn="auto" latinLnBrk="0" hangingPunct="1">
-              <a:lnSpc>
-                <a:spcPct val="100000"/>
-              </a:lnSpc>
-              <a:spcBef>
-                <a:spcPts val="0"/>
-              </a:spcBef>
-              <a:spcAft>
-                <a:spcPts val="0"/>
-              </a:spcAft>
-              <a:buClrTx/>
-              <a:buSzTx/>
-              <a:buFontTx/>
-              <a:buNone/>
-              <a:tabLst/>
-              <a:defRPr/>
-            </a:pPr>
-            <a:r>
-              <a:rPr lang="en-US" altLang="zh-TW" baseline="0" dirty="0" smtClean="0"/>
-              <a:t>Translation:  http://citeseerx.ist.psu.edu/viewdoc/download?doi=10.1.1.377.8742&amp;rep=rep1&amp;type=pdf</a:t>
-            </a:r>
-            <a:endParaRPr lang="zh-TW" altLang="en-US" dirty="0" smtClean="0"/>
-          </a:p>
-          <a:p>
-            <a:endParaRPr lang="zh-TW" altLang="en-US" dirty="0"/>
-          </a:p>
-        </p:txBody>
-      </p:sp>
-      <p:sp>
-        <p:nvSpPr>
-          <p:cNvPr id="4" name="投影片編號版面配置區 3"/>
-          <p:cNvSpPr>
-            <a:spLocks noGrp="1"/>
-          </p:cNvSpPr>
-          <p:nvPr>
-            <p:ph type="sldNum" sz="quarter" idx="10"/>
-          </p:nvPr>
-        </p:nvSpPr>
-        <p:spPr/>
-        <p:txBody>
-          <a:bodyPr/>
-          <a:lstStyle/>
-          <a:p>
-            <a:fld id="{BE6F74E8-D2D3-41D0-B360-93DC08162B57}" type="slidenum">
-              <a:rPr lang="zh-TW" altLang="en-US" smtClean="0"/>
-              <a:t>3</a:t>
-            </a:fld>
-            <a:endParaRPr lang="zh-TW" altLang="en-US"/>
-          </a:p>
-        </p:txBody>
-      </p:sp>
-    </p:spTree>
-    <p:extLst>
-      <p:ext uri="{BB962C8B-B14F-4D97-AF65-F5344CB8AC3E}">
-        <p14:creationId xmlns:p14="http://schemas.microsoft.com/office/powerpoint/2010/main" val="1223623220"/>
-      </p:ext>
-    </p:extLst>
-  </p:cSld>
-  <p:clrMapOvr>
-    <a:masterClrMapping/>
-  </p:clrMapOvr>
-</p:notes>
-</file>
-
-<file path=ppt/notesSlides/notesSlide3.xml><?xml version="1.0" encoding="utf-8"?>
-<p:notes xmlns:a="http://schemas.openxmlformats.org/drawingml/2006/main" xmlns:r="http://schemas.openxmlformats.org/officeDocument/2006/relationships" xmlns:p="http://schemas.openxmlformats.org/presentationml/2006/main">
-  <p:cSld>
-    <p:spTree>
-      <p:nvGrpSpPr>
-        <p:cNvPr id="1" name=""/>
-        <p:cNvGrpSpPr/>
-        <p:nvPr/>
-      </p:nvGrpSpPr>
-      <p:grpSpPr>
-        <a:xfrm>
-          <a:off x="0" y="0"/>
-          <a:ext cx="0" cy="0"/>
-          <a:chOff x="0" y="0"/>
-          <a:chExt cx="0" cy="0"/>
-        </a:xfrm>
-      </p:grpSpPr>
-      <p:sp>
-        <p:nvSpPr>
-          <p:cNvPr id="2" name="投影片圖像版面配置區 1"/>
-          <p:cNvSpPr>
-            <a:spLocks noGrp="1" noRot="1" noChangeAspect="1"/>
-          </p:cNvSpPr>
-          <p:nvPr>
-            <p:ph type="sldImg"/>
-          </p:nvPr>
-        </p:nvSpPr>
-        <p:spPr/>
-      </p:sp>
-      <p:sp>
-        <p:nvSpPr>
-          <p:cNvPr id="3" name="備忘稿版面配置區 2"/>
-          <p:cNvSpPr>
-            <a:spLocks noGrp="1"/>
-          </p:cNvSpPr>
-          <p:nvPr>
-            <p:ph type="body" idx="1"/>
-          </p:nvPr>
-        </p:nvSpPr>
-        <p:spPr/>
-        <p:txBody>
-          <a:bodyPr/>
-          <a:lstStyle/>
-          <a:p>
-            <a:r>
-              <a:rPr lang="en-US" altLang="zh-TW" dirty="0" smtClean="0"/>
-              <a:t>What is F?</a:t>
-            </a:r>
-            <a:r>
-              <a:rPr lang="en-US" altLang="zh-TW" baseline="0" dirty="0" smtClean="0"/>
-              <a:t> different people give it different name, Yan </a:t>
-            </a:r>
-            <a:r>
-              <a:rPr lang="en-US" altLang="zh-TW" baseline="0" dirty="0" err="1" smtClean="0"/>
-              <a:t>LaCu</a:t>
-            </a:r>
-            <a:r>
-              <a:rPr lang="en-US" altLang="zh-TW" baseline="0" dirty="0" smtClean="0"/>
-              <a:t> call it </a:t>
-            </a:r>
-            <a:r>
-              <a:rPr lang="en-US" altLang="zh-TW" baseline="0" dirty="0" err="1" smtClean="0"/>
-              <a:t>Enerygy</a:t>
-            </a:r>
-            <a:r>
-              <a:rPr lang="en-US" altLang="zh-TW" baseline="0" dirty="0" smtClean="0"/>
-              <a:t> model</a:t>
-            </a:r>
-          </a:p>
-          <a:p>
-            <a:endParaRPr lang="en-US" altLang="zh-TW" baseline="0" dirty="0" smtClean="0"/>
-          </a:p>
-          <a:p>
-            <a:r>
-              <a:rPr lang="en-US" altLang="zh-TW" baseline="0" dirty="0" smtClean="0"/>
-              <a:t>This framework is every where</a:t>
-            </a:r>
-            <a:endParaRPr lang="en-US" altLang="zh-TW" dirty="0" smtClean="0"/>
-          </a:p>
-        </p:txBody>
-      </p:sp>
-      <p:sp>
-        <p:nvSpPr>
-          <p:cNvPr id="4" name="投影片編號版面配置區 3"/>
-          <p:cNvSpPr>
-            <a:spLocks noGrp="1"/>
-          </p:cNvSpPr>
-          <p:nvPr>
-            <p:ph type="sldNum" sz="quarter" idx="10"/>
-          </p:nvPr>
-        </p:nvSpPr>
-        <p:spPr/>
-        <p:txBody>
-          <a:bodyPr/>
-          <a:lstStyle/>
-          <a:p>
-            <a:fld id="{BE6F74E8-D2D3-41D0-B360-93DC08162B57}" type="slidenum">
-              <a:rPr lang="zh-TW" altLang="en-US" smtClean="0"/>
-              <a:t>4</a:t>
-            </a:fld>
-            <a:endParaRPr lang="zh-TW" altLang="en-US"/>
-          </a:p>
-        </p:txBody>
-      </p:sp>
-    </p:spTree>
-    <p:extLst>
-      <p:ext uri="{BB962C8B-B14F-4D97-AF65-F5344CB8AC3E}">
-        <p14:creationId xmlns:p14="http://schemas.microsoft.com/office/powerpoint/2010/main" val="3659157337"/>
-      </p:ext>
-    </p:extLst>
-  </p:cSld>
-  <p:clrMapOvr>
-    <a:masterClrMapping/>
-  </p:clrMapOvr>
-</p:notes>
-</file>
-
-<file path=ppt/notesSlides/notesSlide4.xml><?xml version="1.0" encoding="utf-8"?>
-<p:notes xmlns:a="http://schemas.openxmlformats.org/drawingml/2006/main" xmlns:r="http://schemas.openxmlformats.org/officeDocument/2006/relationships" xmlns:p="http://schemas.openxmlformats.org/presentationml/2006/main">
-  <p:cSld>
-    <p:spTree>
-      <p:nvGrpSpPr>
-        <p:cNvPr id="1" name=""/>
-        <p:cNvGrpSpPr/>
-        <p:nvPr/>
-      </p:nvGrpSpPr>
-      <p:grpSpPr>
-        <a:xfrm>
-          <a:off x="0" y="0"/>
-          <a:ext cx="0" cy="0"/>
-          <a:chOff x="0" y="0"/>
-          <a:chExt cx="0" cy="0"/>
-        </a:xfrm>
-      </p:grpSpPr>
-      <p:sp>
-        <p:nvSpPr>
-          <p:cNvPr id="2" name="投影片圖像版面配置區 1"/>
-          <p:cNvSpPr>
-            <a:spLocks noGrp="1" noRot="1" noChangeAspect="1"/>
-          </p:cNvSpPr>
-          <p:nvPr>
-            <p:ph type="sldImg"/>
-          </p:nvPr>
-        </p:nvSpPr>
-        <p:spPr/>
-      </p:sp>
-      <p:sp>
-        <p:nvSpPr>
-          <p:cNvPr id="3" name="備忘稿版面配置區 2"/>
-          <p:cNvSpPr>
-            <a:spLocks noGrp="1"/>
-          </p:cNvSpPr>
-          <p:nvPr>
-            <p:ph type="body" idx="1"/>
-          </p:nvPr>
-        </p:nvSpPr>
-        <p:spPr/>
-        <p:txBody>
-          <a:bodyPr/>
-          <a:lstStyle/>
-          <a:p>
-            <a:endParaRPr lang="zh-TW" altLang="en-US" dirty="0"/>
-          </a:p>
-        </p:txBody>
-      </p:sp>
-      <p:sp>
-        <p:nvSpPr>
-          <p:cNvPr id="4" name="投影片編號版面配置區 3"/>
-          <p:cNvSpPr>
-            <a:spLocks noGrp="1"/>
-          </p:cNvSpPr>
-          <p:nvPr>
-            <p:ph type="sldNum" sz="quarter" idx="10"/>
-          </p:nvPr>
-        </p:nvSpPr>
-        <p:spPr/>
-        <p:txBody>
-          <a:bodyPr/>
-          <a:lstStyle/>
-          <a:p>
-            <a:fld id="{BE6F74E8-D2D3-41D0-B360-93DC08162B57}" type="slidenum">
-              <a:rPr lang="zh-TW" altLang="en-US" smtClean="0"/>
-              <a:t>6</a:t>
-            </a:fld>
-            <a:endParaRPr lang="zh-TW" altLang="en-US"/>
-          </a:p>
-        </p:txBody>
-      </p:sp>
-    </p:spTree>
-    <p:extLst>
-      <p:ext uri="{BB962C8B-B14F-4D97-AF65-F5344CB8AC3E}">
-        <p14:creationId xmlns:p14="http://schemas.microsoft.com/office/powerpoint/2010/main" val="2951718737"/>
-      </p:ext>
-    </p:extLst>
-  </p:cSld>
-  <p:clrMapOvr>
-    <a:masterClrMapping/>
-  </p:clrMapOvr>
-</p:notes>
-</file>
-
-<file path=ppt/notesSlides/notesSlide5.xml><?xml version="1.0" encoding="utf-8"?>
-<p:notes xmlns:a="http://schemas.openxmlformats.org/drawingml/2006/main" xmlns:r="http://schemas.openxmlformats.org/officeDocument/2006/relationships" xmlns:p="http://schemas.openxmlformats.org/presentationml/2006/main">
-  <p:cSld>
-    <p:spTree>
-      <p:nvGrpSpPr>
-        <p:cNvPr id="1" name=""/>
-        <p:cNvGrpSpPr/>
-        <p:nvPr/>
-      </p:nvGrpSpPr>
-      <p:grpSpPr>
-        <a:xfrm>
-          <a:off x="0" y="0"/>
-          <a:ext cx="0" cy="0"/>
-          <a:chOff x="0" y="0"/>
-          <a:chExt cx="0" cy="0"/>
-        </a:xfrm>
-      </p:grpSpPr>
-      <p:sp>
-        <p:nvSpPr>
-          <p:cNvPr id="2" name="投影片圖像版面配置區 1"/>
-          <p:cNvSpPr>
-            <a:spLocks noGrp="1" noRot="1" noChangeAspect="1"/>
-          </p:cNvSpPr>
-          <p:nvPr>
-            <p:ph type="sldImg"/>
-          </p:nvPr>
-        </p:nvSpPr>
-        <p:spPr/>
-      </p:sp>
-      <p:sp>
-        <p:nvSpPr>
-          <p:cNvPr id="3" name="備忘稿版面配置區 2"/>
-          <p:cNvSpPr>
-            <a:spLocks noGrp="1"/>
-          </p:cNvSpPr>
-          <p:nvPr>
-            <p:ph type="body" idx="1"/>
-          </p:nvPr>
-        </p:nvSpPr>
-        <p:spPr/>
-        <p:txBody>
-          <a:bodyPr/>
-          <a:lstStyle/>
-          <a:p>
-            <a:endParaRPr lang="zh-TW" altLang="en-US" dirty="0"/>
-          </a:p>
-        </p:txBody>
-      </p:sp>
-      <p:sp>
-        <p:nvSpPr>
-          <p:cNvPr id="4" name="投影片編號版面配置區 3"/>
-          <p:cNvSpPr>
-            <a:spLocks noGrp="1"/>
-          </p:cNvSpPr>
-          <p:nvPr>
-            <p:ph type="sldNum" sz="quarter" idx="10"/>
-          </p:nvPr>
-        </p:nvSpPr>
-        <p:spPr/>
-        <p:txBody>
-          <a:bodyPr/>
-          <a:lstStyle/>
-          <a:p>
-            <a:fld id="{BE6F74E8-D2D3-41D0-B360-93DC08162B57}" type="slidenum">
-              <a:rPr lang="zh-TW" altLang="en-US" smtClean="0"/>
-              <a:t>7</a:t>
-            </a:fld>
-            <a:endParaRPr lang="zh-TW" altLang="en-US"/>
-          </a:p>
-        </p:txBody>
-      </p:sp>
-    </p:spTree>
-    <p:extLst>
-      <p:ext uri="{BB962C8B-B14F-4D97-AF65-F5344CB8AC3E}">
-        <p14:creationId xmlns:p14="http://schemas.microsoft.com/office/powerpoint/2010/main" val="915080280"/>
-      </p:ext>
-    </p:extLst>
-  </p:cSld>
-  <p:clrMapOvr>
-    <a:masterClrMapping/>
-  </p:clrMapOvr>
-</p:notes>
-</file>
-
-<file path=ppt/notesSlides/notesSlide6.xml><?xml version="1.0" encoding="utf-8"?>
-<p:notes xmlns:a="http://schemas.openxmlformats.org/drawingml/2006/main" xmlns:r="http://schemas.openxmlformats.org/officeDocument/2006/relationships" xmlns:p="http://schemas.openxmlformats.org/presentationml/2006/main">
-  <p:cSld>
-    <p:spTree>
-      <p:nvGrpSpPr>
-        <p:cNvPr id="1" name=""/>
-        <p:cNvGrpSpPr/>
-        <p:nvPr/>
-      </p:nvGrpSpPr>
-      <p:grpSpPr>
-        <a:xfrm>
-          <a:off x="0" y="0"/>
-          <a:ext cx="0" cy="0"/>
-          <a:chOff x="0" y="0"/>
-          <a:chExt cx="0" cy="0"/>
-        </a:xfrm>
-      </p:grpSpPr>
-      <p:sp>
-        <p:nvSpPr>
-          <p:cNvPr id="2" name="投影片圖像版面配置區 1"/>
-          <p:cNvSpPr>
-            <a:spLocks noGrp="1" noRot="1" noChangeAspect="1"/>
-          </p:cNvSpPr>
-          <p:nvPr>
-            <p:ph type="sldImg"/>
-          </p:nvPr>
-        </p:nvSpPr>
-        <p:spPr/>
-      </p:sp>
-      <p:sp>
-        <p:nvSpPr>
-          <p:cNvPr id="3" name="備忘稿版面配置區 2"/>
-          <p:cNvSpPr>
-            <a:spLocks noGrp="1"/>
-          </p:cNvSpPr>
-          <p:nvPr>
-            <p:ph type="body" idx="1"/>
-          </p:nvPr>
-        </p:nvSpPr>
-        <p:spPr/>
-        <p:txBody>
-          <a:bodyPr/>
-          <a:lstStyle/>
-          <a:p>
-            <a:endParaRPr lang="zh-TW" altLang="en-US" dirty="0"/>
-          </a:p>
-        </p:txBody>
-      </p:sp>
-      <p:sp>
-        <p:nvSpPr>
-          <p:cNvPr id="4" name="投影片編號版面配置區 3"/>
-          <p:cNvSpPr>
-            <a:spLocks noGrp="1"/>
-          </p:cNvSpPr>
-          <p:nvPr>
-            <p:ph type="sldNum" sz="quarter" idx="10"/>
-          </p:nvPr>
-        </p:nvSpPr>
-        <p:spPr/>
-        <p:txBody>
-          <a:bodyPr/>
-          <a:lstStyle/>
-          <a:p>
-            <a:fld id="{BE6F74E8-D2D3-41D0-B360-93DC08162B57}" type="slidenum">
-              <a:rPr lang="zh-TW" altLang="en-US" smtClean="0"/>
-              <a:t>9</a:t>
-            </a:fld>
-            <a:endParaRPr lang="zh-TW" altLang="en-US"/>
-          </a:p>
-        </p:txBody>
-      </p:sp>
-    </p:spTree>
-    <p:extLst>
-      <p:ext uri="{BB962C8B-B14F-4D97-AF65-F5344CB8AC3E}">
-        <p14:creationId xmlns:p14="http://schemas.microsoft.com/office/powerpoint/2010/main" val="1402440714"/>
-      </p:ext>
-    </p:extLst>
-  </p:cSld>
-  <p:clrMapOvr>
-    <a:masterClrMapping/>
-  </p:clrMapOvr>
-</p:notes>
-</file>
-
-<file path=ppt/notesSlides/notesSlide7.xml><?xml version="1.0" encoding="utf-8"?>
-<p:notes xmlns:a="http://schemas.openxmlformats.org/drawingml/2006/main" xmlns:r="http://schemas.openxmlformats.org/officeDocument/2006/relationships" xmlns:p="http://schemas.openxmlformats.org/presentationml/2006/main">
-  <p:cSld>
-    <p:spTree>
-      <p:nvGrpSpPr>
-        <p:cNvPr id="1" name=""/>
-        <p:cNvGrpSpPr/>
-        <p:nvPr/>
-      </p:nvGrpSpPr>
-      <p:grpSpPr>
-        <a:xfrm>
-          <a:off x="0" y="0"/>
-          <a:ext cx="0" cy="0"/>
-          <a:chOff x="0" y="0"/>
-          <a:chExt cx="0" cy="0"/>
-        </a:xfrm>
-      </p:grpSpPr>
-      <p:sp>
-        <p:nvSpPr>
-          <p:cNvPr id="2" name="投影片圖像版面配置區 1"/>
-          <p:cNvSpPr>
-            <a:spLocks noGrp="1" noRot="1" noChangeAspect="1"/>
-          </p:cNvSpPr>
-          <p:nvPr>
-            <p:ph type="sldImg"/>
-          </p:nvPr>
-        </p:nvSpPr>
-        <p:spPr/>
-      </p:sp>
-      <p:sp>
-        <p:nvSpPr>
-          <p:cNvPr id="3" name="備忘稿版面配置區 2"/>
-          <p:cNvSpPr>
-            <a:spLocks noGrp="1"/>
-          </p:cNvSpPr>
-          <p:nvPr>
-            <p:ph type="body" idx="1"/>
-          </p:nvPr>
-        </p:nvSpPr>
-        <p:spPr/>
-        <p:txBody>
-          <a:bodyPr/>
-          <a:lstStyle/>
-          <a:p>
-            <a:endParaRPr lang="zh-TW" altLang="en-US" dirty="0"/>
-          </a:p>
-        </p:txBody>
-      </p:sp>
-      <p:sp>
-        <p:nvSpPr>
-          <p:cNvPr id="4" name="投影片編號版面配置區 3"/>
-          <p:cNvSpPr>
-            <a:spLocks noGrp="1"/>
-          </p:cNvSpPr>
-          <p:nvPr>
-            <p:ph type="sldNum" sz="quarter" idx="10"/>
-          </p:nvPr>
-        </p:nvSpPr>
-        <p:spPr/>
-        <p:txBody>
-          <a:bodyPr/>
-          <a:lstStyle/>
-          <a:p>
-            <a:fld id="{BE6F74E8-D2D3-41D0-B360-93DC08162B57}" type="slidenum">
-              <a:rPr lang="zh-TW" altLang="en-US" smtClean="0"/>
-              <a:t>11</a:t>
-            </a:fld>
-            <a:endParaRPr lang="zh-TW" altLang="en-US"/>
-          </a:p>
-        </p:txBody>
-      </p:sp>
-    </p:spTree>
-    <p:extLst>
-      <p:ext uri="{BB962C8B-B14F-4D97-AF65-F5344CB8AC3E}">
-        <p14:creationId xmlns:p14="http://schemas.microsoft.com/office/powerpoint/2010/main" val="260082754"/>
-      </p:ext>
-    </p:extLst>
-  </p:cSld>
-  <p:clrMapOvr>
-    <a:masterClrMapping/>
-  </p:clrMapOvr>
-</p:notes>
-</file>
-
-<file path=ppt/notesSlides/notesSlide8.xml><?xml version="1.0" encoding="utf-8"?>
 <p:notes xmlns:a="http://schemas.openxmlformats.org/drawingml/2006/main" xmlns:r="http://schemas.openxmlformats.org/officeDocument/2006/relationships" xmlns:p="http://schemas.openxmlformats.org/presentationml/2006/main">
   <p:cSld>
     <p:spTree>
@@ -17962,6 +16805,1330 @@
 </p:notes>
 </file>
 
+<file path=ppt/notesSlides/notesSlide11.xml><?xml version="1.0" encoding="utf-8"?>
+<p:notes xmlns:a="http://schemas.openxmlformats.org/drawingml/2006/main" xmlns:r="http://schemas.openxmlformats.org/officeDocument/2006/relationships" xmlns:p="http://schemas.openxmlformats.org/presentationml/2006/main">
+  <p:cSld>
+    <p:spTree>
+      <p:nvGrpSpPr>
+        <p:cNvPr id="1" name=""/>
+        <p:cNvGrpSpPr/>
+        <p:nvPr/>
+      </p:nvGrpSpPr>
+      <p:grpSpPr>
+        <a:xfrm>
+          <a:off x="0" y="0"/>
+          <a:ext cx="0" cy="0"/>
+          <a:chOff x="0" y="0"/>
+          <a:chExt cx="0" cy="0"/>
+        </a:xfrm>
+      </p:grpSpPr>
+      <p:sp>
+        <p:nvSpPr>
+          <p:cNvPr id="2" name="投影片圖像版面配置區 1"/>
+          <p:cNvSpPr>
+            <a:spLocks noGrp="1" noRot="1" noChangeAspect="1"/>
+          </p:cNvSpPr>
+          <p:nvPr>
+            <p:ph type="sldImg"/>
+          </p:nvPr>
+        </p:nvSpPr>
+        <p:spPr/>
+      </p:sp>
+      <p:sp>
+        <p:nvSpPr>
+          <p:cNvPr id="3" name="備忘稿版面配置區 2"/>
+          <p:cNvSpPr>
+            <a:spLocks noGrp="1"/>
+          </p:cNvSpPr>
+          <p:nvPr>
+            <p:ph type="body" idx="1"/>
+          </p:nvPr>
+        </p:nvSpPr>
+        <p:spPr/>
+        <p:txBody>
+          <a:bodyPr/>
+          <a:lstStyle/>
+          <a:p>
+            <a:pPr marL="228600" indent="-228600">
+              <a:buAutoNum type="arabicPeriod"/>
+            </a:pPr>
+            <a:endParaRPr lang="zh-TW" altLang="en-US" dirty="0"/>
+          </a:p>
+        </p:txBody>
+      </p:sp>
+      <p:sp>
+        <p:nvSpPr>
+          <p:cNvPr id="4" name="投影片編號版面配置區 3"/>
+          <p:cNvSpPr>
+            <a:spLocks noGrp="1"/>
+          </p:cNvSpPr>
+          <p:nvPr>
+            <p:ph type="sldNum" sz="quarter" idx="10"/>
+          </p:nvPr>
+        </p:nvSpPr>
+        <p:spPr/>
+        <p:txBody>
+          <a:bodyPr/>
+          <a:lstStyle/>
+          <a:p>
+            <a:fld id="{BE6F74E8-D2D3-41D0-B360-93DC08162B57}" type="slidenum">
+              <a:rPr lang="zh-TW" altLang="en-US" smtClean="0"/>
+              <a:t>13</a:t>
+            </a:fld>
+            <a:endParaRPr lang="zh-TW" altLang="en-US"/>
+          </a:p>
+        </p:txBody>
+      </p:sp>
+    </p:spTree>
+    <p:extLst>
+      <p:ext uri="{BB962C8B-B14F-4D97-AF65-F5344CB8AC3E}">
+        <p14:creationId xmlns:p14="http://schemas.microsoft.com/office/powerpoint/2010/main" val="1804011390"/>
+      </p:ext>
+    </p:extLst>
+  </p:cSld>
+  <p:clrMapOvr>
+    <a:masterClrMapping/>
+  </p:clrMapOvr>
+</p:notes>
+</file>
+
+<file path=ppt/notesSlides/notesSlide12.xml><?xml version="1.0" encoding="utf-8"?>
+<p:notes xmlns:a="http://schemas.openxmlformats.org/drawingml/2006/main" xmlns:r="http://schemas.openxmlformats.org/officeDocument/2006/relationships" xmlns:p="http://schemas.openxmlformats.org/presentationml/2006/main">
+  <p:cSld>
+    <p:spTree>
+      <p:nvGrpSpPr>
+        <p:cNvPr id="1" name=""/>
+        <p:cNvGrpSpPr/>
+        <p:nvPr/>
+      </p:nvGrpSpPr>
+      <p:grpSpPr>
+        <a:xfrm>
+          <a:off x="0" y="0"/>
+          <a:ext cx="0" cy="0"/>
+          <a:chOff x="0" y="0"/>
+          <a:chExt cx="0" cy="0"/>
+        </a:xfrm>
+      </p:grpSpPr>
+      <p:sp>
+        <p:nvSpPr>
+          <p:cNvPr id="2" name="投影片圖像版面配置區 1"/>
+          <p:cNvSpPr>
+            <a:spLocks noGrp="1" noRot="1" noChangeAspect="1"/>
+          </p:cNvSpPr>
+          <p:nvPr>
+            <p:ph type="sldImg"/>
+          </p:nvPr>
+        </p:nvSpPr>
+        <p:spPr/>
+      </p:sp>
+      <p:sp>
+        <p:nvSpPr>
+          <p:cNvPr id="3" name="備忘稿版面配置區 2"/>
+          <p:cNvSpPr>
+            <a:spLocks noGrp="1"/>
+          </p:cNvSpPr>
+          <p:nvPr>
+            <p:ph type="body" idx="1"/>
+          </p:nvPr>
+        </p:nvSpPr>
+        <p:spPr/>
+        <p:txBody>
+          <a:bodyPr/>
+          <a:lstStyle/>
+          <a:p>
+            <a:endParaRPr lang="zh-TW" altLang="en-US" dirty="0"/>
+          </a:p>
+        </p:txBody>
+      </p:sp>
+      <p:sp>
+        <p:nvSpPr>
+          <p:cNvPr id="4" name="投影片編號版面配置區 3"/>
+          <p:cNvSpPr>
+            <a:spLocks noGrp="1"/>
+          </p:cNvSpPr>
+          <p:nvPr>
+            <p:ph type="sldNum" sz="quarter" idx="10"/>
+          </p:nvPr>
+        </p:nvSpPr>
+        <p:spPr/>
+        <p:txBody>
+          <a:bodyPr/>
+          <a:lstStyle/>
+          <a:p>
+            <a:fld id="{BE6F74E8-D2D3-41D0-B360-93DC08162B57}" type="slidenum">
+              <a:rPr lang="zh-TW" altLang="en-US" smtClean="0"/>
+              <a:t>14</a:t>
+            </a:fld>
+            <a:endParaRPr lang="zh-TW" altLang="en-US"/>
+          </a:p>
+        </p:txBody>
+      </p:sp>
+    </p:spTree>
+    <p:extLst>
+      <p:ext uri="{BB962C8B-B14F-4D97-AF65-F5344CB8AC3E}">
+        <p14:creationId xmlns:p14="http://schemas.microsoft.com/office/powerpoint/2010/main" val="2027112109"/>
+      </p:ext>
+    </p:extLst>
+  </p:cSld>
+  <p:clrMapOvr>
+    <a:masterClrMapping/>
+  </p:clrMapOvr>
+</p:notes>
+</file>
+
+<file path=ppt/notesSlides/notesSlide13.xml><?xml version="1.0" encoding="utf-8"?>
+<p:notes xmlns:a="http://schemas.openxmlformats.org/drawingml/2006/main" xmlns:r="http://schemas.openxmlformats.org/officeDocument/2006/relationships" xmlns:p="http://schemas.openxmlformats.org/presentationml/2006/main">
+  <p:cSld>
+    <p:spTree>
+      <p:nvGrpSpPr>
+        <p:cNvPr id="1" name=""/>
+        <p:cNvGrpSpPr/>
+        <p:nvPr/>
+      </p:nvGrpSpPr>
+      <p:grpSpPr>
+        <a:xfrm>
+          <a:off x="0" y="0"/>
+          <a:ext cx="0" cy="0"/>
+          <a:chOff x="0" y="0"/>
+          <a:chExt cx="0" cy="0"/>
+        </a:xfrm>
+      </p:grpSpPr>
+      <p:sp>
+        <p:nvSpPr>
+          <p:cNvPr id="2" name="投影片圖像版面配置區 1"/>
+          <p:cNvSpPr>
+            <a:spLocks noGrp="1" noRot="1" noChangeAspect="1"/>
+          </p:cNvSpPr>
+          <p:nvPr>
+            <p:ph type="sldImg"/>
+          </p:nvPr>
+        </p:nvSpPr>
+        <p:spPr/>
+      </p:sp>
+      <p:sp>
+        <p:nvSpPr>
+          <p:cNvPr id="3" name="備忘稿版面配置區 2"/>
+          <p:cNvSpPr>
+            <a:spLocks noGrp="1"/>
+          </p:cNvSpPr>
+          <p:nvPr>
+            <p:ph type="body" idx="1"/>
+          </p:nvPr>
+        </p:nvSpPr>
+        <p:spPr/>
+        <p:txBody>
+          <a:bodyPr/>
+          <a:lstStyle/>
+          <a:p>
+            <a:endParaRPr lang="zh-TW" altLang="en-US" dirty="0"/>
+          </a:p>
+        </p:txBody>
+      </p:sp>
+      <p:sp>
+        <p:nvSpPr>
+          <p:cNvPr id="4" name="投影片編號版面配置區 3"/>
+          <p:cNvSpPr>
+            <a:spLocks noGrp="1"/>
+          </p:cNvSpPr>
+          <p:nvPr>
+            <p:ph type="sldNum" sz="quarter" idx="10"/>
+          </p:nvPr>
+        </p:nvSpPr>
+        <p:spPr/>
+        <p:txBody>
+          <a:bodyPr/>
+          <a:lstStyle/>
+          <a:p>
+            <a:fld id="{BE6F74E8-D2D3-41D0-B360-93DC08162B57}" type="slidenum">
+              <a:rPr lang="zh-TW" altLang="en-US" smtClean="0"/>
+              <a:t>18</a:t>
+            </a:fld>
+            <a:endParaRPr lang="zh-TW" altLang="en-US"/>
+          </a:p>
+        </p:txBody>
+      </p:sp>
+    </p:spTree>
+    <p:extLst>
+      <p:ext uri="{BB962C8B-B14F-4D97-AF65-F5344CB8AC3E}">
+        <p14:creationId xmlns:p14="http://schemas.microsoft.com/office/powerpoint/2010/main" val="3895027652"/>
+      </p:ext>
+    </p:extLst>
+  </p:cSld>
+  <p:clrMapOvr>
+    <a:masterClrMapping/>
+  </p:clrMapOvr>
+</p:notes>
+</file>
+
+<file path=ppt/notesSlides/notesSlide14.xml><?xml version="1.0" encoding="utf-8"?>
+<p:notes xmlns:a="http://schemas.openxmlformats.org/drawingml/2006/main" xmlns:r="http://schemas.openxmlformats.org/officeDocument/2006/relationships" xmlns:p="http://schemas.openxmlformats.org/presentationml/2006/main">
+  <p:cSld>
+    <p:spTree>
+      <p:nvGrpSpPr>
+        <p:cNvPr id="1" name=""/>
+        <p:cNvGrpSpPr/>
+        <p:nvPr/>
+      </p:nvGrpSpPr>
+      <p:grpSpPr>
+        <a:xfrm>
+          <a:off x="0" y="0"/>
+          <a:ext cx="0" cy="0"/>
+          <a:chOff x="0" y="0"/>
+          <a:chExt cx="0" cy="0"/>
+        </a:xfrm>
+      </p:grpSpPr>
+      <p:sp>
+        <p:nvSpPr>
+          <p:cNvPr id="2" name="投影片圖像版面配置區 1"/>
+          <p:cNvSpPr>
+            <a:spLocks noGrp="1" noRot="1" noChangeAspect="1"/>
+          </p:cNvSpPr>
+          <p:nvPr>
+            <p:ph type="sldImg"/>
+          </p:nvPr>
+        </p:nvSpPr>
+        <p:spPr/>
+      </p:sp>
+      <p:sp>
+        <p:nvSpPr>
+          <p:cNvPr id="3" name="備忘稿版面配置區 2"/>
+          <p:cNvSpPr>
+            <a:spLocks noGrp="1"/>
+          </p:cNvSpPr>
+          <p:nvPr>
+            <p:ph type="body" idx="1"/>
+          </p:nvPr>
+        </p:nvSpPr>
+        <p:spPr/>
+        <p:txBody>
+          <a:bodyPr/>
+          <a:lstStyle/>
+          <a:p>
+            <a:endParaRPr lang="zh-TW" altLang="en-US" dirty="0"/>
+          </a:p>
+        </p:txBody>
+      </p:sp>
+      <p:sp>
+        <p:nvSpPr>
+          <p:cNvPr id="4" name="投影片編號版面配置區 3"/>
+          <p:cNvSpPr>
+            <a:spLocks noGrp="1"/>
+          </p:cNvSpPr>
+          <p:nvPr>
+            <p:ph type="sldNum" sz="quarter" idx="10"/>
+          </p:nvPr>
+        </p:nvSpPr>
+        <p:spPr/>
+        <p:txBody>
+          <a:bodyPr/>
+          <a:lstStyle/>
+          <a:p>
+            <a:fld id="{BE6F74E8-D2D3-41D0-B360-93DC08162B57}" type="slidenum">
+              <a:rPr lang="zh-TW" altLang="en-US" smtClean="0"/>
+              <a:t>19</a:t>
+            </a:fld>
+            <a:endParaRPr lang="zh-TW" altLang="en-US"/>
+          </a:p>
+        </p:txBody>
+      </p:sp>
+    </p:spTree>
+    <p:extLst>
+      <p:ext uri="{BB962C8B-B14F-4D97-AF65-F5344CB8AC3E}">
+        <p14:creationId xmlns:p14="http://schemas.microsoft.com/office/powerpoint/2010/main" val="2210439069"/>
+      </p:ext>
+    </p:extLst>
+  </p:cSld>
+  <p:clrMapOvr>
+    <a:masterClrMapping/>
+  </p:clrMapOvr>
+</p:notes>
+</file>
+
+<file path=ppt/notesSlides/notesSlide15.xml><?xml version="1.0" encoding="utf-8"?>
+<p:notes xmlns:a="http://schemas.openxmlformats.org/drawingml/2006/main" xmlns:r="http://schemas.openxmlformats.org/officeDocument/2006/relationships" xmlns:p="http://schemas.openxmlformats.org/presentationml/2006/main">
+  <p:cSld>
+    <p:spTree>
+      <p:nvGrpSpPr>
+        <p:cNvPr id="1" name=""/>
+        <p:cNvGrpSpPr/>
+        <p:nvPr/>
+      </p:nvGrpSpPr>
+      <p:grpSpPr>
+        <a:xfrm>
+          <a:off x="0" y="0"/>
+          <a:ext cx="0" cy="0"/>
+          <a:chOff x="0" y="0"/>
+          <a:chExt cx="0" cy="0"/>
+        </a:xfrm>
+      </p:grpSpPr>
+      <p:sp>
+        <p:nvSpPr>
+          <p:cNvPr id="2" name="幻灯片图像占位符 1"/>
+          <p:cNvSpPr>
+            <a:spLocks noGrp="1" noRot="1" noChangeAspect="1"/>
+          </p:cNvSpPr>
+          <p:nvPr>
+            <p:ph type="sldImg"/>
+          </p:nvPr>
+        </p:nvSpPr>
+        <p:spPr/>
+      </p:sp>
+      <p:sp>
+        <p:nvSpPr>
+          <p:cNvPr id="3" name="备注占位符 2"/>
+          <p:cNvSpPr>
+            <a:spLocks noGrp="1"/>
+          </p:cNvSpPr>
+          <p:nvPr>
+            <p:ph type="body" idx="1"/>
+          </p:nvPr>
+        </p:nvSpPr>
+        <p:spPr/>
+        <p:txBody>
+          <a:bodyPr/>
+          <a:lstStyle/>
+          <a:p>
+            <a:endParaRPr kumimoji="1" lang="zh-CN" altLang="en-US" dirty="0"/>
+          </a:p>
+        </p:txBody>
+      </p:sp>
+      <p:sp>
+        <p:nvSpPr>
+          <p:cNvPr id="4" name="灯片编号占位符 3"/>
+          <p:cNvSpPr>
+            <a:spLocks noGrp="1"/>
+          </p:cNvSpPr>
+          <p:nvPr>
+            <p:ph type="sldNum" sz="quarter" idx="5"/>
+          </p:nvPr>
+        </p:nvSpPr>
+        <p:spPr/>
+        <p:txBody>
+          <a:bodyPr/>
+          <a:lstStyle/>
+          <a:p>
+            <a:fld id="{BE6F74E8-D2D3-41D0-B360-93DC08162B57}" type="slidenum">
+              <a:rPr lang="zh-TW" altLang="en-US" smtClean="0"/>
+              <a:t>21</a:t>
+            </a:fld>
+            <a:endParaRPr lang="zh-TW" altLang="en-US"/>
+          </a:p>
+        </p:txBody>
+      </p:sp>
+    </p:spTree>
+    <p:extLst>
+      <p:ext uri="{BB962C8B-B14F-4D97-AF65-F5344CB8AC3E}">
+        <p14:creationId xmlns:p14="http://schemas.microsoft.com/office/powerpoint/2010/main" val="979349171"/>
+      </p:ext>
+    </p:extLst>
+  </p:cSld>
+  <p:clrMapOvr>
+    <a:masterClrMapping/>
+  </p:clrMapOvr>
+</p:notes>
+</file>
+
+<file path=ppt/notesSlides/notesSlide2.xml><?xml version="1.0" encoding="utf-8"?>
+<p:notes xmlns:a="http://schemas.openxmlformats.org/drawingml/2006/main" xmlns:r="http://schemas.openxmlformats.org/officeDocument/2006/relationships" xmlns:p="http://schemas.openxmlformats.org/presentationml/2006/main">
+  <p:cSld>
+    <p:spTree>
+      <p:nvGrpSpPr>
+        <p:cNvPr id="1" name=""/>
+        <p:cNvGrpSpPr/>
+        <p:nvPr/>
+      </p:nvGrpSpPr>
+      <p:grpSpPr>
+        <a:xfrm>
+          <a:off x="0" y="0"/>
+          <a:ext cx="0" cy="0"/>
+          <a:chOff x="0" y="0"/>
+          <a:chExt cx="0" cy="0"/>
+        </a:xfrm>
+      </p:grpSpPr>
+      <p:sp>
+        <p:nvSpPr>
+          <p:cNvPr id="2" name="投影片圖像版面配置區 1"/>
+          <p:cNvSpPr>
+            <a:spLocks noGrp="1" noRot="1" noChangeAspect="1"/>
+          </p:cNvSpPr>
+          <p:nvPr>
+            <p:ph type="sldImg"/>
+          </p:nvPr>
+        </p:nvSpPr>
+        <p:spPr/>
+      </p:sp>
+      <p:sp>
+        <p:nvSpPr>
+          <p:cNvPr id="3" name="備忘稿版面配置區 2"/>
+          <p:cNvSpPr>
+            <a:spLocks noGrp="1"/>
+          </p:cNvSpPr>
+          <p:nvPr>
+            <p:ph type="body" idx="1"/>
+          </p:nvPr>
+        </p:nvSpPr>
+        <p:spPr/>
+        <p:txBody>
+          <a:bodyPr/>
+          <a:lstStyle/>
+          <a:p>
+            <a:r>
+              <a:rPr lang="en-US" altLang="zh-TW" baseline="0" dirty="0"/>
+              <a:t>Can DNN</a:t>
+            </a:r>
+            <a:r>
+              <a:rPr lang="zh-TW" altLang="en-US" baseline="0" dirty="0"/>
+              <a:t> </a:t>
+            </a:r>
+            <a:r>
+              <a:rPr lang="en-US" altLang="zh-TW" baseline="0" dirty="0"/>
+              <a:t>do that?</a:t>
+            </a:r>
+          </a:p>
+        </p:txBody>
+      </p:sp>
+      <p:sp>
+        <p:nvSpPr>
+          <p:cNvPr id="4" name="投影片編號版面配置區 3"/>
+          <p:cNvSpPr>
+            <a:spLocks noGrp="1"/>
+          </p:cNvSpPr>
+          <p:nvPr>
+            <p:ph type="sldNum" sz="quarter" idx="10"/>
+          </p:nvPr>
+        </p:nvSpPr>
+        <p:spPr/>
+        <p:txBody>
+          <a:bodyPr/>
+          <a:lstStyle/>
+          <a:p>
+            <a:fld id="{BE6F74E8-D2D3-41D0-B360-93DC08162B57}" type="slidenum">
+              <a:rPr lang="zh-TW" altLang="en-US" smtClean="0"/>
+              <a:t>2</a:t>
+            </a:fld>
+            <a:endParaRPr lang="zh-TW" altLang="en-US"/>
+          </a:p>
+        </p:txBody>
+      </p:sp>
+    </p:spTree>
+    <p:extLst>
+      <p:ext uri="{BB962C8B-B14F-4D97-AF65-F5344CB8AC3E}">
+        <p14:creationId xmlns:p14="http://schemas.microsoft.com/office/powerpoint/2010/main" val="1591390636"/>
+      </p:ext>
+    </p:extLst>
+  </p:cSld>
+  <p:clrMapOvr>
+    <a:masterClrMapping/>
+  </p:clrMapOvr>
+</p:notes>
+</file>
+
+<file path=ppt/notesSlides/notesSlide3.xml><?xml version="1.0" encoding="utf-8"?>
+<p:notes xmlns:a="http://schemas.openxmlformats.org/drawingml/2006/main" xmlns:r="http://schemas.openxmlformats.org/officeDocument/2006/relationships" xmlns:p="http://schemas.openxmlformats.org/presentationml/2006/main">
+  <p:cSld>
+    <p:spTree>
+      <p:nvGrpSpPr>
+        <p:cNvPr id="1" name=""/>
+        <p:cNvGrpSpPr/>
+        <p:nvPr/>
+      </p:nvGrpSpPr>
+      <p:grpSpPr>
+        <a:xfrm>
+          <a:off x="0" y="0"/>
+          <a:ext cx="0" cy="0"/>
+          <a:chOff x="0" y="0"/>
+          <a:chExt cx="0" cy="0"/>
+        </a:xfrm>
+      </p:grpSpPr>
+      <p:sp>
+        <p:nvSpPr>
+          <p:cNvPr id="2" name="投影片圖像版面配置區 1"/>
+          <p:cNvSpPr>
+            <a:spLocks noGrp="1" noRot="1" noChangeAspect="1"/>
+          </p:cNvSpPr>
+          <p:nvPr>
+            <p:ph type="sldImg"/>
+          </p:nvPr>
+        </p:nvSpPr>
+        <p:spPr/>
+      </p:sp>
+      <p:sp>
+        <p:nvSpPr>
+          <p:cNvPr id="3" name="備忘稿版面配置區 2"/>
+          <p:cNvSpPr>
+            <a:spLocks noGrp="1"/>
+          </p:cNvSpPr>
+          <p:nvPr>
+            <p:ph type="body" idx="1"/>
+          </p:nvPr>
+        </p:nvSpPr>
+        <p:spPr/>
+        <p:txBody>
+          <a:bodyPr/>
+          <a:lstStyle/>
+          <a:p>
+            <a:r>
+              <a:rPr lang="en" altLang="zh-TW" dirty="0"/>
+              <a:t>Speech recognition </a:t>
+            </a:r>
+            <a:r>
+              <a:rPr lang="zh-TW" altLang="en-US" dirty="0"/>
+              <a:t>和 </a:t>
+            </a:r>
+            <a:r>
+              <a:rPr lang="en" altLang="zh-TW" dirty="0"/>
+              <a:t>Translation </a:t>
+            </a:r>
+            <a:r>
+              <a:rPr lang="zh-TW" altLang="en-US" dirty="0"/>
+              <a:t>可能可以通过 </a:t>
+            </a:r>
+            <a:r>
+              <a:rPr lang="en" altLang="zh-TW" dirty="0"/>
+              <a:t>DNN </a:t>
+            </a:r>
+            <a:r>
+              <a:rPr lang="zh-TW" altLang="en-US" dirty="0"/>
+              <a:t>实现，比如使用 </a:t>
+            </a:r>
+            <a:r>
+              <a:rPr lang="en" altLang="zh-TW" dirty="0"/>
+              <a:t>seq2seq</a:t>
+            </a:r>
+          </a:p>
+          <a:p>
+            <a:r>
+              <a:rPr lang="zh-TW" altLang="en-US" dirty="0"/>
+              <a:t>但是 </a:t>
+            </a:r>
+            <a:r>
+              <a:rPr lang="en" altLang="zh-TW" dirty="0"/>
+              <a:t>Syntactic Paring</a:t>
+            </a:r>
+            <a:r>
+              <a:rPr lang="zh-TW" altLang="en" dirty="0"/>
+              <a:t>、</a:t>
+            </a:r>
+            <a:r>
+              <a:rPr lang="en" altLang="zh-TW" dirty="0"/>
+              <a:t>Object Detection</a:t>
+            </a:r>
+            <a:r>
+              <a:rPr lang="zh-TW" altLang="en" dirty="0"/>
+              <a:t>、</a:t>
+            </a:r>
+            <a:r>
+              <a:rPr lang="en" altLang="zh-TW" dirty="0"/>
+              <a:t>Summarization</a:t>
+            </a:r>
+            <a:r>
+              <a:rPr lang="zh-TW" altLang="en" dirty="0"/>
+              <a:t>、</a:t>
+            </a:r>
+            <a:r>
+              <a:rPr lang="en" altLang="zh-TW" dirty="0"/>
+              <a:t>Retrieval </a:t>
+            </a:r>
+            <a:r>
+              <a:rPr lang="zh-TW" altLang="en-US" dirty="0"/>
+              <a:t>这些任务可能就不太容易使用 </a:t>
+            </a:r>
+            <a:r>
+              <a:rPr lang="en" altLang="zh-TW" dirty="0"/>
+              <a:t>DNN </a:t>
+            </a:r>
+            <a:r>
+              <a:rPr lang="zh-TW" altLang="en-US" dirty="0"/>
+              <a:t>实现</a:t>
+            </a:r>
+          </a:p>
+          <a:p>
+            <a:endParaRPr lang="zh-TW" altLang="en-US" dirty="0"/>
+          </a:p>
+        </p:txBody>
+      </p:sp>
+      <p:sp>
+        <p:nvSpPr>
+          <p:cNvPr id="4" name="投影片編號版面配置區 3"/>
+          <p:cNvSpPr>
+            <a:spLocks noGrp="1"/>
+          </p:cNvSpPr>
+          <p:nvPr>
+            <p:ph type="sldNum" sz="quarter" idx="10"/>
+          </p:nvPr>
+        </p:nvSpPr>
+        <p:spPr/>
+        <p:txBody>
+          <a:bodyPr/>
+          <a:lstStyle/>
+          <a:p>
+            <a:fld id="{BE6F74E8-D2D3-41D0-B360-93DC08162B57}" type="slidenum">
+              <a:rPr lang="zh-TW" altLang="en-US" smtClean="0"/>
+              <a:t>3</a:t>
+            </a:fld>
+            <a:endParaRPr lang="zh-TW" altLang="en-US"/>
+          </a:p>
+        </p:txBody>
+      </p:sp>
+    </p:spTree>
+    <p:extLst>
+      <p:ext uri="{BB962C8B-B14F-4D97-AF65-F5344CB8AC3E}">
+        <p14:creationId xmlns:p14="http://schemas.microsoft.com/office/powerpoint/2010/main" val="1223623220"/>
+      </p:ext>
+    </p:extLst>
+  </p:cSld>
+  <p:clrMapOvr>
+    <a:masterClrMapping/>
+  </p:clrMapOvr>
+</p:notes>
+</file>
+
+<file path=ppt/notesSlides/notesSlide4.xml><?xml version="1.0" encoding="utf-8"?>
+<p:notes xmlns:a="http://schemas.openxmlformats.org/drawingml/2006/main" xmlns:r="http://schemas.openxmlformats.org/officeDocument/2006/relationships" xmlns:p="http://schemas.openxmlformats.org/presentationml/2006/main">
+  <p:cSld>
+    <p:spTree>
+      <p:nvGrpSpPr>
+        <p:cNvPr id="1" name=""/>
+        <p:cNvGrpSpPr/>
+        <p:nvPr/>
+      </p:nvGrpSpPr>
+      <p:grpSpPr>
+        <a:xfrm>
+          <a:off x="0" y="0"/>
+          <a:ext cx="0" cy="0"/>
+          <a:chOff x="0" y="0"/>
+          <a:chExt cx="0" cy="0"/>
+        </a:xfrm>
+      </p:grpSpPr>
+      <p:sp>
+        <p:nvSpPr>
+          <p:cNvPr id="2" name="投影片圖像版面配置區 1"/>
+          <p:cNvSpPr>
+            <a:spLocks noGrp="1" noRot="1" noChangeAspect="1"/>
+          </p:cNvSpPr>
+          <p:nvPr>
+            <p:ph type="sldImg"/>
+          </p:nvPr>
+        </p:nvSpPr>
+        <p:spPr/>
+      </p:sp>
+      <p:sp>
+        <p:nvSpPr>
+          <p:cNvPr id="3" name="備忘稿版面配置區 2"/>
+          <p:cNvSpPr>
+            <a:spLocks noGrp="1"/>
+          </p:cNvSpPr>
+          <p:nvPr>
+            <p:ph type="body" idx="1"/>
+          </p:nvPr>
+        </p:nvSpPr>
+        <p:spPr/>
+        <p:txBody>
+          <a:bodyPr/>
+          <a:lstStyle/>
+          <a:p>
+            <a:r>
+              <a:rPr lang="en-US" altLang="zh-TW" dirty="0"/>
+              <a:t>Unified Framework </a:t>
+            </a:r>
+            <a:r>
+              <a:rPr lang="zh-CN" altLang="en-US" dirty="0"/>
+              <a:t>统一框架</a:t>
+            </a:r>
+          </a:p>
+          <a:p>
+            <a:endParaRPr lang="zh-CN" altLang="en-US" dirty="0"/>
+          </a:p>
+          <a:p>
+            <a:r>
+              <a:rPr lang="en-US" altLang="zh-TW" dirty="0"/>
+              <a:t>What is F? different people give it different name, Yan </a:t>
+            </a:r>
+            <a:r>
+              <a:rPr lang="en-US" altLang="zh-TW" dirty="0" err="1"/>
+              <a:t>LaCu</a:t>
+            </a:r>
+            <a:r>
+              <a:rPr lang="en-US" altLang="zh-TW" dirty="0"/>
+              <a:t> call it </a:t>
+            </a:r>
+            <a:r>
+              <a:rPr lang="en-US" altLang="zh-TW" dirty="0" err="1"/>
+              <a:t>Enerygy</a:t>
+            </a:r>
+            <a:r>
+              <a:rPr lang="en-US" altLang="zh-TW" dirty="0"/>
+              <a:t> model F </a:t>
+            </a:r>
+            <a:r>
+              <a:rPr lang="zh-CN" altLang="en-US" dirty="0"/>
+              <a:t>是什么？不同的人给它起不同的名字，</a:t>
+            </a:r>
+            <a:r>
+              <a:rPr lang="en-US" altLang="zh-TW" dirty="0"/>
+              <a:t>Yan </a:t>
+            </a:r>
+            <a:r>
+              <a:rPr lang="en-US" altLang="zh-TW" dirty="0" err="1"/>
+              <a:t>LaGu</a:t>
+            </a:r>
+            <a:r>
+              <a:rPr lang="en-US" altLang="zh-TW" dirty="0"/>
+              <a:t> </a:t>
+            </a:r>
+            <a:r>
+              <a:rPr lang="zh-CN" altLang="en-US" dirty="0"/>
+              <a:t>叫它 </a:t>
+            </a:r>
+            <a:r>
+              <a:rPr lang="en-US" altLang="zh-TW" dirty="0"/>
+              <a:t>Energy model</a:t>
+            </a:r>
+          </a:p>
+          <a:p>
+            <a:endParaRPr lang="en-US" altLang="zh-TW" dirty="0"/>
+          </a:p>
+          <a:p>
+            <a:r>
+              <a:rPr lang="en-US" altLang="zh-TW" dirty="0"/>
+              <a:t>This framework is every where </a:t>
+            </a:r>
+            <a:r>
+              <a:rPr lang="zh-CN" altLang="en-US" dirty="0"/>
+              <a:t>这个框架无处不在</a:t>
+            </a:r>
+          </a:p>
+          <a:p>
+            <a:endParaRPr lang="zh-CN" altLang="en-US" dirty="0"/>
+          </a:p>
+          <a:p>
+            <a:r>
+              <a:rPr lang="en-US" altLang="zh-TW" dirty="0"/>
+              <a:t>evaluate how compatible the objects x and y is </a:t>
+            </a:r>
+            <a:r>
+              <a:rPr lang="zh-CN" altLang="en-US" dirty="0"/>
+              <a:t>评估对象 </a:t>
+            </a:r>
+            <a:r>
+              <a:rPr lang="en-US" altLang="zh-TW" dirty="0"/>
+              <a:t>x </a:t>
+            </a:r>
+            <a:r>
+              <a:rPr lang="zh-CN" altLang="en-US" dirty="0"/>
+              <a:t>和 </a:t>
+            </a:r>
+            <a:r>
+              <a:rPr lang="en-US" altLang="zh-TW" dirty="0"/>
+              <a:t>y </a:t>
+            </a:r>
+            <a:r>
+              <a:rPr lang="zh-CN" altLang="en-US" dirty="0"/>
+              <a:t>的兼容性</a:t>
+            </a:r>
+          </a:p>
+          <a:p>
+            <a:endParaRPr lang="en-US" altLang="zh-TW" dirty="0"/>
+          </a:p>
+        </p:txBody>
+      </p:sp>
+      <p:sp>
+        <p:nvSpPr>
+          <p:cNvPr id="4" name="投影片編號版面配置區 3"/>
+          <p:cNvSpPr>
+            <a:spLocks noGrp="1"/>
+          </p:cNvSpPr>
+          <p:nvPr>
+            <p:ph type="sldNum" sz="quarter" idx="10"/>
+          </p:nvPr>
+        </p:nvSpPr>
+        <p:spPr/>
+        <p:txBody>
+          <a:bodyPr/>
+          <a:lstStyle/>
+          <a:p>
+            <a:fld id="{BE6F74E8-D2D3-41D0-B360-93DC08162B57}" type="slidenum">
+              <a:rPr lang="zh-TW" altLang="en-US" smtClean="0"/>
+              <a:t>4</a:t>
+            </a:fld>
+            <a:endParaRPr lang="zh-TW" altLang="en-US"/>
+          </a:p>
+        </p:txBody>
+      </p:sp>
+    </p:spTree>
+    <p:extLst>
+      <p:ext uri="{BB962C8B-B14F-4D97-AF65-F5344CB8AC3E}">
+        <p14:creationId xmlns:p14="http://schemas.microsoft.com/office/powerpoint/2010/main" val="3659157337"/>
+      </p:ext>
+    </p:extLst>
+  </p:cSld>
+  <p:clrMapOvr>
+    <a:masterClrMapping/>
+  </p:clrMapOvr>
+</p:notes>
+</file>
+
+<file path=ppt/notesSlides/notesSlide5.xml><?xml version="1.0" encoding="utf-8"?>
+<p:notes xmlns:a="http://schemas.openxmlformats.org/drawingml/2006/main" xmlns:r="http://schemas.openxmlformats.org/officeDocument/2006/relationships" xmlns:p="http://schemas.openxmlformats.org/presentationml/2006/main">
+  <p:cSld>
+    <p:spTree>
+      <p:nvGrpSpPr>
+        <p:cNvPr id="1" name=""/>
+        <p:cNvGrpSpPr/>
+        <p:nvPr/>
+      </p:nvGrpSpPr>
+      <p:grpSpPr>
+        <a:xfrm>
+          <a:off x="0" y="0"/>
+          <a:ext cx="0" cy="0"/>
+          <a:chOff x="0" y="0"/>
+          <a:chExt cx="0" cy="0"/>
+        </a:xfrm>
+      </p:grpSpPr>
+      <p:sp>
+        <p:nvSpPr>
+          <p:cNvPr id="2" name="幻灯片图像占位符 1"/>
+          <p:cNvSpPr>
+            <a:spLocks noGrp="1" noRot="1" noChangeAspect="1"/>
+          </p:cNvSpPr>
+          <p:nvPr>
+            <p:ph type="sldImg"/>
+          </p:nvPr>
+        </p:nvSpPr>
+        <p:spPr/>
+      </p:sp>
+      <p:sp>
+        <p:nvSpPr>
+          <p:cNvPr id="3" name="备注占位符 2"/>
+          <p:cNvSpPr>
+            <a:spLocks noGrp="1"/>
+          </p:cNvSpPr>
+          <p:nvPr>
+            <p:ph type="body" idx="1"/>
+          </p:nvPr>
+        </p:nvSpPr>
+        <p:spPr/>
+        <p:txBody>
+          <a:bodyPr/>
+          <a:lstStyle/>
+          <a:p>
+            <a:r>
+              <a:rPr kumimoji="1" lang="en" altLang="zh-CN" dirty="0"/>
+              <a:t>Bounding Box </a:t>
+            </a:r>
+            <a:r>
+              <a:rPr kumimoji="1" lang="zh-CN" altLang="en-US" dirty="0"/>
+              <a:t>使用边界的四个坐标表示，分别是</a:t>
+            </a:r>
+          </a:p>
+          <a:p>
+            <a:r>
+              <a:rPr kumimoji="1" lang="zh-CN" altLang="en-US" dirty="0"/>
+              <a:t>左上、右上、左下、右下</a:t>
+            </a:r>
+          </a:p>
+          <a:p>
+            <a:endParaRPr kumimoji="1" lang="zh-CN" altLang="en-US" dirty="0"/>
+          </a:p>
+          <a:p>
+            <a:r>
+              <a:rPr kumimoji="1" lang="zh-CN" altLang="en-US" dirty="0"/>
+              <a:t>按照这种思路，能不能使用 </a:t>
+            </a:r>
+            <a:r>
+              <a:rPr kumimoji="1" lang="en" altLang="zh-CN" dirty="0"/>
+              <a:t>DNN </a:t>
+            </a:r>
+            <a:r>
+              <a:rPr kumimoji="1" lang="zh-CN" altLang="en-US" dirty="0"/>
+              <a:t>完成这个任务了，例如 </a:t>
+            </a:r>
+            <a:r>
+              <a:rPr kumimoji="1" lang="en" altLang="zh-CN" dirty="0"/>
+              <a:t>DNN </a:t>
+            </a:r>
+            <a:r>
+              <a:rPr kumimoji="1" lang="zh-CN" altLang="en-US" dirty="0"/>
+              <a:t>的输入是 </a:t>
+            </a:r>
+            <a:r>
+              <a:rPr kumimoji="1" lang="en" altLang="zh-CN" dirty="0"/>
+              <a:t>image</a:t>
+            </a:r>
+            <a:r>
+              <a:rPr kumimoji="1" lang="zh-CN" altLang="en" dirty="0"/>
+              <a:t>，</a:t>
+            </a:r>
+            <a:r>
+              <a:rPr kumimoji="1" lang="zh-CN" altLang="en-US" dirty="0"/>
+              <a:t>输出是序列表示 左上、右上、左下、右下</a:t>
+            </a:r>
+          </a:p>
+          <a:p>
+            <a:r>
+              <a:rPr kumimoji="1" lang="zh-CN" altLang="en-US" dirty="0"/>
+              <a:t>使用 </a:t>
+            </a:r>
+            <a:r>
+              <a:rPr kumimoji="1" lang="en" altLang="zh-CN" dirty="0"/>
+              <a:t>DNN </a:t>
+            </a:r>
+            <a:r>
+              <a:rPr kumimoji="1" lang="zh-CN" altLang="en-US" dirty="0"/>
+              <a:t>有一个问题，就是左边界要小于右边界，上边界要小于下边界，而 </a:t>
+            </a:r>
+            <a:r>
+              <a:rPr kumimoji="1" lang="en" altLang="zh-CN" dirty="0"/>
+              <a:t>DNN </a:t>
+            </a:r>
+            <a:r>
+              <a:rPr kumimoji="1" lang="zh-CN" altLang="en-US" dirty="0"/>
+              <a:t>的输出是独立的，无法满足这种限制要求</a:t>
+            </a:r>
+          </a:p>
+          <a:p>
+            <a:endParaRPr kumimoji="1" lang="zh-CN" altLang="en-US" dirty="0"/>
+          </a:p>
+        </p:txBody>
+      </p:sp>
+      <p:sp>
+        <p:nvSpPr>
+          <p:cNvPr id="4" name="灯片编号占位符 3"/>
+          <p:cNvSpPr>
+            <a:spLocks noGrp="1"/>
+          </p:cNvSpPr>
+          <p:nvPr>
+            <p:ph type="sldNum" sz="quarter" idx="5"/>
+          </p:nvPr>
+        </p:nvSpPr>
+        <p:spPr/>
+        <p:txBody>
+          <a:bodyPr/>
+          <a:lstStyle/>
+          <a:p>
+            <a:fld id="{BE6F74E8-D2D3-41D0-B360-93DC08162B57}" type="slidenum">
+              <a:rPr lang="zh-TW" altLang="en-US" smtClean="0"/>
+              <a:t>5</a:t>
+            </a:fld>
+            <a:endParaRPr lang="zh-TW" altLang="en-US"/>
+          </a:p>
+        </p:txBody>
+      </p:sp>
+    </p:spTree>
+    <p:extLst>
+      <p:ext uri="{BB962C8B-B14F-4D97-AF65-F5344CB8AC3E}">
+        <p14:creationId xmlns:p14="http://schemas.microsoft.com/office/powerpoint/2010/main" val="3178397066"/>
+      </p:ext>
+    </p:extLst>
+  </p:cSld>
+  <p:clrMapOvr>
+    <a:masterClrMapping/>
+  </p:clrMapOvr>
+</p:notes>
+</file>
+
+<file path=ppt/notesSlides/notesSlide6.xml><?xml version="1.0" encoding="utf-8"?>
+<p:notes xmlns:a="http://schemas.openxmlformats.org/drawingml/2006/main" xmlns:r="http://schemas.openxmlformats.org/officeDocument/2006/relationships" xmlns:p="http://schemas.openxmlformats.org/presentationml/2006/main">
+  <p:cSld>
+    <p:spTree>
+      <p:nvGrpSpPr>
+        <p:cNvPr id="1" name=""/>
+        <p:cNvGrpSpPr/>
+        <p:nvPr/>
+      </p:nvGrpSpPr>
+      <p:grpSpPr>
+        <a:xfrm>
+          <a:off x="0" y="0"/>
+          <a:ext cx="0" cy="0"/>
+          <a:chOff x="0" y="0"/>
+          <a:chExt cx="0" cy="0"/>
+        </a:xfrm>
+      </p:grpSpPr>
+      <p:sp>
+        <p:nvSpPr>
+          <p:cNvPr id="2" name="投影片圖像版面配置區 1"/>
+          <p:cNvSpPr>
+            <a:spLocks noGrp="1" noRot="1" noChangeAspect="1"/>
+          </p:cNvSpPr>
+          <p:nvPr>
+            <p:ph type="sldImg"/>
+          </p:nvPr>
+        </p:nvSpPr>
+        <p:spPr/>
+      </p:sp>
+      <p:sp>
+        <p:nvSpPr>
+          <p:cNvPr id="3" name="備忘稿版面配置區 2"/>
+          <p:cNvSpPr>
+            <a:spLocks noGrp="1"/>
+          </p:cNvSpPr>
+          <p:nvPr>
+            <p:ph type="body" idx="1"/>
+          </p:nvPr>
+        </p:nvSpPr>
+        <p:spPr/>
+        <p:txBody>
+          <a:bodyPr/>
+          <a:lstStyle/>
+          <a:p>
+            <a:r>
+              <a:rPr lang="en" altLang="zh-TW" dirty="0"/>
+              <a:t>the correctness of taking range of y in x as "</a:t>
+            </a:r>
+            <a:r>
+              <a:rPr lang="en" altLang="zh-TW" dirty="0" err="1"/>
+              <a:t>Haruhi</a:t>
+            </a:r>
+            <a:r>
+              <a:rPr lang="en" altLang="zh-TW" dirty="0"/>
+              <a:t>" </a:t>
+            </a:r>
+            <a:r>
+              <a:rPr lang="zh-TW" altLang="en-US" dirty="0"/>
+              <a:t>将 </a:t>
+            </a:r>
+            <a:r>
+              <a:rPr lang="en" altLang="zh-TW" dirty="0"/>
+              <a:t>y </a:t>
+            </a:r>
+            <a:r>
+              <a:rPr lang="zh-TW" altLang="en-US" dirty="0"/>
+              <a:t>在 </a:t>
+            </a:r>
+            <a:r>
+              <a:rPr lang="en" altLang="zh-TW" dirty="0"/>
+              <a:t>x </a:t>
+            </a:r>
+            <a:r>
+              <a:rPr lang="zh-TW" altLang="en-US" dirty="0"/>
+              <a:t>中的范围取为</a:t>
+            </a:r>
+            <a:r>
+              <a:rPr lang="en-US" altLang="zh-TW" dirty="0"/>
+              <a:t>"</a:t>
+            </a:r>
+            <a:r>
+              <a:rPr lang="en" altLang="zh-TW" dirty="0" err="1"/>
+              <a:t>Haruhi</a:t>
+            </a:r>
+            <a:r>
+              <a:rPr lang="en" altLang="zh-TW" dirty="0"/>
+              <a:t>"</a:t>
+            </a:r>
+            <a:r>
+              <a:rPr lang="zh-TW" altLang="en-US" dirty="0"/>
+              <a:t>的正确性</a:t>
+            </a:r>
+          </a:p>
+          <a:p>
+            <a:endParaRPr lang="zh-TW" altLang="en-US" dirty="0"/>
+          </a:p>
+        </p:txBody>
+      </p:sp>
+      <p:sp>
+        <p:nvSpPr>
+          <p:cNvPr id="4" name="投影片編號版面配置區 3"/>
+          <p:cNvSpPr>
+            <a:spLocks noGrp="1"/>
+          </p:cNvSpPr>
+          <p:nvPr>
+            <p:ph type="sldNum" sz="quarter" idx="10"/>
+          </p:nvPr>
+        </p:nvSpPr>
+        <p:spPr/>
+        <p:txBody>
+          <a:bodyPr/>
+          <a:lstStyle/>
+          <a:p>
+            <a:fld id="{BE6F74E8-D2D3-41D0-B360-93DC08162B57}" type="slidenum">
+              <a:rPr lang="zh-TW" altLang="en-US" smtClean="0"/>
+              <a:t>6</a:t>
+            </a:fld>
+            <a:endParaRPr lang="zh-TW" altLang="en-US"/>
+          </a:p>
+        </p:txBody>
+      </p:sp>
+    </p:spTree>
+    <p:extLst>
+      <p:ext uri="{BB962C8B-B14F-4D97-AF65-F5344CB8AC3E}">
+        <p14:creationId xmlns:p14="http://schemas.microsoft.com/office/powerpoint/2010/main" val="2951718737"/>
+      </p:ext>
+    </p:extLst>
+  </p:cSld>
+  <p:clrMapOvr>
+    <a:masterClrMapping/>
+  </p:clrMapOvr>
+</p:notes>
+</file>
+
+<file path=ppt/notesSlides/notesSlide7.xml><?xml version="1.0" encoding="utf-8"?>
+<p:notes xmlns:a="http://schemas.openxmlformats.org/drawingml/2006/main" xmlns:r="http://schemas.openxmlformats.org/officeDocument/2006/relationships" xmlns:p="http://schemas.openxmlformats.org/presentationml/2006/main">
+  <p:cSld>
+    <p:spTree>
+      <p:nvGrpSpPr>
+        <p:cNvPr id="1" name=""/>
+        <p:cNvGrpSpPr/>
+        <p:nvPr/>
+      </p:nvGrpSpPr>
+      <p:grpSpPr>
+        <a:xfrm>
+          <a:off x="0" y="0"/>
+          <a:ext cx="0" cy="0"/>
+          <a:chOff x="0" y="0"/>
+          <a:chExt cx="0" cy="0"/>
+        </a:xfrm>
+      </p:grpSpPr>
+      <p:sp>
+        <p:nvSpPr>
+          <p:cNvPr id="2" name="投影片圖像版面配置區 1"/>
+          <p:cNvSpPr>
+            <a:spLocks noGrp="1" noRot="1" noChangeAspect="1"/>
+          </p:cNvSpPr>
+          <p:nvPr>
+            <p:ph type="sldImg"/>
+          </p:nvPr>
+        </p:nvSpPr>
+        <p:spPr/>
+      </p:sp>
+      <p:sp>
+        <p:nvSpPr>
+          <p:cNvPr id="3" name="備忘稿版面配置區 2"/>
+          <p:cNvSpPr>
+            <a:spLocks noGrp="1"/>
+          </p:cNvSpPr>
+          <p:nvPr>
+            <p:ph type="body" idx="1"/>
+          </p:nvPr>
+        </p:nvSpPr>
+        <p:spPr/>
+        <p:txBody>
+          <a:bodyPr/>
+          <a:lstStyle/>
+          <a:p>
+            <a:endParaRPr lang="zh-TW" altLang="en-US" dirty="0"/>
+          </a:p>
+        </p:txBody>
+      </p:sp>
+      <p:sp>
+        <p:nvSpPr>
+          <p:cNvPr id="4" name="投影片編號版面配置區 3"/>
+          <p:cNvSpPr>
+            <a:spLocks noGrp="1"/>
+          </p:cNvSpPr>
+          <p:nvPr>
+            <p:ph type="sldNum" sz="quarter" idx="10"/>
+          </p:nvPr>
+        </p:nvSpPr>
+        <p:spPr/>
+        <p:txBody>
+          <a:bodyPr/>
+          <a:lstStyle/>
+          <a:p>
+            <a:fld id="{BE6F74E8-D2D3-41D0-B360-93DC08162B57}" type="slidenum">
+              <a:rPr lang="zh-TW" altLang="en-US" smtClean="0"/>
+              <a:t>7</a:t>
+            </a:fld>
+            <a:endParaRPr lang="zh-TW" altLang="en-US"/>
+          </a:p>
+        </p:txBody>
+      </p:sp>
+    </p:spTree>
+    <p:extLst>
+      <p:ext uri="{BB962C8B-B14F-4D97-AF65-F5344CB8AC3E}">
+        <p14:creationId xmlns:p14="http://schemas.microsoft.com/office/powerpoint/2010/main" val="915080280"/>
+      </p:ext>
+    </p:extLst>
+  </p:cSld>
+  <p:clrMapOvr>
+    <a:masterClrMapping/>
+  </p:clrMapOvr>
+</p:notes>
+</file>
+
+<file path=ppt/notesSlides/notesSlide8.xml><?xml version="1.0" encoding="utf-8"?>
+<p:notes xmlns:a="http://schemas.openxmlformats.org/drawingml/2006/main" xmlns:r="http://schemas.openxmlformats.org/officeDocument/2006/relationships" xmlns:p="http://schemas.openxmlformats.org/presentationml/2006/main">
+  <p:cSld>
+    <p:spTree>
+      <p:nvGrpSpPr>
+        <p:cNvPr id="1" name=""/>
+        <p:cNvGrpSpPr/>
+        <p:nvPr/>
+      </p:nvGrpSpPr>
+      <p:grpSpPr>
+        <a:xfrm>
+          <a:off x="0" y="0"/>
+          <a:ext cx="0" cy="0"/>
+          <a:chOff x="0" y="0"/>
+          <a:chExt cx="0" cy="0"/>
+        </a:xfrm>
+      </p:grpSpPr>
+      <p:sp>
+        <p:nvSpPr>
+          <p:cNvPr id="2" name="投影片圖像版面配置區 1"/>
+          <p:cNvSpPr>
+            <a:spLocks noGrp="1" noRot="1" noChangeAspect="1"/>
+          </p:cNvSpPr>
+          <p:nvPr>
+            <p:ph type="sldImg"/>
+          </p:nvPr>
+        </p:nvSpPr>
+        <p:spPr/>
+      </p:sp>
+      <p:sp>
+        <p:nvSpPr>
+          <p:cNvPr id="3" name="備忘稿版面配置區 2"/>
+          <p:cNvSpPr>
+            <a:spLocks noGrp="1"/>
+          </p:cNvSpPr>
+          <p:nvPr>
+            <p:ph type="body" idx="1"/>
+          </p:nvPr>
+        </p:nvSpPr>
+        <p:spPr/>
+        <p:txBody>
+          <a:bodyPr/>
+          <a:lstStyle/>
+          <a:p>
+            <a:endParaRPr lang="zh-TW" altLang="en-US" dirty="0"/>
+          </a:p>
+        </p:txBody>
+      </p:sp>
+      <p:sp>
+        <p:nvSpPr>
+          <p:cNvPr id="4" name="投影片編號版面配置區 3"/>
+          <p:cNvSpPr>
+            <a:spLocks noGrp="1"/>
+          </p:cNvSpPr>
+          <p:nvPr>
+            <p:ph type="sldNum" sz="quarter" idx="10"/>
+          </p:nvPr>
+        </p:nvSpPr>
+        <p:spPr/>
+        <p:txBody>
+          <a:bodyPr/>
+          <a:lstStyle/>
+          <a:p>
+            <a:fld id="{BE6F74E8-D2D3-41D0-B360-93DC08162B57}" type="slidenum">
+              <a:rPr lang="zh-TW" altLang="en-US" smtClean="0"/>
+              <a:t>9</a:t>
+            </a:fld>
+            <a:endParaRPr lang="zh-TW" altLang="en-US"/>
+          </a:p>
+        </p:txBody>
+      </p:sp>
+    </p:spTree>
+    <p:extLst>
+      <p:ext uri="{BB962C8B-B14F-4D97-AF65-F5344CB8AC3E}">
+        <p14:creationId xmlns:p14="http://schemas.microsoft.com/office/powerpoint/2010/main" val="1402440714"/>
+      </p:ext>
+    </p:extLst>
+  </p:cSld>
+  <p:clrMapOvr>
+    <a:masterClrMapping/>
+  </p:clrMapOvr>
+</p:notes>
+</file>
+
 <file path=ppt/notesSlides/notesSlide9.xml><?xml version="1.0" encoding="utf-8"?>
 <p:notes xmlns:a="http://schemas.openxmlformats.org/drawingml/2006/main" xmlns:r="http://schemas.openxmlformats.org/officeDocument/2006/relationships" xmlns:p="http://schemas.openxmlformats.org/presentationml/2006/main">
   <p:cSld>
@@ -18006,151 +18173,6 @@
           <a:bodyPr/>
           <a:lstStyle/>
           <a:p>
-            <a:pPr marL="0" marR="0" indent="0" algn="l" defTabSz="914400" rtl="0" eaLnBrk="1" fontAlgn="auto" latinLnBrk="0" hangingPunct="1">
-              <a:lnSpc>
-                <a:spcPct val="100000"/>
-              </a:lnSpc>
-              <a:spcBef>
-                <a:spcPts val="0"/>
-              </a:spcBef>
-              <a:spcAft>
-                <a:spcPts val="0"/>
-              </a:spcAft>
-              <a:buClrTx/>
-              <a:buSzTx/>
-              <a:buFontTx/>
-              <a:buNone/>
-              <a:tabLst/>
-              <a:defRPr/>
-            </a:pPr>
-            <a:r>
-              <a:rPr lang="en-US" altLang="zh-TW" sz="1200" dirty="0" smtClean="0">
-                <a:solidFill>
-                  <a:srgbClr val="0000FF"/>
-                </a:solidFill>
-              </a:rPr>
-              <a:t>Statistics give unnecessary constraint. </a:t>
-            </a:r>
-            <a:endParaRPr lang="en-US" altLang="zh-TW" dirty="0" smtClean="0"/>
-          </a:p>
-          <a:p>
-            <a:pPr marL="228600" indent="-228600">
-              <a:buAutoNum type="arabicPeriod"/>
-            </a:pPr>
-            <a:r>
-              <a:rPr lang="en-US" altLang="zh-TW" dirty="0" smtClean="0"/>
-              <a:t>Constraint:</a:t>
-            </a:r>
-            <a:r>
-              <a:rPr lang="en-US" altLang="zh-TW" baseline="0" dirty="0" smtClean="0"/>
-              <a:t> output 0 – 1 is difficult</a:t>
-            </a:r>
-          </a:p>
-          <a:p>
-            <a:pPr marL="228600" indent="-228600">
-              <a:buAutoNum type="arabicPeriod"/>
-            </a:pPr>
-            <a:r>
-              <a:rPr lang="en-US" altLang="zh-TW" baseline="0" dirty="0" smtClean="0"/>
-              <a:t>Probability cannot explain everything</a:t>
-            </a:r>
-          </a:p>
-          <a:p>
-            <a:pPr marL="0" marR="0" indent="0" algn="l" defTabSz="914400" rtl="0" eaLnBrk="1" fontAlgn="auto" latinLnBrk="0" hangingPunct="1">
-              <a:lnSpc>
-                <a:spcPct val="100000"/>
-              </a:lnSpc>
-              <a:spcBef>
-                <a:spcPts val="0"/>
-              </a:spcBef>
-              <a:spcAft>
-                <a:spcPts val="0"/>
-              </a:spcAft>
-              <a:buClrTx/>
-              <a:buSzTx/>
-              <a:buFontTx/>
-              <a:buNone/>
-              <a:tabLst/>
-              <a:defRPr/>
-            </a:pPr>
-            <a:r>
-              <a:rPr lang="en-US" altLang="zh-TW" sz="1200" dirty="0" smtClean="0"/>
-              <a:t>x=keyword, y=search results, what is the meaning of P(</a:t>
-            </a:r>
-            <a:r>
-              <a:rPr lang="en-US" altLang="zh-TW" sz="1200" dirty="0" err="1" smtClean="0"/>
-              <a:t>x,y</a:t>
-            </a:r>
-            <a:r>
-              <a:rPr lang="en-US" altLang="zh-TW" sz="1200" dirty="0" smtClean="0"/>
-              <a:t>)?</a:t>
-            </a:r>
-            <a:endParaRPr lang="zh-TW" altLang="en-US" sz="1200" dirty="0" smtClean="0"/>
-          </a:p>
-          <a:p>
-            <a:pPr marL="228600" indent="-228600">
-              <a:buAutoNum type="arabicPeriod"/>
-            </a:pPr>
-            <a:endParaRPr lang="en-US" altLang="zh-TW" baseline="0" dirty="0" smtClean="0"/>
-          </a:p>
-          <a:p>
-            <a:pPr marL="228600" indent="-228600">
-              <a:buAutoNum type="arabicPeriod"/>
-            </a:pPr>
-            <a:endParaRPr lang="en-US" altLang="zh-TW" baseline="0" dirty="0" smtClean="0"/>
-          </a:p>
-          <a:p>
-            <a:pPr marL="228600" marR="0" indent="-228600" algn="l" defTabSz="914400" rtl="0" eaLnBrk="1" fontAlgn="auto" latinLnBrk="0" hangingPunct="1">
-              <a:lnSpc>
-                <a:spcPct val="100000"/>
-              </a:lnSpc>
-              <a:spcBef>
-                <a:spcPts val="0"/>
-              </a:spcBef>
-              <a:spcAft>
-                <a:spcPts val="0"/>
-              </a:spcAft>
-              <a:buClrTx/>
-              <a:buSzTx/>
-              <a:buFontTx/>
-              <a:buAutoNum type="arabicPeriod"/>
-              <a:tabLst/>
-              <a:defRPr/>
-            </a:pPr>
-            <a:r>
-              <a:rPr lang="en-US" altLang="zh-TW" sz="1200" dirty="0" smtClean="0"/>
-              <a:t>It is hard to estimate the probability</a:t>
-            </a:r>
-            <a:endParaRPr lang="zh-TW" altLang="en-US" sz="1200" dirty="0" smtClean="0"/>
-          </a:p>
-          <a:p>
-            <a:pPr marL="228600" marR="0" indent="-228600" algn="l" defTabSz="914400" rtl="0" eaLnBrk="1" fontAlgn="auto" latinLnBrk="0" hangingPunct="1">
-              <a:lnSpc>
-                <a:spcPct val="100000"/>
-              </a:lnSpc>
-              <a:spcBef>
-                <a:spcPts val="0"/>
-              </a:spcBef>
-              <a:spcAft>
-                <a:spcPts val="0"/>
-              </a:spcAft>
-              <a:buClrTx/>
-              <a:buSzTx/>
-              <a:buFontTx/>
-              <a:buAutoNum type="arabicPeriod"/>
-              <a:tabLst/>
-              <a:defRPr/>
-            </a:pPr>
-            <a:r>
-              <a:rPr lang="en-US" altLang="zh-TW" sz="1200" dirty="0" smtClean="0"/>
-              <a:t>Can not observe the same object twice</a:t>
-            </a:r>
-            <a:endParaRPr lang="zh-TW" altLang="en-US" sz="1200" dirty="0" smtClean="0"/>
-          </a:p>
-          <a:p>
-            <a:pPr marL="228600" indent="-228600">
-              <a:buAutoNum type="arabicPeriod"/>
-            </a:pPr>
             <a:endParaRPr lang="zh-TW" altLang="en-US" dirty="0"/>
           </a:p>
         </p:txBody>
@@ -18172,7 +18194,7 @@
           <a:p>
             <a:fld id="{BE6F74E8-D2D3-41D0-B360-93DC08162B57}" type="slidenum">
               <a:rPr lang="zh-TW" altLang="en-US" smtClean="0"/>
-              <a:t>13</a:t>
+              <a:t>11</a:t>
             </a:fld>
             <a:endParaRPr lang="zh-TW" altLang="en-US"/>
           </a:p>
@@ -18181,7 +18203,7 @@
     </p:spTree>
     <p:extLst>
       <p:ext uri="{BB962C8B-B14F-4D97-AF65-F5344CB8AC3E}">
-        <p14:creationId xmlns:p14="http://schemas.microsoft.com/office/powerpoint/2010/main" val="1804011390"/>
+        <p14:creationId xmlns:p14="http://schemas.microsoft.com/office/powerpoint/2010/main" val="260082754"/>
       </p:ext>
     </p:extLst>
   </p:cSld>
@@ -18233,7 +18255,7 @@
           </a:lstStyle>
           <a:p>
             <a:r>
-              <a:rPr lang="zh-TW" altLang="en-US" smtClean="0"/>
+              <a:rPr lang="zh-TW" altLang="en-US"/>
               <a:t>按一下以編輯母片標題樣式</a:t>
             </a:r>
             <a:endParaRPr lang="en-US" dirty="0"/>
@@ -18298,7 +18320,7 @@
           </a:lstStyle>
           <a:p>
             <a:r>
-              <a:rPr lang="zh-TW" altLang="en-US" smtClean="0"/>
+              <a:rPr lang="zh-TW" altLang="en-US"/>
               <a:t>按一下以編輯母片副標題樣式</a:t>
             </a:r>
             <a:endParaRPr lang="en-US" dirty="0"/>
@@ -18322,7 +18344,7 @@
           <a:p>
             <a:fld id="{5CBE3829-5493-4DDE-A4BA-026E127DFDE3}" type="datetimeFigureOut">
               <a:rPr lang="zh-TW" altLang="en-US" smtClean="0"/>
-              <a:t>2015/10/28</a:t>
+              <a:t>2025/2/6</a:t>
             </a:fld>
             <a:endParaRPr lang="zh-TW" altLang="en-US"/>
           </a:p>
@@ -18416,7 +18438,7 @@
           <a:lstStyle/>
           <a:p>
             <a:r>
-              <a:rPr lang="zh-TW" altLang="en-US" smtClean="0"/>
+              <a:rPr lang="zh-TW" altLang="en-US"/>
               <a:t>按一下以編輯母片標題樣式</a:t>
             </a:r>
             <a:endParaRPr lang="en-US" dirty="0"/>
@@ -18440,35 +18462,35 @@
           <a:p>
             <a:pPr lvl="0"/>
             <a:r>
-              <a:rPr lang="zh-TW" altLang="en-US" smtClean="0"/>
+              <a:rPr lang="zh-TW" altLang="en-US"/>
               <a:t>按一下以編輯母片文字樣式</a:t>
             </a:r>
           </a:p>
           <a:p>
             <a:pPr lvl="1"/>
             <a:r>
-              <a:rPr lang="zh-TW" altLang="en-US" smtClean="0"/>
+              <a:rPr lang="zh-TW" altLang="en-US"/>
               <a:t>第二層</a:t>
             </a:r>
           </a:p>
           <a:p>
             <a:pPr lvl="2"/>
             <a:r>
-              <a:rPr lang="zh-TW" altLang="en-US" smtClean="0"/>
+              <a:rPr lang="zh-TW" altLang="en-US"/>
               <a:t>第三層</a:t>
             </a:r>
           </a:p>
           <a:p>
             <a:pPr lvl="3"/>
             <a:r>
-              <a:rPr lang="zh-TW" altLang="en-US" smtClean="0"/>
+              <a:rPr lang="zh-TW" altLang="en-US"/>
               <a:t>第四層</a:t>
             </a:r>
           </a:p>
           <a:p>
             <a:pPr lvl="4"/>
             <a:r>
-              <a:rPr lang="zh-TW" altLang="en-US" smtClean="0"/>
+              <a:rPr lang="zh-TW" altLang="en-US"/>
               <a:t>第五層</a:t>
             </a:r>
             <a:endParaRPr lang="en-US" dirty="0"/>
@@ -18492,7 +18514,7 @@
           <a:p>
             <a:fld id="{5CBE3829-5493-4DDE-A4BA-026E127DFDE3}" type="datetimeFigureOut">
               <a:rPr lang="zh-TW" altLang="en-US" smtClean="0"/>
-              <a:t>2015/10/28</a:t>
+              <a:t>2025/2/6</a:t>
             </a:fld>
             <a:endParaRPr lang="zh-TW" altLang="en-US"/>
           </a:p>
@@ -18591,7 +18613,7 @@
           <a:lstStyle/>
           <a:p>
             <a:r>
-              <a:rPr lang="zh-TW" altLang="en-US" smtClean="0"/>
+              <a:rPr lang="zh-TW" altLang="en-US"/>
               <a:t>按一下以編輯母片標題樣式</a:t>
             </a:r>
             <a:endParaRPr lang="en-US" dirty="0"/>
@@ -18620,35 +18642,35 @@
           <a:p>
             <a:pPr lvl="0"/>
             <a:r>
-              <a:rPr lang="zh-TW" altLang="en-US" smtClean="0"/>
+              <a:rPr lang="zh-TW" altLang="en-US"/>
               <a:t>按一下以編輯母片文字樣式</a:t>
             </a:r>
           </a:p>
           <a:p>
             <a:pPr lvl="1"/>
             <a:r>
-              <a:rPr lang="zh-TW" altLang="en-US" smtClean="0"/>
+              <a:rPr lang="zh-TW" altLang="en-US"/>
               <a:t>第二層</a:t>
             </a:r>
           </a:p>
           <a:p>
             <a:pPr lvl="2"/>
             <a:r>
-              <a:rPr lang="zh-TW" altLang="en-US" smtClean="0"/>
+              <a:rPr lang="zh-TW" altLang="en-US"/>
               <a:t>第三層</a:t>
             </a:r>
           </a:p>
           <a:p>
             <a:pPr lvl="3"/>
             <a:r>
-              <a:rPr lang="zh-TW" altLang="en-US" smtClean="0"/>
+              <a:rPr lang="zh-TW" altLang="en-US"/>
               <a:t>第四層</a:t>
             </a:r>
           </a:p>
           <a:p>
             <a:pPr lvl="4"/>
             <a:r>
-              <a:rPr lang="zh-TW" altLang="en-US" smtClean="0"/>
+              <a:rPr lang="zh-TW" altLang="en-US"/>
               <a:t>第五層</a:t>
             </a:r>
             <a:endParaRPr lang="en-US" dirty="0"/>
@@ -18672,7 +18694,7 @@
           <a:p>
             <a:fld id="{5CBE3829-5493-4DDE-A4BA-026E127DFDE3}" type="datetimeFigureOut">
               <a:rPr lang="zh-TW" altLang="en-US" smtClean="0"/>
-              <a:t>2015/10/28</a:t>
+              <a:t>2025/2/6</a:t>
             </a:fld>
             <a:endParaRPr lang="zh-TW" altLang="en-US"/>
           </a:p>
@@ -18766,7 +18788,7 @@
           <a:lstStyle/>
           <a:p>
             <a:r>
-              <a:rPr lang="zh-TW" altLang="en-US" smtClean="0"/>
+              <a:rPr lang="zh-TW" altLang="en-US"/>
               <a:t>按一下以編輯母片標題樣式</a:t>
             </a:r>
             <a:endParaRPr lang="en-US" dirty="0"/>
@@ -18790,35 +18812,35 @@
           <a:p>
             <a:pPr lvl="0"/>
             <a:r>
-              <a:rPr lang="zh-TW" altLang="en-US" smtClean="0"/>
+              <a:rPr lang="zh-TW" altLang="en-US"/>
               <a:t>按一下以編輯母片文字樣式</a:t>
             </a:r>
           </a:p>
           <a:p>
             <a:pPr lvl="1"/>
             <a:r>
-              <a:rPr lang="zh-TW" altLang="en-US" smtClean="0"/>
+              <a:rPr lang="zh-TW" altLang="en-US"/>
               <a:t>第二層</a:t>
             </a:r>
           </a:p>
           <a:p>
             <a:pPr lvl="2"/>
             <a:r>
-              <a:rPr lang="zh-TW" altLang="en-US" smtClean="0"/>
+              <a:rPr lang="zh-TW" altLang="en-US"/>
               <a:t>第三層</a:t>
             </a:r>
           </a:p>
           <a:p>
             <a:pPr lvl="3"/>
             <a:r>
-              <a:rPr lang="zh-TW" altLang="en-US" smtClean="0"/>
+              <a:rPr lang="zh-TW" altLang="en-US"/>
               <a:t>第四層</a:t>
             </a:r>
           </a:p>
           <a:p>
             <a:pPr lvl="4"/>
             <a:r>
-              <a:rPr lang="zh-TW" altLang="en-US" smtClean="0"/>
+              <a:rPr lang="zh-TW" altLang="en-US"/>
               <a:t>第五層</a:t>
             </a:r>
             <a:endParaRPr lang="en-US" dirty="0"/>
@@ -18842,7 +18864,7 @@
           <a:p>
             <a:fld id="{5CBE3829-5493-4DDE-A4BA-026E127DFDE3}" type="datetimeFigureOut">
               <a:rPr lang="zh-TW" altLang="en-US" smtClean="0"/>
-              <a:t>2015/10/28</a:t>
+              <a:t>2025/2/6</a:t>
             </a:fld>
             <a:endParaRPr lang="zh-TW" altLang="en-US"/>
           </a:p>
@@ -18945,7 +18967,7 @@
           </a:lstStyle>
           <a:p>
             <a:r>
-              <a:rPr lang="zh-TW" altLang="en-US" smtClean="0"/>
+              <a:rPr lang="zh-TW" altLang="en-US"/>
               <a:t>按一下以編輯母片標題樣式</a:t>
             </a:r>
             <a:endParaRPr lang="en-US" dirty="0"/>
@@ -19063,7 +19085,7 @@
           <a:p>
             <a:pPr lvl="0"/>
             <a:r>
-              <a:rPr lang="zh-TW" altLang="en-US" smtClean="0"/>
+              <a:rPr lang="zh-TW" altLang="en-US"/>
               <a:t>按一下以編輯母片文字樣式</a:t>
             </a:r>
           </a:p>
@@ -19086,7 +19108,7 @@
           <a:p>
             <a:fld id="{5CBE3829-5493-4DDE-A4BA-026E127DFDE3}" type="datetimeFigureOut">
               <a:rPr lang="zh-TW" altLang="en-US" smtClean="0"/>
-              <a:t>2015/10/28</a:t>
+              <a:t>2025/2/6</a:t>
             </a:fld>
             <a:endParaRPr lang="zh-TW" altLang="en-US"/>
           </a:p>
@@ -19180,7 +19202,7 @@
           <a:lstStyle/>
           <a:p>
             <a:r>
-              <a:rPr lang="zh-TW" altLang="en-US" smtClean="0"/>
+              <a:rPr lang="zh-TW" altLang="en-US"/>
               <a:t>按一下以編輯母片標題樣式</a:t>
             </a:r>
             <a:endParaRPr lang="en-US" dirty="0"/>
@@ -19209,35 +19231,35 @@
           <a:p>
             <a:pPr lvl="0"/>
             <a:r>
-              <a:rPr lang="zh-TW" altLang="en-US" smtClean="0"/>
+              <a:rPr lang="zh-TW" altLang="en-US"/>
               <a:t>按一下以編輯母片文字樣式</a:t>
             </a:r>
           </a:p>
           <a:p>
             <a:pPr lvl="1"/>
             <a:r>
-              <a:rPr lang="zh-TW" altLang="en-US" smtClean="0"/>
+              <a:rPr lang="zh-TW" altLang="en-US"/>
               <a:t>第二層</a:t>
             </a:r>
           </a:p>
           <a:p>
             <a:pPr lvl="2"/>
             <a:r>
-              <a:rPr lang="zh-TW" altLang="en-US" smtClean="0"/>
+              <a:rPr lang="zh-TW" altLang="en-US"/>
               <a:t>第三層</a:t>
             </a:r>
           </a:p>
           <a:p>
             <a:pPr lvl="3"/>
             <a:r>
-              <a:rPr lang="zh-TW" altLang="en-US" smtClean="0"/>
+              <a:rPr lang="zh-TW" altLang="en-US"/>
               <a:t>第四層</a:t>
             </a:r>
           </a:p>
           <a:p>
             <a:pPr lvl="4"/>
             <a:r>
-              <a:rPr lang="zh-TW" altLang="en-US" smtClean="0"/>
+              <a:rPr lang="zh-TW" altLang="en-US"/>
               <a:t>第五層</a:t>
             </a:r>
             <a:endParaRPr lang="en-US" dirty="0"/>
@@ -19266,35 +19288,35 @@
           <a:p>
             <a:pPr lvl="0"/>
             <a:r>
-              <a:rPr lang="zh-TW" altLang="en-US" smtClean="0"/>
+              <a:rPr lang="zh-TW" altLang="en-US"/>
               <a:t>按一下以編輯母片文字樣式</a:t>
             </a:r>
           </a:p>
           <a:p>
             <a:pPr lvl="1"/>
             <a:r>
-              <a:rPr lang="zh-TW" altLang="en-US" smtClean="0"/>
+              <a:rPr lang="zh-TW" altLang="en-US"/>
               <a:t>第二層</a:t>
             </a:r>
           </a:p>
           <a:p>
             <a:pPr lvl="2"/>
             <a:r>
-              <a:rPr lang="zh-TW" altLang="en-US" smtClean="0"/>
+              <a:rPr lang="zh-TW" altLang="en-US"/>
               <a:t>第三層</a:t>
             </a:r>
           </a:p>
           <a:p>
             <a:pPr lvl="3"/>
             <a:r>
-              <a:rPr lang="zh-TW" altLang="en-US" smtClean="0"/>
+              <a:rPr lang="zh-TW" altLang="en-US"/>
               <a:t>第四層</a:t>
             </a:r>
           </a:p>
           <a:p>
             <a:pPr lvl="4"/>
             <a:r>
-              <a:rPr lang="zh-TW" altLang="en-US" smtClean="0"/>
+              <a:rPr lang="zh-TW" altLang="en-US"/>
               <a:t>第五層</a:t>
             </a:r>
             <a:endParaRPr lang="en-US" dirty="0"/>
@@ -19318,7 +19340,7 @@
           <a:p>
             <a:fld id="{5CBE3829-5493-4DDE-A4BA-026E127DFDE3}" type="datetimeFigureOut">
               <a:rPr lang="zh-TW" altLang="en-US" smtClean="0"/>
-              <a:t>2015/10/28</a:t>
+              <a:t>2025/2/6</a:t>
             </a:fld>
             <a:endParaRPr lang="zh-TW" altLang="en-US"/>
           </a:p>
@@ -19417,7 +19439,7 @@
           <a:lstStyle/>
           <a:p>
             <a:r>
-              <a:rPr lang="zh-TW" altLang="en-US" smtClean="0"/>
+              <a:rPr lang="zh-TW" altLang="en-US"/>
               <a:t>按一下以編輯母片標題樣式</a:t>
             </a:r>
             <a:endParaRPr lang="en-US" dirty="0"/>
@@ -19483,7 +19505,7 @@
           <a:p>
             <a:pPr lvl="0"/>
             <a:r>
-              <a:rPr lang="zh-TW" altLang="en-US" smtClean="0"/>
+              <a:rPr lang="zh-TW" altLang="en-US"/>
               <a:t>按一下以編輯母片文字樣式</a:t>
             </a:r>
           </a:p>
@@ -19511,35 +19533,35 @@
           <a:p>
             <a:pPr lvl="0"/>
             <a:r>
-              <a:rPr lang="zh-TW" altLang="en-US" smtClean="0"/>
+              <a:rPr lang="zh-TW" altLang="en-US"/>
               <a:t>按一下以編輯母片文字樣式</a:t>
             </a:r>
           </a:p>
           <a:p>
             <a:pPr lvl="1"/>
             <a:r>
-              <a:rPr lang="zh-TW" altLang="en-US" smtClean="0"/>
+              <a:rPr lang="zh-TW" altLang="en-US"/>
               <a:t>第二層</a:t>
             </a:r>
           </a:p>
           <a:p>
             <a:pPr lvl="2"/>
             <a:r>
-              <a:rPr lang="zh-TW" altLang="en-US" smtClean="0"/>
+              <a:rPr lang="zh-TW" altLang="en-US"/>
               <a:t>第三層</a:t>
             </a:r>
           </a:p>
           <a:p>
             <a:pPr lvl="3"/>
             <a:r>
-              <a:rPr lang="zh-TW" altLang="en-US" smtClean="0"/>
+              <a:rPr lang="zh-TW" altLang="en-US"/>
               <a:t>第四層</a:t>
             </a:r>
           </a:p>
           <a:p>
             <a:pPr lvl="4"/>
             <a:r>
-              <a:rPr lang="zh-TW" altLang="en-US" smtClean="0"/>
+              <a:rPr lang="zh-TW" altLang="en-US"/>
               <a:t>第五層</a:t>
             </a:r>
             <a:endParaRPr lang="en-US" dirty="0"/>
@@ -19605,7 +19627,7 @@
           <a:p>
             <a:pPr lvl="0"/>
             <a:r>
-              <a:rPr lang="zh-TW" altLang="en-US" smtClean="0"/>
+              <a:rPr lang="zh-TW" altLang="en-US"/>
               <a:t>按一下以編輯母片文字樣式</a:t>
             </a:r>
           </a:p>
@@ -19633,35 +19655,35 @@
           <a:p>
             <a:pPr lvl="0"/>
             <a:r>
-              <a:rPr lang="zh-TW" altLang="en-US" smtClean="0"/>
+              <a:rPr lang="zh-TW" altLang="en-US"/>
               <a:t>按一下以編輯母片文字樣式</a:t>
             </a:r>
           </a:p>
           <a:p>
             <a:pPr lvl="1"/>
             <a:r>
-              <a:rPr lang="zh-TW" altLang="en-US" smtClean="0"/>
+              <a:rPr lang="zh-TW" altLang="en-US"/>
               <a:t>第二層</a:t>
             </a:r>
           </a:p>
           <a:p>
             <a:pPr lvl="2"/>
             <a:r>
-              <a:rPr lang="zh-TW" altLang="en-US" smtClean="0"/>
+              <a:rPr lang="zh-TW" altLang="en-US"/>
               <a:t>第三層</a:t>
             </a:r>
           </a:p>
           <a:p>
             <a:pPr lvl="3"/>
             <a:r>
-              <a:rPr lang="zh-TW" altLang="en-US" smtClean="0"/>
+              <a:rPr lang="zh-TW" altLang="en-US"/>
               <a:t>第四層</a:t>
             </a:r>
           </a:p>
           <a:p>
             <a:pPr lvl="4"/>
             <a:r>
-              <a:rPr lang="zh-TW" altLang="en-US" smtClean="0"/>
+              <a:rPr lang="zh-TW" altLang="en-US"/>
               <a:t>第五層</a:t>
             </a:r>
             <a:endParaRPr lang="en-US" dirty="0"/>
@@ -19685,7 +19707,7 @@
           <a:p>
             <a:fld id="{5CBE3829-5493-4DDE-A4BA-026E127DFDE3}" type="datetimeFigureOut">
               <a:rPr lang="zh-TW" altLang="en-US" smtClean="0"/>
-              <a:t>2015/10/28</a:t>
+              <a:t>2025/2/6</a:t>
             </a:fld>
             <a:endParaRPr lang="zh-TW" altLang="en-US"/>
           </a:p>
@@ -19779,7 +19801,7 @@
           <a:lstStyle/>
           <a:p>
             <a:r>
-              <a:rPr lang="zh-TW" altLang="en-US" smtClean="0"/>
+              <a:rPr lang="zh-TW" altLang="en-US"/>
               <a:t>按一下以編輯母片標題樣式</a:t>
             </a:r>
             <a:endParaRPr lang="en-US" dirty="0"/>
@@ -19803,7 +19825,7 @@
           <a:p>
             <a:fld id="{5CBE3829-5493-4DDE-A4BA-026E127DFDE3}" type="datetimeFigureOut">
               <a:rPr lang="zh-TW" altLang="en-US" smtClean="0"/>
-              <a:t>2015/10/28</a:t>
+              <a:t>2025/2/6</a:t>
             </a:fld>
             <a:endParaRPr lang="zh-TW" altLang="en-US"/>
           </a:p>
@@ -19898,7 +19920,7 @@
           <a:p>
             <a:fld id="{5CBE3829-5493-4DDE-A4BA-026E127DFDE3}" type="datetimeFigureOut">
               <a:rPr lang="zh-TW" altLang="en-US" smtClean="0"/>
-              <a:t>2015/10/28</a:t>
+              <a:t>2025/2/6</a:t>
             </a:fld>
             <a:endParaRPr lang="zh-TW" altLang="en-US"/>
           </a:p>
@@ -20001,7 +20023,7 @@
           </a:lstStyle>
           <a:p>
             <a:r>
-              <a:rPr lang="zh-TW" altLang="en-US" smtClean="0"/>
+              <a:rPr lang="zh-TW" altLang="en-US"/>
               <a:t>按一下以編輯母片標題樣式</a:t>
             </a:r>
             <a:endParaRPr lang="en-US" dirty="0"/>
@@ -20058,35 +20080,35 @@
           <a:p>
             <a:pPr lvl="0"/>
             <a:r>
-              <a:rPr lang="zh-TW" altLang="en-US" smtClean="0"/>
+              <a:rPr lang="zh-TW" altLang="en-US"/>
               <a:t>按一下以編輯母片文字樣式</a:t>
             </a:r>
           </a:p>
           <a:p>
             <a:pPr lvl="1"/>
             <a:r>
-              <a:rPr lang="zh-TW" altLang="en-US" smtClean="0"/>
+              <a:rPr lang="zh-TW" altLang="en-US"/>
               <a:t>第二層</a:t>
             </a:r>
           </a:p>
           <a:p>
             <a:pPr lvl="2"/>
             <a:r>
-              <a:rPr lang="zh-TW" altLang="en-US" smtClean="0"/>
+              <a:rPr lang="zh-TW" altLang="en-US"/>
               <a:t>第三層</a:t>
             </a:r>
           </a:p>
           <a:p>
             <a:pPr lvl="3"/>
             <a:r>
-              <a:rPr lang="zh-TW" altLang="en-US" smtClean="0"/>
+              <a:rPr lang="zh-TW" altLang="en-US"/>
               <a:t>第四層</a:t>
             </a:r>
           </a:p>
           <a:p>
             <a:pPr lvl="4"/>
             <a:r>
-              <a:rPr lang="zh-TW" altLang="en-US" smtClean="0"/>
+              <a:rPr lang="zh-TW" altLang="en-US"/>
               <a:t>第五層</a:t>
             </a:r>
             <a:endParaRPr lang="en-US" dirty="0"/>
@@ -20152,7 +20174,7 @@
           <a:p>
             <a:pPr lvl="0"/>
             <a:r>
-              <a:rPr lang="zh-TW" altLang="en-US" smtClean="0"/>
+              <a:rPr lang="zh-TW" altLang="en-US"/>
               <a:t>按一下以編輯母片文字樣式</a:t>
             </a:r>
           </a:p>
@@ -20175,7 +20197,7 @@
           <a:p>
             <a:fld id="{5CBE3829-5493-4DDE-A4BA-026E127DFDE3}" type="datetimeFigureOut">
               <a:rPr lang="zh-TW" altLang="en-US" smtClean="0"/>
-              <a:t>2015/10/28</a:t>
+              <a:t>2025/2/6</a:t>
             </a:fld>
             <a:endParaRPr lang="zh-TW" altLang="en-US"/>
           </a:p>
@@ -20278,7 +20300,7 @@
           </a:lstStyle>
           <a:p>
             <a:r>
-              <a:rPr lang="zh-TW" altLang="en-US" smtClean="0"/>
+              <a:rPr lang="zh-TW" altLang="en-US"/>
               <a:t>按一下以編輯母片標題樣式</a:t>
             </a:r>
             <a:endParaRPr lang="en-US" dirty="0"/>
@@ -20343,7 +20365,7 @@
           </a:lstStyle>
           <a:p>
             <a:r>
-              <a:rPr lang="zh-TW" altLang="en-US" smtClean="0"/>
+              <a:rPr lang="zh-TW" altLang="en-US"/>
               <a:t>按一下圖示以新增圖片</a:t>
             </a:r>
             <a:endParaRPr lang="en-US" dirty="0"/>
@@ -20409,7 +20431,7 @@
           <a:p>
             <a:pPr lvl="0"/>
             <a:r>
-              <a:rPr lang="zh-TW" altLang="en-US" smtClean="0"/>
+              <a:rPr lang="zh-TW" altLang="en-US"/>
               <a:t>按一下以編輯母片文字樣式</a:t>
             </a:r>
           </a:p>
@@ -20432,7 +20454,7 @@
           <a:p>
             <a:fld id="{5CBE3829-5493-4DDE-A4BA-026E127DFDE3}" type="datetimeFigureOut">
               <a:rPr lang="zh-TW" altLang="en-US" smtClean="0"/>
-              <a:t>2015/10/28</a:t>
+              <a:t>2025/2/6</a:t>
             </a:fld>
             <a:endParaRPr lang="zh-TW" altLang="en-US"/>
           </a:p>
@@ -20541,7 +20563,7 @@
           <a:lstStyle/>
           <a:p>
             <a:r>
-              <a:rPr lang="zh-TW" altLang="en-US" smtClean="0"/>
+              <a:rPr lang="zh-TW" altLang="en-US"/>
               <a:t>按一下以編輯母片標題樣式</a:t>
             </a:r>
             <a:endParaRPr lang="en-US" dirty="0"/>
@@ -20575,35 +20597,35 @@
           <a:p>
             <a:pPr lvl="0"/>
             <a:r>
-              <a:rPr lang="zh-TW" altLang="en-US" smtClean="0"/>
+              <a:rPr lang="zh-TW" altLang="en-US"/>
               <a:t>按一下以編輯母片文字樣式</a:t>
             </a:r>
           </a:p>
           <a:p>
             <a:pPr lvl="1"/>
             <a:r>
-              <a:rPr lang="zh-TW" altLang="en-US" smtClean="0"/>
+              <a:rPr lang="zh-TW" altLang="en-US"/>
               <a:t>第二層</a:t>
             </a:r>
           </a:p>
           <a:p>
             <a:pPr lvl="2"/>
             <a:r>
-              <a:rPr lang="zh-TW" altLang="en-US" smtClean="0"/>
+              <a:rPr lang="zh-TW" altLang="en-US"/>
               <a:t>第三層</a:t>
             </a:r>
           </a:p>
           <a:p>
             <a:pPr lvl="3"/>
             <a:r>
-              <a:rPr lang="zh-TW" altLang="en-US" smtClean="0"/>
+              <a:rPr lang="zh-TW" altLang="en-US"/>
               <a:t>第四層</a:t>
             </a:r>
           </a:p>
           <a:p>
             <a:pPr lvl="4"/>
             <a:r>
-              <a:rPr lang="zh-TW" altLang="en-US" smtClean="0"/>
+              <a:rPr lang="zh-TW" altLang="en-US"/>
               <a:t>第五層</a:t>
             </a:r>
             <a:endParaRPr lang="en-US" dirty="0"/>
@@ -20645,7 +20667,7 @@
           <a:p>
             <a:fld id="{5CBE3829-5493-4DDE-A4BA-026E127DFDE3}" type="datetimeFigureOut">
               <a:rPr lang="zh-TW" altLang="en-US" smtClean="0"/>
-              <a:t>2015/10/28</a:t>
+              <a:t>2025/2/6</a:t>
             </a:fld>
             <a:endParaRPr lang="zh-TW" altLang="en-US"/>
           </a:p>
@@ -21068,7 +21090,7 @@
           <a:lstStyle/>
           <a:p>
             <a:r>
-              <a:rPr lang="en-US" altLang="zh-TW" dirty="0" smtClean="0">
+              <a:rPr lang="en-US" altLang="zh-TW" dirty="0">
                 <a:solidFill>
                   <a:srgbClr val="0000FF"/>
                 </a:solidFill>
@@ -21076,7 +21098,7 @@
               <a:t>Introduction of </a:t>
             </a:r>
             <a:br>
-              <a:rPr lang="en-US" altLang="zh-TW" dirty="0" smtClean="0">
+              <a:rPr lang="en-US" altLang="zh-TW" dirty="0">
                 <a:solidFill>
                   <a:srgbClr val="0000FF"/>
                 </a:solidFill>
@@ -21116,7 +21138,7 @@
           <a:lstStyle/>
           <a:p>
             <a:r>
-              <a:rPr lang="en-US" altLang="zh-TW" sz="3600" dirty="0" smtClean="0"/>
+              <a:rPr lang="en-US" altLang="zh-TW" sz="3600" dirty="0"/>
               <a:t>Hung-yi Lee</a:t>
             </a:r>
             <a:endParaRPr lang="zh-TW" altLang="en-US" sz="3600" dirty="0"/>
@@ -21133,13 +21155,6 @@
   <p:clrMapOvr>
     <a:masterClrMapping/>
   </p:clrMapOvr>
-  <p:timing>
-    <p:tnLst>
-      <p:par>
-        <p:cTn id="1" dur="indefinite" restart="never" nodeType="tmRoot"/>
-      </p:par>
-    </p:tnLst>
-  </p:timing>
 </p:sld>
 </file>
 
@@ -21179,15 +21194,11 @@
               <a:rPr lang="en-US" altLang="zh-TW" dirty="0"/>
               <a:t>Unified Framework </a:t>
             </a:r>
-            <a:r>
-              <a:rPr lang="en-US" altLang="zh-TW" dirty="0" smtClean="0"/>
-              <a:t/>
-            </a:r>
             <a:br>
-              <a:rPr lang="en-US" altLang="zh-TW" dirty="0" smtClean="0"/>
+              <a:rPr lang="en-US" altLang="zh-TW" dirty="0"/>
             </a:br>
             <a:r>
-              <a:rPr lang="en-US" altLang="zh-TW" dirty="0" smtClean="0"/>
+              <a:rPr lang="en-US" altLang="zh-TW" dirty="0"/>
               <a:t>- Retrieval</a:t>
             </a:r>
             <a:endParaRPr lang="zh-TW" altLang="en-US" dirty="0"/>
@@ -21215,29 +21226,29 @@
           <a:lstStyle/>
           <a:p>
             <a:r>
-              <a:rPr lang="en-US" altLang="zh-TW" dirty="0" smtClean="0"/>
+              <a:rPr lang="en-US" altLang="zh-TW" dirty="0"/>
               <a:t>Task description</a:t>
             </a:r>
           </a:p>
           <a:p>
             <a:pPr lvl="1"/>
             <a:r>
-              <a:rPr lang="en-US" altLang="zh-TW" dirty="0" smtClean="0"/>
+              <a:rPr lang="en-US" altLang="zh-TW" dirty="0"/>
               <a:t>User input a keyword Q</a:t>
             </a:r>
           </a:p>
           <a:p>
             <a:pPr lvl="1"/>
             <a:r>
-              <a:rPr lang="en-US" altLang="zh-TW" dirty="0" smtClean="0"/>
+              <a:rPr lang="en-US" altLang="zh-TW" dirty="0"/>
               <a:t>System returns a </a:t>
             </a:r>
             <a:r>
-              <a:rPr lang="en-US" altLang="zh-TW" b="1" i="1" dirty="0" smtClean="0"/>
+              <a:rPr lang="en-US" altLang="zh-TW" b="1" i="1" dirty="0"/>
               <a:t>list</a:t>
             </a:r>
             <a:r>
-              <a:rPr lang="en-US" altLang="zh-TW" dirty="0" smtClean="0"/>
+              <a:rPr lang="en-US" altLang="zh-TW" dirty="0"/>
               <a:t> of web pages</a:t>
             </a:r>
             <a:endParaRPr lang="zh-TW" altLang="en-US" dirty="0"/>
@@ -21296,7 +21307,7 @@
           <a:lstStyle/>
           <a:p>
             <a:r>
-              <a:rPr lang="en-US" altLang="zh-TW" sz="2400" dirty="0" smtClean="0"/>
+              <a:rPr lang="en-US" altLang="zh-TW" sz="2400" dirty="0"/>
               <a:t>(keyword)</a:t>
             </a:r>
             <a:endParaRPr lang="zh-TW" altLang="en-US" sz="2400" dirty="0"/>
@@ -21327,7 +21338,7 @@
           <a:p>
             <a:pPr algn="ctr"/>
             <a:r>
-              <a:rPr lang="en-US" altLang="zh-TW" sz="2400" dirty="0" smtClean="0"/>
+              <a:rPr lang="en-US" altLang="zh-TW" sz="2400" dirty="0"/>
               <a:t>d10011</a:t>
             </a:r>
             <a:endParaRPr lang="zh-TW" altLang="en-US" sz="2400" dirty="0"/>
@@ -21357,7 +21368,7 @@
           <a:lstStyle/>
           <a:p>
             <a:r>
-              <a:rPr lang="en-US" altLang="zh-TW" sz="2800" dirty="0" smtClean="0"/>
+              <a:rPr lang="en-US" altLang="zh-TW" sz="2800" dirty="0"/>
               <a:t>“Obama”</a:t>
             </a:r>
             <a:endParaRPr lang="zh-TW" altLang="en-US" sz="2800" dirty="0"/>
@@ -21386,7 +21397,7 @@
           <a:graphicData uri="http://schemas.openxmlformats.org/presentationml/2006/ole">
             <mc:AlternateContent xmlns:mc="http://schemas.openxmlformats.org/markup-compatibility/2006">
               <mc:Choice xmlns:v="urn:schemas-microsoft-com:vml" Requires="v">
-                <p:oleObj spid="_x0000_s15820" name="方程式" r:id="rId4" imgW="177480" imgH="164880" progId="Equation.3">
+                <p:oleObj spid="_x0000_s15952" name="方程式" r:id="rId4" imgW="177480" imgH="164880" progId="Equation.3">
                   <p:embed/>
                 </p:oleObj>
               </mc:Choice>
@@ -21417,7 +21428,6 @@
                         <a:avLst/>
                       </a:prstGeom>
                       <a:noFill/>
-                      <a:extLst/>
                     </p:spPr>
                   </p:pic>
                 </p:oleObj>
@@ -21448,7 +21458,7 @@
           <a:graphicData uri="http://schemas.openxmlformats.org/presentationml/2006/ole">
             <mc:AlternateContent xmlns:mc="http://schemas.openxmlformats.org/markup-compatibility/2006">
               <mc:Choice xmlns:v="urn:schemas-microsoft-com:vml" Requires="v">
-                <p:oleObj spid="_x0000_s15821" name="方程式" r:id="rId6" imgW="164880" imgH="164880" progId="Equation.3">
+                <p:oleObj spid="_x0000_s15953" name="方程式" r:id="rId6" imgW="164880" imgH="164880" progId="Equation.3">
                   <p:embed/>
                 </p:oleObj>
               </mc:Choice>
@@ -21479,7 +21489,6 @@
                         <a:avLst/>
                       </a:prstGeom>
                       <a:noFill/>
-                      <a:extLst/>
                     </p:spPr>
                   </p:pic>
                 </p:oleObj>
@@ -21548,7 +21557,7 @@
           <a:p>
             <a:pPr algn="ctr"/>
             <a:r>
-              <a:rPr lang="en-US" altLang="zh-TW" sz="2400" dirty="0" smtClean="0"/>
+              <a:rPr lang="en-US" altLang="zh-TW" sz="2400" dirty="0"/>
               <a:t>d98776</a:t>
             </a:r>
             <a:endParaRPr lang="zh-TW" altLang="en-US" sz="2400" dirty="0"/>
@@ -21578,7 +21587,7 @@
           <a:lstStyle/>
           <a:p>
             <a:r>
-              <a:rPr lang="en-US" altLang="zh-TW" sz="2400" dirty="0" smtClean="0"/>
+              <a:rPr lang="en-US" altLang="zh-TW" sz="2400" dirty="0"/>
               <a:t>A list of web pages (Search Result)</a:t>
             </a:r>
             <a:endParaRPr lang="zh-TW" altLang="en-US" sz="2400" dirty="0"/>
@@ -21609,7 +21618,7 @@
           <a:p>
             <a:pPr algn="ctr"/>
             <a:r>
-              <a:rPr lang="en-US" altLang="zh-TW" sz="2400" dirty="0" smtClean="0"/>
+              <a:rPr lang="en-US" altLang="zh-TW" sz="2400" dirty="0"/>
               <a:t>……</a:t>
             </a:r>
             <a:endParaRPr lang="zh-TW" altLang="en-US" sz="2400" dirty="0"/>
@@ -22108,15 +22117,11 @@
               <a:rPr lang="en-US" altLang="zh-TW" dirty="0"/>
               <a:t>Unified Framework </a:t>
             </a:r>
-            <a:r>
-              <a:rPr lang="en-US" altLang="zh-TW" dirty="0" smtClean="0"/>
-              <a:t/>
-            </a:r>
             <a:br>
-              <a:rPr lang="en-US" altLang="zh-TW" dirty="0" smtClean="0"/>
+              <a:rPr lang="en-US" altLang="zh-TW" dirty="0"/>
             </a:br>
             <a:r>
-              <a:rPr lang="en-US" altLang="zh-TW" dirty="0" smtClean="0"/>
+              <a:rPr lang="en-US" altLang="zh-TW" dirty="0"/>
               <a:t>- Retrieval</a:t>
             </a:r>
             <a:endParaRPr lang="zh-TW" altLang="en-US" dirty="0"/>
@@ -22238,7 +22243,7 @@
                 </a:spcAft>
               </a:pPr>
               <a:r>
-                <a:rPr lang="en-US" altLang="zh-TW" sz="2400" kern="1200" dirty="0" smtClean="0"/>
+                <a:rPr lang="en-US" altLang="zh-TW" sz="2400" kern="1200" dirty="0"/>
                 <a:t>Step 1: Training</a:t>
               </a:r>
               <a:endParaRPr lang="zh-TW" altLang="en-US" sz="2400" kern="1200" dirty="0"/>
@@ -22361,7 +22366,7 @@
                 </a:spcAft>
               </a:pPr>
               <a:r>
-                <a:rPr lang="en-US" altLang="zh-TW" sz="2400" kern="1200" dirty="0" smtClean="0"/>
+                <a:rPr lang="en-US" altLang="zh-TW" sz="2400" kern="1200" dirty="0"/>
                 <a:t>Step 2: Inference</a:t>
               </a:r>
               <a:endParaRPr lang="zh-TW" altLang="en-US" sz="2400" kern="1200" dirty="0"/>
@@ -22429,15 +22434,15 @@
           <a:p>
             <a:pPr algn="ctr"/>
             <a:r>
-              <a:rPr lang="en-US" altLang="zh-TW" sz="2400" dirty="0" smtClean="0"/>
+              <a:rPr lang="en-US" altLang="zh-TW" sz="2400" dirty="0"/>
               <a:t>F(</a:t>
             </a:r>
             <a:r>
-              <a:rPr lang="en-US" altLang="zh-TW" sz="2400" dirty="0" err="1" smtClean="0"/>
+              <a:rPr lang="en-US" altLang="zh-TW" sz="2400" dirty="0" err="1"/>
               <a:t>x,y</a:t>
             </a:r>
             <a:r>
-              <a:rPr lang="en-US" altLang="zh-TW" sz="2400" dirty="0" smtClean="0"/>
+              <a:rPr lang="en-US" altLang="zh-TW" sz="2400" dirty="0"/>
               <a:t>)</a:t>
             </a:r>
             <a:endParaRPr lang="zh-TW" altLang="en-US" sz="2400" dirty="0"/>
@@ -22504,15 +22509,15 @@
           <a:p>
             <a:pPr algn="ctr"/>
             <a:r>
-              <a:rPr lang="en-US" altLang="zh-TW" sz="2400" dirty="0" smtClean="0"/>
+              <a:rPr lang="en-US" altLang="zh-TW" sz="2400" dirty="0"/>
               <a:t>F(</a:t>
             </a:r>
             <a:r>
-              <a:rPr lang="en-US" altLang="zh-TW" sz="2400" dirty="0" err="1" smtClean="0"/>
+              <a:rPr lang="en-US" altLang="zh-TW" sz="2400" dirty="0" err="1"/>
               <a:t>x,y</a:t>
             </a:r>
             <a:r>
-              <a:rPr lang="en-US" altLang="zh-TW" sz="2400" dirty="0" smtClean="0"/>
+              <a:rPr lang="en-US" altLang="zh-TW" sz="2400" dirty="0"/>
               <a:t>)</a:t>
             </a:r>
             <a:endParaRPr lang="zh-TW" altLang="en-US" sz="2400" dirty="0"/>
@@ -22647,11 +22652,7 @@
                   <a:p>
                     <a:r>
                       <a:rPr lang="en-US" altLang="zh-TW" sz="2000" dirty="0"/>
-                      <a:t>x</a:t>
-                    </a:r>
-                    <a:r>
-                      <a:rPr lang="en-US" altLang="zh-TW" sz="2000" dirty="0" smtClean="0"/>
-                      <a:t>=“Obama”,</a:t>
+                      <a:t>x=“Obama”,</a:t>
                     </a:r>
                     <a:endParaRPr lang="zh-TW" altLang="en-US" sz="2000" dirty="0"/>
                   </a:p>
@@ -22681,11 +22682,7 @@
                   <a:p>
                     <a:r>
                       <a:rPr lang="en-US" altLang="zh-TW" sz="2000" dirty="0"/>
-                      <a:t>y</a:t>
-                    </a:r>
-                    <a:r>
-                      <a:rPr lang="en-US" altLang="zh-TW" sz="2000" dirty="0" smtClean="0"/>
-                      <a:t>=</a:t>
+                      <a:t>y=</a:t>
                     </a:r>
                     <a:endParaRPr lang="zh-TW" altLang="en-US" sz="2000" dirty="0"/>
                   </a:p>
@@ -22734,7 +22731,7 @@
                   <a:p>
                     <a:pPr algn="ctr"/>
                     <a:r>
-                      <a:rPr lang="en-US" altLang="zh-TW" dirty="0" smtClean="0">
+                      <a:rPr lang="en-US" altLang="zh-TW" dirty="0">
                         <a:solidFill>
                           <a:schemeClr val="tx1"/>
                         </a:solidFill>
@@ -22745,7 +22742,7 @@
                   <a:p>
                     <a:pPr algn="ctr"/>
                     <a:r>
-                      <a:rPr lang="en-US" altLang="zh-TW" dirty="0" smtClean="0">
+                      <a:rPr lang="en-US" altLang="zh-TW" dirty="0">
                         <a:solidFill>
                           <a:schemeClr val="tx1"/>
                         </a:solidFill>
@@ -22756,7 +22753,7 @@
                   <a:p>
                     <a:pPr algn="ctr"/>
                     <a:r>
-                      <a:rPr lang="en-US" altLang="zh-TW" dirty="0" smtClean="0">
+                      <a:rPr lang="en-US" altLang="zh-TW" dirty="0">
                         <a:solidFill>
                           <a:schemeClr val="tx1"/>
                         </a:solidFill>
@@ -22919,20 +22916,16 @@
           <a:p>
             <a:r>
               <a:rPr lang="en-US" altLang="zh-TW" dirty="0"/>
-              <a:t>x</a:t>
+              <a:t>x=“</a:t>
             </a:r>
             <a:r>
-              <a:rPr lang="en-US" altLang="zh-TW" dirty="0" smtClean="0"/>
-              <a:t>=“</a:t>
-            </a:r>
-            <a:r>
-              <a:rPr lang="en-US" altLang="zh-TW" dirty="0" err="1" smtClean="0">
+              <a:rPr lang="en-US" altLang="zh-TW" dirty="0" err="1">
                 <a:latin typeface="arial" panose="020B0604020202020204" pitchFamily="34" charset="0"/>
               </a:rPr>
               <a:t>Haruhi</a:t>
             </a:r>
             <a:r>
-              <a:rPr lang="en-US" altLang="zh-TW" dirty="0" smtClean="0"/>
+              <a:rPr lang="en-US" altLang="zh-TW" dirty="0"/>
               <a:t>”,</a:t>
             </a:r>
             <a:endParaRPr lang="zh-TW" altLang="en-US" dirty="0"/>
@@ -22963,11 +22956,7 @@
           <a:p>
             <a:r>
               <a:rPr lang="en-US" altLang="zh-TW" sz="2000" dirty="0"/>
-              <a:t>y</a:t>
-            </a:r>
-            <a:r>
-              <a:rPr lang="en-US" altLang="zh-TW" sz="2000" dirty="0" smtClean="0"/>
-              <a:t>=</a:t>
+              <a:t>y=</a:t>
             </a:r>
             <a:endParaRPr lang="zh-TW" altLang="en-US" sz="2000" dirty="0"/>
           </a:p>
@@ -23016,34 +23005,18 @@
           <a:p>
             <a:pPr algn="ctr"/>
             <a:r>
-              <a:rPr lang="en-US" altLang="zh-TW" dirty="0" smtClean="0">
-                <a:solidFill>
-                  <a:schemeClr val="tx1"/>
-                </a:solidFill>
-              </a:rPr>
-              <a:t>d</a:t>
-            </a:r>
-            <a:r>
               <a:rPr lang="en-US" altLang="zh-TW" dirty="0">
                 <a:solidFill>
                   <a:schemeClr val="tx1"/>
                 </a:solidFill>
               </a:rPr>
-              <a:t>2</a:t>
-            </a:r>
-            <a:r>
-              <a:rPr lang="en-US" altLang="zh-TW" dirty="0" smtClean="0">
-                <a:solidFill>
-                  <a:schemeClr val="tx1"/>
-                </a:solidFill>
-              </a:rPr>
-              <a:t>03</a:t>
+              <a:t>d203</a:t>
             </a:r>
           </a:p>
           <a:p>
             <a:pPr algn="ctr"/>
             <a:r>
-              <a:rPr lang="en-US" altLang="zh-TW" dirty="0" smtClean="0">
+              <a:rPr lang="en-US" altLang="zh-TW" dirty="0">
                 <a:solidFill>
                   <a:schemeClr val="tx1"/>
                 </a:solidFill>
@@ -23054,7 +23027,7 @@
           <a:p>
             <a:pPr algn="ctr"/>
             <a:r>
-              <a:rPr lang="en-US" altLang="zh-TW" dirty="0" smtClean="0">
+              <a:rPr lang="en-US" altLang="zh-TW" dirty="0">
                 <a:solidFill>
                   <a:schemeClr val="tx1"/>
                 </a:solidFill>
@@ -23093,20 +23066,16 @@
           <a:p>
             <a:r>
               <a:rPr lang="en-US" altLang="zh-TW" dirty="0"/>
-              <a:t>x</a:t>
+              <a:t>x=“</a:t>
             </a:r>
             <a:r>
-              <a:rPr lang="en-US" altLang="zh-TW" dirty="0" smtClean="0"/>
-              <a:t>=“</a:t>
-            </a:r>
-            <a:r>
-              <a:rPr lang="en-US" altLang="zh-TW" dirty="0" err="1" smtClean="0">
+              <a:rPr lang="en-US" altLang="zh-TW" dirty="0" err="1">
                 <a:latin typeface="arial" panose="020B0604020202020204" pitchFamily="34" charset="0"/>
               </a:rPr>
               <a:t>Haruhi</a:t>
             </a:r>
             <a:r>
-              <a:rPr lang="en-US" altLang="zh-TW" dirty="0" smtClean="0"/>
+              <a:rPr lang="en-US" altLang="zh-TW" dirty="0"/>
               <a:t>”,</a:t>
             </a:r>
             <a:endParaRPr lang="zh-TW" altLang="en-US" dirty="0"/>
@@ -23137,11 +23106,7 @@
           <a:p>
             <a:r>
               <a:rPr lang="en-US" altLang="zh-TW" sz="2000" dirty="0"/>
-              <a:t>y</a:t>
-            </a:r>
-            <a:r>
-              <a:rPr lang="en-US" altLang="zh-TW" sz="2000" dirty="0" smtClean="0"/>
-              <a:t>=</a:t>
+              <a:t>y=</a:t>
             </a:r>
             <a:endParaRPr lang="zh-TW" altLang="en-US" sz="2000" dirty="0"/>
           </a:p>
@@ -23195,21 +23160,13 @@
                   <a:schemeClr val="tx1"/>
                 </a:solidFill>
               </a:rPr>
-              <a:t>d</a:t>
-            </a:r>
-            <a:r>
-              <a:rPr lang="en-US" altLang="zh-TW" dirty="0" smtClean="0">
-                <a:solidFill>
-                  <a:schemeClr val="tx1"/>
-                </a:solidFill>
-              </a:rPr>
-              <a:t>103</a:t>
+              <a:t>d103</a:t>
             </a:r>
           </a:p>
           <a:p>
             <a:pPr algn="ctr"/>
             <a:r>
-              <a:rPr lang="en-US" altLang="zh-TW" dirty="0" smtClean="0">
+              <a:rPr lang="en-US" altLang="zh-TW" dirty="0">
                 <a:solidFill>
                   <a:schemeClr val="tx1"/>
                 </a:solidFill>
@@ -23220,7 +23177,7 @@
           <a:p>
             <a:pPr algn="ctr"/>
             <a:r>
-              <a:rPr lang="en-US" altLang="zh-TW" dirty="0" smtClean="0">
+              <a:rPr lang="en-US" altLang="zh-TW" dirty="0">
                 <a:solidFill>
                   <a:schemeClr val="tx1"/>
                 </a:solidFill>
@@ -23259,20 +23216,16 @@
           <a:p>
             <a:r>
               <a:rPr lang="en-US" altLang="zh-TW" dirty="0"/>
-              <a:t>x</a:t>
+              <a:t>x=“</a:t>
             </a:r>
             <a:r>
-              <a:rPr lang="en-US" altLang="zh-TW" dirty="0" smtClean="0"/>
-              <a:t>=“</a:t>
-            </a:r>
-            <a:r>
-              <a:rPr lang="en-US" altLang="zh-TW" dirty="0" err="1" smtClean="0">
+              <a:rPr lang="en-US" altLang="zh-TW" dirty="0" err="1">
                 <a:latin typeface="arial" panose="020B0604020202020204" pitchFamily="34" charset="0"/>
               </a:rPr>
               <a:t>Haruhi</a:t>
             </a:r>
             <a:r>
-              <a:rPr lang="en-US" altLang="zh-TW" dirty="0" smtClean="0"/>
+              <a:rPr lang="en-US" altLang="zh-TW" dirty="0"/>
               <a:t>”,</a:t>
             </a:r>
             <a:endParaRPr lang="zh-TW" altLang="en-US" dirty="0"/>
@@ -23303,11 +23256,7 @@
           <a:p>
             <a:r>
               <a:rPr lang="en-US" altLang="zh-TW" sz="2000" dirty="0"/>
-              <a:t>y</a:t>
-            </a:r>
-            <a:r>
-              <a:rPr lang="en-US" altLang="zh-TW" sz="2000" dirty="0" smtClean="0"/>
-              <a:t>=</a:t>
+              <a:t>y=</a:t>
             </a:r>
             <a:endParaRPr lang="zh-TW" altLang="en-US" sz="2000" dirty="0"/>
           </a:p>
@@ -23361,21 +23310,13 @@
                   <a:schemeClr val="tx1"/>
                 </a:solidFill>
               </a:rPr>
-              <a:t>d</a:t>
-            </a:r>
-            <a:r>
-              <a:rPr lang="en-US" altLang="zh-TW" dirty="0" smtClean="0">
-                <a:solidFill>
-                  <a:schemeClr val="tx1"/>
-                </a:solidFill>
-              </a:rPr>
-              <a:t>103</a:t>
+              <a:t>d103</a:t>
             </a:r>
           </a:p>
           <a:p>
             <a:pPr algn="ctr"/>
             <a:r>
-              <a:rPr lang="en-US" altLang="zh-TW" dirty="0" smtClean="0">
+              <a:rPr lang="en-US" altLang="zh-TW" dirty="0">
                 <a:solidFill>
                   <a:schemeClr val="tx1"/>
                 </a:solidFill>
@@ -23386,7 +23327,7 @@
           <a:p>
             <a:pPr algn="ctr"/>
             <a:r>
-              <a:rPr lang="en-US" altLang="zh-TW" dirty="0" smtClean="0">
+              <a:rPr lang="en-US" altLang="zh-TW" dirty="0">
                 <a:solidFill>
                   <a:schemeClr val="tx1"/>
                 </a:solidFill>
@@ -23624,11 +23565,7 @@
                 <a:p>
                   <a:r>
                     <a:rPr lang="en-US" altLang="zh-TW" sz="2000" dirty="0"/>
-                    <a:t>x</a:t>
-                  </a:r>
-                  <a:r>
-                    <a:rPr lang="en-US" altLang="zh-TW" sz="2000" dirty="0" smtClean="0"/>
-                    <a:t>=“Obama”,</a:t>
+                    <a:t>x=“Obama”,</a:t>
                   </a:r>
                   <a:endParaRPr lang="zh-TW" altLang="en-US" sz="2000" dirty="0"/>
                 </a:p>
@@ -23658,11 +23595,7 @@
                 <a:p>
                   <a:r>
                     <a:rPr lang="en-US" altLang="zh-TW" sz="2000" dirty="0"/>
-                    <a:t>y</a:t>
-                  </a:r>
-                  <a:r>
-                    <a:rPr lang="en-US" altLang="zh-TW" sz="2000" dirty="0" smtClean="0"/>
-                    <a:t>=</a:t>
+                    <a:t>y=</a:t>
                   </a:r>
                   <a:endParaRPr lang="zh-TW" altLang="en-US" sz="2000" dirty="0"/>
                 </a:p>
@@ -23716,15 +23649,7 @@
                         <a:schemeClr val="tx1"/>
                       </a:solidFill>
                     </a:rPr>
-                    <a:t>d</a:t>
-                  </a:r>
-                  <a:r>
-                    <a:rPr lang="en-US" altLang="zh-TW" dirty="0" smtClean="0">
-                      <a:solidFill>
-                        <a:schemeClr val="tx1"/>
-                      </a:solidFill>
-                    </a:rPr>
-                    <a:t>103</a:t>
+                    <a:t>d103</a:t>
                   </a:r>
                 </a:p>
                 <a:p>
@@ -23735,21 +23660,13 @@
                         <a:schemeClr val="tx1"/>
                       </a:solidFill>
                     </a:rPr>
-                    <a:t>d</a:t>
-                  </a:r>
-                  <a:r>
-                    <a:rPr lang="en-US" altLang="zh-TW" dirty="0" smtClean="0">
-                      <a:solidFill>
-                        <a:schemeClr val="tx1"/>
-                      </a:solidFill>
-                    </a:rPr>
-                    <a:t>300</a:t>
+                    <a:t>d300</a:t>
                   </a:r>
                 </a:p>
                 <a:p>
                   <a:pPr algn="ctr"/>
                   <a:r>
-                    <a:rPr lang="en-US" altLang="zh-TW" dirty="0" smtClean="0">
+                    <a:rPr lang="en-US" altLang="zh-TW" dirty="0">
                       <a:solidFill>
                         <a:schemeClr val="tx1"/>
                       </a:solidFill>
@@ -23971,11 +23888,7 @@
                   <a:p>
                     <a:r>
                       <a:rPr lang="en-US" altLang="zh-TW" sz="2000" dirty="0"/>
-                      <a:t>x</a:t>
-                    </a:r>
-                    <a:r>
-                      <a:rPr lang="en-US" altLang="zh-TW" sz="2000" dirty="0" smtClean="0"/>
-                      <a:t>=“Bush”,</a:t>
+                      <a:t>x=“Bush”,</a:t>
                     </a:r>
                     <a:endParaRPr lang="zh-TW" altLang="en-US" sz="2000" dirty="0"/>
                   </a:p>
@@ -24005,11 +23918,7 @@
                   <a:p>
                     <a:r>
                       <a:rPr lang="en-US" altLang="zh-TW" sz="2000" dirty="0"/>
-                      <a:t>y</a:t>
-                    </a:r>
-                    <a:r>
-                      <a:rPr lang="en-US" altLang="zh-TW" sz="2000" dirty="0" smtClean="0"/>
-                      <a:t>=</a:t>
+                      <a:t>y=</a:t>
                     </a:r>
                     <a:endParaRPr lang="zh-TW" altLang="en-US" sz="2000" dirty="0"/>
                   </a:p>
@@ -24063,15 +23972,7 @@
                           <a:schemeClr val="tx1"/>
                         </a:solidFill>
                       </a:rPr>
-                      <a:t>d</a:t>
-                    </a:r>
-                    <a:r>
-                      <a:rPr lang="en-US" altLang="zh-TW" dirty="0" smtClean="0">
-                        <a:solidFill>
-                          <a:schemeClr val="tx1"/>
-                        </a:solidFill>
-                      </a:rPr>
-                      <a:t>103</a:t>
+                      <a:t>d103</a:t>
                     </a:r>
                   </a:p>
                   <a:p>
@@ -24082,21 +23983,13 @@
                           <a:schemeClr val="tx1"/>
                         </a:solidFill>
                       </a:rPr>
-                      <a:t>d</a:t>
-                    </a:r>
-                    <a:r>
-                      <a:rPr lang="en-US" altLang="zh-TW" dirty="0" smtClean="0">
-                        <a:solidFill>
-                          <a:schemeClr val="tx1"/>
-                        </a:solidFill>
-                      </a:rPr>
-                      <a:t>300</a:t>
+                      <a:t>d300</a:t>
                     </a:r>
                   </a:p>
                   <a:p>
                     <a:pPr algn="ctr"/>
                     <a:r>
-                      <a:rPr lang="en-US" altLang="zh-TW" dirty="0" smtClean="0">
+                      <a:rPr lang="en-US" altLang="zh-TW" dirty="0">
                         <a:solidFill>
                           <a:schemeClr val="tx1"/>
                         </a:solidFill>
@@ -24305,11 +24198,7 @@
                 <a:p>
                   <a:r>
                     <a:rPr lang="en-US" altLang="zh-TW" sz="2000" dirty="0"/>
-                    <a:t>x</a:t>
-                  </a:r>
-                  <a:r>
-                    <a:rPr lang="en-US" altLang="zh-TW" sz="2000" dirty="0" smtClean="0"/>
-                    <a:t>=“Bush”,</a:t>
+                    <a:t>x=“Bush”,</a:t>
                   </a:r>
                   <a:endParaRPr lang="zh-TW" altLang="en-US" sz="2000" dirty="0"/>
                 </a:p>
@@ -24339,11 +24228,7 @@
                 <a:p>
                   <a:r>
                     <a:rPr lang="en-US" altLang="zh-TW" sz="2000" dirty="0"/>
-                    <a:t>y</a:t>
-                  </a:r>
-                  <a:r>
-                    <a:rPr lang="en-US" altLang="zh-TW" sz="2000" dirty="0" smtClean="0"/>
-                    <a:t>=</a:t>
+                    <a:t>y=</a:t>
                   </a:r>
                   <a:endParaRPr lang="zh-TW" altLang="en-US" sz="2000" dirty="0"/>
                 </a:p>
@@ -24392,7 +24277,7 @@
                 <a:p>
                   <a:pPr algn="ctr"/>
                   <a:r>
-                    <a:rPr lang="en-US" altLang="zh-TW" dirty="0" smtClean="0">
+                    <a:rPr lang="en-US" altLang="zh-TW" dirty="0">
                       <a:solidFill>
                         <a:schemeClr val="tx1"/>
                       </a:solidFill>
@@ -24403,7 +24288,7 @@
                 <a:p>
                   <a:pPr algn="ctr"/>
                   <a:r>
-                    <a:rPr lang="en-US" altLang="zh-TW" dirty="0" smtClean="0">
+                    <a:rPr lang="en-US" altLang="zh-TW" dirty="0">
                       <a:solidFill>
                         <a:schemeClr val="tx1"/>
                       </a:solidFill>
@@ -24414,7 +24299,7 @@
                 <a:p>
                   <a:pPr algn="ctr"/>
                   <a:r>
-                    <a:rPr lang="en-US" altLang="zh-TW" dirty="0" smtClean="0">
+                    <a:rPr lang="en-US" altLang="zh-TW" dirty="0">
                       <a:solidFill>
                         <a:schemeClr val="tx1"/>
                       </a:solidFill>
@@ -25514,9 +25399,7 @@
           <p:nvGraphicFramePr>
             <p:cNvPr id="4" name="資料庫圖表 3"/>
             <p:cNvGraphicFramePr/>
-            <p:nvPr>
-              <p:extLst/>
-            </p:nvPr>
+            <p:nvPr/>
           </p:nvGraphicFramePr>
           <p:xfrm>
             <a:off x="162231" y="1894270"/>
@@ -25550,7 +25433,7 @@
             <a:graphicData uri="http://schemas.openxmlformats.org/presentationml/2006/ole">
               <mc:AlternateContent xmlns:mc="http://schemas.openxmlformats.org/markup-compatibility/2006">
                 <mc:Choice xmlns:v="urn:schemas-microsoft-com:vml" Requires="v">
-                  <p:oleObj spid="_x0000_s60803" name="方程式" r:id="rId14" imgW="1218960" imgH="291960" progId="Equation.3">
+                  <p:oleObj spid="_x0000_s61265" name="方程式" r:id="rId14" imgW="1218960" imgH="291960" progId="Equation.3">
                     <p:embed/>
                   </p:oleObj>
                 </mc:Choice>
@@ -25581,7 +25464,6 @@
                           <a:avLst/>
                         </a:prstGeom>
                         <a:noFill/>
-                        <a:extLst/>
                       </p:spPr>
                     </p:pic>
                   </p:oleObj>
@@ -25596,9 +25478,7 @@
             <p:cNvGraphicFramePr>
               <a:graphicFrameLocks noChangeAspect="1"/>
             </p:cNvGraphicFramePr>
-            <p:nvPr>
-              <p:extLst/>
-            </p:nvPr>
+            <p:nvPr/>
           </p:nvGraphicFramePr>
           <p:xfrm>
             <a:off x="1202074" y="2850301"/>
@@ -25608,7 +25488,7 @@
             <a:graphicData uri="http://schemas.openxmlformats.org/presentationml/2006/ole">
               <mc:AlternateContent xmlns:mc="http://schemas.openxmlformats.org/markup-compatibility/2006">
                 <mc:Choice xmlns:v="urn:schemas-microsoft-com:vml" Requires="v">
-                  <p:oleObj spid="_x0000_s60804" name="方程式" r:id="rId16" imgW="888840" imgH="177480" progId="Equation.3">
+                  <p:oleObj spid="_x0000_s61266" name="方程式" r:id="rId16" imgW="888840" imgH="177480" progId="Equation.3">
                     <p:embed/>
                   </p:oleObj>
                 </mc:Choice>
@@ -25639,7 +25519,6 @@
                           <a:avLst/>
                         </a:prstGeom>
                         <a:noFill/>
-                        <a:extLst/>
                       </p:spPr>
                     </p:pic>
                   </p:oleObj>
@@ -25673,7 +25552,7 @@
           <a:p>
             <a:pPr algn="ctr"/>
             <a:r>
-              <a:rPr lang="en-US" altLang="zh-TW" sz="3600" b="1" i="1" u="sng" dirty="0" smtClean="0"/>
+              <a:rPr lang="en-US" altLang="zh-TW" sz="3600" b="1" i="1" u="sng" dirty="0"/>
               <a:t>Unified Framework</a:t>
             </a:r>
             <a:endParaRPr lang="zh-TW" altLang="en-US" sz="3600" b="1" i="1" u="sng" dirty="0"/>
@@ -25686,9 +25565,7 @@
           <p:cNvGraphicFramePr>
             <a:graphicFrameLocks noChangeAspect="1"/>
           </p:cNvGraphicFramePr>
-          <p:nvPr>
-            <p:extLst/>
-          </p:nvPr>
+          <p:nvPr/>
         </p:nvGraphicFramePr>
         <p:xfrm>
           <a:off x="5611813" y="1622425"/>
@@ -25698,7 +25575,7 @@
           <a:graphicData uri="http://schemas.openxmlformats.org/presentationml/2006/ole">
             <mc:AlternateContent xmlns:mc="http://schemas.openxmlformats.org/markup-compatibility/2006">
               <mc:Choice xmlns:v="urn:schemas-microsoft-com:vml" Requires="v">
-                <p:oleObj spid="_x0000_s60805" name="方程式" r:id="rId18" imgW="1028520" imgH="215640" progId="Equation.3">
+                <p:oleObj spid="_x0000_s61267" name="方程式" r:id="rId18" imgW="1028520" imgH="215640" progId="Equation.3">
                   <p:embed/>
                 </p:oleObj>
               </mc:Choice>
@@ -25729,7 +25606,6 @@
                         <a:avLst/>
                       </a:prstGeom>
                       <a:noFill/>
-                      <a:extLst/>
                     </p:spPr>
                   </p:pic>
                 </p:oleObj>
@@ -25760,7 +25636,7 @@
           <a:graphicData uri="http://schemas.openxmlformats.org/presentationml/2006/ole">
             <mc:AlternateContent xmlns:mc="http://schemas.openxmlformats.org/markup-compatibility/2006">
               <mc:Choice xmlns:v="urn:schemas-microsoft-com:vml" Requires="v">
-                <p:oleObj spid="_x0000_s60806" name="方程式" r:id="rId20" imgW="1091880" imgH="419040" progId="Equation.3">
+                <p:oleObj spid="_x0000_s61268" name="方程式" r:id="rId20" imgW="1091880" imgH="419040" progId="Equation.3">
                   <p:embed/>
                 </p:oleObj>
               </mc:Choice>
@@ -25791,7 +25667,6 @@
                         <a:avLst/>
                       </a:prstGeom>
                       <a:noFill/>
-                      <a:extLst/>
                     </p:spPr>
                   </p:pic>
                 </p:oleObj>
@@ -25822,7 +25697,7 @@
           <a:graphicData uri="http://schemas.openxmlformats.org/presentationml/2006/ole">
             <mc:AlternateContent xmlns:mc="http://schemas.openxmlformats.org/markup-compatibility/2006">
               <mc:Choice xmlns:v="urn:schemas-microsoft-com:vml" Requires="v">
-                <p:oleObj spid="_x0000_s60807" name="方程式" r:id="rId22" imgW="1066680" imgH="291960" progId="Equation.3">
+                <p:oleObj spid="_x0000_s61269" name="方程式" r:id="rId22" imgW="1066680" imgH="291960" progId="Equation.3">
                   <p:embed/>
                 </p:oleObj>
               </mc:Choice>
@@ -25853,7 +25728,6 @@
                         <a:avLst/>
                       </a:prstGeom>
                       <a:noFill/>
-                      <a:extLst/>
                     </p:spPr>
                   </p:pic>
                 </p:oleObj>
@@ -25886,7 +25760,7 @@
           <a:p>
             <a:pPr algn="ctr"/>
             <a:r>
-              <a:rPr lang="en-US" altLang="zh-TW" sz="3600" b="1" i="1" u="sng" dirty="0" smtClean="0"/>
+              <a:rPr lang="en-US" altLang="zh-TW" sz="3600" b="1" i="1" u="sng" dirty="0"/>
               <a:t>Statistics</a:t>
             </a:r>
             <a:endParaRPr lang="zh-TW" altLang="en-US" sz="3600" b="1" i="1" u="sng" dirty="0"/>
@@ -25899,9 +25773,7 @@
           <p:cNvGraphicFramePr>
             <a:graphicFrameLocks noChangeAspect="1"/>
           </p:cNvGraphicFramePr>
-          <p:nvPr>
-            <p:extLst/>
-          </p:nvPr>
+          <p:nvPr/>
         </p:nvGraphicFramePr>
         <p:xfrm>
           <a:off x="1129350" y="6088551"/>
@@ -25911,7 +25783,7 @@
           <a:graphicData uri="http://schemas.openxmlformats.org/presentationml/2006/ole">
             <mc:AlternateContent xmlns:mc="http://schemas.openxmlformats.org/markup-compatibility/2006">
               <mc:Choice xmlns:v="urn:schemas-microsoft-com:vml" Requires="v">
-                <p:oleObj spid="_x0000_s60808" name="方程式" r:id="rId24" imgW="1054080" imgH="215640" progId="Equation.3">
+                <p:oleObj spid="_x0000_s61270" name="方程式" r:id="rId24" imgW="1054080" imgH="215640" progId="Equation.3">
                   <p:embed/>
                 </p:oleObj>
               </mc:Choice>
@@ -25942,7 +25814,6 @@
                         <a:avLst/>
                       </a:prstGeom>
                       <a:noFill/>
-                      <a:extLst/>
                     </p:spPr>
                   </p:pic>
                 </p:oleObj>
@@ -26065,7 +25936,7 @@
           <a:graphicData uri="http://schemas.openxmlformats.org/presentationml/2006/ole">
             <mc:AlternateContent xmlns:mc="http://schemas.openxmlformats.org/markup-compatibility/2006">
               <mc:Choice xmlns:v="urn:schemas-microsoft-com:vml" Requires="v">
-                <p:oleObj spid="_x0000_s60809" name="方程式" r:id="rId26" imgW="1231560" imgH="291960" progId="Equation.3">
+                <p:oleObj spid="_x0000_s61271" name="方程式" r:id="rId26" imgW="1231560" imgH="291960" progId="Equation.3">
                   <p:embed/>
                 </p:oleObj>
               </mc:Choice>
@@ -26096,7 +25967,6 @@
                         <a:avLst/>
                       </a:prstGeom>
                       <a:noFill/>
-                      <a:extLst/>
                     </p:spPr>
                   </p:pic>
                 </p:oleObj>
@@ -26606,7 +26476,7 @@
           <a:p>
             <a:pPr algn="ctr"/>
             <a:r>
-              <a:rPr lang="en-US" altLang="zh-TW" sz="3600" b="1" i="1" u="sng" dirty="0" smtClean="0"/>
+              <a:rPr lang="en-US" altLang="zh-TW" sz="3600" b="1" i="1" u="sng" dirty="0"/>
               <a:t>Unified Framework</a:t>
             </a:r>
             <a:endParaRPr lang="zh-TW" altLang="en-US" sz="3600" b="1" i="1" u="sng" dirty="0"/>
@@ -26619,9 +26489,7 @@
           <p:cNvGraphicFramePr>
             <a:graphicFrameLocks noChangeAspect="1"/>
           </p:cNvGraphicFramePr>
-          <p:nvPr>
-            <p:extLst/>
-          </p:nvPr>
+          <p:nvPr/>
         </p:nvGraphicFramePr>
         <p:xfrm>
           <a:off x="5611813" y="1622425"/>
@@ -26631,7 +26499,7 @@
           <a:graphicData uri="http://schemas.openxmlformats.org/presentationml/2006/ole">
             <mc:AlternateContent xmlns:mc="http://schemas.openxmlformats.org/markup-compatibility/2006">
               <mc:Choice xmlns:v="urn:schemas-microsoft-com:vml" Requires="v">
-                <p:oleObj spid="_x0000_s61737" name="方程式" r:id="rId9" imgW="1028520" imgH="215640" progId="Equation.3">
+                <p:oleObj spid="_x0000_s62067" name="方程式" r:id="rId9" imgW="1028520" imgH="215640" progId="Equation.3">
                   <p:embed/>
                 </p:oleObj>
               </mc:Choice>
@@ -26662,7 +26530,6 @@
                         <a:avLst/>
                       </a:prstGeom>
                       <a:noFill/>
-                      <a:extLst/>
                     </p:spPr>
                   </p:pic>
                 </p:oleObj>
@@ -26693,7 +26560,7 @@
           <a:graphicData uri="http://schemas.openxmlformats.org/presentationml/2006/ole">
             <mc:AlternateContent xmlns:mc="http://schemas.openxmlformats.org/markup-compatibility/2006">
               <mc:Choice xmlns:v="urn:schemas-microsoft-com:vml" Requires="v">
-                <p:oleObj spid="_x0000_s61738" name="方程式" r:id="rId11" imgW="1091880" imgH="419040" progId="Equation.3">
+                <p:oleObj spid="_x0000_s62068" name="方程式" r:id="rId11" imgW="1091880" imgH="419040" progId="Equation.3">
                   <p:embed/>
                 </p:oleObj>
               </mc:Choice>
@@ -26724,7 +26591,6 @@
                         <a:avLst/>
                       </a:prstGeom>
                       <a:noFill/>
-                      <a:extLst/>
                     </p:spPr>
                   </p:pic>
                 </p:oleObj>
@@ -26755,7 +26621,7 @@
           <a:graphicData uri="http://schemas.openxmlformats.org/presentationml/2006/ole">
             <mc:AlternateContent xmlns:mc="http://schemas.openxmlformats.org/markup-compatibility/2006">
               <mc:Choice xmlns:v="urn:schemas-microsoft-com:vml" Requires="v">
-                <p:oleObj spid="_x0000_s61739" name="方程式" r:id="rId13" imgW="1066680" imgH="291960" progId="Equation.3">
+                <p:oleObj spid="_x0000_s62069" name="方程式" r:id="rId13" imgW="1066680" imgH="291960" progId="Equation.3">
                   <p:embed/>
                 </p:oleObj>
               </mc:Choice>
@@ -26786,7 +26652,6 @@
                         <a:avLst/>
                       </a:prstGeom>
                       <a:noFill/>
-                      <a:extLst/>
                     </p:spPr>
                   </p:pic>
                 </p:oleObj>
@@ -26819,7 +26684,7 @@
           <a:p>
             <a:pPr algn="ctr"/>
             <a:r>
-              <a:rPr lang="en-US" altLang="zh-TW" sz="3600" b="1" i="1" u="sng" dirty="0" smtClean="0"/>
+              <a:rPr lang="en-US" altLang="zh-TW" sz="3600" b="1" i="1" u="sng" dirty="0"/>
               <a:t>Statistics</a:t>
             </a:r>
             <a:endParaRPr lang="zh-TW" altLang="en-US" sz="3600" b="1" i="1" u="sng" dirty="0"/>
@@ -26832,9 +26697,7 @@
           <p:cNvGraphicFramePr>
             <a:graphicFrameLocks noChangeAspect="1"/>
           </p:cNvGraphicFramePr>
-          <p:nvPr>
-            <p:extLst/>
-          </p:nvPr>
+          <p:nvPr/>
         </p:nvGraphicFramePr>
         <p:xfrm>
           <a:off x="921779" y="1622425"/>
@@ -26844,7 +26707,7 @@
           <a:graphicData uri="http://schemas.openxmlformats.org/presentationml/2006/ole">
             <mc:AlternateContent xmlns:mc="http://schemas.openxmlformats.org/markup-compatibility/2006">
               <mc:Choice xmlns:v="urn:schemas-microsoft-com:vml" Requires="v">
-                <p:oleObj spid="_x0000_s61740" name="方程式" r:id="rId15" imgW="1054080" imgH="215640" progId="Equation.3">
+                <p:oleObj spid="_x0000_s62070" name="方程式" r:id="rId15" imgW="1054080" imgH="215640" progId="Equation.3">
                   <p:embed/>
                 </p:oleObj>
               </mc:Choice>
@@ -26875,7 +26738,6 @@
                         <a:avLst/>
                       </a:prstGeom>
                       <a:noFill/>
-                      <a:extLst/>
                     </p:spPr>
                   </p:pic>
                 </p:oleObj>
@@ -26911,7 +26773,7 @@
               <a:buChar char="l"/>
             </a:pPr>
             <a:r>
-              <a:rPr lang="en-US" altLang="zh-TW" sz="2400" dirty="0" smtClean="0"/>
+              <a:rPr lang="en-US" altLang="zh-TW" sz="2400" dirty="0"/>
               <a:t>Probability cannot explain everything</a:t>
             </a:r>
             <a:endParaRPr lang="zh-TW" altLang="en-US" sz="2400" dirty="0"/>
@@ -26945,7 +26807,7 @@
               <a:buChar char="l"/>
             </a:pPr>
             <a:r>
-              <a:rPr lang="en-US" altLang="zh-TW" sz="2400" dirty="0" smtClean="0"/>
+              <a:rPr lang="en-US" altLang="zh-TW" sz="2400" dirty="0"/>
               <a:t>0-1 constraint is not necessary</a:t>
             </a:r>
             <a:endParaRPr lang="zh-TW" altLang="en-US" sz="2400" dirty="0"/>
@@ -26974,7 +26836,7 @@
           <a:graphicData uri="http://schemas.openxmlformats.org/presentationml/2006/ole">
             <mc:AlternateContent xmlns:mc="http://schemas.openxmlformats.org/markup-compatibility/2006">
               <mc:Choice xmlns:v="urn:schemas-microsoft-com:vml" Requires="v">
-                <p:oleObj spid="_x0000_s61741" name="方程式" r:id="rId17" imgW="1231560" imgH="291960" progId="Equation.3">
+                <p:oleObj spid="_x0000_s62071" name="方程式" r:id="rId17" imgW="1231560" imgH="291960" progId="Equation.3">
                   <p:embed/>
                 </p:oleObj>
               </mc:Choice>
@@ -27005,7 +26867,6 @@
                         <a:avLst/>
                       </a:prstGeom>
                       <a:noFill/>
-                      <a:extLst/>
                     </p:spPr>
                   </p:pic>
                 </p:oleObj>
@@ -27037,7 +26898,7 @@
           <a:lstStyle/>
           <a:p>
             <a:r>
-              <a:rPr lang="en-US" altLang="zh-TW" sz="2400" b="1" i="1" u="sng" dirty="0" smtClean="0"/>
+              <a:rPr lang="en-US" altLang="zh-TW" sz="2400" b="1" i="1" u="sng" dirty="0"/>
               <a:t>Strength for probability</a:t>
             </a:r>
             <a:endParaRPr lang="zh-TW" altLang="en-US" sz="2400" b="1" i="1" u="sng" dirty="0"/>
@@ -27067,7 +26928,7 @@
           <a:lstStyle/>
           <a:p>
             <a:r>
-              <a:rPr lang="en-US" altLang="zh-TW" sz="2400" b="1" i="1" u="sng" dirty="0" smtClean="0"/>
+              <a:rPr lang="en-US" altLang="zh-TW" sz="2400" b="1" i="1" u="sng" dirty="0"/>
               <a:t>Drawback for probability</a:t>
             </a:r>
             <a:endParaRPr lang="zh-TW" altLang="en-US" sz="2400" b="1" i="1" u="sng" dirty="0"/>
@@ -27101,7 +26962,7 @@
               <a:buChar char="l"/>
             </a:pPr>
             <a:r>
-              <a:rPr lang="en-US" altLang="zh-TW" sz="2400" dirty="0" smtClean="0"/>
+              <a:rPr lang="en-US" altLang="zh-TW" sz="2400" dirty="0"/>
               <a:t>Meaningful</a:t>
             </a:r>
             <a:endParaRPr lang="zh-TW" altLang="en-US" sz="2400" dirty="0"/>
@@ -27492,7 +27353,7 @@
           <a:lstStyle/>
           <a:p>
             <a:r>
-              <a:rPr lang="en-US" altLang="zh-TW" dirty="0" smtClean="0"/>
+              <a:rPr lang="en-US" altLang="zh-TW" dirty="0"/>
               <a:t>Link to DNN?</a:t>
             </a:r>
             <a:endParaRPr lang="zh-TW" altLang="en-US" dirty="0"/>
@@ -27534,7 +27395,7 @@
           <a:p>
             <a:pPr algn="ctr"/>
             <a:r>
-              <a:rPr lang="en-US" altLang="zh-TW" sz="2800" dirty="0" smtClean="0"/>
+              <a:rPr lang="en-US" altLang="zh-TW" sz="2800" dirty="0"/>
               <a:t>DNN</a:t>
             </a:r>
             <a:endParaRPr lang="zh-TW" altLang="en-US" sz="2800" dirty="0"/>
@@ -27563,7 +27424,7 @@
           <a:graphicData uri="http://schemas.openxmlformats.org/presentationml/2006/ole">
             <mc:AlternateContent xmlns:mc="http://schemas.openxmlformats.org/markup-compatibility/2006">
               <mc:Choice xmlns:v="urn:schemas-microsoft-com:vml" Requires="v">
-                <p:oleObj spid="_x0000_s91168" name="方程式" r:id="rId4" imgW="1218960" imgH="291960" progId="Equation.3">
+                <p:oleObj spid="_x0000_s91564" name="方程式" r:id="rId4" imgW="1218960" imgH="291960" progId="Equation.3">
                   <p:embed/>
                 </p:oleObj>
               </mc:Choice>
@@ -27594,7 +27455,6 @@
                         <a:avLst/>
                       </a:prstGeom>
                       <a:noFill/>
-                      <a:extLst/>
                     </p:spPr>
                   </p:pic>
                 </p:oleObj>
@@ -27609,9 +27469,7 @@
           <p:cNvGraphicFramePr>
             <a:graphicFrameLocks noChangeAspect="1"/>
           </p:cNvGraphicFramePr>
-          <p:nvPr>
-            <p:extLst/>
-          </p:nvPr>
+          <p:nvPr/>
         </p:nvGraphicFramePr>
         <p:xfrm>
           <a:off x="1477038" y="2320443"/>
@@ -27621,7 +27479,7 @@
           <a:graphicData uri="http://schemas.openxmlformats.org/presentationml/2006/ole">
             <mc:AlternateContent xmlns:mc="http://schemas.openxmlformats.org/markup-compatibility/2006">
               <mc:Choice xmlns:v="urn:schemas-microsoft-com:vml" Requires="v">
-                <p:oleObj spid="_x0000_s91169" name="方程式" r:id="rId6" imgW="888840" imgH="177480" progId="Equation.3">
+                <p:oleObj spid="_x0000_s91565" name="方程式" r:id="rId6" imgW="888840" imgH="177480" progId="Equation.3">
                   <p:embed/>
                 </p:oleObj>
               </mc:Choice>
@@ -27652,7 +27510,6 @@
                         <a:avLst/>
                       </a:prstGeom>
                       <a:noFill/>
-                      <a:extLst/>
                     </p:spPr>
                   </p:pic>
                 </p:oleObj>
@@ -27667,9 +27524,7 @@
           <p:cNvGraphicFramePr>
             <a:graphicFrameLocks noChangeAspect="1"/>
           </p:cNvGraphicFramePr>
-          <p:nvPr>
-            <p:extLst/>
-          </p:nvPr>
+          <p:nvPr/>
         </p:nvGraphicFramePr>
         <p:xfrm>
           <a:off x="1146925" y="2824442"/>
@@ -27679,7 +27534,7 @@
           <a:graphicData uri="http://schemas.openxmlformats.org/presentationml/2006/ole">
             <mc:AlternateContent xmlns:mc="http://schemas.openxmlformats.org/markup-compatibility/2006">
               <mc:Choice xmlns:v="urn:schemas-microsoft-com:vml" Requires="v">
-                <p:oleObj spid="_x0000_s91170" name="方程式" r:id="rId8" imgW="1320480" imgH="279360" progId="Equation.3">
+                <p:oleObj spid="_x0000_s91566" name="方程式" r:id="rId8" imgW="1320480" imgH="279360" progId="Equation.3">
                   <p:embed/>
                 </p:oleObj>
               </mc:Choice>
@@ -27710,7 +27565,6 @@
                         <a:avLst/>
                       </a:prstGeom>
                       <a:noFill/>
-                      <a:extLst/>
                     </p:spPr>
                   </p:pic>
                 </p:oleObj>
@@ -27834,7 +27688,7 @@
                 </a:spcAft>
               </a:pPr>
               <a:r>
-                <a:rPr lang="en-US" altLang="zh-TW" sz="2400" kern="1200" dirty="0" smtClean="0"/>
+                <a:rPr lang="en-US" altLang="zh-TW" sz="2400" kern="1200" dirty="0"/>
                 <a:t>Step 1: Training</a:t>
               </a:r>
               <a:endParaRPr lang="zh-TW" altLang="en-US" sz="2400" kern="1200" dirty="0"/>
@@ -27957,7 +27811,7 @@
                 </a:spcAft>
               </a:pPr>
               <a:r>
-                <a:rPr lang="en-US" altLang="zh-TW" sz="2400" kern="1200" dirty="0" smtClean="0"/>
+                <a:rPr lang="en-US" altLang="zh-TW" sz="2400" kern="1200" dirty="0"/>
                 <a:t>Step 2: Inference</a:t>
               </a:r>
               <a:endParaRPr lang="zh-TW" altLang="en-US" sz="2400" kern="1200" dirty="0"/>
@@ -28055,9 +27909,7 @@
           <p:cNvGraphicFramePr>
             <a:graphicFrameLocks noChangeAspect="1"/>
           </p:cNvGraphicFramePr>
-          <p:nvPr>
-            <p:extLst/>
-          </p:nvPr>
+          <p:nvPr/>
         </p:nvGraphicFramePr>
         <p:xfrm>
           <a:off x="3361207" y="6351198"/>
@@ -28067,7 +27919,7 @@
           <a:graphicData uri="http://schemas.openxmlformats.org/presentationml/2006/ole">
             <mc:AlternateContent xmlns:mc="http://schemas.openxmlformats.org/markup-compatibility/2006">
               <mc:Choice xmlns:v="urn:schemas-microsoft-com:vml" Requires="v">
-                <p:oleObj spid="_x0000_s91171" name="方程式" r:id="rId11" imgW="139680" imgH="164880" progId="Equation.3">
+                <p:oleObj spid="_x0000_s91567" name="方程式" r:id="rId11" imgW="139680" imgH="164880" progId="Equation.3">
                   <p:embed/>
                 </p:oleObj>
               </mc:Choice>
@@ -28098,7 +27950,6 @@
                         <a:avLst/>
                       </a:prstGeom>
                       <a:noFill/>
-                      <a:extLst/>
                     </p:spPr>
                   </p:pic>
                 </p:oleObj>
@@ -28183,7 +28034,7 @@
             <a:p>
               <a:pPr algn="ctr"/>
               <a:r>
-                <a:rPr lang="en-US" altLang="zh-TW" sz="2400" dirty="0" smtClean="0"/>
+                <a:rPr lang="en-US" altLang="zh-TW" sz="2400" dirty="0"/>
                 <a:t>N(x)</a:t>
               </a:r>
               <a:endParaRPr lang="zh-TW" altLang="en-US" sz="2400" dirty="0"/>
@@ -28197,9 +28048,7 @@
           <p:cNvGraphicFramePr>
             <a:graphicFrameLocks noChangeAspect="1"/>
           </p:cNvGraphicFramePr>
-          <p:nvPr>
-            <p:extLst/>
-          </p:nvPr>
+          <p:nvPr/>
         </p:nvGraphicFramePr>
         <p:xfrm>
           <a:off x="2001000" y="3644900"/>
@@ -28209,7 +28058,7 @@
           <a:graphicData uri="http://schemas.openxmlformats.org/presentationml/2006/ole">
             <mc:AlternateContent xmlns:mc="http://schemas.openxmlformats.org/markup-compatibility/2006">
               <mc:Choice xmlns:v="urn:schemas-microsoft-com:vml" Requires="v">
-                <p:oleObj spid="_x0000_s91172" name="方程式" r:id="rId13" imgW="698400" imgH="279360" progId="Equation.3">
+                <p:oleObj spid="_x0000_s91568" name="方程式" r:id="rId13" imgW="698400" imgH="279360" progId="Equation.3">
                   <p:embed/>
                 </p:oleObj>
               </mc:Choice>
@@ -28240,7 +28089,6 @@
                         <a:avLst/>
                       </a:prstGeom>
                       <a:noFill/>
-                      <a:extLst/>
                     </p:spPr>
                   </p:pic>
                 </p:oleObj>
@@ -28466,15 +28314,15 @@
           <a:p>
             <a:pPr algn="ctr"/>
             <a:r>
-              <a:rPr lang="en-US" altLang="zh-TW" sz="2400" dirty="0" smtClean="0"/>
+              <a:rPr lang="en-US" altLang="zh-TW" sz="2400" dirty="0"/>
               <a:t>F(</a:t>
             </a:r>
             <a:r>
-              <a:rPr lang="en-US" altLang="zh-TW" sz="2400" dirty="0" err="1" smtClean="0"/>
+              <a:rPr lang="en-US" altLang="zh-TW" sz="2400" dirty="0" err="1"/>
               <a:t>x,y</a:t>
             </a:r>
             <a:r>
-              <a:rPr lang="en-US" altLang="zh-TW" sz="2400" dirty="0" smtClean="0"/>
+              <a:rPr lang="en-US" altLang="zh-TW" sz="2400" dirty="0"/>
               <a:t>)</a:t>
             </a:r>
             <a:endParaRPr lang="zh-TW" altLang="en-US" sz="2400" dirty="0"/>
@@ -28504,7 +28352,7 @@
           <a:lstStyle/>
           <a:p>
             <a:r>
-              <a:rPr lang="en-US" altLang="zh-TW" sz="2400" dirty="0" smtClean="0"/>
+              <a:rPr lang="en-US" altLang="zh-TW" sz="2400" dirty="0"/>
               <a:t>In handwriting digit classification, there are only 10 possible y.</a:t>
             </a:r>
             <a:endParaRPr lang="zh-TW" altLang="en-US" sz="2400" dirty="0"/>
@@ -28535,11 +28383,7 @@
           <a:p>
             <a:r>
               <a:rPr lang="en-US" altLang="zh-TW" sz="2400" dirty="0"/>
-              <a:t>y</a:t>
-            </a:r>
-            <a:r>
-              <a:rPr lang="en-US" altLang="zh-TW" sz="2400" dirty="0" smtClean="0"/>
-              <a:t> = [ 1   0   0   0   ……   ]</a:t>
+              <a:t>y = [ 1   0   0   0   ……   ]</a:t>
             </a:r>
             <a:endParaRPr lang="zh-TW" altLang="en-US" sz="2400" dirty="0"/>
           </a:p>
@@ -28569,19 +28413,7 @@
           <a:p>
             <a:r>
               <a:rPr lang="en-US" altLang="zh-TW" sz="2400" dirty="0"/>
-              <a:t>y</a:t>
-            </a:r>
-            <a:r>
-              <a:rPr lang="en-US" altLang="zh-TW" sz="2400" dirty="0" smtClean="0"/>
-              <a:t> = [ 0   </a:t>
-            </a:r>
-            <a:r>
-              <a:rPr lang="en-US" altLang="zh-TW" sz="2400" dirty="0"/>
-              <a:t>1</a:t>
-            </a:r>
-            <a:r>
-              <a:rPr lang="en-US" altLang="zh-TW" sz="2400" dirty="0" smtClean="0"/>
-              <a:t>   0   0   ……   ]</a:t>
+              <a:t>y = [ 0   1   0   0   ……   ]</a:t>
             </a:r>
             <a:endParaRPr lang="zh-TW" altLang="en-US" sz="2400" dirty="0"/>
           </a:p>
@@ -28611,11 +28443,7 @@
           <a:p>
             <a:r>
               <a:rPr lang="en-US" altLang="zh-TW" sz="2400" dirty="0"/>
-              <a:t>y</a:t>
-            </a:r>
-            <a:r>
-              <a:rPr lang="en-US" altLang="zh-TW" sz="2400" dirty="0" smtClean="0"/>
-              <a:t> = [ 0   0   1   0   ……   ]</a:t>
+              <a:t>y = [ 0   0   1   0   ……   ]</a:t>
             </a:r>
             <a:endParaRPr lang="zh-TW" altLang="en-US" sz="2400" dirty="0"/>
           </a:p>
@@ -28645,7 +28473,7 @@
           <a:p>
             <a:pPr algn="ctr"/>
             <a:r>
-              <a:rPr lang="en-US" altLang="zh-TW" sz="2400" dirty="0" smtClean="0"/>
+              <a:rPr lang="en-US" altLang="zh-TW" sz="2400" dirty="0"/>
               <a:t>…</a:t>
             </a:r>
             <a:endParaRPr lang="zh-TW" altLang="en-US" sz="2400" dirty="0"/>
@@ -28850,9 +28678,7 @@
           <p:cNvGraphicFramePr>
             <a:graphicFrameLocks noChangeAspect="1"/>
           </p:cNvGraphicFramePr>
-          <p:nvPr>
-            <p:extLst/>
-          </p:nvPr>
+          <p:nvPr/>
         </p:nvGraphicFramePr>
         <p:xfrm>
           <a:off x="5370882" y="6313740"/>
@@ -28862,7 +28688,7 @@
           <a:graphicData uri="http://schemas.openxmlformats.org/presentationml/2006/ole">
             <mc:AlternateContent xmlns:mc="http://schemas.openxmlformats.org/markup-compatibility/2006">
               <mc:Choice xmlns:v="urn:schemas-microsoft-com:vml" Requires="v">
-                <p:oleObj spid="_x0000_s91173" name="方程式" r:id="rId16" imgW="139680" imgH="164880" progId="Equation.3">
+                <p:oleObj spid="_x0000_s91569" name="方程式" r:id="rId16" imgW="139680" imgH="164880" progId="Equation.3">
                   <p:embed/>
                 </p:oleObj>
               </mc:Choice>
@@ -28893,7 +28719,6 @@
                         <a:avLst/>
                       </a:prstGeom>
                       <a:noFill/>
-                      <a:extLst/>
                     </p:spPr>
                   </p:pic>
                 </p:oleObj>
@@ -29059,7 +28884,7 @@
           <a:p>
             <a:pPr algn="ctr"/>
             <a:r>
-              <a:rPr lang="en-US" altLang="zh-TW" sz="2400" dirty="0" smtClean="0">
+              <a:rPr lang="en-US" altLang="zh-TW" sz="2400" dirty="0">
                 <a:solidFill>
                   <a:srgbClr val="FF0000"/>
                 </a:solidFill>
@@ -29111,7 +28936,7 @@
           <a:p>
             <a:pPr algn="ctr"/>
             <a:r>
-              <a:rPr lang="en-US" altLang="zh-TW" sz="2400" dirty="0" smtClean="0"/>
+              <a:rPr lang="en-US" altLang="zh-TW" sz="2400" dirty="0"/>
               <a:t>The same as what we have learned.</a:t>
             </a:r>
             <a:endParaRPr lang="zh-TW" altLang="en-US" sz="2400" dirty="0"/>
@@ -30172,19 +29997,15 @@
           <a:lstStyle/>
           <a:p>
             <a:r>
-              <a:rPr lang="en-US" altLang="zh-TW" dirty="0" smtClean="0"/>
+              <a:rPr lang="en-US" altLang="zh-TW" dirty="0"/>
               <a:t>Solve any tasks by two steps</a:t>
             </a:r>
           </a:p>
           <a:p>
             <a:pPr lvl="1"/>
             <a:r>
-              <a:rPr lang="en-US" altLang="zh-TW" sz="2800" dirty="0" smtClean="0"/>
-              <a:t>Easier than putting </a:t>
-            </a:r>
-            <a:r>
               <a:rPr lang="en-US" altLang="zh-TW" sz="2800" dirty="0"/>
-              <a:t>an elephant into a refrigerator</a:t>
+              <a:t>Easier than putting an elephant into a refrigerator</a:t>
             </a:r>
             <a:endParaRPr lang="zh-TW" altLang="en-US" sz="2800" dirty="0"/>
           </a:p>
@@ -30254,7 +30075,7 @@
           <a:lstStyle/>
           <a:p>
             <a:r>
-              <a:rPr lang="en-US" altLang="zh-TW" sz="2800" dirty="0" smtClean="0">
+              <a:rPr lang="en-US" altLang="zh-TW" sz="2800" dirty="0">
                 <a:solidFill>
                   <a:srgbClr val="0000FF"/>
                 </a:solidFill>
@@ -30292,7 +30113,7 @@
           <a:lstStyle/>
           <a:p>
             <a:r>
-              <a:rPr lang="en-US" altLang="zh-TW" sz="2800" dirty="0" smtClean="0">
+              <a:rPr lang="en-US" altLang="zh-TW" sz="2800" dirty="0">
                 <a:solidFill>
                   <a:srgbClr val="FF0000"/>
                 </a:solidFill>
@@ -30603,7 +30424,7 @@
           <a:lstStyle/>
           <a:p>
             <a:r>
-              <a:rPr lang="en-US" altLang="zh-TW" dirty="0" smtClean="0">
+              <a:rPr lang="en-US" altLang="zh-TW" dirty="0">
                 <a:solidFill>
                   <a:srgbClr val="0000FF"/>
                 </a:solidFill>
@@ -30634,7 +30455,7 @@
           <a:lstStyle/>
           <a:p>
             <a:r>
-              <a:rPr lang="en-US" altLang="zh-TW" b="1" i="1" dirty="0" smtClean="0">
+              <a:rPr lang="en-US" altLang="zh-TW" b="1" i="1" dirty="0">
                 <a:solidFill>
                   <a:srgbClr val="0000FF"/>
                 </a:solidFill>
@@ -30642,30 +30463,30 @@
               <a:t>Evaluation</a:t>
             </a:r>
             <a:r>
-              <a:rPr lang="en-US" altLang="zh-TW" dirty="0" smtClean="0"/>
+              <a:rPr lang="en-US" altLang="zh-TW" dirty="0"/>
               <a:t>: What does F(</a:t>
             </a:r>
             <a:r>
-              <a:rPr lang="en-US" altLang="zh-TW" dirty="0" err="1" smtClean="0"/>
+              <a:rPr lang="en-US" altLang="zh-TW" dirty="0" err="1"/>
               <a:t>x,y</a:t>
             </a:r>
             <a:r>
-              <a:rPr lang="en-US" altLang="zh-TW" dirty="0" smtClean="0"/>
+              <a:rPr lang="en-US" altLang="zh-TW" dirty="0"/>
               <a:t>) look like?</a:t>
             </a:r>
           </a:p>
           <a:p>
             <a:pPr lvl="1"/>
             <a:r>
-              <a:rPr lang="en-US" altLang="zh-TW" sz="2800" dirty="0" smtClean="0"/>
+              <a:rPr lang="en-US" altLang="zh-TW" sz="2800" dirty="0"/>
               <a:t>How F(</a:t>
             </a:r>
             <a:r>
-              <a:rPr lang="en-US" altLang="zh-TW" sz="2800" dirty="0" err="1" smtClean="0"/>
+              <a:rPr lang="en-US" altLang="zh-TW" sz="2800" dirty="0" err="1"/>
               <a:t>x,y</a:t>
             </a:r>
             <a:r>
-              <a:rPr lang="en-US" altLang="zh-TW" sz="2800" dirty="0" smtClean="0"/>
+              <a:rPr lang="en-US" altLang="zh-TW" sz="2800" dirty="0"/>
               <a:t>) compute the “compatibility” of objects x and y</a:t>
             </a:r>
             <a:endParaRPr lang="zh-TW" altLang="en-US" sz="2800" dirty="0"/>
@@ -30696,19 +30517,7 @@
           <a:p>
             <a:r>
               <a:rPr lang="en-US" altLang="zh-TW" sz="2400" dirty="0"/>
-              <a:t>F</a:t>
-            </a:r>
-            <a:r>
-              <a:rPr lang="en-US" altLang="zh-TW" sz="2400" dirty="0" smtClean="0"/>
-              <a:t>(x=                         , </a:t>
-            </a:r>
-            <a:r>
-              <a:rPr lang="en-US" altLang="zh-TW" sz="2400" dirty="0"/>
-              <a:t>y</a:t>
-            </a:r>
-            <a:r>
-              <a:rPr lang="en-US" altLang="zh-TW" sz="2400" dirty="0" smtClean="0"/>
-              <a:t>=                         )</a:t>
+              <a:t>F(x=                         , y=                         )</a:t>
             </a:r>
             <a:endParaRPr lang="zh-TW" altLang="en-US" sz="2400" dirty="0"/>
           </a:p>
@@ -30738,11 +30547,7 @@
           <a:p>
             <a:r>
               <a:rPr lang="en-US" altLang="zh-TW" sz="2400" dirty="0"/>
-              <a:t>F</a:t>
-            </a:r>
-            <a:r>
-              <a:rPr lang="en-US" altLang="zh-TW" sz="2400" dirty="0" smtClean="0"/>
-              <a:t>(x=                          , y=                 )</a:t>
+              <a:t>F(x=                          , y=                 )</a:t>
             </a:r>
             <a:endParaRPr lang="zh-TW" altLang="en-US" sz="2400" dirty="0"/>
           </a:p>
@@ -30796,7 +30601,7 @@
           <a:p>
             <a:pPr algn="ctr"/>
             <a:r>
-              <a:rPr lang="en-US" altLang="zh-TW" dirty="0" smtClean="0"/>
+              <a:rPr lang="en-US" altLang="zh-TW" dirty="0"/>
               <a:t>(a short paragraph)</a:t>
             </a:r>
             <a:endParaRPr lang="zh-TW" altLang="en-US" dirty="0"/>
@@ -30855,7 +30660,7 @@
           <a:lstStyle/>
           <a:p>
             <a:r>
-              <a:rPr lang="en-US" altLang="zh-TW" dirty="0" smtClean="0"/>
+              <a:rPr lang="en-US" altLang="zh-TW" dirty="0"/>
               <a:t>(keyword)</a:t>
             </a:r>
             <a:endParaRPr lang="zh-TW" altLang="en-US" dirty="0"/>
@@ -30886,7 +30691,7 @@
           <a:p>
             <a:pPr algn="ctr"/>
             <a:r>
-              <a:rPr lang="en-US" altLang="zh-TW" dirty="0" smtClean="0"/>
+              <a:rPr lang="en-US" altLang="zh-TW" dirty="0"/>
               <a:t>(Search Result)</a:t>
             </a:r>
             <a:endParaRPr lang="zh-TW" altLang="en-US" dirty="0"/>
@@ -30947,7 +30752,7 @@
           <a:lstStyle/>
           <a:p>
             <a:r>
-              <a:rPr lang="en-US" altLang="zh-TW" sz="2400" b="1" i="1" u="sng" dirty="0" smtClean="0"/>
+              <a:rPr lang="en-US" altLang="zh-TW" sz="2400" b="1" i="1" u="sng" dirty="0"/>
               <a:t>Summarization:</a:t>
             </a:r>
             <a:endParaRPr lang="zh-TW" altLang="en-US" sz="2400" b="1" i="1" u="sng" dirty="0"/>
@@ -30977,7 +30782,7 @@
           <a:lstStyle/>
           <a:p>
             <a:r>
-              <a:rPr lang="en-US" altLang="zh-TW" sz="2400" b="1" i="1" u="sng" dirty="0" smtClean="0"/>
+              <a:rPr lang="en-US" altLang="zh-TW" sz="2400" b="1" i="1" u="sng" dirty="0"/>
               <a:t>Retrieval:</a:t>
             </a:r>
             <a:endParaRPr lang="zh-TW" altLang="en-US" sz="2400" b="1" i="1" u="sng" dirty="0"/>
@@ -31008,7 +30813,7 @@
           <a:p>
             <a:pPr algn="ctr"/>
             <a:r>
-              <a:rPr lang="en-US" altLang="zh-TW" dirty="0" smtClean="0"/>
+              <a:rPr lang="en-US" altLang="zh-TW" dirty="0"/>
               <a:t>(a long document)</a:t>
             </a:r>
             <a:endParaRPr lang="zh-TW" altLang="en-US" dirty="0"/>
@@ -31039,19 +30844,7 @@
           <a:p>
             <a:r>
               <a:rPr lang="en-US" altLang="zh-TW" sz="2400" dirty="0"/>
-              <a:t>F</a:t>
-            </a:r>
-            <a:r>
-              <a:rPr lang="en-US" altLang="zh-TW" sz="2400" dirty="0" smtClean="0"/>
-              <a:t>(x= “</a:t>
-            </a:r>
-            <a:r>
-              <a:rPr lang="en-US" altLang="zh-TW" sz="2400" dirty="0"/>
-              <a:t>Obama”</a:t>
-            </a:r>
-            <a:r>
-              <a:rPr lang="en-US" altLang="zh-TW" sz="2400" dirty="0" smtClean="0"/>
-              <a:t>       , y=                                     )</a:t>
+              <a:t>F(x= “Obama”       , y=                                     )</a:t>
             </a:r>
             <a:endParaRPr lang="zh-TW" altLang="en-US" sz="2400" dirty="0"/>
           </a:p>
@@ -31710,15 +31503,7 @@
                   <a:srgbClr val="0000FF"/>
                 </a:solidFill>
               </a:rPr>
-              <a:t>Problem </a:t>
-            </a:r>
-            <a:r>
-              <a:rPr lang="en-US" altLang="zh-TW" dirty="0" smtClean="0">
-                <a:solidFill>
-                  <a:srgbClr val="0000FF"/>
-                </a:solidFill>
-              </a:rPr>
-              <a:t>2</a:t>
+              <a:t>Problem 2</a:t>
             </a:r>
             <a:endParaRPr lang="zh-TW" altLang="en-US" dirty="0"/>
           </a:p>
@@ -31740,7 +31525,7 @@
           <a:lstStyle/>
           <a:p>
             <a:r>
-              <a:rPr lang="en-US" altLang="zh-TW" b="1" dirty="0" smtClean="0">
+              <a:rPr lang="en-US" altLang="zh-TW" b="1" dirty="0">
                 <a:solidFill>
                   <a:srgbClr val="0000FF"/>
                 </a:solidFill>
@@ -31748,15 +31533,15 @@
               <a:t>Inference</a:t>
             </a:r>
             <a:r>
-              <a:rPr lang="en-US" altLang="zh-TW" dirty="0" smtClean="0"/>
+              <a:rPr lang="en-US" altLang="zh-TW" dirty="0"/>
               <a:t>: How to solve the “</a:t>
             </a:r>
             <a:r>
-              <a:rPr lang="en-US" altLang="zh-TW" dirty="0" err="1" smtClean="0"/>
+              <a:rPr lang="en-US" altLang="zh-TW" dirty="0" err="1"/>
               <a:t>arg</a:t>
             </a:r>
             <a:r>
-              <a:rPr lang="en-US" altLang="zh-TW" dirty="0" smtClean="0"/>
+              <a:rPr lang="en-US" altLang="zh-TW" dirty="0"/>
               <a:t> max” problem</a:t>
             </a:r>
             <a:endParaRPr lang="zh-TW" altLang="en-US" dirty="0"/>
@@ -31785,7 +31570,7 @@
           <a:graphicData uri="http://schemas.openxmlformats.org/presentationml/2006/ole">
             <mc:AlternateContent xmlns:mc="http://schemas.openxmlformats.org/markup-compatibility/2006">
               <mc:Choice xmlns:v="urn:schemas-microsoft-com:vml" Requires="v">
-                <p:oleObj spid="_x0000_s5364" name="方程式" r:id="rId3" imgW="1218960" imgH="291960" progId="Equation.3">
+                <p:oleObj spid="_x0000_s5430" name="方程式" r:id="rId3" imgW="1218960" imgH="291960" progId="Equation.3">
                   <p:embed/>
                 </p:oleObj>
               </mc:Choice>
@@ -31816,7 +31601,6 @@
                         <a:avLst/>
                       </a:prstGeom>
                       <a:noFill/>
-                      <a:extLst/>
                     </p:spPr>
                   </p:pic>
                 </p:oleObj>
@@ -31849,15 +31633,15 @@
           <a:p>
             <a:pPr algn="ctr"/>
             <a:r>
-              <a:rPr lang="en-US" altLang="zh-TW" sz="2800" dirty="0" smtClean="0"/>
+              <a:rPr lang="en-US" altLang="zh-TW" sz="2800" dirty="0"/>
               <a:t>The space </a:t>
             </a:r>
             <a:r>
-              <a:rPr lang="en-US" altLang="zh-TW" sz="2800" i="1" dirty="0" smtClean="0"/>
+              <a:rPr lang="en-US" altLang="zh-TW" sz="2800" i="1" dirty="0"/>
               <a:t>Y</a:t>
             </a:r>
             <a:r>
-              <a:rPr lang="en-US" altLang="zh-TW" sz="2800" dirty="0" smtClean="0"/>
+              <a:rPr lang="en-US" altLang="zh-TW" sz="2800" dirty="0"/>
               <a:t> can be extremely large!</a:t>
             </a:r>
             <a:endParaRPr lang="zh-TW" altLang="en-US" sz="2800" dirty="0"/>
@@ -31888,7 +31672,7 @@
           <a:p>
             <a:pPr algn="ctr"/>
             <a:r>
-              <a:rPr lang="en-US" altLang="zh-TW" sz="2400" b="1" i="1" u="sng" dirty="0" smtClean="0"/>
+              <a:rPr lang="en-US" altLang="zh-TW" sz="2400" b="1" i="1" u="sng" dirty="0"/>
               <a:t>Object Detection:</a:t>
             </a:r>
             <a:endParaRPr lang="zh-TW" altLang="en-US" sz="2400" b="1" i="1" u="sng" dirty="0"/>
@@ -31919,7 +31703,7 @@
           <a:p>
             <a:pPr algn="ctr"/>
             <a:r>
-              <a:rPr lang="en-US" altLang="zh-TW" sz="2400" b="1" i="1" u="sng" dirty="0" smtClean="0"/>
+              <a:rPr lang="en-US" altLang="zh-TW" sz="2400" b="1" i="1" u="sng" dirty="0"/>
               <a:t>Summarization:</a:t>
             </a:r>
             <a:endParaRPr lang="zh-TW" altLang="en-US" sz="2400" b="1" i="1" u="sng" dirty="0"/>
@@ -31949,11 +31733,11 @@
           <a:lstStyle/>
           <a:p>
             <a:r>
-              <a:rPr lang="en-US" altLang="zh-TW" sz="2400" i="1" dirty="0" smtClean="0"/>
+              <a:rPr lang="en-US" altLang="zh-TW" sz="2400" i="1" dirty="0"/>
               <a:t>Y</a:t>
             </a:r>
             <a:r>
-              <a:rPr lang="en-US" altLang="zh-TW" sz="2400" dirty="0" smtClean="0"/>
+              <a:rPr lang="en-US" altLang="zh-TW" sz="2400" dirty="0"/>
               <a:t>=All possible bounding box </a:t>
             </a:r>
             <a:endParaRPr lang="zh-TW" altLang="en-US" sz="2400" dirty="0"/>
@@ -31983,11 +31767,11 @@
           <a:lstStyle/>
           <a:p>
             <a:r>
-              <a:rPr lang="en-US" altLang="zh-TW" sz="2400" i="1" dirty="0" smtClean="0"/>
+              <a:rPr lang="en-US" altLang="zh-TW" sz="2400" i="1" dirty="0"/>
               <a:t>Y</a:t>
             </a:r>
             <a:r>
-              <a:rPr lang="en-US" altLang="zh-TW" sz="2400" dirty="0" smtClean="0"/>
+              <a:rPr lang="en-US" altLang="zh-TW" sz="2400" dirty="0"/>
               <a:t>=All combination of sentence set in a document …</a:t>
             </a:r>
             <a:endParaRPr lang="zh-TW" altLang="en-US" sz="2400" dirty="0"/>
@@ -32018,7 +31802,7 @@
           <a:p>
             <a:pPr algn="ctr"/>
             <a:r>
-              <a:rPr lang="en-US" altLang="zh-TW" sz="2400" b="1" i="1" u="sng" dirty="0" smtClean="0"/>
+              <a:rPr lang="en-US" altLang="zh-TW" sz="2400" b="1" i="1" u="sng" dirty="0"/>
               <a:t>Retrieval:</a:t>
             </a:r>
             <a:endParaRPr lang="zh-TW" altLang="en-US" sz="2400" b="1" i="1" u="sng" dirty="0"/>
@@ -32048,11 +31832,11 @@
           <a:lstStyle/>
           <a:p>
             <a:r>
-              <a:rPr lang="en-US" altLang="zh-TW" sz="2400" i="1" dirty="0" smtClean="0"/>
+              <a:rPr lang="en-US" altLang="zh-TW" sz="2400" i="1" dirty="0"/>
               <a:t>Y</a:t>
             </a:r>
             <a:r>
-              <a:rPr lang="en-US" altLang="zh-TW" sz="2400" dirty="0" smtClean="0"/>
+              <a:rPr lang="en-US" altLang="zh-TW" sz="2400" dirty="0"/>
               <a:t>=All possible webpage ranking ….</a:t>
             </a:r>
             <a:endParaRPr lang="zh-TW" altLang="en-US" sz="2400" dirty="0"/>
@@ -32082,7 +31866,7 @@
           <a:lstStyle/>
           <a:p>
             <a:r>
-              <a:rPr lang="en-US" altLang="zh-TW" sz="2400" dirty="0" smtClean="0"/>
+              <a:rPr lang="en-US" altLang="zh-TW" sz="2400" dirty="0"/>
               <a:t>(maybe tractable)</a:t>
             </a:r>
             <a:endParaRPr lang="zh-TW" altLang="en-US" sz="2400" dirty="0"/>
@@ -32468,15 +32252,7 @@
                   <a:srgbClr val="0000FF"/>
                 </a:solidFill>
               </a:rPr>
-              <a:t>Problem </a:t>
-            </a:r>
-            <a:r>
-              <a:rPr lang="en-US" altLang="zh-TW" dirty="0" smtClean="0">
-                <a:solidFill>
-                  <a:srgbClr val="0000FF"/>
-                </a:solidFill>
-              </a:rPr>
-              <a:t>3</a:t>
+              <a:t>Problem 3</a:t>
             </a:r>
             <a:endParaRPr lang="zh-TW" altLang="en-US" dirty="0"/>
           </a:p>
@@ -32507,27 +32283,15 @@
               <a:t>Training</a:t>
             </a:r>
             <a:r>
-              <a:rPr lang="en-US" altLang="zh-TW" dirty="0" smtClean="0"/>
-              <a:t>: </a:t>
-            </a:r>
-            <a:r>
               <a:rPr lang="en-US" altLang="zh-TW" dirty="0"/>
-              <a:t>Given training data, how to </a:t>
-            </a:r>
-            <a:r>
-              <a:rPr lang="en-US" altLang="zh-TW" dirty="0" smtClean="0"/>
-              <a:t>find </a:t>
-            </a:r>
-            <a:r>
-              <a:rPr lang="en-US" altLang="zh-TW" dirty="0"/>
-              <a:t>F(</a:t>
+              <a:t>: Given training data, how to find F(</a:t>
             </a:r>
             <a:r>
               <a:rPr lang="en-US" altLang="zh-TW" dirty="0" err="1"/>
               <a:t>x,y</a:t>
             </a:r>
             <a:r>
-              <a:rPr lang="en-US" altLang="zh-TW" dirty="0" smtClean="0"/>
+              <a:rPr lang="en-US" altLang="zh-TW" dirty="0"/>
               <a:t>)</a:t>
             </a:r>
           </a:p>
@@ -32572,7 +32336,7 @@
             <a:graphicData uri="http://schemas.openxmlformats.org/presentationml/2006/ole">
               <mc:AlternateContent xmlns:mc="http://schemas.openxmlformats.org/markup-compatibility/2006">
                 <mc:Choice xmlns:v="urn:schemas-microsoft-com:vml" Requires="v">
-                  <p:oleObj spid="_x0000_s85275" name="方程式" r:id="rId4" imgW="1879560" imgH="228600" progId="Equation.3">
+                  <p:oleObj spid="_x0000_s85935" name="方程式" r:id="rId4" imgW="1879560" imgH="228600" progId="Equation.3">
                     <p:embed/>
                   </p:oleObj>
                 </mc:Choice>
@@ -32603,7 +32367,6 @@
                           <a:avLst/>
                         </a:prstGeom>
                         <a:noFill/>
-                        <a:extLst/>
                       </p:spPr>
                     </p:pic>
                   </p:oleObj>
@@ -32666,7 +32429,7 @@
           <a:lstStyle/>
           <a:p>
             <a:r>
-              <a:rPr lang="en-US" altLang="zh-TW" sz="2800" b="1" i="1" u="sng" dirty="0" smtClean="0"/>
+              <a:rPr lang="en-US" altLang="zh-TW" sz="2800" b="1" i="1" u="sng" dirty="0"/>
               <a:t>Principle</a:t>
             </a:r>
             <a:endParaRPr lang="zh-TW" altLang="en-US" sz="2800" b="1" i="1" u="sng" dirty="0"/>
@@ -32696,15 +32459,15 @@
           <a:lstStyle/>
           <a:p>
             <a:r>
-              <a:rPr lang="en-US" altLang="zh-TW" sz="2400" dirty="0" smtClean="0"/>
+              <a:rPr lang="en-US" altLang="zh-TW" sz="2400" dirty="0"/>
               <a:t>We should find F(</a:t>
             </a:r>
             <a:r>
-              <a:rPr lang="en-US" altLang="zh-TW" sz="2400" dirty="0" err="1" smtClean="0"/>
+              <a:rPr lang="en-US" altLang="zh-TW" sz="2400" dirty="0" err="1"/>
               <a:t>x,y</a:t>
             </a:r>
             <a:r>
-              <a:rPr lang="en-US" altLang="zh-TW" sz="2400" dirty="0" smtClean="0"/>
+              <a:rPr lang="en-US" altLang="zh-TW" sz="2400" dirty="0"/>
               <a:t>) such that ……</a:t>
             </a:r>
             <a:endParaRPr lang="zh-TW" altLang="en-US" sz="2400" dirty="0"/>
@@ -32944,7 +32707,7 @@
           <a:graphicData uri="http://schemas.openxmlformats.org/presentationml/2006/ole">
             <mc:AlternateContent xmlns:mc="http://schemas.openxmlformats.org/markup-compatibility/2006">
               <mc:Choice xmlns:v="urn:schemas-microsoft-com:vml" Requires="v">
-                <p:oleObj spid="_x0000_s85276" name="方程式" r:id="rId6" imgW="533160" imgH="228600" progId="Equation.3">
+                <p:oleObj spid="_x0000_s85936" name="方程式" r:id="rId6" imgW="533160" imgH="228600" progId="Equation.3">
                   <p:embed/>
                 </p:oleObj>
               </mc:Choice>
@@ -32975,7 +32738,6 @@
                         <a:avLst/>
                       </a:prstGeom>
                       <a:noFill/>
-                      <a:extLst/>
                     </p:spPr>
                   </p:pic>
                 </p:oleObj>
@@ -33008,7 +32770,7 @@
           <a:p>
             <a:pPr algn="ctr"/>
             <a:r>
-              <a:rPr lang="en-US" altLang="zh-TW" sz="2800" dirty="0" smtClean="0"/>
+              <a:rPr lang="en-US" altLang="zh-TW" sz="2800" dirty="0"/>
               <a:t>……</a:t>
             </a:r>
             <a:endParaRPr lang="zh-TW" altLang="en-US" sz="2800" dirty="0"/>
@@ -33039,7 +32801,7 @@
           <a:p>
             <a:pPr algn="ctr"/>
             <a:r>
-              <a:rPr lang="en-US" altLang="zh-TW" sz="2800" dirty="0" smtClean="0"/>
+              <a:rPr lang="en-US" altLang="zh-TW" sz="2800" dirty="0"/>
               <a:t>……</a:t>
             </a:r>
             <a:endParaRPr lang="zh-TW" altLang="en-US" sz="2800" dirty="0"/>
@@ -33128,7 +32890,7 @@
             <a:graphicData uri="http://schemas.openxmlformats.org/presentationml/2006/ole">
               <mc:AlternateContent xmlns:mc="http://schemas.openxmlformats.org/markup-compatibility/2006">
                 <mc:Choice xmlns:v="urn:schemas-microsoft-com:vml" Requires="v">
-                  <p:oleObj spid="_x0000_s85277" name="方程式" r:id="rId8" imgW="482400" imgH="228600" progId="Equation.3">
+                  <p:oleObj spid="_x0000_s85937" name="方程式" r:id="rId8" imgW="482400" imgH="228600" progId="Equation.3">
                     <p:embed/>
                   </p:oleObj>
                 </mc:Choice>
@@ -33159,7 +32921,6 @@
                           <a:avLst/>
                         </a:prstGeom>
                         <a:noFill/>
-                        <a:extLst/>
                       </p:spPr>
                     </p:pic>
                   </p:oleObj>
@@ -33190,7 +32951,7 @@
             <a:graphicData uri="http://schemas.openxmlformats.org/presentationml/2006/ole">
               <mc:AlternateContent xmlns:mc="http://schemas.openxmlformats.org/markup-compatibility/2006">
                 <mc:Choice xmlns:v="urn:schemas-microsoft-com:vml" Requires="v">
-                  <p:oleObj spid="_x0000_s85278" name="方程式" r:id="rId10" imgW="419040" imgH="228600" progId="Equation.3">
+                  <p:oleObj spid="_x0000_s85938" name="方程式" r:id="rId10" imgW="419040" imgH="228600" progId="Equation.3">
                     <p:embed/>
                   </p:oleObj>
                 </mc:Choice>
@@ -33221,7 +32982,6 @@
                           <a:avLst/>
                         </a:prstGeom>
                         <a:noFill/>
-                        <a:extLst/>
                       </p:spPr>
                     </p:pic>
                   </p:oleObj>
@@ -33254,7 +33014,7 @@
             <a:p>
               <a:pPr algn="ctr"/>
               <a:r>
-                <a:rPr lang="en-US" altLang="zh-TW" sz="2400" dirty="0" smtClean="0"/>
+                <a:rPr lang="en-US" altLang="zh-TW" sz="2400" dirty="0"/>
                 <a:t>for all</a:t>
               </a:r>
               <a:endParaRPr lang="zh-TW" altLang="en-US" sz="2400" dirty="0"/>
@@ -33509,7 +33269,7 @@
             <a:graphicData uri="http://schemas.openxmlformats.org/presentationml/2006/ole">
               <mc:AlternateContent xmlns:mc="http://schemas.openxmlformats.org/markup-compatibility/2006">
                 <mc:Choice xmlns:v="urn:schemas-microsoft-com:vml" Requires="v">
-                  <p:oleObj spid="_x0000_s85279" name="方程式" r:id="rId12" imgW="571320" imgH="228600" progId="Equation.3">
+                  <p:oleObj spid="_x0000_s85939" name="方程式" r:id="rId12" imgW="571320" imgH="228600" progId="Equation.3">
                     <p:embed/>
                   </p:oleObj>
                 </mc:Choice>
@@ -33540,7 +33300,6 @@
                           <a:avLst/>
                         </a:prstGeom>
                         <a:noFill/>
-                        <a:extLst/>
                       </p:spPr>
                     </p:pic>
                   </p:oleObj>
@@ -33571,7 +33330,7 @@
             <a:graphicData uri="http://schemas.openxmlformats.org/presentationml/2006/ole">
               <mc:AlternateContent xmlns:mc="http://schemas.openxmlformats.org/markup-compatibility/2006">
                 <mc:Choice xmlns:v="urn:schemas-microsoft-com:vml" Requires="v">
-                  <p:oleObj spid="_x0000_s85280" name="方程式" r:id="rId14" imgW="495000" imgH="228600" progId="Equation.3">
+                  <p:oleObj spid="_x0000_s85940" name="方程式" r:id="rId14" imgW="495000" imgH="228600" progId="Equation.3">
                     <p:embed/>
                   </p:oleObj>
                 </mc:Choice>
@@ -33602,7 +33361,6 @@
                           <a:avLst/>
                         </a:prstGeom>
                         <a:noFill/>
-                        <a:extLst/>
                       </p:spPr>
                     </p:pic>
                   </p:oleObj>
@@ -33633,7 +33391,7 @@
             <a:graphicData uri="http://schemas.openxmlformats.org/presentationml/2006/ole">
               <mc:AlternateContent xmlns:mc="http://schemas.openxmlformats.org/markup-compatibility/2006">
                 <mc:Choice xmlns:v="urn:schemas-microsoft-com:vml" Requires="v">
-                  <p:oleObj spid="_x0000_s85281" name="方程式" r:id="rId16" imgW="431640" imgH="228600" progId="Equation.3">
+                  <p:oleObj spid="_x0000_s85941" name="方程式" r:id="rId16" imgW="431640" imgH="228600" progId="Equation.3">
                     <p:embed/>
                   </p:oleObj>
                 </mc:Choice>
@@ -33664,7 +33422,6 @@
                           <a:avLst/>
                         </a:prstGeom>
                         <a:noFill/>
-                        <a:extLst/>
                       </p:spPr>
                     </p:pic>
                   </p:oleObj>
@@ -33743,7 +33500,7 @@
             <a:p>
               <a:pPr algn="ctr"/>
               <a:r>
-                <a:rPr lang="en-US" altLang="zh-TW" sz="2400" dirty="0" smtClean="0"/>
+                <a:rPr lang="en-US" altLang="zh-TW" sz="2400" dirty="0"/>
                 <a:t>for all</a:t>
               </a:r>
               <a:endParaRPr lang="zh-TW" altLang="en-US" sz="2400" dirty="0"/>
@@ -33998,7 +33755,7 @@
             <a:graphicData uri="http://schemas.openxmlformats.org/presentationml/2006/ole">
               <mc:AlternateContent xmlns:mc="http://schemas.openxmlformats.org/markup-compatibility/2006">
                 <mc:Choice xmlns:v="urn:schemas-microsoft-com:vml" Requires="v">
-                  <p:oleObj spid="_x0000_s85282" name="方程式" r:id="rId18" imgW="558720" imgH="228600" progId="Equation.3">
+                  <p:oleObj spid="_x0000_s85942" name="方程式" r:id="rId18" imgW="558720" imgH="228600" progId="Equation.3">
                     <p:embed/>
                   </p:oleObj>
                 </mc:Choice>
@@ -34029,7 +33786,6 @@
                           <a:avLst/>
                         </a:prstGeom>
                         <a:noFill/>
-                        <a:extLst/>
                       </p:spPr>
                     </p:pic>
                   </p:oleObj>
@@ -34060,7 +33816,7 @@
             <a:graphicData uri="http://schemas.openxmlformats.org/presentationml/2006/ole">
               <mc:AlternateContent xmlns:mc="http://schemas.openxmlformats.org/markup-compatibility/2006">
                 <mc:Choice xmlns:v="urn:schemas-microsoft-com:vml" Requires="v">
-                  <p:oleObj spid="_x0000_s85283" name="方程式" r:id="rId20" imgW="495000" imgH="228600" progId="Equation.3">
+                  <p:oleObj spid="_x0000_s85943" name="方程式" r:id="rId20" imgW="495000" imgH="228600" progId="Equation.3">
                     <p:embed/>
                   </p:oleObj>
                 </mc:Choice>
@@ -34091,7 +33847,6 @@
                           <a:avLst/>
                         </a:prstGeom>
                         <a:noFill/>
-                        <a:extLst/>
                       </p:spPr>
                     </p:pic>
                   </p:oleObj>
@@ -34122,7 +33877,7 @@
             <a:graphicData uri="http://schemas.openxmlformats.org/presentationml/2006/ole">
               <mc:AlternateContent xmlns:mc="http://schemas.openxmlformats.org/markup-compatibility/2006">
                 <mc:Choice xmlns:v="urn:schemas-microsoft-com:vml" Requires="v">
-                  <p:oleObj spid="_x0000_s85284" name="方程式" r:id="rId22" imgW="431640" imgH="228600" progId="Equation.3">
+                  <p:oleObj spid="_x0000_s85944" name="方程式" r:id="rId22" imgW="431640" imgH="228600" progId="Equation.3">
                     <p:embed/>
                   </p:oleObj>
                 </mc:Choice>
@@ -34153,7 +33908,6 @@
                           <a:avLst/>
                         </a:prstGeom>
                         <a:noFill/>
-                        <a:extLst/>
                       </p:spPr>
                     </p:pic>
                   </p:oleObj>
@@ -34232,7 +33986,7 @@
             <a:p>
               <a:pPr algn="ctr"/>
               <a:r>
-                <a:rPr lang="en-US" altLang="zh-TW" sz="2400" dirty="0" smtClean="0"/>
+                <a:rPr lang="en-US" altLang="zh-TW" sz="2400" dirty="0"/>
                 <a:t>for all</a:t>
               </a:r>
               <a:endParaRPr lang="zh-TW" altLang="en-US" sz="2400" dirty="0"/>
@@ -34863,7 +34617,7 @@
           <a:lstStyle/>
           <a:p>
             <a:r>
-              <a:rPr lang="en-US" altLang="zh-TW" dirty="0" smtClean="0"/>
+              <a:rPr lang="en-US" altLang="zh-TW" dirty="0"/>
               <a:t>Three Problems</a:t>
             </a:r>
             <a:endParaRPr lang="zh-TW" altLang="en-US" dirty="0"/>
@@ -34935,7 +34689,7 @@
           <a:graphicData uri="http://schemas.openxmlformats.org/presentationml/2006/ole">
             <mc:AlternateContent xmlns:mc="http://schemas.openxmlformats.org/markup-compatibility/2006">
               <mc:Choice xmlns:v="urn:schemas-microsoft-com:vml" Requires="v">
-                <p:oleObj spid="_x0000_s10485" name="方程式" r:id="rId9" imgW="1218960" imgH="291960" progId="Equation.3">
+                <p:oleObj spid="_x0000_s10551" name="方程式" r:id="rId9" imgW="1218960" imgH="291960" progId="Equation.3">
                   <p:embed/>
                 </p:oleObj>
               </mc:Choice>
@@ -34966,7 +34720,6 @@
                         <a:avLst/>
                       </a:prstGeom>
                       <a:noFill/>
-                      <a:extLst/>
                     </p:spPr>
                   </p:pic>
                 </p:oleObj>
@@ -35108,13 +34861,6 @@
   <p:clrMapOvr>
     <a:masterClrMapping/>
   </p:clrMapOvr>
-  <p:timing>
-    <p:tnLst>
-      <p:par>
-        <p:cTn id="1" dur="indefinite" restart="never" nodeType="tmRoot"/>
-      </p:par>
-    </p:tnLst>
-  </p:timing>
 </p:sld>
 </file>
 
@@ -35151,7 +34897,7 @@
           <a:lstStyle/>
           <a:p>
             <a:r>
-              <a:rPr lang="en-US" altLang="zh-TW" dirty="0" smtClean="0"/>
+              <a:rPr lang="en-US" altLang="zh-TW" dirty="0"/>
               <a:t>Structured Learning</a:t>
             </a:r>
             <a:endParaRPr lang="zh-TW" altLang="en-US" dirty="0"/>
@@ -35174,38 +34920,30 @@
           <a:lstStyle/>
           <a:p>
             <a:r>
-              <a:rPr lang="en-US" altLang="zh-TW" dirty="0" smtClean="0"/>
+              <a:rPr lang="en-US" altLang="zh-TW" dirty="0"/>
               <a:t>We need a more powerful function </a:t>
             </a:r>
             <a:r>
-              <a:rPr lang="en-US" altLang="zh-TW" i="1" dirty="0" smtClean="0"/>
+              <a:rPr lang="en-US" altLang="zh-TW" i="1" dirty="0"/>
               <a:t>f</a:t>
             </a:r>
           </a:p>
           <a:p>
             <a:pPr lvl="1"/>
             <a:r>
-              <a:rPr lang="en-US" altLang="zh-TW" sz="2800" dirty="0" smtClean="0"/>
+              <a:rPr lang="en-US" altLang="zh-TW" sz="2800" dirty="0"/>
               <a:t>Input and output are both objects with structures</a:t>
             </a:r>
           </a:p>
           <a:p>
             <a:pPr lvl="1"/>
             <a:r>
-              <a:rPr lang="en-US" altLang="zh-TW" sz="2800" i="1" dirty="0" smtClean="0"/>
+              <a:rPr lang="en-US" altLang="zh-TW" sz="2800" i="1" dirty="0"/>
               <a:t>Object</a:t>
             </a:r>
             <a:r>
               <a:rPr lang="en-US" altLang="zh-TW" sz="2800" dirty="0"/>
-              <a:t>: sequence, list, </a:t>
-            </a:r>
-            <a:r>
-              <a:rPr lang="en-US" altLang="zh-TW" sz="2800" dirty="0" smtClean="0"/>
-              <a:t>tree, bounding box </a:t>
-            </a:r>
-            <a:r>
-              <a:rPr lang="en-US" altLang="zh-TW" sz="2800" dirty="0"/>
-              <a:t>…</a:t>
+              <a:t>: sequence, list, tree, bounding box …</a:t>
             </a:r>
             <a:endParaRPr lang="zh-TW" altLang="en-US" sz="2800" dirty="0"/>
           </a:p>
@@ -35238,11 +34976,11 @@
           <a:lstStyle/>
           <a:p>
             <a:r>
-              <a:rPr lang="en-US" altLang="zh-TW" sz="2800" b="1" i="1" dirty="0" smtClean="0"/>
+              <a:rPr lang="en-US" altLang="zh-TW" sz="2800" b="1" i="1" dirty="0"/>
               <a:t>X</a:t>
             </a:r>
             <a:r>
-              <a:rPr lang="en-US" altLang="zh-TW" sz="2800" dirty="0" smtClean="0"/>
+              <a:rPr lang="en-US" altLang="zh-TW" sz="2800" dirty="0"/>
               <a:t> is the space of one kind of object </a:t>
             </a:r>
             <a:endParaRPr lang="zh-TW" altLang="en-US" sz="2800" dirty="0"/>
@@ -35276,7 +35014,7 @@
               <a:t>Y</a:t>
             </a:r>
             <a:r>
-              <a:rPr lang="en-US" altLang="zh-TW" sz="2800" dirty="0" smtClean="0"/>
+              <a:rPr lang="en-US" altLang="zh-TW" sz="2800" dirty="0"/>
               <a:t> is the space of another kind of object </a:t>
             </a:r>
             <a:endParaRPr lang="zh-TW" altLang="en-US" sz="2800" dirty="0"/>
@@ -35305,7 +35043,7 @@
           <a:graphicData uri="http://schemas.openxmlformats.org/presentationml/2006/ole">
             <mc:AlternateContent xmlns:mc="http://schemas.openxmlformats.org/markup-compatibility/2006">
               <mc:Choice xmlns:v="urn:schemas-microsoft-com:vml" Requires="v">
-                <p:oleObj spid="_x0000_s2332" name="方程式" r:id="rId4" imgW="685800" imgH="203040" progId="Equation.3">
+                <p:oleObj spid="_x0000_s2398" name="方程式" r:id="rId4" imgW="685800" imgH="203040" progId="Equation.3">
                   <p:embed/>
                 </p:oleObj>
               </mc:Choice>
@@ -35336,7 +35074,6 @@
                         <a:avLst/>
                       </a:prstGeom>
                       <a:noFill/>
-                      <a:extLst/>
                     </p:spPr>
                   </p:pic>
                 </p:oleObj>
@@ -35663,44 +35400,6 @@
           </a:effectLst>
         </p:spPr>
       </p:pic>
-      <p:sp>
-        <p:nvSpPr>
-          <p:cNvPr id="2" name="標題 1"/>
-          <p:cNvSpPr>
-            <a:spLocks noGrp="1"/>
-          </p:cNvSpPr>
-          <p:nvPr>
-            <p:ph type="title"/>
-          </p:nvPr>
-        </p:nvSpPr>
-        <p:spPr/>
-        <p:txBody>
-          <a:bodyPr/>
-          <a:lstStyle/>
-          <a:p>
-            <a:endParaRPr lang="zh-TW" altLang="en-US" dirty="0"/>
-          </a:p>
-        </p:txBody>
-      </p:sp>
-      <p:sp>
-        <p:nvSpPr>
-          <p:cNvPr id="3" name="內容版面配置區 2"/>
-          <p:cNvSpPr>
-            <a:spLocks noGrp="1"/>
-          </p:cNvSpPr>
-          <p:nvPr>
-            <p:ph idx="1"/>
-          </p:nvPr>
-        </p:nvSpPr>
-        <p:spPr/>
-        <p:txBody>
-          <a:bodyPr/>
-          <a:lstStyle/>
-          <a:p>
-            <a:endParaRPr lang="zh-TW" altLang="en-US" dirty="0"/>
-          </a:p>
-        </p:txBody>
-      </p:sp>
       <p:pic>
         <p:nvPicPr>
           <p:cNvPr id="5" name="圖片 4"/>
@@ -35770,7 +35469,7 @@
           <a:lstStyle/>
           <a:p>
             <a:r>
-              <a:rPr lang="en-US" altLang="zh-TW" sz="2400" dirty="0" smtClean="0">
+              <a:rPr lang="en-US" altLang="zh-TW" sz="2400" dirty="0">
                 <a:solidFill>
                   <a:srgbClr val="141823"/>
                 </a:solidFill>
@@ -35806,14 +35505,13 @@
           <a:p>
             <a:pPr algn="ctr"/>
             <a:r>
-              <a:rPr lang="en-US" altLang="zh-TW" sz="2400" b="1" i="1" dirty="0" smtClean="0"/>
+              <a:rPr lang="en-US" altLang="zh-TW" sz="2400" b="1" i="1" dirty="0"/>
               <a:t>From </a:t>
             </a:r>
             <a:r>
-              <a:rPr lang="zh-TW" altLang="en-US" sz="2400" b="1" i="1" dirty="0" smtClean="0"/>
+              <a:rPr lang="zh-TW" altLang="en-US" sz="2400" b="1" i="1" dirty="0"/>
               <a:t>數位語音處理</a:t>
             </a:r>
-            <a:endParaRPr lang="zh-TW" altLang="en-US" sz="2400" b="1" i="1" dirty="0"/>
           </a:p>
         </p:txBody>
       </p:sp>
@@ -35992,72 +35690,60 @@
           <a:lstStyle/>
           <a:p>
             <a:r>
-              <a:rPr lang="en-US" altLang="zh-TW" b="1" i="1" u="sng" dirty="0" smtClean="0"/>
+              <a:rPr lang="en-US" altLang="zh-TW" b="1" i="1" u="sng" dirty="0"/>
               <a:t>Viterbi Algorithm</a:t>
             </a:r>
           </a:p>
           <a:p>
             <a:pPr lvl="1"/>
             <a:r>
-              <a:rPr lang="zh-TW" altLang="en-US" dirty="0" smtClean="0"/>
+              <a:rPr lang="zh-TW" altLang="en-US" dirty="0"/>
               <a:t>數位語音處理</a:t>
             </a:r>
             <a:r>
-              <a:rPr lang="en-US" altLang="zh-TW" dirty="0" smtClean="0"/>
+              <a:rPr lang="en-US" altLang="zh-TW" dirty="0"/>
               <a:t>:</a:t>
             </a:r>
           </a:p>
           <a:p>
             <a:pPr lvl="2"/>
             <a:r>
-              <a:rPr lang="en-US" altLang="zh-TW" sz="2400" dirty="0" smtClean="0">
-                <a:hlinkClick r:id="rId2"/>
+              <a:rPr lang="en-US" altLang="zh-TW" sz="2400" dirty="0">
+                <a:hlinkClick r:id="rId3"/>
               </a:rPr>
               <a:t>http://speech.ee.ntu.edu.tw/DSP2015Autumn/Videos/20150930_4.0.fsp.wmv/index.html</a:t>
             </a:r>
             <a:r>
-              <a:rPr lang="en-US" altLang="zh-TW" sz="2400" dirty="0" smtClean="0"/>
+              <a:rPr lang="en-US" altLang="zh-TW" sz="2400" dirty="0"/>
               <a:t> (</a:t>
             </a:r>
             <a:r>
-              <a:rPr lang="zh-TW" altLang="en-US" sz="2400" dirty="0" smtClean="0"/>
+              <a:rPr lang="zh-TW" altLang="en-US" sz="2400" dirty="0"/>
               <a:t>請用 </a:t>
             </a:r>
             <a:r>
-              <a:rPr lang="en-US" altLang="zh-TW" sz="2400" dirty="0" smtClean="0"/>
+              <a:rPr lang="en-US" altLang="zh-TW" sz="2400" dirty="0"/>
               <a:t>IE</a:t>
             </a:r>
             <a:r>
-              <a:rPr lang="zh-TW" altLang="en-US" sz="2400" dirty="0" smtClean="0"/>
+              <a:rPr lang="zh-TW" altLang="en-US" sz="2400" dirty="0"/>
               <a:t> 開啟</a:t>
             </a:r>
             <a:r>
-              <a:rPr lang="en-US" altLang="zh-TW" sz="2400" dirty="0" smtClean="0"/>
+              <a:rPr lang="en-US" altLang="zh-TW" sz="2400" dirty="0"/>
               <a:t>)</a:t>
             </a:r>
           </a:p>
           <a:p>
             <a:pPr lvl="2"/>
             <a:r>
-              <a:rPr lang="en-US" altLang="zh-TW" sz="2400" dirty="0" smtClean="0">
-                <a:hlinkClick r:id="rId3"/>
+              <a:rPr lang="en-US" altLang="zh-TW" sz="2400" dirty="0">
+                <a:hlinkClick r:id="rId4"/>
               </a:rPr>
-              <a:t>http</a:t>
+              <a:t>http://speech.ee.ntu.edu.tw/DSP2015Autumn/Videos/20151007_4.0.fsp.wmv/index.html</a:t>
             </a:r>
             <a:r>
-              <a:rPr lang="en-US" altLang="zh-TW" sz="2400" dirty="0">
-                <a:hlinkClick r:id="rId3"/>
-              </a:rPr>
-              <a:t>://</a:t>
-            </a:r>
-            <a:r>
-              <a:rPr lang="en-US" altLang="zh-TW" sz="2400" dirty="0" smtClean="0">
-                <a:hlinkClick r:id="rId3"/>
-              </a:rPr>
-              <a:t>speech.ee.ntu.edu.tw/DSP2015Autumn/Videos/20151007_4.0.fsp.wmv/index.html</a:t>
-            </a:r>
-            <a:r>
-              <a:rPr lang="zh-TW" altLang="en-US" sz="2400" dirty="0" smtClean="0"/>
+              <a:rPr lang="zh-TW" altLang="en-US" sz="2400" dirty="0"/>
               <a:t> </a:t>
             </a:r>
             <a:r>
@@ -36077,25 +35763,24 @@
               <a:t> 開啟</a:t>
             </a:r>
             <a:r>
-              <a:rPr lang="en-US" altLang="zh-TW" sz="2400" dirty="0" smtClean="0"/>
+              <a:rPr lang="en-US" altLang="zh-TW" sz="2400" dirty="0"/>
               <a:t>)</a:t>
             </a:r>
           </a:p>
           <a:p>
             <a:pPr lvl="1"/>
             <a:r>
-              <a:rPr lang="zh-TW" altLang="en-US" dirty="0" smtClean="0"/>
+              <a:rPr lang="zh-TW" altLang="en-US" dirty="0"/>
               <a:t>演算法</a:t>
             </a:r>
-            <a:endParaRPr lang="en-US" altLang="zh-TW" dirty="0" smtClean="0"/>
+            <a:endParaRPr lang="en-US" altLang="zh-TW" dirty="0"/>
           </a:p>
           <a:p>
             <a:pPr lvl="1"/>
             <a:r>
-              <a:rPr lang="zh-TW" altLang="en-US" dirty="0" smtClean="0"/>
+              <a:rPr lang="zh-TW" altLang="en-US" dirty="0"/>
               <a:t>數位通信相關課程</a:t>
             </a:r>
-            <a:endParaRPr lang="zh-TW" altLang="en-US" dirty="0"/>
           </a:p>
         </p:txBody>
       </p:sp>
@@ -36387,7 +36072,7 @@
           <a:lstStyle/>
           <a:p>
             <a:r>
-              <a:rPr lang="en-US" altLang="zh-TW" dirty="0" smtClean="0"/>
+              <a:rPr lang="en-US" altLang="zh-TW" dirty="0"/>
               <a:t>Example Application</a:t>
             </a:r>
             <a:endParaRPr lang="zh-TW" altLang="en-US" dirty="0"/>
@@ -36442,7 +36127,7 @@
           </a:p>
           <a:p>
             <a:r>
-              <a:rPr lang="en-US" altLang="zh-TW" sz="2400" b="1" dirty="0" smtClean="0"/>
+              <a:rPr lang="en-US" altLang="zh-TW" sz="2400" b="1" dirty="0"/>
               <a:t>Translation</a:t>
             </a:r>
           </a:p>
@@ -36454,41 +36139,21 @@
             </a:r>
             <a:r>
               <a:rPr lang="en-US" altLang="zh-TW" dirty="0"/>
-              <a:t>: </a:t>
+              <a:t>: Mandarin sentence (sequence) → </a:t>
             </a:r>
             <a:r>
-              <a:rPr lang="en-US" altLang="zh-TW" dirty="0" smtClean="0"/>
-              <a:t>Mandarin sentence (sequence</a:t>
+              <a:rPr lang="en-US" altLang="zh-TW" i="1" dirty="0"/>
+              <a:t>Y</a:t>
             </a:r>
             <a:r>
               <a:rPr lang="en-US" altLang="zh-TW" dirty="0"/>
-              <a:t>) → </a:t>
-            </a:r>
-            <a:r>
-              <a:rPr lang="en-US" altLang="zh-TW" i="1" dirty="0" smtClean="0"/>
-              <a:t>Y</a:t>
-            </a:r>
-            <a:r>
-              <a:rPr lang="en-US" altLang="zh-TW" dirty="0" smtClean="0"/>
-              <a:t>: English sentence </a:t>
-            </a:r>
-            <a:r>
-              <a:rPr lang="en-US" altLang="zh-TW" dirty="0"/>
-              <a:t>(sequence</a:t>
-            </a:r>
-            <a:r>
-              <a:rPr lang="en-US" altLang="zh-TW" dirty="0" smtClean="0"/>
-              <a:t>)</a:t>
+              <a:t>: English sentence (sequence)</a:t>
             </a:r>
           </a:p>
           <a:p>
             <a:r>
-              <a:rPr lang="en-US" altLang="zh-TW" sz="2400" b="1" dirty="0" smtClean="0"/>
-              <a:t>Syntactic </a:t>
-            </a:r>
-            <a:r>
               <a:rPr lang="en-US" altLang="zh-TW" sz="2400" b="1" dirty="0"/>
-              <a:t>Paring</a:t>
+              <a:t>Syntactic Paring</a:t>
             </a:r>
           </a:p>
           <a:p>
@@ -36537,10 +36202,9 @@
           </a:p>
           <a:p>
             <a:r>
-              <a:rPr lang="en-US" altLang="zh-TW" sz="2400" b="1" dirty="0" smtClean="0"/>
+              <a:rPr lang="en-US" altLang="zh-TW" sz="2400" b="1" dirty="0"/>
               <a:t>Summarization</a:t>
             </a:r>
-            <a:endParaRPr lang="en-US" altLang="zh-TW" sz="2400" b="1" dirty="0"/>
           </a:p>
           <a:p>
             <a:pPr lvl="1"/>
@@ -36563,26 +36227,26 @@
           </a:p>
           <a:p>
             <a:r>
-              <a:rPr lang="en-US" altLang="zh-TW" sz="2400" b="1" dirty="0" smtClean="0"/>
+              <a:rPr lang="en-US" altLang="zh-TW" sz="2400" b="1" dirty="0"/>
               <a:t>Retrieval</a:t>
             </a:r>
           </a:p>
           <a:p>
             <a:pPr lvl="1"/>
             <a:r>
-              <a:rPr lang="en-US" altLang="zh-TW" i="1" dirty="0" smtClean="0"/>
+              <a:rPr lang="en-US" altLang="zh-TW" i="1" dirty="0"/>
               <a:t>X</a:t>
             </a:r>
             <a:r>
-              <a:rPr lang="en-US" altLang="zh-TW" dirty="0" smtClean="0"/>
+              <a:rPr lang="en-US" altLang="zh-TW" dirty="0"/>
               <a:t>: keyword → </a:t>
             </a:r>
             <a:r>
-              <a:rPr lang="en-US" altLang="zh-TW" i="1" dirty="0" smtClean="0"/>
+              <a:rPr lang="en-US" altLang="zh-TW" i="1" dirty="0"/>
               <a:t>Y</a:t>
             </a:r>
             <a:r>
-              <a:rPr lang="en-US" altLang="zh-TW" dirty="0" smtClean="0"/>
+              <a:rPr lang="en-US" altLang="zh-TW" dirty="0"/>
               <a:t>: search result (a list of webpage)</a:t>
             </a:r>
           </a:p>
@@ -37155,7 +36819,7 @@
           <a:lstStyle/>
           <a:p>
             <a:r>
-              <a:rPr lang="en-US" altLang="zh-TW" dirty="0" smtClean="0"/>
+              <a:rPr lang="en-US" altLang="zh-TW" dirty="0"/>
               <a:t>Unified Framework</a:t>
             </a:r>
             <a:endParaRPr lang="zh-TW" altLang="en-US" dirty="0"/>
@@ -37206,7 +36870,7 @@
           <a:graphicData uri="http://schemas.openxmlformats.org/presentationml/2006/ole">
             <mc:AlternateContent xmlns:mc="http://schemas.openxmlformats.org/markup-compatibility/2006">
               <mc:Choice xmlns:v="urn:schemas-microsoft-com:vml" Requires="v">
-                <p:oleObj spid="_x0000_s4040" name="方程式" r:id="rId9" imgW="888840" imgH="177480" progId="Equation.3">
+                <p:oleObj spid="_x0000_s96464" name="方程式" r:id="rId9" imgW="888840" imgH="177480" progId="Equation.3">
                   <p:embed/>
                 </p:oleObj>
               </mc:Choice>
@@ -37237,7 +36901,6 @@
                         <a:avLst/>
                       </a:prstGeom>
                       <a:noFill/>
-                      <a:extLst/>
                     </p:spPr>
                   </p:pic>
                 </p:oleObj>
@@ -37268,7 +36931,7 @@
           <a:graphicData uri="http://schemas.openxmlformats.org/presentationml/2006/ole">
             <mc:AlternateContent xmlns:mc="http://schemas.openxmlformats.org/markup-compatibility/2006">
               <mc:Choice xmlns:v="urn:schemas-microsoft-com:vml" Requires="v">
-                <p:oleObj spid="_x0000_s4041" name="方程式" r:id="rId11" imgW="1218960" imgH="291960" progId="Equation.3">
+                <p:oleObj spid="_x0000_s96465" name="方程式" r:id="rId11" imgW="1218960" imgH="291960" progId="Equation.3">
                   <p:embed/>
                 </p:oleObj>
               </mc:Choice>
@@ -37299,7 +36962,6 @@
                         <a:avLst/>
                       </a:prstGeom>
                       <a:noFill/>
-                      <a:extLst/>
                     </p:spPr>
                   </p:pic>
                 </p:oleObj>
@@ -37344,16 +37006,12 @@
           <a:lstStyle/>
           <a:p>
             <a:r>
-              <a:rPr lang="en-US" altLang="zh-TW" sz="2400" dirty="0" smtClean="0"/>
+              <a:rPr lang="en-US" altLang="zh-TW" sz="2400" dirty="0"/>
               <a:t>Energy-based Model: </a:t>
             </a:r>
             <a:r>
-              <a:rPr lang="zh-TW" altLang="en-US" sz="2400" dirty="0" smtClean="0"/>
-              <a:t>http</a:t>
-            </a:r>
-            <a:r>
               <a:rPr lang="zh-TW" altLang="en-US" sz="2400" dirty="0"/>
-              <a:t>://www.cs.nyu.edu/~yann/research/ebm/</a:t>
+              <a:t>http://www.cs.nyu.edu/~yann/research/ebm/</a:t>
             </a:r>
           </a:p>
         </p:txBody>
@@ -37380,7 +37038,7 @@
           <a:graphicData uri="http://schemas.openxmlformats.org/presentationml/2006/ole">
             <mc:AlternateContent xmlns:mc="http://schemas.openxmlformats.org/markup-compatibility/2006">
               <mc:Choice xmlns:v="urn:schemas-microsoft-com:vml" Requires="v">
-                <p:oleObj spid="_x0000_s4042" name="方程式" r:id="rId13" imgW="1650960" imgH="291960" progId="Equation.3">
+                <p:oleObj spid="_x0000_s96466" name="方程式" r:id="rId13" imgW="1650960" imgH="291960" progId="Equation.3">
                   <p:embed/>
                 </p:oleObj>
               </mc:Choice>
@@ -37411,7 +37069,6 @@
                         <a:avLst/>
                       </a:prstGeom>
                       <a:noFill/>
-                      <a:extLst/>
                     </p:spPr>
                   </p:pic>
                 </p:oleObj>
@@ -37442,7 +37099,7 @@
           <a:graphicData uri="http://schemas.openxmlformats.org/presentationml/2006/ole">
             <mc:AlternateContent xmlns:mc="http://schemas.openxmlformats.org/markup-compatibility/2006">
               <mc:Choice xmlns:v="urn:schemas-microsoft-com:vml" Requires="v">
-                <p:oleObj spid="_x0000_s4043" name="方程式" r:id="rId15" imgW="685800" imgH="203040" progId="Equation.3">
+                <p:oleObj spid="_x0000_s96467" name="方程式" r:id="rId15" imgW="685800" imgH="203040" progId="Equation.3">
                   <p:embed/>
                 </p:oleObj>
               </mc:Choice>
@@ -37473,7 +37130,6 @@
                         <a:avLst/>
                       </a:prstGeom>
                       <a:noFill/>
-                      <a:extLst/>
                     </p:spPr>
                   </p:pic>
                 </p:oleObj>
@@ -37767,15 +37423,11 @@
               <a:rPr lang="en-US" altLang="zh-TW" dirty="0"/>
               <a:t>Unified Framework </a:t>
             </a:r>
-            <a:r>
-              <a:rPr lang="en-US" altLang="zh-TW" dirty="0" smtClean="0"/>
-              <a:t/>
-            </a:r>
             <a:br>
-              <a:rPr lang="en-US" altLang="zh-TW" dirty="0" smtClean="0"/>
+              <a:rPr lang="en-US" altLang="zh-TW" dirty="0"/>
             </a:br>
             <a:r>
-              <a:rPr lang="en-US" altLang="zh-TW" dirty="0" smtClean="0"/>
+              <a:rPr lang="en-US" altLang="zh-TW" dirty="0"/>
               <a:t>– Object Detection</a:t>
             </a:r>
             <a:endParaRPr lang="zh-TW" altLang="en-US" dirty="0"/>
@@ -37798,7 +37450,7 @@
           <a:lstStyle/>
           <a:p>
             <a:r>
-              <a:rPr lang="en-US" altLang="zh-TW" dirty="0" smtClean="0"/>
+              <a:rPr lang="en-US" altLang="zh-TW" dirty="0"/>
               <a:t>Task description</a:t>
             </a:r>
           </a:p>
@@ -37836,7 +37488,7 @@
           <p:nvPr/>
         </p:nvPicPr>
         <p:blipFill>
-          <a:blip r:embed="rId3" cstate="print">
+          <a:blip r:embed="rId4" cstate="print">
             <a:extLst>
               <a:ext uri="{28A0092B-C50C-407E-A947-70E740481C1C}">
                 <a14:useLocalDpi xmlns:a14="http://schemas.microsoft.com/office/drawing/2010/main" val="0"/>
@@ -37879,12 +37531,12 @@
           <a:graphicData uri="http://schemas.openxmlformats.org/presentationml/2006/ole">
             <mc:AlternateContent xmlns:mc="http://schemas.openxmlformats.org/markup-compatibility/2006">
               <mc:Choice xmlns:v="urn:schemas-microsoft-com:vml" Requires="v">
-                <p:oleObj spid="_x0000_s87084" name="方程式" r:id="rId4" imgW="228600" imgH="177480" progId="Equation.3">
+                <p:oleObj spid="_x0000_s87216" name="方程式" r:id="rId5" imgW="228600" imgH="177480" progId="Equation.3">
                   <p:embed/>
                 </p:oleObj>
               </mc:Choice>
               <mc:Fallback>
-                <p:oleObj name="方程式" r:id="rId4" imgW="228600" imgH="177480" progId="Equation.3">
+                <p:oleObj name="方程式" r:id="rId5" imgW="228600" imgH="177480" progId="Equation.3">
                   <p:embed/>
                   <p:pic>
                     <p:nvPicPr>
@@ -37895,7 +37547,7 @@
                       <p:nvPr/>
                     </p:nvPicPr>
                     <p:blipFill>
-                      <a:blip r:embed="rId5"/>
+                      <a:blip r:embed="rId6"/>
                       <a:srcRect/>
                       <a:stretch>
                         <a:fillRect/>
@@ -37910,7 +37562,6 @@
                         <a:avLst/>
                       </a:prstGeom>
                       <a:noFill/>
-                      <a:extLst/>
                     </p:spPr>
                   </p:pic>
                 </p:oleObj>
@@ -37942,7 +37593,7 @@
           <a:lstStyle/>
           <a:p>
             <a:r>
-              <a:rPr lang="en-US" altLang="zh-TW" sz="2400" dirty="0" smtClean="0"/>
+              <a:rPr lang="en-US" altLang="zh-TW" sz="2400" dirty="0"/>
               <a:t>Image</a:t>
             </a:r>
             <a:endParaRPr lang="zh-TW" altLang="en-US" sz="2400" dirty="0"/>
@@ -37972,7 +37623,7 @@
           <a:lstStyle/>
           <a:p>
             <a:r>
-              <a:rPr lang="en-US" altLang="zh-TW" sz="2400" dirty="0" smtClean="0"/>
+              <a:rPr lang="en-US" altLang="zh-TW" sz="2400" dirty="0"/>
               <a:t>Bounding Box</a:t>
             </a:r>
             <a:endParaRPr lang="zh-TW" altLang="en-US" sz="2400" dirty="0"/>
@@ -38001,12 +37652,12 @@
           <a:graphicData uri="http://schemas.openxmlformats.org/presentationml/2006/ole">
             <mc:AlternateContent xmlns:mc="http://schemas.openxmlformats.org/markup-compatibility/2006">
               <mc:Choice xmlns:v="urn:schemas-microsoft-com:vml" Requires="v">
-                <p:oleObj spid="_x0000_s87085" name="方程式" r:id="rId6" imgW="203040" imgH="177480" progId="Equation.3">
+                <p:oleObj spid="_x0000_s87217" name="方程式" r:id="rId7" imgW="203040" imgH="177480" progId="Equation.3">
                   <p:embed/>
                 </p:oleObj>
               </mc:Choice>
               <mc:Fallback>
-                <p:oleObj name="方程式" r:id="rId6" imgW="203040" imgH="177480" progId="Equation.3">
+                <p:oleObj name="方程式" r:id="rId7" imgW="203040" imgH="177480" progId="Equation.3">
                   <p:embed/>
                   <p:pic>
                     <p:nvPicPr>
@@ -38017,7 +37668,7 @@
                       <p:nvPr/>
                     </p:nvPicPr>
                     <p:blipFill>
-                      <a:blip r:embed="rId7"/>
+                      <a:blip r:embed="rId8"/>
                       <a:srcRect/>
                       <a:stretch>
                         <a:fillRect/>
@@ -38032,7 +37683,6 @@
                         <a:avLst/>
                       </a:prstGeom>
                       <a:noFill/>
-                      <a:extLst/>
                     </p:spPr>
                   </p:pic>
                 </p:oleObj>
@@ -38109,7 +37759,7 @@
           <a:lstStyle/>
           <a:p>
             <a:r>
-              <a:rPr lang="en-US" altLang="zh-TW" sz="2800" dirty="0" err="1" smtClean="0">
+              <a:rPr lang="en-US" altLang="zh-TW" sz="2800" dirty="0" err="1">
                 <a:solidFill>
                   <a:srgbClr val="FF0000"/>
                 </a:solidFill>
@@ -38148,7 +37798,7 @@
           <a:lstStyle/>
           <a:p>
             <a:r>
-              <a:rPr lang="en-US" altLang="zh-TW" sz="2400" dirty="0" smtClean="0"/>
+              <a:rPr lang="en-US" altLang="zh-TW" sz="2400" dirty="0"/>
               <a:t>(the girl with yellow ribbon)</a:t>
             </a:r>
             <a:endParaRPr lang="zh-TW" altLang="en-US" sz="2400" dirty="0"/>
@@ -38200,7 +37850,7 @@
           <p:nvPr/>
         </p:nvPicPr>
         <p:blipFill>
-          <a:blip r:embed="rId8" cstate="print">
+          <a:blip r:embed="rId9" cstate="print">
             <a:extLst>
               <a:ext uri="{28A0092B-C50C-407E-A947-70E740481C1C}">
                 <a14:useLocalDpi xmlns:a14="http://schemas.microsoft.com/office/drawing/2010/main" val="0"/>
@@ -38241,7 +37891,7 @@
           <p:nvPr/>
         </p:nvPicPr>
         <p:blipFill>
-          <a:blip r:embed="rId9">
+          <a:blip r:embed="rId10">
             <a:extLst>
               <a:ext uri="{28A0092B-C50C-407E-A947-70E740481C1C}">
                 <a14:useLocalDpi xmlns:a14="http://schemas.microsoft.com/office/drawing/2010/main" val="0"/>
@@ -38891,11 +38541,7 @@
           <a:p>
             <a:r>
               <a:rPr lang="en-US" altLang="zh-TW" sz="2400" dirty="0"/>
-              <a:t>x</a:t>
-            </a:r>
-            <a:r>
-              <a:rPr lang="en-US" altLang="zh-TW" sz="2400" dirty="0" smtClean="0"/>
-              <a:t>: Image</a:t>
+              <a:t>x: Image</a:t>
             </a:r>
             <a:endParaRPr lang="zh-TW" altLang="en-US" sz="2400" dirty="0"/>
           </a:p>
@@ -38924,7 +38570,7 @@
           <a:lstStyle/>
           <a:p>
             <a:r>
-              <a:rPr lang="en-US" altLang="zh-TW" sz="2400" dirty="0" smtClean="0"/>
+              <a:rPr lang="en-US" altLang="zh-TW" sz="2400" dirty="0"/>
               <a:t>y: Bounding Box</a:t>
             </a:r>
             <a:endParaRPr lang="zh-TW" altLang="en-US" sz="2400" dirty="0"/>
@@ -38954,15 +38600,15 @@
           <a:p>
             <a:pPr lvl="0"/>
             <a:r>
-              <a:rPr lang="en-US" altLang="zh-TW" sz="2400" dirty="0" smtClean="0"/>
+              <a:rPr lang="en-US" altLang="zh-TW" sz="2400" dirty="0"/>
               <a:t>F(</a:t>
             </a:r>
             <a:r>
-              <a:rPr lang="en-US" altLang="zh-TW" sz="2400" dirty="0" err="1" smtClean="0"/>
+              <a:rPr lang="en-US" altLang="zh-TW" sz="2400" dirty="0" err="1"/>
               <a:t>x,y</a:t>
             </a:r>
             <a:r>
-              <a:rPr lang="en-US" altLang="zh-TW" sz="2400" dirty="0" smtClean="0"/>
+              <a:rPr lang="en-US" altLang="zh-TW" sz="2400" dirty="0"/>
               <a:t>)</a:t>
             </a:r>
             <a:endParaRPr lang="zh-TW" altLang="en-US" sz="2400" dirty="0"/>
@@ -39052,15 +38698,15 @@
           <a:p>
             <a:pPr lvl="0"/>
             <a:r>
-              <a:rPr lang="en-US" altLang="zh-TW" sz="2400" dirty="0" smtClean="0"/>
+              <a:rPr lang="en-US" altLang="zh-TW" sz="2400" dirty="0"/>
               <a:t>the correctness of taking range of y in x as “</a:t>
             </a:r>
             <a:r>
-              <a:rPr lang="en-US" altLang="zh-TW" sz="2400" dirty="0" err="1" smtClean="0"/>
+              <a:rPr lang="en-US" altLang="zh-TW" sz="2400" dirty="0" err="1"/>
               <a:t>Haruhi</a:t>
             </a:r>
             <a:r>
-              <a:rPr lang="en-US" altLang="zh-TW" sz="2400" dirty="0" smtClean="0"/>
+              <a:rPr lang="en-US" altLang="zh-TW" sz="2400" dirty="0"/>
               <a:t>”</a:t>
             </a:r>
             <a:endParaRPr lang="zh-TW" altLang="en-US" sz="2400" dirty="0"/>
@@ -39104,7 +38750,7 @@
             <a:p>
               <a:pPr lvl="0"/>
               <a:r>
-                <a:rPr lang="en-US" altLang="zh-TW" sz="2400" dirty="0" smtClean="0"/>
+                <a:rPr lang="en-US" altLang="zh-TW" sz="2400" dirty="0"/>
                 <a:t>F(                    )</a:t>
               </a:r>
               <a:endParaRPr lang="zh-TW" altLang="en-US" sz="2400" dirty="0"/>
@@ -39263,15 +38909,15 @@
           <a:p>
             <a:pPr algn="ctr"/>
             <a:r>
-              <a:rPr lang="en-US" altLang="zh-TW" sz="2400" dirty="0" smtClean="0"/>
+              <a:rPr lang="en-US" altLang="zh-TW" sz="2400" dirty="0"/>
               <a:t>F(</a:t>
             </a:r>
             <a:r>
-              <a:rPr lang="en-US" altLang="zh-TW" sz="2400" dirty="0" err="1" smtClean="0"/>
+              <a:rPr lang="en-US" altLang="zh-TW" sz="2400" dirty="0" err="1"/>
               <a:t>x,y</a:t>
             </a:r>
             <a:r>
-              <a:rPr lang="en-US" altLang="zh-TW" sz="2400" dirty="0" smtClean="0"/>
+              <a:rPr lang="en-US" altLang="zh-TW" sz="2400" dirty="0"/>
               <a:t>)</a:t>
             </a:r>
             <a:endParaRPr lang="zh-TW" altLang="en-US" sz="2400" dirty="0"/>
@@ -41642,7 +41288,7 @@
           <a:lstStyle/>
           <a:p>
             <a:r>
-              <a:rPr lang="en-US" altLang="zh-TW" sz="2400" dirty="0" smtClean="0"/>
+              <a:rPr lang="en-US" altLang="zh-TW" sz="2400" dirty="0"/>
               <a:t>Enumerate all possible bounding box y</a:t>
             </a:r>
             <a:endParaRPr lang="zh-TW" altLang="en-US" sz="2400" dirty="0"/>
@@ -41686,7 +41332,7 @@
             <a:p>
               <a:pPr lvl="0"/>
               <a:r>
-                <a:rPr lang="en-US" altLang="zh-TW" sz="2400" dirty="0" smtClean="0"/>
+                <a:rPr lang="en-US" altLang="zh-TW" sz="2400" dirty="0"/>
                 <a:t>input x = </a:t>
               </a:r>
               <a:endParaRPr lang="zh-TW" altLang="en-US" sz="2400" dirty="0"/>
@@ -42119,15 +41765,15 @@
           <a:p>
             <a:pPr algn="ctr"/>
             <a:r>
-              <a:rPr lang="en-US" altLang="zh-TW" sz="2400" dirty="0" smtClean="0"/>
+              <a:rPr lang="en-US" altLang="zh-TW" sz="2400" dirty="0"/>
               <a:t>F(</a:t>
             </a:r>
             <a:r>
-              <a:rPr lang="en-US" altLang="zh-TW" sz="2400" dirty="0" err="1" smtClean="0"/>
+              <a:rPr lang="en-US" altLang="zh-TW" sz="2400" dirty="0" err="1"/>
               <a:t>x,y</a:t>
             </a:r>
             <a:r>
-              <a:rPr lang="en-US" altLang="zh-TW" sz="2400" dirty="0" smtClean="0"/>
+              <a:rPr lang="en-US" altLang="zh-TW" sz="2400" dirty="0"/>
               <a:t>)</a:t>
             </a:r>
             <a:endParaRPr lang="zh-TW" altLang="en-US" sz="2400" dirty="0"/>
@@ -42302,7 +41948,7 @@
           <a:p>
             <a:pPr algn="ctr"/>
             <a:r>
-              <a:rPr lang="en-US" altLang="zh-TW" sz="2000" dirty="0" smtClean="0">
+              <a:rPr lang="en-US" altLang="zh-TW" sz="2000" dirty="0">
                 <a:solidFill>
                   <a:srgbClr val="FF0000"/>
                 </a:solidFill>
@@ -42419,7 +42065,7 @@
           <a:p>
             <a:pPr algn="ctr"/>
             <a:r>
-              <a:rPr lang="en-US" altLang="zh-TW" sz="2000" dirty="0" smtClean="0">
+              <a:rPr lang="en-US" altLang="zh-TW" sz="2000" dirty="0">
                 <a:solidFill>
                   <a:srgbClr val="FFFF00"/>
                 </a:solidFill>
@@ -42458,7 +42104,7 @@
           <a:p>
             <a:pPr algn="ctr"/>
             <a:r>
-              <a:rPr lang="en-US" altLang="zh-TW" sz="2800" b="1" dirty="0" smtClean="0"/>
+              <a:rPr lang="en-US" altLang="zh-TW" sz="2800" b="1" dirty="0"/>
               <a:t>……</a:t>
             </a:r>
             <a:endParaRPr lang="zh-TW" altLang="en-US" sz="2800" b="1" dirty="0"/>
@@ -42660,7 +42306,7 @@
           <a:lstStyle/>
           <a:p>
             <a:r>
-              <a:rPr lang="en-US" altLang="zh-TW" sz="2400" b="1" dirty="0" smtClean="0">
+              <a:rPr lang="en-US" altLang="zh-TW" sz="2400" b="1" dirty="0">
                 <a:solidFill>
                   <a:srgbClr val="FF0000"/>
                 </a:solidFill>
@@ -43766,15 +43412,11 @@
               <a:rPr lang="en-US" altLang="zh-TW" dirty="0"/>
               <a:t>Unified Framework </a:t>
             </a:r>
-            <a:r>
-              <a:rPr lang="en-US" altLang="zh-TW" dirty="0" smtClean="0"/>
-              <a:t/>
-            </a:r>
             <a:br>
-              <a:rPr lang="en-US" altLang="zh-TW" dirty="0" smtClean="0"/>
+              <a:rPr lang="en-US" altLang="zh-TW" dirty="0"/>
             </a:br>
             <a:r>
-              <a:rPr lang="en-US" altLang="zh-TW" dirty="0" smtClean="0"/>
+              <a:rPr lang="en-US" altLang="zh-TW" dirty="0"/>
               <a:t>- Summarization</a:t>
             </a:r>
             <a:endParaRPr lang="zh-TW" altLang="en-US" dirty="0"/>
@@ -43802,21 +43444,21 @@
           <a:lstStyle/>
           <a:p>
             <a:r>
-              <a:rPr lang="en-US" altLang="zh-TW" dirty="0" smtClean="0"/>
+              <a:rPr lang="en-US" altLang="zh-TW" dirty="0"/>
               <a:t>Task description</a:t>
             </a:r>
           </a:p>
           <a:p>
             <a:pPr lvl="1"/>
             <a:r>
-              <a:rPr lang="en-US" altLang="zh-TW" dirty="0" smtClean="0"/>
+              <a:rPr lang="en-US" altLang="zh-TW" dirty="0"/>
               <a:t>Given a long document</a:t>
             </a:r>
           </a:p>
           <a:p>
             <a:pPr lvl="1"/>
             <a:r>
-              <a:rPr lang="en-US" altLang="zh-TW" dirty="0" smtClean="0"/>
+              <a:rPr lang="en-US" altLang="zh-TW" dirty="0"/>
               <a:t>Select a set of sentences from the document, and cascade the sentences to form a short paragraph </a:t>
             </a:r>
             <a:endParaRPr lang="zh-TW" altLang="en-US" dirty="0"/>
@@ -43869,7 +43511,7 @@
           <a:graphicData uri="http://schemas.openxmlformats.org/presentationml/2006/ole">
             <mc:AlternateContent xmlns:mc="http://schemas.openxmlformats.org/markup-compatibility/2006">
               <mc:Choice xmlns:v="urn:schemas-microsoft-com:vml" Requires="v">
-                <p:oleObj spid="_x0000_s14810" name="方程式" r:id="rId4" imgW="177480" imgH="164880" progId="Equation.3">
+                <p:oleObj spid="_x0000_s14942" name="方程式" r:id="rId4" imgW="177480" imgH="164880" progId="Equation.3">
                   <p:embed/>
                 </p:oleObj>
               </mc:Choice>
@@ -43900,7 +43542,6 @@
                         <a:avLst/>
                       </a:prstGeom>
                       <a:noFill/>
-                      <a:extLst/>
                     </p:spPr>
                   </p:pic>
                 </p:oleObj>
@@ -43931,7 +43572,7 @@
           <a:graphicData uri="http://schemas.openxmlformats.org/presentationml/2006/ole">
             <mc:AlternateContent xmlns:mc="http://schemas.openxmlformats.org/markup-compatibility/2006">
               <mc:Choice xmlns:v="urn:schemas-microsoft-com:vml" Requires="v">
-                <p:oleObj spid="_x0000_s14811" name="方程式" r:id="rId6" imgW="164880" imgH="164880" progId="Equation.3">
+                <p:oleObj spid="_x0000_s14943" name="方程式" r:id="rId6" imgW="164880" imgH="164880" progId="Equation.3">
                   <p:embed/>
                 </p:oleObj>
               </mc:Choice>
@@ -43962,7 +43603,6 @@
                         <a:avLst/>
                       </a:prstGeom>
                       <a:noFill/>
-                      <a:extLst/>
                     </p:spPr>
                   </p:pic>
                 </p:oleObj>
@@ -44030,53 +43670,52 @@
           <a:p>
             <a:pPr lvl="1"/>
             <a:r>
-              <a:rPr lang="en-US" altLang="zh-TW" sz="2400" dirty="0" smtClean="0"/>
+              <a:rPr lang="en-US" altLang="zh-TW" sz="2400" dirty="0"/>
               <a:t>long document</a:t>
             </a:r>
           </a:p>
           <a:p>
             <a:pPr lvl="1"/>
             <a:r>
-              <a:rPr lang="en-US" altLang="zh-TW" sz="2400" dirty="0" smtClean="0"/>
+              <a:rPr lang="en-US" altLang="zh-TW" sz="2400" dirty="0"/>
               <a:t>={s</a:t>
             </a:r>
             <a:r>
-              <a:rPr lang="en-US" altLang="zh-TW" sz="2400" baseline="-25000" dirty="0" smtClean="0"/>
+              <a:rPr lang="en-US" altLang="zh-TW" sz="2400" baseline="-25000" dirty="0"/>
               <a:t>1</a:t>
             </a:r>
             <a:r>
-              <a:rPr lang="en-US" altLang="zh-TW" sz="2400" dirty="0" smtClean="0"/>
+              <a:rPr lang="en-US" altLang="zh-TW" sz="2400" dirty="0"/>
               <a:t>, s</a:t>
             </a:r>
             <a:r>
-              <a:rPr lang="en-US" altLang="zh-TW" sz="2400" baseline="-25000" dirty="0" smtClean="0"/>
+              <a:rPr lang="en-US" altLang="zh-TW" sz="2400" baseline="-25000" dirty="0"/>
               <a:t>2</a:t>
             </a:r>
             <a:r>
-              <a:rPr lang="en-US" altLang="zh-TW" sz="2400" dirty="0" smtClean="0"/>
+              <a:rPr lang="en-US" altLang="zh-TW" sz="2400" dirty="0"/>
               <a:t>, s</a:t>
             </a:r>
             <a:r>
-              <a:rPr lang="en-US" altLang="zh-TW" sz="2400" baseline="-25000" dirty="0" smtClean="0"/>
+              <a:rPr lang="en-US" altLang="zh-TW" sz="2400" baseline="-25000" dirty="0"/>
               <a:t>3</a:t>
             </a:r>
             <a:r>
-              <a:rPr lang="en-US" altLang="zh-TW" sz="2400" dirty="0" smtClean="0"/>
+              <a:rPr lang="en-US" altLang="zh-TW" sz="2400" dirty="0"/>
               <a:t>, ……</a:t>
             </a:r>
             <a:r>
-              <a:rPr lang="en-US" altLang="zh-TW" sz="2400" dirty="0" err="1" smtClean="0"/>
+              <a:rPr lang="en-US" altLang="zh-TW" sz="2400" dirty="0" err="1"/>
               <a:t>s</a:t>
             </a:r>
             <a:r>
-              <a:rPr lang="en-US" altLang="zh-TW" sz="2400" baseline="-25000" dirty="0" err="1" smtClean="0"/>
+              <a:rPr lang="en-US" altLang="zh-TW" sz="2400" baseline="-25000" dirty="0" err="1"/>
               <a:t>i</a:t>
             </a:r>
             <a:r>
-              <a:rPr lang="en-US" altLang="zh-TW" sz="2400" dirty="0" smtClean="0"/>
+              <a:rPr lang="en-US" altLang="zh-TW" sz="2400" dirty="0"/>
               <a:t>…}</a:t>
             </a:r>
-            <a:endParaRPr lang="en-US" altLang="zh-TW" sz="2400" dirty="0"/>
           </a:p>
         </p:txBody>
       </p:sp>
@@ -44103,22 +43742,22 @@
           <a:p>
             <a:pPr lvl="1"/>
             <a:r>
-              <a:rPr lang="en-US" altLang="zh-TW" sz="2400" dirty="0" smtClean="0"/>
+              <a:rPr lang="en-US" altLang="zh-TW" sz="2400" dirty="0"/>
               <a:t>summary</a:t>
             </a:r>
           </a:p>
           <a:p>
             <a:pPr lvl="1"/>
             <a:r>
-              <a:rPr lang="en-US" altLang="zh-TW" sz="2400" dirty="0" smtClean="0"/>
+              <a:rPr lang="en-US" altLang="zh-TW" sz="2400" dirty="0"/>
               <a:t>={s</a:t>
             </a:r>
             <a:r>
-              <a:rPr lang="en-US" altLang="zh-TW" sz="2400" baseline="-25000" dirty="0" smtClean="0"/>
+              <a:rPr lang="en-US" altLang="zh-TW" sz="2400" baseline="-25000" dirty="0"/>
               <a:t>1</a:t>
             </a:r>
             <a:r>
-              <a:rPr lang="en-US" altLang="zh-TW" sz="2400" dirty="0" smtClean="0"/>
+              <a:rPr lang="en-US" altLang="zh-TW" sz="2400" dirty="0"/>
               <a:t>, s</a:t>
             </a:r>
             <a:r>
@@ -44126,18 +43765,17 @@
               <a:t>3</a:t>
             </a:r>
             <a:r>
-              <a:rPr lang="en-US" altLang="zh-TW" sz="2400" dirty="0" smtClean="0"/>
+              <a:rPr lang="en-US" altLang="zh-TW" sz="2400" dirty="0"/>
               <a:t>, s</a:t>
             </a:r>
             <a:r>
-              <a:rPr lang="en-US" altLang="zh-TW" sz="2400" baseline="-25000" dirty="0" smtClean="0"/>
+              <a:rPr lang="en-US" altLang="zh-TW" sz="2400" baseline="-25000" dirty="0"/>
               <a:t>5</a:t>
             </a:r>
             <a:r>
-              <a:rPr lang="en-US" altLang="zh-TW" sz="2400" dirty="0" smtClean="0"/>
+              <a:rPr lang="en-US" altLang="zh-TW" sz="2400" dirty="0"/>
               <a:t>}</a:t>
             </a:r>
-            <a:endParaRPr lang="en-US" altLang="zh-TW" sz="2400" dirty="0"/>
           </a:p>
         </p:txBody>
       </p:sp>
@@ -44164,30 +43802,29 @@
           <a:p>
             <a:pPr lvl="1"/>
             <a:r>
-              <a:rPr lang="en-US" altLang="zh-TW" sz="2400" dirty="0" err="1" smtClean="0"/>
+              <a:rPr lang="en-US" altLang="zh-TW" sz="2400" dirty="0" err="1"/>
               <a:t>s</a:t>
             </a:r>
             <a:r>
-              <a:rPr lang="en-US" altLang="zh-TW" sz="2400" baseline="-25000" dirty="0" err="1" smtClean="0"/>
+              <a:rPr lang="en-US" altLang="zh-TW" sz="2400" baseline="-25000" dirty="0" err="1"/>
               <a:t>i</a:t>
             </a:r>
             <a:r>
-              <a:rPr lang="en-US" altLang="zh-TW" sz="2400" dirty="0" smtClean="0"/>
+              <a:rPr lang="en-US" altLang="zh-TW" sz="2400" dirty="0"/>
               <a:t>: the </a:t>
             </a:r>
             <a:r>
-              <a:rPr lang="en-US" altLang="zh-TW" sz="2400" dirty="0" err="1" smtClean="0"/>
+              <a:rPr lang="en-US" altLang="zh-TW" sz="2400" dirty="0" err="1"/>
               <a:t>i</a:t>
             </a:r>
             <a:r>
-              <a:rPr lang="en-US" altLang="zh-TW" sz="2400" baseline="30000" dirty="0" err="1" smtClean="0"/>
+              <a:rPr lang="en-US" altLang="zh-TW" sz="2400" baseline="30000" dirty="0" err="1"/>
               <a:t>th</a:t>
             </a:r>
             <a:r>
-              <a:rPr lang="en-US" altLang="zh-TW" sz="2400" dirty="0" smtClean="0"/>
+              <a:rPr lang="en-US" altLang="zh-TW" sz="2400" dirty="0"/>
               <a:t> sentence</a:t>
             </a:r>
-            <a:endParaRPr lang="en-US" altLang="zh-TW" sz="2400" dirty="0"/>
           </a:p>
         </p:txBody>
       </p:sp>
@@ -44832,7 +44469,7 @@
                 </a:spcAft>
               </a:pPr>
               <a:r>
-                <a:rPr lang="en-US" altLang="zh-TW" sz="2400" kern="1200" dirty="0" smtClean="0"/>
+                <a:rPr lang="en-US" altLang="zh-TW" sz="2400" kern="1200" dirty="0"/>
                 <a:t>Step 1: Training</a:t>
               </a:r>
               <a:endParaRPr lang="zh-TW" altLang="en-US" sz="2400" kern="1200" dirty="0"/>
@@ -44955,7 +44592,7 @@
                 </a:spcAft>
               </a:pPr>
               <a:r>
-                <a:rPr lang="en-US" altLang="zh-TW" sz="2400" kern="1200" dirty="0" smtClean="0"/>
+                <a:rPr lang="en-US" altLang="zh-TW" sz="2400" kern="1200" dirty="0"/>
                 <a:t>Step 2: Inference</a:t>
               </a:r>
               <a:endParaRPr lang="zh-TW" altLang="en-US" sz="2400" kern="1200" dirty="0"/>
@@ -45023,15 +44660,15 @@
           <a:p>
             <a:pPr algn="ctr"/>
             <a:r>
-              <a:rPr lang="en-US" altLang="zh-TW" sz="2400" dirty="0" smtClean="0"/>
+              <a:rPr lang="en-US" altLang="zh-TW" sz="2400" dirty="0"/>
               <a:t>F(</a:t>
             </a:r>
             <a:r>
-              <a:rPr lang="en-US" altLang="zh-TW" sz="2400" dirty="0" err="1" smtClean="0"/>
+              <a:rPr lang="en-US" altLang="zh-TW" sz="2400" dirty="0" err="1"/>
               <a:t>x,y</a:t>
             </a:r>
             <a:r>
-              <a:rPr lang="en-US" altLang="zh-TW" sz="2400" dirty="0" smtClean="0"/>
+              <a:rPr lang="en-US" altLang="zh-TW" sz="2400" dirty="0"/>
               <a:t>)</a:t>
             </a:r>
             <a:endParaRPr lang="zh-TW" altLang="en-US" sz="2400" dirty="0"/>
@@ -45285,11 +44922,11 @@
                 <a:p>
                   <a:pPr algn="ctr"/>
                   <a:r>
-                    <a:rPr lang="en-US" altLang="zh-TW" sz="2400" dirty="0" smtClean="0"/>
+                    <a:rPr lang="en-US" altLang="zh-TW" sz="2400" dirty="0"/>
                     <a:t>d</a:t>
                   </a:r>
                   <a:r>
-                    <a:rPr lang="en-US" altLang="zh-TW" sz="2400" baseline="-25000" dirty="0" smtClean="0"/>
+                    <a:rPr lang="en-US" altLang="zh-TW" sz="2400" baseline="-25000" dirty="0"/>
                     <a:t>1</a:t>
                   </a:r>
                   <a:endParaRPr lang="zh-TW" altLang="en-US" sz="2400" baseline="-25000" dirty="0"/>
@@ -45581,7 +45218,7 @@
                 <a:p>
                   <a:pPr algn="ctr"/>
                   <a:r>
-                    <a:rPr lang="en-US" altLang="zh-TW" sz="2400" dirty="0" smtClean="0"/>
+                    <a:rPr lang="en-US" altLang="zh-TW" sz="2400" dirty="0"/>
                     <a:t>d</a:t>
                   </a:r>
                   <a:r>
@@ -45731,11 +45368,7 @@
                 <a:pPr algn="ctr"/>
                 <a:r>
                   <a:rPr lang="en-US" altLang="zh-TW" sz="2400" dirty="0"/>
-                  <a:t>d</a:t>
-                </a:r>
-                <a:r>
-                  <a:rPr lang="en-US" altLang="zh-TW" sz="2400" dirty="0" smtClean="0"/>
-                  <a:t>’</a:t>
+                  <a:t>d’</a:t>
                 </a:r>
                 <a:endParaRPr lang="zh-TW" altLang="en-US" sz="2400" baseline="-25000" dirty="0"/>
               </a:p>
@@ -45767,37 +45400,32 @@
               <a:pPr marL="0" lvl="1"/>
               <a:r>
                 <a:rPr lang="en-US" altLang="zh-TW" sz="2400" dirty="0"/>
-                <a:t>{</a:t>
+                <a:t>{s</a:t>
               </a:r>
               <a:r>
-                <a:rPr lang="en-US" altLang="zh-TW" sz="2400" dirty="0" smtClean="0"/>
-                <a:t>s</a:t>
-              </a:r>
-              <a:r>
-                <a:rPr lang="en-US" altLang="zh-TW" sz="2400" baseline="-25000" dirty="0" smtClean="0"/>
+                <a:rPr lang="en-US" altLang="zh-TW" sz="2400" baseline="-25000" dirty="0"/>
                 <a:t>2</a:t>
               </a:r>
               <a:r>
-                <a:rPr lang="en-US" altLang="zh-TW" sz="2400" dirty="0" smtClean="0"/>
+                <a:rPr lang="en-US" altLang="zh-TW" sz="2400" dirty="0"/>
                 <a:t>, s</a:t>
               </a:r>
               <a:r>
-                <a:rPr lang="en-US" altLang="zh-TW" sz="2400" baseline="-25000" dirty="0" smtClean="0"/>
+                <a:rPr lang="en-US" altLang="zh-TW" sz="2400" baseline="-25000" dirty="0"/>
                 <a:t>4</a:t>
               </a:r>
               <a:r>
-                <a:rPr lang="en-US" altLang="zh-TW" sz="2400" dirty="0" smtClean="0"/>
+                <a:rPr lang="en-US" altLang="zh-TW" sz="2400" dirty="0"/>
                 <a:t>, s</a:t>
               </a:r>
               <a:r>
-                <a:rPr lang="en-US" altLang="zh-TW" sz="2400" baseline="-25000" dirty="0" smtClean="0"/>
+                <a:rPr lang="en-US" altLang="zh-TW" sz="2400" baseline="-25000" dirty="0"/>
                 <a:t>6</a:t>
               </a:r>
               <a:r>
-                <a:rPr lang="en-US" altLang="zh-TW" sz="2400" dirty="0" smtClean="0"/>
+                <a:rPr lang="en-US" altLang="zh-TW" sz="2400" dirty="0"/>
                 <a:t>}</a:t>
               </a:r>
-              <a:endParaRPr lang="en-US" altLang="zh-TW" sz="2400" dirty="0"/>
             </a:p>
           </p:txBody>
         </p:sp>
@@ -45903,11 +45531,7 @@
                 <a:pPr algn="ctr"/>
                 <a:r>
                   <a:rPr lang="en-US" altLang="zh-TW" sz="2400" dirty="0"/>
-                  <a:t>d</a:t>
-                </a:r>
-                <a:r>
-                  <a:rPr lang="en-US" altLang="zh-TW" sz="2400" dirty="0" smtClean="0"/>
-                  <a:t>’</a:t>
+                  <a:t>d’</a:t>
                 </a:r>
                 <a:endParaRPr lang="zh-TW" altLang="en-US" sz="2400" baseline="-25000" dirty="0"/>
               </a:p>
@@ -45939,37 +45563,32 @@
               <a:pPr marL="0" lvl="1"/>
               <a:r>
                 <a:rPr lang="en-US" altLang="zh-TW" sz="2400" dirty="0"/>
-                <a:t>{</a:t>
+                <a:t>{s</a:t>
               </a:r>
               <a:r>
-                <a:rPr lang="en-US" altLang="zh-TW" sz="2400" dirty="0" smtClean="0"/>
-                <a:t>s</a:t>
-              </a:r>
-              <a:r>
-                <a:rPr lang="en-US" altLang="zh-TW" sz="2400" baseline="-25000" dirty="0" smtClean="0"/>
+                <a:rPr lang="en-US" altLang="zh-TW" sz="2400" baseline="-25000" dirty="0"/>
                 <a:t>3</a:t>
               </a:r>
               <a:r>
-                <a:rPr lang="en-US" altLang="zh-TW" sz="2400" dirty="0" smtClean="0"/>
+                <a:rPr lang="en-US" altLang="zh-TW" sz="2400" dirty="0"/>
                 <a:t>, s</a:t>
               </a:r>
               <a:r>
-                <a:rPr lang="en-US" altLang="zh-TW" sz="2400" baseline="-25000" dirty="0" smtClean="0"/>
+                <a:rPr lang="en-US" altLang="zh-TW" sz="2400" baseline="-25000" dirty="0"/>
                 <a:t>6</a:t>
               </a:r>
               <a:r>
-                <a:rPr lang="en-US" altLang="zh-TW" sz="2400" dirty="0" smtClean="0"/>
+                <a:rPr lang="en-US" altLang="zh-TW" sz="2400" dirty="0"/>
                 <a:t>, s</a:t>
               </a:r>
               <a:r>
-                <a:rPr lang="en-US" altLang="zh-TW" sz="2400" baseline="-25000" dirty="0" smtClean="0"/>
+                <a:rPr lang="en-US" altLang="zh-TW" sz="2400" baseline="-25000" dirty="0"/>
                 <a:t>9</a:t>
               </a:r>
               <a:r>
-                <a:rPr lang="en-US" altLang="zh-TW" sz="2400" dirty="0" smtClean="0"/>
+                <a:rPr lang="en-US" altLang="zh-TW" sz="2400" dirty="0"/>
                 <a:t>}</a:t>
               </a:r>
-              <a:endParaRPr lang="en-US" altLang="zh-TW" sz="2400" dirty="0"/>
             </a:p>
           </p:txBody>
         </p:sp>
@@ -46075,11 +45694,7 @@
                 <a:pPr algn="ctr"/>
                 <a:r>
                   <a:rPr lang="en-US" altLang="zh-TW" sz="2400" dirty="0"/>
-                  <a:t>d</a:t>
-                </a:r>
-                <a:r>
-                  <a:rPr lang="en-US" altLang="zh-TW" sz="2400" dirty="0" smtClean="0"/>
-                  <a:t>’</a:t>
+                  <a:t>d’</a:t>
                 </a:r>
                 <a:endParaRPr lang="zh-TW" altLang="en-US" sz="2400" baseline="-25000" dirty="0"/>
               </a:p>
@@ -46134,10 +45749,9 @@
                 <a:t>5</a:t>
               </a:r>
               <a:r>
-                <a:rPr lang="en-US" altLang="zh-TW" sz="2400" dirty="0" smtClean="0"/>
+                <a:rPr lang="en-US" altLang="zh-TW" sz="2400" dirty="0"/>
                 <a:t>}</a:t>
               </a:r>
-              <a:endParaRPr lang="en-US" altLang="zh-TW" sz="2400" dirty="0"/>
             </a:p>
           </p:txBody>
         </p:sp>
@@ -46165,7 +45779,7 @@
             <a:p>
               <a:pPr algn="ctr"/>
               <a:r>
-                <a:rPr lang="en-US" altLang="zh-TW" sz="2400" dirty="0" smtClean="0"/>
+                <a:rPr lang="en-US" altLang="zh-TW" sz="2400" dirty="0"/>
                 <a:t>x</a:t>
               </a:r>
               <a:endParaRPr lang="zh-TW" altLang="en-US" sz="2400" dirty="0"/>
@@ -46196,7 +45810,7 @@
             <a:p>
               <a:pPr algn="ctr"/>
               <a:r>
-                <a:rPr lang="en-US" altLang="zh-TW" sz="2400" dirty="0" smtClean="0"/>
+                <a:rPr lang="en-US" altLang="zh-TW" sz="2400" dirty="0"/>
                 <a:t>y</a:t>
               </a:r>
               <a:endParaRPr lang="zh-TW" altLang="en-US" sz="2400" dirty="0"/>
@@ -46264,15 +45878,15 @@
           <a:p>
             <a:pPr algn="ctr"/>
             <a:r>
-              <a:rPr lang="en-US" altLang="zh-TW" sz="2400" dirty="0" smtClean="0"/>
+              <a:rPr lang="en-US" altLang="zh-TW" sz="2400" dirty="0"/>
               <a:t>F(</a:t>
             </a:r>
             <a:r>
-              <a:rPr lang="en-US" altLang="zh-TW" sz="2400" dirty="0" err="1" smtClean="0"/>
+              <a:rPr lang="en-US" altLang="zh-TW" sz="2400" dirty="0" err="1"/>
               <a:t>x,y</a:t>
             </a:r>
             <a:r>
-              <a:rPr lang="en-US" altLang="zh-TW" sz="2400" dirty="0" smtClean="0"/>
+              <a:rPr lang="en-US" altLang="zh-TW" sz="2400" dirty="0"/>
               <a:t>)</a:t>
             </a:r>
             <a:endParaRPr lang="zh-TW" altLang="en-US" sz="2400" dirty="0"/>
@@ -46655,11 +46269,11 @@
               <a:p>
                 <a:pPr algn="ctr"/>
                 <a:r>
-                  <a:rPr lang="en-US" altLang="zh-TW" sz="2400" dirty="0" smtClean="0"/>
+                  <a:rPr lang="en-US" altLang="zh-TW" sz="2400" dirty="0"/>
                   <a:t>d</a:t>
                 </a:r>
                 <a:r>
-                  <a:rPr lang="en-US" altLang="zh-TW" sz="2400" baseline="-25000" dirty="0" smtClean="0"/>
+                  <a:rPr lang="en-US" altLang="zh-TW" sz="2400" baseline="-25000" dirty="0"/>
                   <a:t>1</a:t>
                 </a:r>
                 <a:endParaRPr lang="zh-TW" altLang="en-US" sz="2400" baseline="-25000" dirty="0"/>
@@ -46726,7 +46340,7 @@
             <a:p>
               <a:pPr algn="ctr"/>
               <a:r>
-                <a:rPr lang="en-US" altLang="zh-TW" sz="2400" dirty="0" smtClean="0"/>
+                <a:rPr lang="en-US" altLang="zh-TW" sz="2400" dirty="0"/>
                 <a:t>x</a:t>
               </a:r>
               <a:endParaRPr lang="zh-TW" altLang="en-US" sz="2400" dirty="0"/>
@@ -46757,7 +46371,7 @@
             <a:p>
               <a:pPr algn="ctr"/>
               <a:r>
-                <a:rPr lang="en-US" altLang="zh-TW" sz="2400" dirty="0" smtClean="0"/>
+                <a:rPr lang="en-US" altLang="zh-TW" sz="2400" dirty="0"/>
                 <a:t>y</a:t>
               </a:r>
               <a:endParaRPr lang="zh-TW" altLang="en-US" sz="2400" dirty="0"/>
@@ -46985,7 +46599,7 @@
                 <a:p>
                   <a:pPr algn="ctr"/>
                   <a:r>
-                    <a:rPr lang="en-US" altLang="zh-TW" sz="2400" dirty="0" smtClean="0"/>
+                    <a:rPr lang="en-US" altLang="zh-TW" sz="2400" dirty="0"/>
                     <a:t>d</a:t>
                   </a:r>
                   <a:r>
